--- a/saturn/epi(presumed)-vs-saturn.pptx
+++ b/saturn/epi(presumed)-vs-saturn.pptx
@@ -10335,7 +10335,7 @@
         </p:nvSpPr>
         <p:spPr>
           <a:xfrm>
-            <a:off x="323528" y="4508254"/>
+            <a:off x="323528" y="4365104"/>
             <a:ext cx="4152320" cy="2015936"/>
           </a:xfrm>
           <a:prstGeom prst="rect">
@@ -10370,47 +10370,8 @@
                 <a:latin typeface="Arial" panose="020B0604020202020204" pitchFamily="34" charset="0"/>
                 <a:cs typeface="Arial" panose="020B0604020202020204" pitchFamily="34" charset="0"/>
               </a:rPr>
-              <a:t>In the traditional architecture for card-based authorizations, a Merchant is connected an Acquirer which handles the </a:t>
+              <a:t>In the traditional architecture for card-based authorizations, a Merchant is connected an Acquirer which handles the communication with the Issuer Banks.  The Acquirer is the entity that usually has the business agreement with a Merchant as well. </a:t>
             </a:r>
-            <a:r>
-              <a:rPr lang="en-US" sz="1000" dirty="0" smtClean="0">
-                <a:latin typeface="Arial" panose="020B0604020202020204" pitchFamily="34" charset="0"/>
-                <a:cs typeface="Arial" panose="020B0604020202020204" pitchFamily="34" charset="0"/>
-              </a:rPr>
-              <a:t>communication with </a:t>
-            </a:r>
-            <a:r>
-              <a:rPr lang="en-US" sz="1000" dirty="0" smtClean="0">
-                <a:latin typeface="Arial" panose="020B0604020202020204" pitchFamily="34" charset="0"/>
-                <a:cs typeface="Arial" panose="020B0604020202020204" pitchFamily="34" charset="0"/>
-              </a:rPr>
-              <a:t>the Issuer Banks.  The Acquirer is the entity that </a:t>
-            </a:r>
-            <a:r>
-              <a:rPr lang="en-US" sz="1000" dirty="0" smtClean="0">
-                <a:latin typeface="Arial" panose="020B0604020202020204" pitchFamily="34" charset="0"/>
-                <a:cs typeface="Arial" panose="020B0604020202020204" pitchFamily="34" charset="0"/>
-              </a:rPr>
-              <a:t>usually has </a:t>
-            </a:r>
-            <a:r>
-              <a:rPr lang="en-US" sz="1000" dirty="0" smtClean="0">
-                <a:latin typeface="Arial" panose="020B0604020202020204" pitchFamily="34" charset="0"/>
-                <a:cs typeface="Arial" panose="020B0604020202020204" pitchFamily="34" charset="0"/>
-              </a:rPr>
-              <a:t>the business agreement with a </a:t>
-            </a:r>
-            <a:r>
-              <a:rPr lang="en-US" sz="1000" dirty="0" smtClean="0">
-                <a:latin typeface="Arial" panose="020B0604020202020204" pitchFamily="34" charset="0"/>
-                <a:cs typeface="Arial" panose="020B0604020202020204" pitchFamily="34" charset="0"/>
-              </a:rPr>
-              <a:t>Merchant as well. </a:t>
-            </a:r>
-            <a:endParaRPr lang="en-US" sz="1000" dirty="0" smtClean="0">
-              <a:latin typeface="Arial" panose="020B0604020202020204" pitchFamily="34" charset="0"/>
-              <a:cs typeface="Arial" panose="020B0604020202020204" pitchFamily="34" charset="0"/>
-            </a:endParaRPr>
           </a:p>
           <a:p>
             <a:pPr>
@@ -10506,8 +10467,8 @@
         </p:nvSpPr>
         <p:spPr>
           <a:xfrm>
-            <a:off x="4860032" y="4046589"/>
-            <a:ext cx="3963014" cy="2477601"/>
+            <a:off x="4860032" y="3933056"/>
+            <a:ext cx="3963014" cy="2708434"/>
           </a:xfrm>
           <a:prstGeom prst="rect">
             <a:avLst/>
@@ -10570,21 +10531,7 @@
                 <a:latin typeface="Arial" panose="020B0604020202020204" pitchFamily="34" charset="0"/>
                 <a:cs typeface="Arial" panose="020B0604020202020204" pitchFamily="34" charset="0"/>
               </a:rPr>
-              <a:t> (TS).  TS vouches for the Merchant’s validity including </a:t>
-            </a:r>
-            <a:r>
-              <a:rPr lang="en-US" sz="1000" dirty="0" smtClean="0">
-                <a:latin typeface="Arial" panose="020B0604020202020204" pitchFamily="34" charset="0"/>
-                <a:cs typeface="Arial" panose="020B0604020202020204" pitchFamily="34" charset="0"/>
-              </a:rPr>
-              <a:t>their claimed </a:t>
-            </a:r>
-            <a:r>
-              <a:rPr lang="en-US" sz="1000" dirty="0" smtClean="0">
-                <a:latin typeface="Arial" panose="020B0604020202020204" pitchFamily="34" charset="0"/>
-                <a:cs typeface="Arial" panose="020B0604020202020204" pitchFamily="34" charset="0"/>
-              </a:rPr>
-              <a:t>account number. </a:t>
+              <a:t> (TS).  TS vouches for the Merchant’s validity including their claimed account number. </a:t>
             </a:r>
           </a:p>
           <a:p>
@@ -10663,12 +10610,30 @@
               </a:rPr>
               <a:t> </a:t>
             </a:r>
+            <a:endParaRPr lang="en-US" sz="1000" dirty="0" smtClean="0">
+              <a:latin typeface="Arial" panose="020B0604020202020204" pitchFamily="34" charset="0"/>
+              <a:cs typeface="Arial" panose="020B0604020202020204" pitchFamily="34" charset="0"/>
+            </a:endParaRPr>
+          </a:p>
+          <a:p>
+            <a:pPr>
+              <a:spcBef>
+                <a:spcPts val="600"/>
+              </a:spcBef>
+            </a:pPr>
             <a:r>
               <a:rPr lang="en-US" sz="1000" dirty="0" smtClean="0">
                 <a:latin typeface="Arial" panose="020B0604020202020204" pitchFamily="34" charset="0"/>
                 <a:cs typeface="Arial" panose="020B0604020202020204" pitchFamily="34" charset="0"/>
               </a:rPr>
-              <a:t>The arrows in the diagram are </a:t>
+              <a:t>The </a:t>
+            </a:r>
+            <a:r>
+              <a:rPr lang="en-US" sz="1000" dirty="0" smtClean="0">
+                <a:latin typeface="Arial" panose="020B0604020202020204" pitchFamily="34" charset="0"/>
+                <a:cs typeface="Arial" panose="020B0604020202020204" pitchFamily="34" charset="0"/>
+              </a:rPr>
+              <a:t>arrows in the diagram are </a:t>
             </a:r>
             <a:r>
               <a:rPr lang="en-US" sz="1000" i="1" dirty="0" smtClean="0">
@@ -10701,43 +10666,7 @@
                 <a:latin typeface="Arial" panose="020B0604020202020204" pitchFamily="34" charset="0"/>
                 <a:cs typeface="Arial" panose="020B0604020202020204" pitchFamily="34" charset="0"/>
               </a:rPr>
-              <a:t>The actual payment business is entirely in the hands of the associated, fully decentralized network of </a:t>
-            </a:r>
-            <a:r>
-              <a:rPr lang="en-US" sz="1000" smtClean="0">
-                <a:solidFill>
-                  <a:schemeClr val="accent5">
-                    <a:lumMod val="75000"/>
-                  </a:schemeClr>
-                </a:solidFill>
-                <a:latin typeface="Arial" panose="020B0604020202020204" pitchFamily="34" charset="0"/>
-                <a:cs typeface="Arial" panose="020B0604020202020204" pitchFamily="34" charset="0"/>
-              </a:rPr>
-              <a:t>Banks </a:t>
-            </a:r>
-            <a:r>
-              <a:rPr lang="en-US" sz="1000" smtClean="0">
-                <a:solidFill>
-                  <a:schemeClr val="accent5">
-                    <a:lumMod val="75000"/>
-                  </a:schemeClr>
-                </a:solidFill>
-                <a:latin typeface="Arial" panose="020B0604020202020204" pitchFamily="34" charset="0"/>
-                <a:cs typeface="Arial" panose="020B0604020202020204" pitchFamily="34" charset="0"/>
-              </a:rPr>
-              <a:t>running a </a:t>
-            </a:r>
-            <a:r>
-              <a:rPr lang="en-US" sz="1000" dirty="0" smtClean="0">
-                <a:solidFill>
-                  <a:schemeClr val="accent5">
-                    <a:lumMod val="75000"/>
-                  </a:schemeClr>
-                </a:solidFill>
-                <a:latin typeface="Arial" panose="020B0604020202020204" pitchFamily="34" charset="0"/>
-                <a:cs typeface="Arial" panose="020B0604020202020204" pitchFamily="34" charset="0"/>
-              </a:rPr>
-              <a:t>specific payment scheme.</a:t>
+              <a:t>The actual payment business is entirely in the hands of the associated, fully decentralized network of Banks running a specific payment scheme.</a:t>
             </a:r>
             <a:endParaRPr lang="en-US" sz="1000" dirty="0">
               <a:solidFill>

--- a/saturn/epi(presumed)-vs-saturn.pptx
+++ b/saturn/epi(presumed)-vs-saturn.pptx
@@ -3103,7 +3103,7 @@
         </p:nvGrpSpPr>
         <p:grpSpPr>
           <a:xfrm>
-            <a:off x="5859234" y="2134010"/>
+            <a:off x="5688282" y="2135247"/>
             <a:ext cx="557162" cy="447881"/>
             <a:chOff x="3321759" y="524071"/>
             <a:chExt cx="557162" cy="447881"/>
@@ -9649,8 +9649,8 @@
         </p:nvCxnSpPr>
         <p:spPr>
           <a:xfrm flipV="1">
-            <a:off x="6516216" y="1469678"/>
-            <a:ext cx="944926" cy="846413"/>
+            <a:off x="6320089" y="1469678"/>
+            <a:ext cx="1141053" cy="930062"/>
           </a:xfrm>
           <a:prstGeom prst="straightConnector1">
             <a:avLst/>
@@ -10109,8 +10109,8 @@
         </p:nvSpPr>
         <p:spPr>
           <a:xfrm>
-            <a:off x="1475656" y="909874"/>
-            <a:ext cx="1744923" cy="2952328"/>
+            <a:off x="1405252" y="909873"/>
+            <a:ext cx="1897078" cy="3167199"/>
           </a:xfrm>
           <a:prstGeom prst="roundRect">
             <a:avLst>
@@ -10191,7 +10191,7 @@
         </p:nvSpPr>
         <p:spPr>
           <a:xfrm>
-            <a:off x="5672784" y="1826233"/>
+            <a:off x="5502938" y="1826233"/>
             <a:ext cx="930063" cy="307777"/>
           </a:xfrm>
           <a:prstGeom prst="rect">
@@ -10299,7 +10299,7 @@
         </p:nvSpPr>
         <p:spPr>
           <a:xfrm>
-            <a:off x="1475656" y="3914465"/>
+            <a:off x="1403648" y="3748028"/>
             <a:ext cx="1877437" cy="307777"/>
           </a:xfrm>
           <a:prstGeom prst="rect">
@@ -10313,6 +10313,7 @@
           </a:bodyPr>
           <a:lstStyle/>
           <a:p>
+            <a:pPr algn="ctr"/>
             <a:r>
               <a:rPr lang="en-US" sz="1400" dirty="0" smtClean="0">
                 <a:latin typeface="Arial" panose="020B0604020202020204" pitchFamily="34" charset="0"/>
@@ -10626,14 +10627,7 @@
                 <a:latin typeface="Arial" panose="020B0604020202020204" pitchFamily="34" charset="0"/>
                 <a:cs typeface="Arial" panose="020B0604020202020204" pitchFamily="34" charset="0"/>
               </a:rPr>
-              <a:t>The </a:t>
-            </a:r>
-            <a:r>
-              <a:rPr lang="en-US" sz="1000" dirty="0" smtClean="0">
-                <a:latin typeface="Arial" panose="020B0604020202020204" pitchFamily="34" charset="0"/>
-                <a:cs typeface="Arial" panose="020B0604020202020204" pitchFamily="34" charset="0"/>
-              </a:rPr>
-              <a:t>arrows in the diagram are </a:t>
+              <a:t>The arrows in the diagram are </a:t>
             </a:r>
             <a:r>
               <a:rPr lang="en-US" sz="1000" i="1" dirty="0" smtClean="0">
@@ -10688,7 +10682,7 @@
         </p:nvGrpSpPr>
         <p:grpSpPr>
           <a:xfrm>
-            <a:off x="5528474" y="2845187"/>
+            <a:off x="5528474" y="2970000"/>
             <a:ext cx="927282" cy="687559"/>
             <a:chOff x="4013200" y="3014663"/>
             <a:chExt cx="1117600" cy="828675"/>
@@ -11318,7 +11312,7 @@
         </p:nvSpPr>
         <p:spPr>
           <a:xfrm>
-            <a:off x="5292080" y="3493259"/>
+            <a:off x="5286914" y="2693422"/>
             <a:ext cx="1388522" cy="307777"/>
           </a:xfrm>
           <a:prstGeom prst="rect">
@@ -11520,7 +11514,7 @@
         </p:nvSpPr>
         <p:spPr>
           <a:xfrm>
-            <a:off x="6521102" y="1699654"/>
+            <a:off x="6521102" y="1744768"/>
             <a:ext cx="724608" cy="172064"/>
           </a:xfrm>
           <a:prstGeom prst="rect">

--- a/saturn/epi(presumed)-vs-saturn.pptx
+++ b/saturn/epi(presumed)-vs-saturn.pptx
@@ -3095,6 +3095,52 @@
           <a:chExt cx="0" cy="0"/>
         </a:xfrm>
       </p:grpSpPr>
+      <p:sp>
+        <p:nvSpPr>
+          <p:cNvPr id="318" name="Rounded Rectangle 317"/>
+          <p:cNvSpPr/>
+          <p:nvPr/>
+        </p:nvSpPr>
+        <p:spPr>
+          <a:xfrm>
+            <a:off x="1405252" y="909873"/>
+            <a:ext cx="1897078" cy="3167199"/>
+          </a:xfrm>
+          <a:prstGeom prst="roundRect">
+            <a:avLst>
+              <a:gd name="adj" fmla="val 11338"/>
+            </a:avLst>
+          </a:prstGeom>
+          <a:noFill/>
+          <a:ln w="9525">
+            <a:prstDash val="sysDash"/>
+          </a:ln>
+        </p:spPr>
+        <p:style>
+          <a:lnRef idx="2">
+            <a:schemeClr val="accent1">
+              <a:shade val="50000"/>
+            </a:schemeClr>
+          </a:lnRef>
+          <a:fillRef idx="1">
+            <a:schemeClr val="accent1"/>
+          </a:fillRef>
+          <a:effectRef idx="0">
+            <a:schemeClr val="accent1"/>
+          </a:effectRef>
+          <a:fontRef idx="minor">
+            <a:schemeClr val="lt1"/>
+          </a:fontRef>
+        </p:style>
+        <p:txBody>
+          <a:bodyPr rtlCol="0" anchor="ctr"/>
+          <a:lstStyle/>
+          <a:p>
+            <a:pPr algn="ctr"/>
+            <a:endParaRPr lang="en-US"/>
+          </a:p>
+        </p:txBody>
+      </p:sp>
       <p:grpSp>
         <p:nvGrpSpPr>
           <p:cNvPr id="36" name="Group 35"/>
@@ -10103,52 +10149,6 @@
       </p:sp>
       <p:sp>
         <p:nvSpPr>
-          <p:cNvPr id="318" name="Rounded Rectangle 317"/>
-          <p:cNvSpPr/>
-          <p:nvPr/>
-        </p:nvSpPr>
-        <p:spPr>
-          <a:xfrm>
-            <a:off x="1405252" y="909873"/>
-            <a:ext cx="1897078" cy="3167199"/>
-          </a:xfrm>
-          <a:prstGeom prst="roundRect">
-            <a:avLst>
-              <a:gd name="adj" fmla="val 11338"/>
-            </a:avLst>
-          </a:prstGeom>
-          <a:noFill/>
-          <a:ln w="9525">
-            <a:prstDash val="sysDash"/>
-          </a:ln>
-        </p:spPr>
-        <p:style>
-          <a:lnRef idx="2">
-            <a:schemeClr val="accent1">
-              <a:shade val="50000"/>
-            </a:schemeClr>
-          </a:lnRef>
-          <a:fillRef idx="1">
-            <a:schemeClr val="accent1"/>
-          </a:fillRef>
-          <a:effectRef idx="0">
-            <a:schemeClr val="accent1"/>
-          </a:effectRef>
-          <a:fontRef idx="minor">
-            <a:schemeClr val="lt1"/>
-          </a:fontRef>
-        </p:style>
-        <p:txBody>
-          <a:bodyPr rtlCol="0" anchor="ctr"/>
-          <a:lstStyle/>
-          <a:p>
-            <a:pPr algn="ctr"/>
-            <a:endParaRPr lang="en-US"/>
-          </a:p>
-        </p:txBody>
-      </p:sp>
-      <p:sp>
-        <p:nvSpPr>
           <p:cNvPr id="319" name="TextBox 318"/>
           <p:cNvSpPr txBox="1"/>
           <p:nvPr/>
@@ -10299,7 +10299,7 @@
         </p:nvSpPr>
         <p:spPr>
           <a:xfrm>
-            <a:off x="1403648" y="3748028"/>
+            <a:off x="1413601" y="3748028"/>
             <a:ext cx="1877437" cy="307777"/>
           </a:xfrm>
           <a:prstGeom prst="rect">
@@ -11514,10 +11514,10 @@
         </p:nvSpPr>
         <p:spPr>
           <a:xfrm>
-            <a:off x="6521102" y="1744768"/>
-            <a:ext cx="724608" cy="172064"/>
+            <a:off x="6521102" y="1739638"/>
+            <a:ext cx="738623" cy="182325"/>
           </a:xfrm>
-          <a:prstGeom prst="rect">
+          <a:prstGeom prst="roundRect">
             <a:avLst/>
           </a:prstGeom>
           <a:solidFill>
@@ -11539,7 +11539,7 @@
           </a:effectLst>
         </p:spPr>
         <p:txBody>
-          <a:bodyPr wrap="none" lIns="36000" tIns="0" rIns="72000" bIns="18000" rtlCol="0" anchor="ctr" anchorCtr="1">
+          <a:bodyPr wrap="none" lIns="36000" tIns="0" rIns="72000" bIns="10800" rtlCol="0" anchor="ctr" anchorCtr="1">
             <a:spAutoFit/>
           </a:bodyPr>
           <a:lstStyle/>
@@ -11549,7 +11549,14 @@
                 <a:latin typeface="Arial" panose="020B0604020202020204" pitchFamily="34" charset="0"/>
                 <a:cs typeface="Arial" panose="020B0604020202020204" pitchFamily="34" charset="0"/>
               </a:rPr>
-              <a:t>1. Request</a:t>
+              <a:t>1. </a:t>
+            </a:r>
+            <a:r>
+              <a:rPr lang="en-US" sz="1000" dirty="0" smtClean="0">
+                <a:latin typeface="Arial" panose="020B0604020202020204" pitchFamily="34" charset="0"/>
+                <a:cs typeface="Arial" panose="020B0604020202020204" pitchFamily="34" charset="0"/>
+              </a:rPr>
+              <a:t>Request</a:t>
             </a:r>
             <a:endParaRPr lang="en-US" sz="1000" dirty="0">
               <a:latin typeface="Arial" panose="020B0604020202020204" pitchFamily="34" charset="0"/>
@@ -11566,10 +11573,10 @@
         </p:nvSpPr>
         <p:spPr>
           <a:xfrm>
-            <a:off x="6549956" y="2463694"/>
-            <a:ext cx="666900" cy="172064"/>
+            <a:off x="6549956" y="2458564"/>
+            <a:ext cx="679799" cy="182325"/>
           </a:xfrm>
-          <a:prstGeom prst="rect">
+          <a:prstGeom prst="roundRect">
             <a:avLst/>
           </a:prstGeom>
           <a:solidFill>
@@ -11591,24 +11598,24 @@
           </a:effectLst>
         </p:spPr>
         <p:txBody>
-          <a:bodyPr wrap="none" lIns="36000" tIns="0" rIns="72000" bIns="18000" rtlCol="0" anchor="ctr" anchorCtr="1">
+          <a:bodyPr wrap="none" lIns="36000" tIns="0" rIns="72000" bIns="10800" rtlCol="0" anchor="ctr" anchorCtr="1">
             <a:spAutoFit/>
           </a:bodyPr>
           <a:lstStyle/>
           <a:p>
             <a:r>
-              <a:rPr lang="en-US" sz="1000" dirty="0">
+              <a:rPr lang="en-US" sz="1000" dirty="0" smtClean="0">
                 <a:latin typeface="Arial" panose="020B0604020202020204" pitchFamily="34" charset="0"/>
                 <a:cs typeface="Arial" panose="020B0604020202020204" pitchFamily="34" charset="0"/>
               </a:rPr>
-              <a:t>2</a:t>
+              <a:t>2. </a:t>
             </a:r>
             <a:r>
               <a:rPr lang="en-US" sz="1000" dirty="0" smtClean="0">
                 <a:latin typeface="Arial" panose="020B0604020202020204" pitchFamily="34" charset="0"/>
                 <a:cs typeface="Arial" panose="020B0604020202020204" pitchFamily="34" charset="0"/>
               </a:rPr>
-              <a:t>. Lookup</a:t>
+              <a:t>Lookup</a:t>
             </a:r>
             <a:endParaRPr lang="en-US" sz="1000" dirty="0">
               <a:latin typeface="Arial" panose="020B0604020202020204" pitchFamily="34" charset="0"/>
@@ -11630,6 +11637,13 @@
             <a:chOff x="7439528" y="2941466"/>
             <a:chExt cx="216024" cy="262996"/>
           </a:xfrm>
+          <a:effectLst>
+            <a:outerShdw blurRad="50800" dist="38100" dir="2700000" algn="tl" rotWithShape="0">
+              <a:prstClr val="black">
+                <a:alpha val="40000"/>
+              </a:prstClr>
+            </a:outerShdw>
+          </a:effectLst>
         </p:grpSpPr>
         <p:sp>
           <p:nvSpPr>

--- a/saturn/epi(presumed)-vs-saturn.pptx
+++ b/saturn/epi(presumed)-vs-saturn.pptx
@@ -10468,8 +10468,8 @@
         </p:nvSpPr>
         <p:spPr>
           <a:xfrm>
-            <a:off x="4860032" y="3933056"/>
-            <a:ext cx="3963014" cy="2708434"/>
+            <a:off x="4788024" y="3933056"/>
+            <a:ext cx="4032448" cy="2708434"/>
           </a:xfrm>
           <a:prstGeom prst="rect">
             <a:avLst/>
@@ -10588,7 +10588,21 @@
                 <a:latin typeface="Arial" panose="020B0604020202020204" pitchFamily="34" charset="0"/>
                 <a:cs typeface="Arial" panose="020B0604020202020204" pitchFamily="34" charset="0"/>
               </a:rPr>
-              <a:t> created during the user’s authorization, only </a:t>
+              <a:t> created during </a:t>
+            </a:r>
+            <a:r>
+              <a:rPr lang="en-US" sz="1000" dirty="0" smtClean="0">
+                <a:latin typeface="Arial" panose="020B0604020202020204" pitchFamily="34" charset="0"/>
+                <a:cs typeface="Arial" panose="020B0604020202020204" pitchFamily="34" charset="0"/>
+              </a:rPr>
+              <a:t>the (not shown here) </a:t>
+            </a:r>
+            <a:r>
+              <a:rPr lang="en-US" sz="1000" dirty="0" smtClean="0">
+                <a:latin typeface="Arial" panose="020B0604020202020204" pitchFamily="34" charset="0"/>
+                <a:cs typeface="Arial" panose="020B0604020202020204" pitchFamily="34" charset="0"/>
+              </a:rPr>
+              <a:t>user’s authorization, only </a:t>
             </a:r>
             <a:r>
               <a:rPr lang="en-US" sz="1000" i="1" dirty="0" smtClean="0">
@@ -11549,14 +11563,7 @@
                 <a:latin typeface="Arial" panose="020B0604020202020204" pitchFamily="34" charset="0"/>
                 <a:cs typeface="Arial" panose="020B0604020202020204" pitchFamily="34" charset="0"/>
               </a:rPr>
-              <a:t>1. </a:t>
-            </a:r>
-            <a:r>
-              <a:rPr lang="en-US" sz="1000" dirty="0" smtClean="0">
-                <a:latin typeface="Arial" panose="020B0604020202020204" pitchFamily="34" charset="0"/>
-                <a:cs typeface="Arial" panose="020B0604020202020204" pitchFamily="34" charset="0"/>
-              </a:rPr>
-              <a:t>Request</a:t>
+              <a:t>1. Request</a:t>
             </a:r>
             <a:endParaRPr lang="en-US" sz="1000" dirty="0">
               <a:latin typeface="Arial" panose="020B0604020202020204" pitchFamily="34" charset="0"/>
@@ -11608,14 +11615,7 @@
                 <a:latin typeface="Arial" panose="020B0604020202020204" pitchFamily="34" charset="0"/>
                 <a:cs typeface="Arial" panose="020B0604020202020204" pitchFamily="34" charset="0"/>
               </a:rPr>
-              <a:t>2. </a:t>
-            </a:r>
-            <a:r>
-              <a:rPr lang="en-US" sz="1000" dirty="0" smtClean="0">
-                <a:latin typeface="Arial" panose="020B0604020202020204" pitchFamily="34" charset="0"/>
-                <a:cs typeface="Arial" panose="020B0604020202020204" pitchFamily="34" charset="0"/>
-              </a:rPr>
-              <a:t>Lookup</a:t>
+              <a:t>2. Lookup</a:t>
             </a:r>
             <a:endParaRPr lang="en-US" sz="1000" dirty="0">
               <a:latin typeface="Arial" panose="020B0604020202020204" pitchFamily="34" charset="0"/>

--- a/saturn/epi(presumed)-vs-saturn.pptx
+++ b/saturn/epi(presumed)-vs-saturn.pptx
@@ -10574,35 +10574,70 @@
                 <a:latin typeface="Arial" panose="020B0604020202020204" pitchFamily="34" charset="0"/>
                 <a:cs typeface="Arial" panose="020B0604020202020204" pitchFamily="34" charset="0"/>
               </a:rPr>
-              <a:t>Though a </a:t>
+              <a:t>Security is maintained though </a:t>
+            </a:r>
+            <a:r>
+              <a:rPr lang="en-US" sz="1000" dirty="0" smtClean="0">
+                <a:latin typeface="Arial" panose="020B0604020202020204" pitchFamily="34" charset="0"/>
+                <a:cs typeface="Arial" panose="020B0604020202020204" pitchFamily="34" charset="0"/>
+              </a:rPr>
+              <a:t>a </a:t>
             </a:r>
             <a:r>
               <a:rPr lang="en-US" sz="1000" i="1" dirty="0" smtClean="0">
                 <a:latin typeface="Arial" panose="020B0604020202020204" pitchFamily="34" charset="0"/>
                 <a:cs typeface="Arial" panose="020B0604020202020204" pitchFamily="34" charset="0"/>
               </a:rPr>
-              <a:t>digital contract</a:t>
+              <a:t>digital </a:t>
+            </a:r>
+            <a:r>
+              <a:rPr lang="en-US" sz="1000" i="1" dirty="0" smtClean="0">
+                <a:latin typeface="Arial" panose="020B0604020202020204" pitchFamily="34" charset="0"/>
+                <a:cs typeface="Arial" panose="020B0604020202020204" pitchFamily="34" charset="0"/>
+              </a:rPr>
+              <a:t>contract</a:t>
             </a:r>
             <a:r>
               <a:rPr lang="en-US" sz="1000" dirty="0" smtClean="0">
                 <a:latin typeface="Arial" panose="020B0604020202020204" pitchFamily="34" charset="0"/>
                 <a:cs typeface="Arial" panose="020B0604020202020204" pitchFamily="34" charset="0"/>
               </a:rPr>
-              <a:t> created during </a:t>
+              <a:t> </a:t>
             </a:r>
             <a:r>
               <a:rPr lang="en-US" sz="1000" dirty="0" smtClean="0">
                 <a:latin typeface="Arial" panose="020B0604020202020204" pitchFamily="34" charset="0"/>
                 <a:cs typeface="Arial" panose="020B0604020202020204" pitchFamily="34" charset="0"/>
               </a:rPr>
-              <a:t>the (not shown here) </a:t>
+              <a:t>including the (not </a:t>
             </a:r>
             <a:r>
               <a:rPr lang="en-US" sz="1000" dirty="0" smtClean="0">
                 <a:latin typeface="Arial" panose="020B0604020202020204" pitchFamily="34" charset="0"/>
                 <a:cs typeface="Arial" panose="020B0604020202020204" pitchFamily="34" charset="0"/>
               </a:rPr>
-              <a:t>user’s authorization, only </a:t>
+              <a:t>shown here) </a:t>
+            </a:r>
+            <a:r>
+              <a:rPr lang="en-US" sz="1000" dirty="0" smtClean="0">
+                <a:latin typeface="Arial" panose="020B0604020202020204" pitchFamily="34" charset="0"/>
+                <a:cs typeface="Arial" panose="020B0604020202020204" pitchFamily="34" charset="0"/>
+              </a:rPr>
+              <a:t>user’s authorization.  </a:t>
+            </a:r>
+            <a:r>
+              <a:rPr lang="en-US" sz="1000" dirty="0">
+                <a:latin typeface="Arial" panose="020B0604020202020204" pitchFamily="34" charset="0"/>
+                <a:cs typeface="Arial" panose="020B0604020202020204" pitchFamily="34" charset="0"/>
+              </a:rPr>
+              <a:t>O</a:t>
+            </a:r>
+            <a:r>
+              <a:rPr lang="en-US" sz="1000" smtClean="0">
+                <a:latin typeface="Arial" panose="020B0604020202020204" pitchFamily="34" charset="0"/>
+                <a:cs typeface="Arial" panose="020B0604020202020204" pitchFamily="34" charset="0"/>
+              </a:rPr>
+              <a:t>nly </a:t>
             </a:r>
             <a:r>
               <a:rPr lang="en-US" sz="1000" i="1" dirty="0" smtClean="0">

--- a/saturn/epi(presumed)-vs-saturn.pptx
+++ b/saturn/epi(presumed)-vs-saturn.pptx
@@ -288,7 +288,7 @@
           <a:p>
             <a:fld id="{FC080E38-6FF2-48B3-BDAB-4FA23B840E92}" type="datetimeFigureOut">
               <a:rPr lang="en-US" smtClean="0"/>
-              <a:t>2020-11-26</a:t>
+              <a:t>2020-11-27</a:t>
             </a:fld>
             <a:endParaRPr lang="en-US"/>
           </a:p>
@@ -458,7 +458,7 @@
           <a:p>
             <a:fld id="{FC080E38-6FF2-48B3-BDAB-4FA23B840E92}" type="datetimeFigureOut">
               <a:rPr lang="en-US" smtClean="0"/>
-              <a:t>2020-11-26</a:t>
+              <a:t>2020-11-27</a:t>
             </a:fld>
             <a:endParaRPr lang="en-US"/>
           </a:p>
@@ -638,7 +638,7 @@
           <a:p>
             <a:fld id="{FC080E38-6FF2-48B3-BDAB-4FA23B840E92}" type="datetimeFigureOut">
               <a:rPr lang="en-US" smtClean="0"/>
-              <a:t>2020-11-26</a:t>
+              <a:t>2020-11-27</a:t>
             </a:fld>
             <a:endParaRPr lang="en-US"/>
           </a:p>
@@ -808,7 +808,7 @@
           <a:p>
             <a:fld id="{FC080E38-6FF2-48B3-BDAB-4FA23B840E92}" type="datetimeFigureOut">
               <a:rPr lang="en-US" smtClean="0"/>
-              <a:t>2020-11-26</a:t>
+              <a:t>2020-11-27</a:t>
             </a:fld>
             <a:endParaRPr lang="en-US"/>
           </a:p>
@@ -1054,7 +1054,7 @@
           <a:p>
             <a:fld id="{FC080E38-6FF2-48B3-BDAB-4FA23B840E92}" type="datetimeFigureOut">
               <a:rPr lang="en-US" smtClean="0"/>
-              <a:t>2020-11-26</a:t>
+              <a:t>2020-11-27</a:t>
             </a:fld>
             <a:endParaRPr lang="en-US"/>
           </a:p>
@@ -1342,7 +1342,7 @@
           <a:p>
             <a:fld id="{FC080E38-6FF2-48B3-BDAB-4FA23B840E92}" type="datetimeFigureOut">
               <a:rPr lang="en-US" smtClean="0"/>
-              <a:t>2020-11-26</a:t>
+              <a:t>2020-11-27</a:t>
             </a:fld>
             <a:endParaRPr lang="en-US"/>
           </a:p>
@@ -1764,7 +1764,7 @@
           <a:p>
             <a:fld id="{FC080E38-6FF2-48B3-BDAB-4FA23B840E92}" type="datetimeFigureOut">
               <a:rPr lang="en-US" smtClean="0"/>
-              <a:t>2020-11-26</a:t>
+              <a:t>2020-11-27</a:t>
             </a:fld>
             <a:endParaRPr lang="en-US"/>
           </a:p>
@@ -1882,7 +1882,7 @@
           <a:p>
             <a:fld id="{FC080E38-6FF2-48B3-BDAB-4FA23B840E92}" type="datetimeFigureOut">
               <a:rPr lang="en-US" smtClean="0"/>
-              <a:t>2020-11-26</a:t>
+              <a:t>2020-11-27</a:t>
             </a:fld>
             <a:endParaRPr lang="en-US"/>
           </a:p>
@@ -1977,7 +1977,7 @@
           <a:p>
             <a:fld id="{FC080E38-6FF2-48B3-BDAB-4FA23B840E92}" type="datetimeFigureOut">
               <a:rPr lang="en-US" smtClean="0"/>
-              <a:t>2020-11-26</a:t>
+              <a:t>2020-11-27</a:t>
             </a:fld>
             <a:endParaRPr lang="en-US"/>
           </a:p>
@@ -2254,7 +2254,7 @@
           <a:p>
             <a:fld id="{FC080E38-6FF2-48B3-BDAB-4FA23B840E92}" type="datetimeFigureOut">
               <a:rPr lang="en-US" smtClean="0"/>
-              <a:t>2020-11-26</a:t>
+              <a:t>2020-11-27</a:t>
             </a:fld>
             <a:endParaRPr lang="en-US"/>
           </a:p>
@@ -2507,7 +2507,7 @@
           <a:p>
             <a:fld id="{FC080E38-6FF2-48B3-BDAB-4FA23B840E92}" type="datetimeFigureOut">
               <a:rPr lang="en-US" smtClean="0"/>
-              <a:t>2020-11-26</a:t>
+              <a:t>2020-11-27</a:t>
             </a:fld>
             <a:endParaRPr lang="en-US"/>
           </a:p>
@@ -2720,7 +2720,7 @@
           <a:p>
             <a:fld id="{FC080E38-6FF2-48B3-BDAB-4FA23B840E92}" type="datetimeFigureOut">
               <a:rPr lang="en-US" smtClean="0"/>
-              <a:t>2020-11-26</a:t>
+              <a:t>2020-11-27</a:t>
             </a:fld>
             <a:endParaRPr lang="en-US"/>
           </a:p>
@@ -3095,6 +3095,141 @@
           <a:chExt cx="0" cy="0"/>
         </a:xfrm>
       </p:grpSpPr>
+      <p:cxnSp>
+        <p:nvCxnSpPr>
+          <p:cNvPr id="23" name="Straight Arrow Connector 22"/>
+          <p:cNvCxnSpPr>
+            <a:endCxn id="200" idx="1"/>
+          </p:cNvCxnSpPr>
+          <p:nvPr/>
+        </p:nvCxnSpPr>
+        <p:spPr>
+          <a:xfrm flipV="1">
+            <a:off x="6320089" y="1469678"/>
+            <a:ext cx="1141053" cy="930062"/>
+          </a:xfrm>
+          <a:prstGeom prst="straightConnector1">
+            <a:avLst/>
+          </a:prstGeom>
+          <a:ln w="9525">
+            <a:solidFill>
+              <a:schemeClr val="bg1">
+                <a:lumMod val="50000"/>
+              </a:schemeClr>
+            </a:solidFill>
+            <a:prstDash val="sysDash"/>
+            <a:tailEnd type="triangle" w="sm" len="sm"/>
+          </a:ln>
+        </p:spPr>
+        <p:style>
+          <a:lnRef idx="1">
+            <a:schemeClr val="accent1"/>
+          </a:lnRef>
+          <a:fillRef idx="0">
+            <a:schemeClr val="accent1"/>
+          </a:fillRef>
+          <a:effectRef idx="0">
+            <a:schemeClr val="accent1"/>
+          </a:effectRef>
+          <a:fontRef idx="minor">
+            <a:schemeClr val="tx1"/>
+          </a:fontRef>
+        </p:style>
+      </p:cxnSp>
+      <p:grpSp>
+        <p:nvGrpSpPr>
+          <p:cNvPr id="4" name="Group 3"/>
+          <p:cNvGrpSpPr/>
+          <p:nvPr/>
+        </p:nvGrpSpPr>
+        <p:grpSpPr>
+          <a:xfrm>
+            <a:off x="6414398" y="2045350"/>
+            <a:ext cx="354584" cy="246221"/>
+            <a:chOff x="6414398" y="2045350"/>
+            <a:chExt cx="354584" cy="246221"/>
+          </a:xfrm>
+        </p:grpSpPr>
+        <p:sp>
+          <p:nvSpPr>
+            <p:cNvPr id="2" name="Oval 1"/>
+            <p:cNvSpPr/>
+            <p:nvPr/>
+          </p:nvSpPr>
+          <p:spPr>
+            <a:xfrm>
+              <a:off x="6518614" y="2093005"/>
+              <a:ext cx="144000" cy="144000"/>
+            </a:xfrm>
+            <a:prstGeom prst="ellipse">
+              <a:avLst/>
+            </a:prstGeom>
+            <a:solidFill>
+              <a:schemeClr val="bg1"/>
+            </a:solidFill>
+            <a:ln>
+              <a:noFill/>
+            </a:ln>
+          </p:spPr>
+          <p:style>
+            <a:lnRef idx="2">
+              <a:schemeClr val="accent1">
+                <a:shade val="50000"/>
+              </a:schemeClr>
+            </a:lnRef>
+            <a:fillRef idx="1">
+              <a:schemeClr val="accent1"/>
+            </a:fillRef>
+            <a:effectRef idx="0">
+              <a:schemeClr val="accent1"/>
+            </a:effectRef>
+            <a:fontRef idx="minor">
+              <a:schemeClr val="lt1"/>
+            </a:fontRef>
+          </p:style>
+          <p:txBody>
+            <a:bodyPr rtlCol="0" anchor="ctr"/>
+            <a:lstStyle/>
+            <a:p>
+              <a:pPr algn="ctr"/>
+              <a:endParaRPr lang="en-US"/>
+            </a:p>
+          </p:txBody>
+        </p:sp>
+        <p:sp>
+          <p:nvSpPr>
+            <p:cNvPr id="164" name="TextBox 163"/>
+            <p:cNvSpPr txBox="1"/>
+            <p:nvPr/>
+          </p:nvSpPr>
+          <p:spPr>
+            <a:xfrm>
+              <a:off x="6414398" y="2045350"/>
+              <a:ext cx="354584" cy="246221"/>
+            </a:xfrm>
+            <a:prstGeom prst="rect">
+              <a:avLst/>
+            </a:prstGeom>
+            <a:noFill/>
+          </p:spPr>
+          <p:txBody>
+            <a:bodyPr wrap="none" rtlCol="0">
+              <a:spAutoFit/>
+            </a:bodyPr>
+            <a:lstStyle/>
+            <a:p>
+              <a:r>
+                <a:rPr lang="en-US" sz="1000" dirty="0" smtClean="0">
+                  <a:latin typeface="Calibri"/>
+                  <a:sym typeface="Wingdings"/>
+                </a:rPr>
+                <a:t>①</a:t>
+              </a:r>
+              <a:endParaRPr lang="en-US" sz="1000" dirty="0"/>
+            </a:p>
+          </p:txBody>
+        </p:sp>
+      </p:grpSp>
       <p:sp>
         <p:nvSpPr>
           <p:cNvPr id="318" name="Rounded Rectangle 317"/>
@@ -6970,7 +7105,7 @@
           <a:p>
             <a:pPr algn="ctr"/>
             <a:r>
-              <a:rPr lang="en-US" sz="1400" dirty="0" smtClean="0">
+              <a:rPr lang="en-US" sz="1200" dirty="0" smtClean="0">
                 <a:solidFill>
                   <a:schemeClr val="tx1"/>
                 </a:solidFill>
@@ -6979,7 +7114,7 @@
               </a:rPr>
               <a:t>Acquirer</a:t>
             </a:r>
-            <a:endParaRPr lang="en-US" sz="1400" dirty="0">
+            <a:endParaRPr lang="en-US" sz="1200" dirty="0">
               <a:solidFill>
                 <a:schemeClr val="tx1"/>
               </a:solidFill>
@@ -7058,7 +7193,7 @@
           <a:p>
             <a:pPr algn="ctr"/>
             <a:r>
-              <a:rPr lang="en-US" sz="1400" dirty="0" smtClean="0">
+              <a:rPr lang="en-US" sz="1200" dirty="0" smtClean="0">
                 <a:solidFill>
                   <a:schemeClr val="tx1"/>
                 </a:solidFill>
@@ -7067,7 +7202,7 @@
               </a:rPr>
               <a:t>Acquirer</a:t>
             </a:r>
-            <a:endParaRPr lang="en-US" sz="1400" dirty="0">
+            <a:endParaRPr lang="en-US" sz="1200" dirty="0">
               <a:solidFill>
                 <a:schemeClr val="tx1"/>
               </a:solidFill>
@@ -7776,7 +7911,7 @@
           <a:p>
             <a:pPr algn="ctr"/>
             <a:r>
-              <a:rPr lang="en-US" sz="1400" dirty="0" smtClean="0">
+              <a:rPr lang="en-US" sz="1200" dirty="0" smtClean="0">
                 <a:solidFill>
                   <a:schemeClr val="tx1"/>
                 </a:solidFill>
@@ -7785,7 +7920,7 @@
               </a:rPr>
               <a:t>Acquirer</a:t>
             </a:r>
-            <a:endParaRPr lang="en-US" sz="1400" dirty="0">
+            <a:endParaRPr lang="en-US" sz="1200" dirty="0">
               <a:solidFill>
                 <a:schemeClr val="tx1"/>
               </a:solidFill>
@@ -9685,47 +9820,6 @@
           </p:txBody>
         </p:sp>
       </p:grpSp>
-      <p:cxnSp>
-        <p:nvCxnSpPr>
-          <p:cNvPr id="23" name="Straight Arrow Connector 22"/>
-          <p:cNvCxnSpPr>
-            <a:endCxn id="200" idx="1"/>
-          </p:cNvCxnSpPr>
-          <p:nvPr/>
-        </p:nvCxnSpPr>
-        <p:spPr>
-          <a:xfrm flipV="1">
-            <a:off x="6320089" y="1469678"/>
-            <a:ext cx="1141053" cy="930062"/>
-          </a:xfrm>
-          <a:prstGeom prst="straightConnector1">
-            <a:avLst/>
-          </a:prstGeom>
-          <a:ln w="9525">
-            <a:solidFill>
-              <a:schemeClr val="bg1">
-                <a:lumMod val="50000"/>
-              </a:schemeClr>
-            </a:solidFill>
-            <a:prstDash val="sysDash"/>
-            <a:tailEnd type="triangle" w="sm" len="sm"/>
-          </a:ln>
-        </p:spPr>
-        <p:style>
-          <a:lnRef idx="1">
-            <a:schemeClr val="accent1"/>
-          </a:lnRef>
-          <a:fillRef idx="0">
-            <a:schemeClr val="accent1"/>
-          </a:fillRef>
-          <a:effectRef idx="0">
-            <a:schemeClr val="accent1"/>
-          </a:effectRef>
-          <a:fontRef idx="minor">
-            <a:schemeClr val="tx1"/>
-          </a:fontRef>
-        </p:style>
-      </p:cxnSp>
       <p:cxnSp>
         <p:nvCxnSpPr>
           <p:cNvPr id="305" name="Straight Arrow Connector 304"/>
@@ -10155,8 +10249,8 @@
         </p:nvSpPr>
         <p:spPr>
           <a:xfrm>
-            <a:off x="323528" y="1826233"/>
-            <a:ext cx="930063" cy="307777"/>
+            <a:off x="380354" y="1852063"/>
+            <a:ext cx="824265" cy="276999"/>
           </a:xfrm>
           <a:prstGeom prst="rect">
             <a:avLst/>
@@ -10169,14 +10263,15 @@
           </a:bodyPr>
           <a:lstStyle/>
           <a:p>
+            <a:pPr algn="ctr"/>
             <a:r>
-              <a:rPr lang="en-US" sz="1400" dirty="0" smtClean="0">
+              <a:rPr lang="en-US" sz="1200" dirty="0" smtClean="0">
                 <a:latin typeface="Arial" panose="020B0604020202020204" pitchFamily="34" charset="0"/>
                 <a:cs typeface="Arial" panose="020B0604020202020204" pitchFamily="34" charset="0"/>
               </a:rPr>
               <a:t>Merchant</a:t>
             </a:r>
-            <a:endParaRPr lang="en-US" sz="1400" dirty="0">
+            <a:endParaRPr lang="en-US" sz="1200" dirty="0">
               <a:latin typeface="Arial" panose="020B0604020202020204" pitchFamily="34" charset="0"/>
               <a:cs typeface="Arial" panose="020B0604020202020204" pitchFamily="34" charset="0"/>
             </a:endParaRPr>
@@ -10191,8 +10286,8 @@
         </p:nvSpPr>
         <p:spPr>
           <a:xfrm>
-            <a:off x="5502938" y="1826233"/>
-            <a:ext cx="930063" cy="307777"/>
+            <a:off x="5549432" y="1852063"/>
+            <a:ext cx="824265" cy="276999"/>
           </a:xfrm>
           <a:prstGeom prst="rect">
             <a:avLst/>
@@ -10205,14 +10300,15 @@
           </a:bodyPr>
           <a:lstStyle/>
           <a:p>
+            <a:pPr algn="ctr"/>
             <a:r>
-              <a:rPr lang="en-US" sz="1400" dirty="0" smtClean="0">
+              <a:rPr lang="en-US" sz="1200" dirty="0" smtClean="0">
                 <a:latin typeface="Arial" panose="020B0604020202020204" pitchFamily="34" charset="0"/>
                 <a:cs typeface="Arial" panose="020B0604020202020204" pitchFamily="34" charset="0"/>
               </a:rPr>
               <a:t>Merchant</a:t>
             </a:r>
-            <a:endParaRPr lang="en-US" sz="1400" dirty="0">
+            <a:endParaRPr lang="en-US" sz="1200" dirty="0">
               <a:latin typeface="Arial" panose="020B0604020202020204" pitchFamily="34" charset="0"/>
               <a:cs typeface="Arial" panose="020B0604020202020204" pitchFamily="34" charset="0"/>
             </a:endParaRPr>
@@ -10227,8 +10323,8 @@
         </p:nvSpPr>
         <p:spPr>
           <a:xfrm>
-            <a:off x="3480312" y="746113"/>
-            <a:ext cx="1220206" cy="307777"/>
+            <a:off x="3540598" y="775737"/>
+            <a:ext cx="1072730" cy="276999"/>
           </a:xfrm>
           <a:prstGeom prst="rect">
             <a:avLst/>
@@ -10241,14 +10337,15 @@
           </a:bodyPr>
           <a:lstStyle/>
           <a:p>
+            <a:pPr algn="ctr"/>
             <a:r>
-              <a:rPr lang="en-US" sz="1400" dirty="0" smtClean="0">
+              <a:rPr lang="en-US" sz="1200" dirty="0" smtClean="0">
                 <a:latin typeface="Arial" panose="020B0604020202020204" pitchFamily="34" charset="0"/>
                 <a:cs typeface="Arial" panose="020B0604020202020204" pitchFamily="34" charset="0"/>
               </a:rPr>
               <a:t>Issuer Banks</a:t>
             </a:r>
-            <a:endParaRPr lang="en-US" sz="1400" dirty="0">
+            <a:endParaRPr lang="en-US" sz="1200" dirty="0">
               <a:latin typeface="Arial" panose="020B0604020202020204" pitchFamily="34" charset="0"/>
               <a:cs typeface="Arial" panose="020B0604020202020204" pitchFamily="34" charset="0"/>
             </a:endParaRPr>
@@ -10263,8 +10360,8 @@
         </p:nvSpPr>
         <p:spPr>
           <a:xfrm>
-            <a:off x="7246628" y="746113"/>
-            <a:ext cx="1220206" cy="307777"/>
+            <a:off x="7356528" y="775737"/>
+            <a:ext cx="1072730" cy="276999"/>
           </a:xfrm>
           <a:prstGeom prst="rect">
             <a:avLst/>
@@ -10277,14 +10374,15 @@
           </a:bodyPr>
           <a:lstStyle/>
           <a:p>
+            <a:pPr algn="ctr"/>
             <a:r>
-              <a:rPr lang="en-US" sz="1400" dirty="0" smtClean="0">
+              <a:rPr lang="en-US" sz="1200" dirty="0" smtClean="0">
                 <a:latin typeface="Arial" panose="020B0604020202020204" pitchFamily="34" charset="0"/>
                 <a:cs typeface="Arial" panose="020B0604020202020204" pitchFamily="34" charset="0"/>
               </a:rPr>
               <a:t>Issuer Banks</a:t>
             </a:r>
-            <a:endParaRPr lang="en-US" sz="1400" dirty="0">
+            <a:endParaRPr lang="en-US" sz="1200" dirty="0">
               <a:latin typeface="Arial" panose="020B0604020202020204" pitchFamily="34" charset="0"/>
               <a:cs typeface="Arial" panose="020B0604020202020204" pitchFamily="34" charset="0"/>
             </a:endParaRPr>
@@ -10299,8 +10397,8 @@
         </p:nvSpPr>
         <p:spPr>
           <a:xfrm>
-            <a:off x="1413601" y="3748028"/>
-            <a:ext cx="1877437" cy="307777"/>
+            <a:off x="1556268" y="3773858"/>
+            <a:ext cx="1592103" cy="276999"/>
           </a:xfrm>
           <a:prstGeom prst="rect">
             <a:avLst/>
@@ -10315,13 +10413,13 @@
           <a:p>
             <a:pPr algn="ctr"/>
             <a:r>
-              <a:rPr lang="en-US" sz="1400" dirty="0" smtClean="0">
+              <a:rPr lang="en-US" sz="1200" dirty="0" smtClean="0">
                 <a:latin typeface="Arial" panose="020B0604020202020204" pitchFamily="34" charset="0"/>
                 <a:cs typeface="Arial" panose="020B0604020202020204" pitchFamily="34" charset="0"/>
               </a:rPr>
               <a:t>Acceptance Network</a:t>
             </a:r>
-            <a:endParaRPr lang="en-US" sz="1400" dirty="0">
+            <a:endParaRPr lang="en-US" sz="1200" dirty="0">
               <a:latin typeface="Arial" panose="020B0604020202020204" pitchFamily="34" charset="0"/>
               <a:cs typeface="Arial" panose="020B0604020202020204" pitchFamily="34" charset="0"/>
             </a:endParaRPr>
@@ -10570,100 +10668,103 @@
               </a:spcBef>
             </a:pPr>
             <a:r>
-              <a:rPr lang="en-US" sz="1000" dirty="0" smtClean="0">
+              <a:rPr lang="en-US" sz="1000" dirty="0">
                 <a:latin typeface="Arial" panose="020B0604020202020204" pitchFamily="34" charset="0"/>
                 <a:cs typeface="Arial" panose="020B0604020202020204" pitchFamily="34" charset="0"/>
               </a:rPr>
-              <a:t>Security is maintained though </a:t>
+              <a:t>Security with respect to </a:t>
             </a:r>
             <a:r>
               <a:rPr lang="en-US" sz="1000" dirty="0" smtClean="0">
                 <a:latin typeface="Arial" panose="020B0604020202020204" pitchFamily="34" charset="0"/>
                 <a:cs typeface="Arial" panose="020B0604020202020204" pitchFamily="34" charset="0"/>
               </a:rPr>
-              <a:t>a </a:t>
+              <a:t>requests </a:t>
+            </a:r>
+            <a:r>
+              <a:rPr lang="en-US" sz="1000" dirty="0">
+                <a:latin typeface="Arial" panose="020B0604020202020204" pitchFamily="34" charset="0"/>
+                <a:cs typeface="Arial" panose="020B0604020202020204" pitchFamily="34" charset="0"/>
+              </a:rPr>
+              <a:t>(1) is maintained </a:t>
+            </a:r>
+            <a:r>
+              <a:rPr lang="en-US" sz="1000" dirty="0" smtClean="0">
+                <a:latin typeface="Arial" panose="020B0604020202020204" pitchFamily="34" charset="0"/>
+                <a:cs typeface="Arial" panose="020B0604020202020204" pitchFamily="34" charset="0"/>
+              </a:rPr>
+              <a:t>through </a:t>
             </a:r>
             <a:r>
               <a:rPr lang="en-US" sz="1000" i="1" dirty="0" smtClean="0">
                 <a:latin typeface="Arial" panose="020B0604020202020204" pitchFamily="34" charset="0"/>
                 <a:cs typeface="Arial" panose="020B0604020202020204" pitchFamily="34" charset="0"/>
               </a:rPr>
-              <a:t>digital </a:t>
+              <a:t>mutually </a:t>
             </a:r>
             <a:r>
-              <a:rPr lang="en-US" sz="1000" i="1" dirty="0" smtClean="0">
+              <a:rPr lang="en-US" sz="1000" i="1" dirty="0">
                 <a:latin typeface="Arial" panose="020B0604020202020204" pitchFamily="34" charset="0"/>
                 <a:cs typeface="Arial" panose="020B0604020202020204" pitchFamily="34" charset="0"/>
               </a:rPr>
-              <a:t>contract</a:t>
+              <a:t>signed digital contracts</a:t>
+            </a:r>
+            <a:r>
+              <a:rPr lang="en-US" sz="1000" dirty="0">
+                <a:latin typeface="Arial" panose="020B0604020202020204" pitchFamily="34" charset="0"/>
+                <a:cs typeface="Arial" panose="020B0604020202020204" pitchFamily="34" charset="0"/>
+              </a:rPr>
+              <a:t> resulting </a:t>
             </a:r>
             <a:r>
               <a:rPr lang="en-US" sz="1000" dirty="0" smtClean="0">
                 <a:latin typeface="Arial" panose="020B0604020202020204" pitchFamily="34" charset="0"/>
                 <a:cs typeface="Arial" panose="020B0604020202020204" pitchFamily="34" charset="0"/>
               </a:rPr>
-              <a:t> </a:t>
+              <a:t>from the </a:t>
+            </a:r>
+            <a:r>
+              <a:rPr lang="en-US" sz="1000" dirty="0">
+                <a:latin typeface="Arial" panose="020B0604020202020204" pitchFamily="34" charset="0"/>
+                <a:cs typeface="Arial" panose="020B0604020202020204" pitchFamily="34" charset="0"/>
+              </a:rPr>
+              <a:t>(not shown here) Merchant and User authorization </a:t>
             </a:r>
             <a:r>
               <a:rPr lang="en-US" sz="1000" dirty="0" smtClean="0">
                 <a:latin typeface="Arial" panose="020B0604020202020204" pitchFamily="34" charset="0"/>
                 <a:cs typeface="Arial" panose="020B0604020202020204" pitchFamily="34" charset="0"/>
               </a:rPr>
-              <a:t>including the (not </a:t>
+              <a:t>step, combined </a:t>
+            </a:r>
+            <a:r>
+              <a:rPr lang="en-US" sz="1000" dirty="0">
+                <a:latin typeface="Arial" panose="020B0604020202020204" pitchFamily="34" charset="0"/>
+                <a:cs typeface="Arial" panose="020B0604020202020204" pitchFamily="34" charset="0"/>
+              </a:rPr>
+              <a:t>with TS </a:t>
             </a:r>
             <a:r>
               <a:rPr lang="en-US" sz="1000" dirty="0" smtClean="0">
                 <a:latin typeface="Arial" panose="020B0604020202020204" pitchFamily="34" charset="0"/>
                 <a:cs typeface="Arial" panose="020B0604020202020204" pitchFamily="34" charset="0"/>
               </a:rPr>
-              <a:t>shown here) </a:t>
+              <a:t>lookups </a:t>
+            </a:r>
+            <a:r>
+              <a:rPr lang="en-US" sz="1000" dirty="0">
+                <a:latin typeface="Arial" panose="020B0604020202020204" pitchFamily="34" charset="0"/>
+                <a:cs typeface="Arial" panose="020B0604020202020204" pitchFamily="34" charset="0"/>
+              </a:rPr>
+              <a:t>(2</a:t>
             </a:r>
             <a:r>
               <a:rPr lang="en-US" sz="1000" dirty="0" smtClean="0">
                 <a:latin typeface="Arial" panose="020B0604020202020204" pitchFamily="34" charset="0"/>
                 <a:cs typeface="Arial" panose="020B0604020202020204" pitchFamily="34" charset="0"/>
               </a:rPr>
-              <a:t>user’s authorization.  </a:t>
+              <a:t>).</a:t>
             </a:r>
-            <a:r>
-              <a:rPr lang="en-US" sz="1000" dirty="0">
-                <a:latin typeface="Arial" panose="020B0604020202020204" pitchFamily="34" charset="0"/>
-                <a:cs typeface="Arial" panose="020B0604020202020204" pitchFamily="34" charset="0"/>
-              </a:rPr>
-              <a:t>O</a:t>
-            </a:r>
-            <a:r>
-              <a:rPr lang="en-US" sz="1000" smtClean="0">
-                <a:latin typeface="Arial" panose="020B0604020202020204" pitchFamily="34" charset="0"/>
-                <a:cs typeface="Arial" panose="020B0604020202020204" pitchFamily="34" charset="0"/>
-              </a:rPr>
-              <a:t>nly </a:t>
-            </a:r>
-            <a:r>
-              <a:rPr lang="en-US" sz="1000" i="1" dirty="0" smtClean="0">
-                <a:latin typeface="Arial" panose="020B0604020202020204" pitchFamily="34" charset="0"/>
-                <a:cs typeface="Arial" panose="020B0604020202020204" pitchFamily="34" charset="0"/>
-              </a:rPr>
-              <a:t>mutually authorized transaction requests are accepted by the Issuer Banks</a:t>
-            </a:r>
-            <a:r>
-              <a:rPr lang="en-US" sz="1000" dirty="0" smtClean="0">
-                <a:latin typeface="Arial" panose="020B0604020202020204" pitchFamily="34" charset="0"/>
-                <a:cs typeface="Arial" panose="020B0604020202020204" pitchFamily="34" charset="0"/>
-              </a:rPr>
-              <a:t>. </a:t>
-            </a:r>
-            <a:r>
-              <a:rPr lang="en-US" sz="1000" dirty="0">
-                <a:latin typeface="Arial" panose="020B0604020202020204" pitchFamily="34" charset="0"/>
-                <a:cs typeface="Arial" panose="020B0604020202020204" pitchFamily="34" charset="0"/>
-              </a:rPr>
-              <a:t> </a:t>
-            </a:r>
-            <a:endParaRPr lang="en-US" sz="1000" dirty="0" smtClean="0">
-              <a:latin typeface="Arial" panose="020B0604020202020204" pitchFamily="34" charset="0"/>
-              <a:cs typeface="Arial" panose="020B0604020202020204" pitchFamily="34" charset="0"/>
-            </a:endParaRPr>
           </a:p>
           <a:p>
             <a:pPr>
@@ -10676,7 +10777,14 @@
                 <a:latin typeface="Arial" panose="020B0604020202020204" pitchFamily="34" charset="0"/>
                 <a:cs typeface="Arial" panose="020B0604020202020204" pitchFamily="34" charset="0"/>
               </a:rPr>
-              <a:t>The arrows in the diagram are </a:t>
+              <a:t>The </a:t>
+            </a:r>
+            <a:r>
+              <a:rPr lang="en-US" sz="1000" dirty="0" smtClean="0">
+                <a:latin typeface="Arial" panose="020B0604020202020204" pitchFamily="34" charset="0"/>
+                <a:cs typeface="Arial" panose="020B0604020202020204" pitchFamily="34" charset="0"/>
+              </a:rPr>
+              <a:t>arrows in the diagram are </a:t>
             </a:r>
             <a:r>
               <a:rPr lang="en-US" sz="1000" i="1" dirty="0" smtClean="0">
@@ -11361,8 +11469,8 @@
         </p:nvSpPr>
         <p:spPr>
           <a:xfrm>
-            <a:off x="5286914" y="2693422"/>
-            <a:ext cx="1388522" cy="307777"/>
+            <a:off x="5348906" y="2719953"/>
+            <a:ext cx="1217000" cy="276999"/>
           </a:xfrm>
           <a:prstGeom prst="rect">
             <a:avLst/>
@@ -11375,14 +11483,15 @@
           </a:bodyPr>
           <a:lstStyle/>
           <a:p>
+            <a:pPr algn="ctr"/>
             <a:r>
-              <a:rPr lang="en-US" sz="1400" dirty="0" smtClean="0">
+              <a:rPr lang="en-US" sz="1200" dirty="0" smtClean="0">
                 <a:latin typeface="Arial" panose="020B0604020202020204" pitchFamily="34" charset="0"/>
                 <a:cs typeface="Arial" panose="020B0604020202020204" pitchFamily="34" charset="0"/>
               </a:rPr>
               <a:t>Merchant Bank</a:t>
             </a:r>
-            <a:endParaRPr lang="en-US" sz="1400" dirty="0">
+            <a:endParaRPr lang="en-US" sz="1200" dirty="0">
               <a:latin typeface="Arial" panose="020B0604020202020204" pitchFamily="34" charset="0"/>
               <a:cs typeface="Arial" panose="020B0604020202020204" pitchFamily="34" charset="0"/>
             </a:endParaRPr>
@@ -11461,7 +11570,7 @@
           <a:p>
             <a:pPr algn="ctr"/>
             <a:r>
-              <a:rPr lang="en-US" sz="1400" dirty="0" smtClean="0">
+              <a:rPr lang="en-US" sz="1200" dirty="0" smtClean="0">
                 <a:solidFill>
                   <a:schemeClr val="tx1"/>
                 </a:solidFill>
@@ -11470,7 +11579,7 @@
               </a:rPr>
               <a:t>TS</a:t>
             </a:r>
-            <a:endParaRPr lang="en-US" sz="1400" dirty="0">
+            <a:endParaRPr lang="en-US" sz="1200" dirty="0">
               <a:solidFill>
                 <a:schemeClr val="tx1"/>
               </a:solidFill>
@@ -11546,7 +11655,21 @@
                 <a:latin typeface="Arial" panose="020B0604020202020204" pitchFamily="34" charset="0"/>
                 <a:cs typeface="Arial" panose="020B0604020202020204" pitchFamily="34" charset="0"/>
               </a:rPr>
-              <a:t>EPI (Presumed) versus Saturn, AR-2020-11-26</a:t>
+              <a:t>EPI (Presumed) versus Saturn</a:t>
+            </a:r>
+            <a:r>
+              <a:rPr lang="en-US" sz="800" smtClean="0">
+                <a:latin typeface="Arial" panose="020B0604020202020204" pitchFamily="34" charset="0"/>
+                <a:cs typeface="Arial" panose="020B0604020202020204" pitchFamily="34" charset="0"/>
+              </a:rPr>
+              <a:t>, </a:t>
+            </a:r>
+            <a:r>
+              <a:rPr lang="en-US" sz="800" smtClean="0">
+                <a:latin typeface="Arial" panose="020B0604020202020204" pitchFamily="34" charset="0"/>
+                <a:cs typeface="Arial" panose="020B0604020202020204" pitchFamily="34" charset="0"/>
+              </a:rPr>
+              <a:t>AR-2020-11-27</a:t>
             </a:r>
             <a:endParaRPr lang="en-US" sz="800" dirty="0">
               <a:latin typeface="Arial" panose="020B0604020202020204" pitchFamily="34" charset="0"/>
@@ -11563,8 +11686,8 @@
         </p:nvSpPr>
         <p:spPr>
           <a:xfrm>
-            <a:off x="6521102" y="1739638"/>
-            <a:ext cx="738623" cy="182325"/>
+            <a:off x="6588224" y="1739638"/>
+            <a:ext cx="563068" cy="182325"/>
           </a:xfrm>
           <a:prstGeom prst="roundRect">
             <a:avLst/>
@@ -11588,17 +11711,18 @@
           </a:effectLst>
         </p:spPr>
         <p:txBody>
-          <a:bodyPr wrap="none" lIns="36000" tIns="0" rIns="72000" bIns="10800" rtlCol="0" anchor="ctr" anchorCtr="1">
+          <a:bodyPr wrap="none" lIns="36000" tIns="0" rIns="36000" bIns="10800" rtlCol="0" anchor="ctr" anchorCtr="1">
             <a:spAutoFit/>
           </a:bodyPr>
           <a:lstStyle/>
           <a:p>
+            <a:pPr algn="ctr"/>
             <a:r>
               <a:rPr lang="en-US" sz="1000" dirty="0" smtClean="0">
                 <a:latin typeface="Arial" panose="020B0604020202020204" pitchFamily="34" charset="0"/>
                 <a:cs typeface="Arial" panose="020B0604020202020204" pitchFamily="34" charset="0"/>
               </a:rPr>
-              <a:t>1. Request</a:t>
+              <a:t>Request</a:t>
             </a:r>
             <a:endParaRPr lang="en-US" sz="1000" dirty="0">
               <a:latin typeface="Arial" panose="020B0604020202020204" pitchFamily="34" charset="0"/>
@@ -11615,8 +11739,8 @@
         </p:nvSpPr>
         <p:spPr>
           <a:xfrm>
-            <a:off x="6549956" y="2458564"/>
-            <a:ext cx="679799" cy="182325"/>
+            <a:off x="6617915" y="2412070"/>
+            <a:ext cx="503686" cy="182325"/>
           </a:xfrm>
           <a:prstGeom prst="roundRect">
             <a:avLst/>
@@ -11640,17 +11764,18 @@
           </a:effectLst>
         </p:spPr>
         <p:txBody>
-          <a:bodyPr wrap="none" lIns="36000" tIns="0" rIns="72000" bIns="10800" rtlCol="0" anchor="ctr" anchorCtr="1">
+          <a:bodyPr wrap="none" lIns="36000" tIns="0" rIns="36000" bIns="10800" rtlCol="0" anchor="ctr" anchorCtr="1">
             <a:spAutoFit/>
           </a:bodyPr>
           <a:lstStyle/>
           <a:p>
+            <a:pPr algn="ctr"/>
             <a:r>
               <a:rPr lang="en-US" sz="1000" dirty="0" smtClean="0">
                 <a:latin typeface="Arial" panose="020B0604020202020204" pitchFamily="34" charset="0"/>
                 <a:cs typeface="Arial" panose="020B0604020202020204" pitchFamily="34" charset="0"/>
               </a:rPr>
-              <a:t>2. Lookup</a:t>
+              <a:t>Lookup</a:t>
             </a:r>
             <a:endParaRPr lang="en-US" sz="1000" dirty="0">
               <a:latin typeface="Arial" panose="020B0604020202020204" pitchFamily="34" charset="0"/>
@@ -11768,6 +11893,100 @@
             </a:extLst>
           </p:spPr>
         </p:pic>
+      </p:grpSp>
+      <p:grpSp>
+        <p:nvGrpSpPr>
+          <p:cNvPr id="3" name="Group 2"/>
+          <p:cNvGrpSpPr/>
+          <p:nvPr/>
+        </p:nvGrpSpPr>
+        <p:grpSpPr>
+          <a:xfrm>
+            <a:off x="6966772" y="2044800"/>
+            <a:ext cx="354584" cy="246221"/>
+            <a:chOff x="6770900" y="2012786"/>
+            <a:chExt cx="354584" cy="246221"/>
+          </a:xfrm>
+        </p:grpSpPr>
+        <p:sp>
+          <p:nvSpPr>
+            <p:cNvPr id="167" name="Oval 166"/>
+            <p:cNvSpPr/>
+            <p:nvPr/>
+          </p:nvSpPr>
+          <p:spPr>
+            <a:xfrm>
+              <a:off x="6876272" y="2060848"/>
+              <a:ext cx="144000" cy="144000"/>
+            </a:xfrm>
+            <a:prstGeom prst="ellipse">
+              <a:avLst/>
+            </a:prstGeom>
+            <a:solidFill>
+              <a:schemeClr val="bg1"/>
+            </a:solidFill>
+            <a:ln>
+              <a:noFill/>
+            </a:ln>
+          </p:spPr>
+          <p:style>
+            <a:lnRef idx="2">
+              <a:schemeClr val="accent1">
+                <a:shade val="50000"/>
+              </a:schemeClr>
+            </a:lnRef>
+            <a:fillRef idx="1">
+              <a:schemeClr val="accent1"/>
+            </a:fillRef>
+            <a:effectRef idx="0">
+              <a:schemeClr val="accent1"/>
+            </a:effectRef>
+            <a:fontRef idx="minor">
+              <a:schemeClr val="lt1"/>
+            </a:fontRef>
+          </p:style>
+          <p:txBody>
+            <a:bodyPr rtlCol="0" anchor="ctr"/>
+            <a:lstStyle/>
+            <a:p>
+              <a:pPr algn="ctr"/>
+              <a:endParaRPr lang="en-US"/>
+            </a:p>
+          </p:txBody>
+        </p:sp>
+        <p:sp>
+          <p:nvSpPr>
+            <p:cNvPr id="165" name="TextBox 164"/>
+            <p:cNvSpPr txBox="1"/>
+            <p:nvPr/>
+          </p:nvSpPr>
+          <p:spPr>
+            <a:xfrm>
+              <a:off x="6770900" y="2012786"/>
+              <a:ext cx="354584" cy="246221"/>
+            </a:xfrm>
+            <a:prstGeom prst="rect">
+              <a:avLst/>
+            </a:prstGeom>
+            <a:noFill/>
+          </p:spPr>
+          <p:txBody>
+            <a:bodyPr wrap="none" rtlCol="0">
+              <a:spAutoFit/>
+            </a:bodyPr>
+            <a:lstStyle/>
+            <a:p>
+              <a:r>
+                <a:rPr lang="en-US" sz="1000" dirty="0" smtClean="0">
+                  <a:latin typeface="Calibri"/>
+                  <a:sym typeface="Wingdings"/>
+                </a:rPr>
+                <a:t>②</a:t>
+              </a:r>
+              <a:endParaRPr lang="en-US" sz="1000" dirty="0"/>
+            </a:p>
+          </p:txBody>
+        </p:sp>
       </p:grpSp>
     </p:spTree>
     <p:extLst>

--- a/saturn/epi(presumed)-vs-saturn.pptx
+++ b/saturn/epi(presumed)-vs-saturn.pptx
@@ -3238,8 +3238,8 @@
         </p:nvSpPr>
         <p:spPr>
           <a:xfrm>
-            <a:off x="1405252" y="909873"/>
-            <a:ext cx="1897078" cy="3167199"/>
+            <a:off x="1547664" y="909873"/>
+            <a:ext cx="1826674" cy="3167199"/>
           </a:xfrm>
           <a:prstGeom prst="roundRect">
             <a:avLst>
@@ -5810,7 +5810,7 @@
         </p:nvGrpSpPr>
         <p:grpSpPr>
           <a:xfrm>
-            <a:off x="509978" y="2134010"/>
+            <a:off x="700172" y="2134010"/>
             <a:ext cx="557162" cy="447881"/>
             <a:chOff x="3321759" y="524071"/>
             <a:chExt cx="557162" cy="447881"/>
@@ -7044,8 +7044,8 @@
         </p:nvSpPr>
         <p:spPr>
           <a:xfrm>
-            <a:off x="1694886" y="3017411"/>
-            <a:ext cx="1217725" cy="591783"/>
+            <a:off x="1907824" y="3017411"/>
+            <a:ext cx="1080000" cy="591783"/>
           </a:xfrm>
           <a:prstGeom prst="ellipse">
             <a:avLst/>
@@ -7132,8 +7132,8 @@
         </p:nvSpPr>
         <p:spPr>
           <a:xfrm>
-            <a:off x="1694886" y="2095598"/>
-            <a:ext cx="1217725" cy="591783"/>
+            <a:off x="1907824" y="2095598"/>
+            <a:ext cx="1080000" cy="591783"/>
           </a:xfrm>
           <a:prstGeom prst="ellipse">
             <a:avLst/>
@@ -7850,8 +7850,8 @@
         </p:nvSpPr>
         <p:spPr>
           <a:xfrm>
-            <a:off x="1694886" y="1173786"/>
-            <a:ext cx="1217725" cy="591783"/>
+            <a:off x="1907824" y="1173786"/>
+            <a:ext cx="1080000" cy="591783"/>
           </a:xfrm>
           <a:prstGeom prst="ellipse">
             <a:avLst/>
@@ -7938,7 +7938,7 @@
         </p:nvGrpSpPr>
         <p:grpSpPr>
           <a:xfrm>
-            <a:off x="3644718" y="2969523"/>
+            <a:off x="3716726" y="2969523"/>
             <a:ext cx="927282" cy="687559"/>
             <a:chOff x="4013200" y="3014663"/>
             <a:chExt cx="1117600" cy="828675"/>
@@ -8568,7 +8568,7 @@
         </p:nvGrpSpPr>
         <p:grpSpPr>
           <a:xfrm>
-            <a:off x="3644718" y="2047710"/>
+            <a:off x="3716726" y="2047710"/>
             <a:ext cx="927282" cy="687559"/>
             <a:chOff x="4013200" y="3014663"/>
             <a:chExt cx="1117600" cy="828675"/>
@@ -9198,7 +9198,7 @@
         </p:nvGrpSpPr>
         <p:grpSpPr>
           <a:xfrm>
-            <a:off x="3644718" y="1125898"/>
+            <a:off x="3716726" y="1125898"/>
             <a:ext cx="927282" cy="687559"/>
             <a:chOff x="4013200" y="3014663"/>
             <a:chExt cx="1117600" cy="828675"/>
@@ -9828,7 +9828,7 @@
         </p:nvCxnSpPr>
         <p:spPr>
           <a:xfrm>
-            <a:off x="1115616" y="2435973"/>
+            <a:off x="1305810" y="2435973"/>
             <a:ext cx="579270" cy="691610"/>
           </a:xfrm>
           <a:prstGeom prst="straightConnector1">
@@ -9866,7 +9866,7 @@
         </p:nvCxnSpPr>
         <p:spPr>
           <a:xfrm>
-            <a:off x="2987824" y="3313302"/>
+            <a:off x="3059832" y="3313302"/>
             <a:ext cx="656894" cy="1"/>
           </a:xfrm>
           <a:prstGeom prst="straightConnector1">
@@ -9904,7 +9904,7 @@
         </p:nvCxnSpPr>
         <p:spPr>
           <a:xfrm flipV="1">
-            <a:off x="2987824" y="2422042"/>
+            <a:off x="3059832" y="2422042"/>
             <a:ext cx="656894" cy="11660"/>
           </a:xfrm>
           <a:prstGeom prst="straightConnector1">
@@ -9942,7 +9942,7 @@
         </p:nvCxnSpPr>
         <p:spPr>
           <a:xfrm flipV="1">
-            <a:off x="2987824" y="1485939"/>
+            <a:off x="3059832" y="1485939"/>
             <a:ext cx="656894" cy="4957"/>
           </a:xfrm>
           <a:prstGeom prst="straightConnector1">
@@ -9980,7 +9980,7 @@
         </p:nvCxnSpPr>
         <p:spPr>
           <a:xfrm>
-            <a:off x="2987824" y="1625103"/>
+            <a:off x="3059832" y="1625103"/>
             <a:ext cx="648072" cy="690988"/>
           </a:xfrm>
           <a:prstGeom prst="straightConnector1">
@@ -10018,7 +10018,7 @@
         </p:nvCxnSpPr>
         <p:spPr>
           <a:xfrm>
-            <a:off x="2987824" y="2546915"/>
+            <a:off x="3059832" y="2546915"/>
             <a:ext cx="629013" cy="663649"/>
           </a:xfrm>
           <a:prstGeom prst="straightConnector1">
@@ -10056,7 +10056,7 @@
         </p:nvCxnSpPr>
         <p:spPr>
           <a:xfrm flipV="1">
-            <a:off x="2974235" y="1593089"/>
+            <a:off x="3046243" y="1593089"/>
             <a:ext cx="630024" cy="671477"/>
           </a:xfrm>
           <a:prstGeom prst="straightConnector1">
@@ -10094,7 +10094,7 @@
         </p:nvCxnSpPr>
         <p:spPr>
           <a:xfrm>
-            <a:off x="2912611" y="1696230"/>
+            <a:off x="2984619" y="1696230"/>
             <a:ext cx="705237" cy="1372080"/>
           </a:xfrm>
           <a:prstGeom prst="straightConnector1">
@@ -10132,7 +10132,7 @@
         </p:nvCxnSpPr>
         <p:spPr>
           <a:xfrm flipV="1">
-            <a:off x="2968337" y="2546915"/>
+            <a:off x="3040345" y="2546915"/>
             <a:ext cx="648500" cy="638242"/>
           </a:xfrm>
           <a:prstGeom prst="straightConnector1">
@@ -10170,7 +10170,7 @@
         </p:nvCxnSpPr>
         <p:spPr>
           <a:xfrm flipV="1">
-            <a:off x="2843808" y="1731169"/>
+            <a:off x="2915816" y="1731169"/>
             <a:ext cx="753070" cy="1337142"/>
           </a:xfrm>
           <a:prstGeom prst="straightConnector1">
@@ -10249,7 +10249,7 @@
         </p:nvSpPr>
         <p:spPr>
           <a:xfrm>
-            <a:off x="380354" y="1852063"/>
+            <a:off x="570548" y="1852063"/>
             <a:ext cx="824265" cy="276999"/>
           </a:xfrm>
           <a:prstGeom prst="rect">
@@ -10397,7 +10397,7 @@
         </p:nvSpPr>
         <p:spPr>
           <a:xfrm>
-            <a:off x="1556268" y="3773858"/>
+            <a:off x="1664438" y="3773858"/>
             <a:ext cx="1592103" cy="276999"/>
           </a:xfrm>
           <a:prstGeom prst="rect">
@@ -10724,11 +10724,18 @@
               <a:t>from the </a:t>
             </a:r>
             <a:r>
+              <a:rPr lang="en-US" sz="1000" dirty="0" smtClean="0">
+                <a:latin typeface="Arial" panose="020B0604020202020204" pitchFamily="34" charset="0"/>
+                <a:cs typeface="Arial" panose="020B0604020202020204" pitchFamily="34" charset="0"/>
+              </a:rPr>
+              <a:t>Merchant </a:t>
+            </a:r>
+            <a:r>
               <a:rPr lang="en-US" sz="1000" dirty="0">
                 <a:latin typeface="Arial" panose="020B0604020202020204" pitchFamily="34" charset="0"/>
                 <a:cs typeface="Arial" panose="020B0604020202020204" pitchFamily="34" charset="0"/>
               </a:rPr>
-              <a:t>(not shown here) Merchant and User authorization </a:t>
+              <a:t>and User authorization </a:t>
             </a:r>
             <a:r>
               <a:rPr lang="en-US" sz="1000" dirty="0" smtClean="0">
@@ -10777,14 +10784,7 @@
                 <a:latin typeface="Arial" panose="020B0604020202020204" pitchFamily="34" charset="0"/>
                 <a:cs typeface="Arial" panose="020B0604020202020204" pitchFamily="34" charset="0"/>
               </a:rPr>
-              <a:t>The </a:t>
-            </a:r>
-            <a:r>
-              <a:rPr lang="en-US" sz="1000" dirty="0" smtClean="0">
-                <a:latin typeface="Arial" panose="020B0604020202020204" pitchFamily="34" charset="0"/>
-                <a:cs typeface="Arial" panose="020B0604020202020204" pitchFamily="34" charset="0"/>
-              </a:rPr>
-              <a:t>arrows in the diagram are </a:t>
+              <a:t>The arrows in the diagram are </a:t>
             </a:r>
             <a:r>
               <a:rPr lang="en-US" sz="1000" i="1" dirty="0" smtClean="0">
@@ -11506,8 +11506,8 @@
         </p:nvSpPr>
         <p:spPr>
           <a:xfrm>
-            <a:off x="6455756" y="3007198"/>
-            <a:ext cx="360000" cy="360000"/>
+            <a:off x="6414461" y="3007198"/>
+            <a:ext cx="324000" cy="324000"/>
           </a:xfrm>
           <a:prstGeom prst="ellipse">
             <a:avLst/>
@@ -11597,8 +11597,8 @@
         </p:nvCxnSpPr>
         <p:spPr>
           <a:xfrm flipH="1">
-            <a:off x="6732240" y="1593089"/>
-            <a:ext cx="720080" cy="1376434"/>
+            <a:off x="6705600" y="1593089"/>
+            <a:ext cx="746720" cy="1408416"/>
           </a:xfrm>
           <a:prstGeom prst="straightConnector1">
             <a:avLst/>
@@ -11637,7 +11637,7 @@
         <p:spPr>
           <a:xfrm>
             <a:off x="-5832" y="6654442"/>
-            <a:ext cx="2345514" cy="215444"/>
+            <a:ext cx="2432076" cy="215444"/>
           </a:xfrm>
           <a:prstGeom prst="rect">
             <a:avLst/>
@@ -11655,21 +11655,14 @@
                 <a:latin typeface="Arial" panose="020B0604020202020204" pitchFamily="34" charset="0"/>
                 <a:cs typeface="Arial" panose="020B0604020202020204" pitchFamily="34" charset="0"/>
               </a:rPr>
-              <a:t>EPI (Presumed) versus Saturn</a:t>
+              <a:t>EPI (Presumed) versus Saturn, </a:t>
             </a:r>
             <a:r>
-              <a:rPr lang="en-US" sz="800" smtClean="0">
+              <a:rPr lang="en-US" sz="800" dirty="0" smtClean="0">
                 <a:latin typeface="Arial" panose="020B0604020202020204" pitchFamily="34" charset="0"/>
                 <a:cs typeface="Arial" panose="020B0604020202020204" pitchFamily="34" charset="0"/>
               </a:rPr>
-              <a:t>, </a:t>
-            </a:r>
-            <a:r>
-              <a:rPr lang="en-US" sz="800" smtClean="0">
-                <a:latin typeface="Arial" panose="020B0604020202020204" pitchFamily="34" charset="0"/>
-                <a:cs typeface="Arial" panose="020B0604020202020204" pitchFamily="34" charset="0"/>
-              </a:rPr>
-              <a:t>AR-2020-11-27</a:t>
+              <a:t>AR-2020-11-27:3</a:t>
             </a:r>
             <a:endParaRPr lang="en-US" sz="800" dirty="0">
               <a:latin typeface="Arial" panose="020B0604020202020204" pitchFamily="34" charset="0"/>
@@ -11792,7 +11785,7 @@
         </p:nvGrpSpPr>
         <p:grpSpPr>
           <a:xfrm>
-            <a:off x="6670563" y="3293368"/>
+            <a:off x="6629268" y="3257190"/>
             <a:ext cx="288000" cy="315826"/>
             <a:chOff x="7439528" y="2941466"/>
             <a:chExt cx="216024" cy="262996"/>
@@ -11988,6 +11981,920 @@
           </p:txBody>
         </p:sp>
       </p:grpSp>
+      <p:pic>
+        <p:nvPicPr>
+          <p:cNvPr id="170" name="Picture 6" descr="C:\Users\Anders\AppData\Local\Microsoft\Windows\INetCache\IE\10FYNQXY\Crystal_Clear_kdm_user_female[1].png"/>
+          <p:cNvPicPr>
+            <a:picLocks noChangeAspect="1" noChangeArrowheads="1"/>
+          </p:cNvPicPr>
+          <p:nvPr/>
+        </p:nvPicPr>
+        <p:blipFill>
+          <a:blip r:embed="rId5" cstate="print">
+            <a:extLst>
+              <a:ext uri="{28A0092B-C50C-407E-A947-70E740481C1C}">
+                <a14:useLocalDpi xmlns:a14="http://schemas.microsoft.com/office/drawing/2010/main" val="0"/>
+              </a:ext>
+            </a:extLst>
+          </a:blip>
+          <a:srcRect/>
+          <a:stretch>
+            <a:fillRect/>
+          </a:stretch>
+        </p:blipFill>
+        <p:spPr bwMode="auto">
+          <a:xfrm>
+            <a:off x="5703998" y="1086247"/>
+            <a:ext cx="540000" cy="540000"/>
+          </a:xfrm>
+          <a:prstGeom prst="rect">
+            <a:avLst/>
+          </a:prstGeom>
+          <a:noFill/>
+          <a:effectLst>
+            <a:outerShdw blurRad="50800" dist="38100" dir="2700000" algn="tl" rotWithShape="0">
+              <a:prstClr val="black">
+                <a:alpha val="40000"/>
+              </a:prstClr>
+            </a:outerShdw>
+          </a:effectLst>
+          <a:extLst>
+            <a:ext uri="{909E8E84-426E-40DD-AFC4-6F175D3DCCD1}">
+              <a14:hiddenFill xmlns:a14="http://schemas.microsoft.com/office/drawing/2010/main">
+                <a:solidFill>
+                  <a:srgbClr val="FFFFFF"/>
+                </a:solidFill>
+              </a14:hiddenFill>
+            </a:ext>
+          </a:extLst>
+        </p:spPr>
+      </p:pic>
+      <p:grpSp>
+        <p:nvGrpSpPr>
+          <p:cNvPr id="179" name="Group 178"/>
+          <p:cNvGrpSpPr/>
+          <p:nvPr/>
+        </p:nvGrpSpPr>
+        <p:grpSpPr>
+          <a:xfrm>
+            <a:off x="5323300" y="1160800"/>
+            <a:ext cx="359900" cy="468000"/>
+            <a:chOff x="5523510" y="2050055"/>
+            <a:chExt cx="359900" cy="502719"/>
+          </a:xfrm>
+        </p:grpSpPr>
+        <p:pic>
+          <p:nvPicPr>
+            <p:cNvPr id="180" name="Picture 4" descr="C:\Users\Anders\AppData\Local\Microsoft\Windows\INetCache\IE\YM8GPEOA\mobile[1].png"/>
+            <p:cNvPicPr>
+              <a:picLocks noChangeAspect="1" noChangeArrowheads="1"/>
+            </p:cNvPicPr>
+            <p:nvPr/>
+          </p:nvPicPr>
+          <p:blipFill>
+            <a:blip r:embed="rId6" cstate="print">
+              <a:extLst>
+                <a:ext uri="{28A0092B-C50C-407E-A947-70E740481C1C}">
+                  <a14:useLocalDpi xmlns:a14="http://schemas.microsoft.com/office/drawing/2010/main" val="0"/>
+                </a:ext>
+              </a:extLst>
+            </a:blip>
+            <a:srcRect/>
+            <a:stretch>
+              <a:fillRect/>
+            </a:stretch>
+          </p:blipFill>
+          <p:spPr bwMode="auto">
+            <a:xfrm rot="10800000">
+              <a:off x="5527737" y="2050055"/>
+              <a:ext cx="355673" cy="502719"/>
+            </a:xfrm>
+            <a:prstGeom prst="rect">
+              <a:avLst/>
+            </a:prstGeom>
+            <a:noFill/>
+            <a:effectLst>
+              <a:outerShdw blurRad="50800" dist="38100" dir="2700000" algn="tl" rotWithShape="0">
+                <a:prstClr val="black">
+                  <a:alpha val="40000"/>
+                </a:prstClr>
+              </a:outerShdw>
+            </a:effectLst>
+            <a:extLst>
+              <a:ext uri="{909E8E84-426E-40DD-AFC4-6F175D3DCCD1}">
+                <a14:hiddenFill xmlns:a14="http://schemas.microsoft.com/office/drawing/2010/main">
+                  <a:solidFill>
+                    <a:srgbClr val="FFFFFF"/>
+                  </a:solidFill>
+                </a14:hiddenFill>
+              </a:ext>
+            </a:extLst>
+          </p:spPr>
+        </p:pic>
+        <p:sp>
+          <p:nvSpPr>
+            <p:cNvPr id="181" name="Rectangle 180"/>
+            <p:cNvSpPr/>
+            <p:nvPr/>
+          </p:nvSpPr>
+          <p:spPr>
+            <a:xfrm>
+              <a:off x="5591696" y="2129999"/>
+              <a:ext cx="219600" cy="345600"/>
+            </a:xfrm>
+            <a:prstGeom prst="rect">
+              <a:avLst/>
+            </a:prstGeom>
+            <a:solidFill>
+              <a:schemeClr val="bg1"/>
+            </a:solidFill>
+            <a:ln>
+              <a:noFill/>
+            </a:ln>
+          </p:spPr>
+          <p:style>
+            <a:lnRef idx="2">
+              <a:schemeClr val="accent1">
+                <a:shade val="50000"/>
+              </a:schemeClr>
+            </a:lnRef>
+            <a:fillRef idx="1">
+              <a:schemeClr val="accent1"/>
+            </a:fillRef>
+            <a:effectRef idx="0">
+              <a:schemeClr val="accent1"/>
+            </a:effectRef>
+            <a:fontRef idx="minor">
+              <a:schemeClr val="lt1"/>
+            </a:fontRef>
+          </p:style>
+          <p:txBody>
+            <a:bodyPr rtlCol="0" anchor="ctr"/>
+            <a:lstStyle/>
+            <a:p>
+              <a:pPr algn="ctr"/>
+              <a:endParaRPr lang="en-US"/>
+            </a:p>
+          </p:txBody>
+        </p:sp>
+        <p:sp>
+          <p:nvSpPr>
+            <p:cNvPr id="182" name="TextBox 181"/>
+            <p:cNvSpPr txBox="1"/>
+            <p:nvPr/>
+          </p:nvSpPr>
+          <p:spPr>
+            <a:xfrm>
+              <a:off x="5523510" y="2114240"/>
+              <a:ext cx="357790" cy="184666"/>
+            </a:xfrm>
+            <a:prstGeom prst="rect">
+              <a:avLst/>
+            </a:prstGeom>
+            <a:noFill/>
+          </p:spPr>
+          <p:txBody>
+            <a:bodyPr wrap="none" rtlCol="0">
+              <a:spAutoFit/>
+            </a:bodyPr>
+            <a:lstStyle/>
+            <a:p>
+              <a:r>
+                <a:rPr lang="en-US" sz="600" dirty="0" smtClean="0">
+                  <a:latin typeface="Arial" panose="020B0604020202020204" pitchFamily="34" charset="0"/>
+                  <a:cs typeface="Arial" panose="020B0604020202020204" pitchFamily="34" charset="0"/>
+                </a:rPr>
+                <a:t>€100</a:t>
+              </a:r>
+              <a:endParaRPr lang="en-US" sz="600" dirty="0">
+                <a:latin typeface="Arial" panose="020B0604020202020204" pitchFamily="34" charset="0"/>
+                <a:cs typeface="Arial" panose="020B0604020202020204" pitchFamily="34" charset="0"/>
+              </a:endParaRPr>
+            </a:p>
+          </p:txBody>
+        </p:sp>
+        <p:grpSp>
+          <p:nvGrpSpPr>
+            <p:cNvPr id="184" name="Group 183"/>
+            <p:cNvGrpSpPr/>
+            <p:nvPr/>
+          </p:nvGrpSpPr>
+          <p:grpSpPr>
+            <a:xfrm>
+              <a:off x="5659747" y="2347454"/>
+              <a:ext cx="72000" cy="72000"/>
+              <a:chOff x="7812386" y="2253126"/>
+              <a:chExt cx="144016" cy="144016"/>
+            </a:xfrm>
+          </p:grpSpPr>
+          <p:sp>
+            <p:nvSpPr>
+              <p:cNvPr id="185" name="Rectangle 184"/>
+              <p:cNvSpPr/>
+              <p:nvPr/>
+            </p:nvSpPr>
+            <p:spPr>
+              <a:xfrm>
+                <a:off x="7812386" y="2253126"/>
+                <a:ext cx="144016" cy="144016"/>
+              </a:xfrm>
+              <a:prstGeom prst="rect">
+                <a:avLst/>
+              </a:prstGeom>
+              <a:solidFill>
+                <a:schemeClr val="bg2"/>
+              </a:solidFill>
+              <a:ln w="6350">
+                <a:solidFill>
+                  <a:schemeClr val="accent1">
+                    <a:shade val="50000"/>
+                  </a:schemeClr>
+                </a:solidFill>
+              </a:ln>
+            </p:spPr>
+            <p:style>
+              <a:lnRef idx="2">
+                <a:schemeClr val="accent1">
+                  <a:shade val="50000"/>
+                </a:schemeClr>
+              </a:lnRef>
+              <a:fillRef idx="1">
+                <a:schemeClr val="accent1"/>
+              </a:fillRef>
+              <a:effectRef idx="0">
+                <a:schemeClr val="accent1"/>
+              </a:effectRef>
+              <a:fontRef idx="minor">
+                <a:schemeClr val="lt1"/>
+              </a:fontRef>
+            </p:style>
+            <p:txBody>
+              <a:bodyPr rtlCol="0" anchor="ctr"/>
+              <a:lstStyle/>
+              <a:p>
+                <a:pPr algn="ctr"/>
+                <a:endParaRPr lang="en-US"/>
+              </a:p>
+            </p:txBody>
+          </p:sp>
+          <p:sp>
+            <p:nvSpPr>
+              <p:cNvPr id="186" name="Rectangle 185"/>
+              <p:cNvSpPr/>
+              <p:nvPr/>
+            </p:nvSpPr>
+            <p:spPr>
+              <a:xfrm>
+                <a:off x="7855725" y="2293359"/>
+                <a:ext cx="61201" cy="61201"/>
+              </a:xfrm>
+              <a:prstGeom prst="rect">
+                <a:avLst/>
+              </a:prstGeom>
+              <a:solidFill>
+                <a:schemeClr val="bg2"/>
+              </a:solidFill>
+              <a:ln w="6350">
+                <a:solidFill>
+                  <a:schemeClr val="accent1">
+                    <a:shade val="50000"/>
+                  </a:schemeClr>
+                </a:solidFill>
+              </a:ln>
+            </p:spPr>
+            <p:style>
+              <a:lnRef idx="2">
+                <a:schemeClr val="accent1">
+                  <a:shade val="50000"/>
+                </a:schemeClr>
+              </a:lnRef>
+              <a:fillRef idx="1">
+                <a:schemeClr val="accent1"/>
+              </a:fillRef>
+              <a:effectRef idx="0">
+                <a:schemeClr val="accent1"/>
+              </a:effectRef>
+              <a:fontRef idx="minor">
+                <a:schemeClr val="lt1"/>
+              </a:fontRef>
+            </p:style>
+            <p:txBody>
+              <a:bodyPr rtlCol="0" anchor="ctr"/>
+              <a:lstStyle/>
+              <a:p>
+                <a:pPr algn="ctr"/>
+                <a:endParaRPr lang="en-US"/>
+              </a:p>
+            </p:txBody>
+          </p:sp>
+        </p:grpSp>
+      </p:grpSp>
+      <p:sp>
+        <p:nvSpPr>
+          <p:cNvPr id="12" name="Rectangle 11"/>
+          <p:cNvSpPr/>
+          <p:nvPr/>
+        </p:nvSpPr>
+        <p:spPr>
+          <a:xfrm>
+            <a:off x="5508103" y="1696230"/>
+            <a:ext cx="183867" cy="724658"/>
+          </a:xfrm>
+          <a:custGeom>
+            <a:avLst/>
+            <a:gdLst>
+              <a:gd name="connsiteX0" fmla="*/ 0 w 288032"/>
+              <a:gd name="connsiteY0" fmla="*/ 0 h 307740"/>
+              <a:gd name="connsiteX1" fmla="*/ 288032 w 288032"/>
+              <a:gd name="connsiteY1" fmla="*/ 0 h 307740"/>
+              <a:gd name="connsiteX2" fmla="*/ 288032 w 288032"/>
+              <a:gd name="connsiteY2" fmla="*/ 307740 h 307740"/>
+              <a:gd name="connsiteX3" fmla="*/ 0 w 288032"/>
+              <a:gd name="connsiteY3" fmla="*/ 307740 h 307740"/>
+              <a:gd name="connsiteX4" fmla="*/ 0 w 288032"/>
+              <a:gd name="connsiteY4" fmla="*/ 0 h 307740"/>
+              <a:gd name="connsiteX0" fmla="*/ 288032 w 379472"/>
+              <a:gd name="connsiteY0" fmla="*/ 0 h 307740"/>
+              <a:gd name="connsiteX1" fmla="*/ 288032 w 379472"/>
+              <a:gd name="connsiteY1" fmla="*/ 307740 h 307740"/>
+              <a:gd name="connsiteX2" fmla="*/ 0 w 379472"/>
+              <a:gd name="connsiteY2" fmla="*/ 307740 h 307740"/>
+              <a:gd name="connsiteX3" fmla="*/ 0 w 379472"/>
+              <a:gd name="connsiteY3" fmla="*/ 0 h 307740"/>
+              <a:gd name="connsiteX4" fmla="*/ 379472 w 379472"/>
+              <a:gd name="connsiteY4" fmla="*/ 91440 h 307740"/>
+              <a:gd name="connsiteX0" fmla="*/ 288032 w 288032"/>
+              <a:gd name="connsiteY0" fmla="*/ 0 h 307740"/>
+              <a:gd name="connsiteX1" fmla="*/ 288032 w 288032"/>
+              <a:gd name="connsiteY1" fmla="*/ 307740 h 307740"/>
+              <a:gd name="connsiteX2" fmla="*/ 0 w 288032"/>
+              <a:gd name="connsiteY2" fmla="*/ 307740 h 307740"/>
+              <a:gd name="connsiteX3" fmla="*/ 0 w 288032"/>
+              <a:gd name="connsiteY3" fmla="*/ 0 h 307740"/>
+              <a:gd name="connsiteX0" fmla="*/ 288032 w 288032"/>
+              <a:gd name="connsiteY0" fmla="*/ 307740 h 307740"/>
+              <a:gd name="connsiteX1" fmla="*/ 0 w 288032"/>
+              <a:gd name="connsiteY1" fmla="*/ 307740 h 307740"/>
+              <a:gd name="connsiteX2" fmla="*/ 0 w 288032"/>
+              <a:gd name="connsiteY2" fmla="*/ 0 h 307740"/>
+            </a:gdLst>
+            <a:ahLst/>
+            <a:cxnLst>
+              <a:cxn ang="0">
+                <a:pos x="connsiteX0" y="connsiteY0"/>
+              </a:cxn>
+              <a:cxn ang="0">
+                <a:pos x="connsiteX1" y="connsiteY1"/>
+              </a:cxn>
+              <a:cxn ang="0">
+                <a:pos x="connsiteX2" y="connsiteY2"/>
+              </a:cxn>
+            </a:cxnLst>
+            <a:rect l="l" t="t" r="r" b="b"/>
+            <a:pathLst>
+              <a:path w="288032" h="307740">
+                <a:moveTo>
+                  <a:pt x="288032" y="307740"/>
+                </a:moveTo>
+                <a:lnTo>
+                  <a:pt x="0" y="307740"/>
+                </a:lnTo>
+                <a:lnTo>
+                  <a:pt x="0" y="0"/>
+                </a:lnTo>
+              </a:path>
+            </a:pathLst>
+          </a:custGeom>
+          <a:noFill/>
+          <a:ln w="9525">
+            <a:solidFill>
+              <a:schemeClr val="bg1">
+                <a:lumMod val="50000"/>
+              </a:schemeClr>
+            </a:solidFill>
+            <a:prstDash val="sysDash"/>
+            <a:headEnd type="triangle" w="sm" len="sm"/>
+          </a:ln>
+        </p:spPr>
+        <p:style>
+          <a:lnRef idx="2">
+            <a:schemeClr val="accent1">
+              <a:shade val="50000"/>
+            </a:schemeClr>
+          </a:lnRef>
+          <a:fillRef idx="1">
+            <a:schemeClr val="accent1"/>
+          </a:fillRef>
+          <a:effectRef idx="0">
+            <a:schemeClr val="accent1"/>
+          </a:effectRef>
+          <a:fontRef idx="minor">
+            <a:schemeClr val="lt1"/>
+          </a:fontRef>
+        </p:style>
+        <p:txBody>
+          <a:bodyPr rtlCol="0" anchor="ctr"/>
+          <a:lstStyle/>
+          <a:p>
+            <a:pPr algn="ctr"/>
+            <a:endParaRPr lang="en-US"/>
+          </a:p>
+        </p:txBody>
+      </p:sp>
+      <p:sp>
+        <p:nvSpPr>
+          <p:cNvPr id="188" name="TextBox 187"/>
+          <p:cNvSpPr txBox="1"/>
+          <p:nvPr/>
+        </p:nvSpPr>
+        <p:spPr>
+          <a:xfrm>
+            <a:off x="5184990" y="777600"/>
+            <a:ext cx="1059008" cy="276999"/>
+          </a:xfrm>
+          <a:prstGeom prst="rect">
+            <a:avLst/>
+          </a:prstGeom>
+          <a:noFill/>
+        </p:spPr>
+        <p:txBody>
+          <a:bodyPr wrap="none" rtlCol="0">
+            <a:spAutoFit/>
+          </a:bodyPr>
+          <a:lstStyle/>
+          <a:p>
+            <a:pPr algn="ctr"/>
+            <a:r>
+              <a:rPr lang="en-US" sz="1200" dirty="0" smtClean="0">
+                <a:latin typeface="Arial" panose="020B0604020202020204" pitchFamily="34" charset="0"/>
+                <a:cs typeface="Arial" panose="020B0604020202020204" pitchFamily="34" charset="0"/>
+              </a:rPr>
+              <a:t>Wallet / User</a:t>
+            </a:r>
+            <a:endParaRPr lang="en-US" sz="1200" dirty="0">
+              <a:latin typeface="Arial" panose="020B0604020202020204" pitchFamily="34" charset="0"/>
+              <a:cs typeface="Arial" panose="020B0604020202020204" pitchFamily="34" charset="0"/>
+            </a:endParaRPr>
+          </a:p>
+        </p:txBody>
+      </p:sp>
+      <p:pic>
+        <p:nvPicPr>
+          <p:cNvPr id="189" name="Picture 6" descr="C:\Users\Anders\AppData\Local\Microsoft\Windows\INetCache\IE\10FYNQXY\Crystal_Clear_kdm_user_female[1].png"/>
+          <p:cNvPicPr>
+            <a:picLocks noChangeAspect="1" noChangeArrowheads="1"/>
+          </p:cNvPicPr>
+          <p:nvPr/>
+        </p:nvPicPr>
+        <p:blipFill>
+          <a:blip r:embed="rId5" cstate="print">
+            <a:extLst>
+              <a:ext uri="{28A0092B-C50C-407E-A947-70E740481C1C}">
+                <a14:useLocalDpi xmlns:a14="http://schemas.microsoft.com/office/drawing/2010/main" val="0"/>
+              </a:ext>
+            </a:extLst>
+          </a:blip>
+          <a:srcRect/>
+          <a:stretch>
+            <a:fillRect/>
+          </a:stretch>
+        </p:blipFill>
+        <p:spPr bwMode="auto">
+          <a:xfrm>
+            <a:off x="698520" y="1073351"/>
+            <a:ext cx="540000" cy="540000"/>
+          </a:xfrm>
+          <a:prstGeom prst="rect">
+            <a:avLst/>
+          </a:prstGeom>
+          <a:noFill/>
+          <a:effectLst>
+            <a:outerShdw blurRad="50800" dist="38100" dir="2700000" algn="tl" rotWithShape="0">
+              <a:prstClr val="black">
+                <a:alpha val="40000"/>
+              </a:prstClr>
+            </a:outerShdw>
+          </a:effectLst>
+          <a:extLst>
+            <a:ext uri="{909E8E84-426E-40DD-AFC4-6F175D3DCCD1}">
+              <a14:hiddenFill xmlns:a14="http://schemas.microsoft.com/office/drawing/2010/main">
+                <a:solidFill>
+                  <a:srgbClr val="FFFFFF"/>
+                </a:solidFill>
+              </a14:hiddenFill>
+            </a:ext>
+          </a:extLst>
+        </p:spPr>
+      </p:pic>
+      <p:grpSp>
+        <p:nvGrpSpPr>
+          <p:cNvPr id="190" name="Group 189"/>
+          <p:cNvGrpSpPr/>
+          <p:nvPr/>
+        </p:nvGrpSpPr>
+        <p:grpSpPr>
+          <a:xfrm>
+            <a:off x="317822" y="1147904"/>
+            <a:ext cx="359900" cy="468000"/>
+            <a:chOff x="5523510" y="2050055"/>
+            <a:chExt cx="359900" cy="502719"/>
+          </a:xfrm>
+        </p:grpSpPr>
+        <p:pic>
+          <p:nvPicPr>
+            <p:cNvPr id="191" name="Picture 4" descr="C:\Users\Anders\AppData\Local\Microsoft\Windows\INetCache\IE\YM8GPEOA\mobile[1].png"/>
+            <p:cNvPicPr>
+              <a:picLocks noChangeAspect="1" noChangeArrowheads="1"/>
+            </p:cNvPicPr>
+            <p:nvPr/>
+          </p:nvPicPr>
+          <p:blipFill>
+            <a:blip r:embed="rId6" cstate="print">
+              <a:extLst>
+                <a:ext uri="{28A0092B-C50C-407E-A947-70E740481C1C}">
+                  <a14:useLocalDpi xmlns:a14="http://schemas.microsoft.com/office/drawing/2010/main" val="0"/>
+                </a:ext>
+              </a:extLst>
+            </a:blip>
+            <a:srcRect/>
+            <a:stretch>
+              <a:fillRect/>
+            </a:stretch>
+          </p:blipFill>
+          <p:spPr bwMode="auto">
+            <a:xfrm rot="10800000">
+              <a:off x="5527737" y="2050055"/>
+              <a:ext cx="355673" cy="502719"/>
+            </a:xfrm>
+            <a:prstGeom prst="rect">
+              <a:avLst/>
+            </a:prstGeom>
+            <a:noFill/>
+            <a:effectLst>
+              <a:outerShdw blurRad="50800" dist="38100" dir="2700000" algn="tl" rotWithShape="0">
+                <a:prstClr val="black">
+                  <a:alpha val="40000"/>
+                </a:prstClr>
+              </a:outerShdw>
+            </a:effectLst>
+            <a:extLst>
+              <a:ext uri="{909E8E84-426E-40DD-AFC4-6F175D3DCCD1}">
+                <a14:hiddenFill xmlns:a14="http://schemas.microsoft.com/office/drawing/2010/main">
+                  <a:solidFill>
+                    <a:srgbClr val="FFFFFF"/>
+                  </a:solidFill>
+                </a14:hiddenFill>
+              </a:ext>
+            </a:extLst>
+          </p:spPr>
+        </p:pic>
+        <p:sp>
+          <p:nvSpPr>
+            <p:cNvPr id="192" name="Rectangle 191"/>
+            <p:cNvSpPr/>
+            <p:nvPr/>
+          </p:nvSpPr>
+          <p:spPr>
+            <a:xfrm>
+              <a:off x="5591696" y="2129999"/>
+              <a:ext cx="219600" cy="345600"/>
+            </a:xfrm>
+            <a:prstGeom prst="rect">
+              <a:avLst/>
+            </a:prstGeom>
+            <a:solidFill>
+              <a:schemeClr val="bg1"/>
+            </a:solidFill>
+            <a:ln>
+              <a:noFill/>
+            </a:ln>
+          </p:spPr>
+          <p:style>
+            <a:lnRef idx="2">
+              <a:schemeClr val="accent1">
+                <a:shade val="50000"/>
+              </a:schemeClr>
+            </a:lnRef>
+            <a:fillRef idx="1">
+              <a:schemeClr val="accent1"/>
+            </a:fillRef>
+            <a:effectRef idx="0">
+              <a:schemeClr val="accent1"/>
+            </a:effectRef>
+            <a:fontRef idx="minor">
+              <a:schemeClr val="lt1"/>
+            </a:fontRef>
+          </p:style>
+          <p:txBody>
+            <a:bodyPr rtlCol="0" anchor="ctr"/>
+            <a:lstStyle/>
+            <a:p>
+              <a:pPr algn="ctr"/>
+              <a:endParaRPr lang="en-US"/>
+            </a:p>
+          </p:txBody>
+        </p:sp>
+        <p:sp>
+          <p:nvSpPr>
+            <p:cNvPr id="193" name="TextBox 192"/>
+            <p:cNvSpPr txBox="1"/>
+            <p:nvPr/>
+          </p:nvSpPr>
+          <p:spPr>
+            <a:xfrm>
+              <a:off x="5523510" y="2114240"/>
+              <a:ext cx="357790" cy="184666"/>
+            </a:xfrm>
+            <a:prstGeom prst="rect">
+              <a:avLst/>
+            </a:prstGeom>
+            <a:noFill/>
+          </p:spPr>
+          <p:txBody>
+            <a:bodyPr wrap="none" rtlCol="0">
+              <a:spAutoFit/>
+            </a:bodyPr>
+            <a:lstStyle/>
+            <a:p>
+              <a:r>
+                <a:rPr lang="en-US" sz="600" dirty="0" smtClean="0">
+                  <a:latin typeface="Arial" panose="020B0604020202020204" pitchFamily="34" charset="0"/>
+                  <a:cs typeface="Arial" panose="020B0604020202020204" pitchFamily="34" charset="0"/>
+                </a:rPr>
+                <a:t>€100</a:t>
+              </a:r>
+              <a:endParaRPr lang="en-US" sz="600" dirty="0">
+                <a:latin typeface="Arial" panose="020B0604020202020204" pitchFamily="34" charset="0"/>
+                <a:cs typeface="Arial" panose="020B0604020202020204" pitchFamily="34" charset="0"/>
+              </a:endParaRPr>
+            </a:p>
+          </p:txBody>
+        </p:sp>
+        <p:grpSp>
+          <p:nvGrpSpPr>
+            <p:cNvPr id="194" name="Group 193"/>
+            <p:cNvGrpSpPr/>
+            <p:nvPr/>
+          </p:nvGrpSpPr>
+          <p:grpSpPr>
+            <a:xfrm>
+              <a:off x="5659747" y="2347454"/>
+              <a:ext cx="72000" cy="72000"/>
+              <a:chOff x="7812386" y="2253126"/>
+              <a:chExt cx="144016" cy="144016"/>
+            </a:xfrm>
+          </p:grpSpPr>
+          <p:sp>
+            <p:nvSpPr>
+              <p:cNvPr id="195" name="Rectangle 194"/>
+              <p:cNvSpPr/>
+              <p:nvPr/>
+            </p:nvSpPr>
+            <p:spPr>
+              <a:xfrm>
+                <a:off x="7812386" y="2253126"/>
+                <a:ext cx="144016" cy="144016"/>
+              </a:xfrm>
+              <a:prstGeom prst="rect">
+                <a:avLst/>
+              </a:prstGeom>
+              <a:solidFill>
+                <a:schemeClr val="bg2"/>
+              </a:solidFill>
+              <a:ln w="6350">
+                <a:solidFill>
+                  <a:schemeClr val="accent1">
+                    <a:shade val="50000"/>
+                  </a:schemeClr>
+                </a:solidFill>
+              </a:ln>
+            </p:spPr>
+            <p:style>
+              <a:lnRef idx="2">
+                <a:schemeClr val="accent1">
+                  <a:shade val="50000"/>
+                </a:schemeClr>
+              </a:lnRef>
+              <a:fillRef idx="1">
+                <a:schemeClr val="accent1"/>
+              </a:fillRef>
+              <a:effectRef idx="0">
+                <a:schemeClr val="accent1"/>
+              </a:effectRef>
+              <a:fontRef idx="minor">
+                <a:schemeClr val="lt1"/>
+              </a:fontRef>
+            </p:style>
+            <p:txBody>
+              <a:bodyPr rtlCol="0" anchor="ctr"/>
+              <a:lstStyle/>
+              <a:p>
+                <a:pPr algn="ctr"/>
+                <a:endParaRPr lang="en-US"/>
+              </a:p>
+            </p:txBody>
+          </p:sp>
+          <p:sp>
+            <p:nvSpPr>
+              <p:cNvPr id="196" name="Rectangle 195"/>
+              <p:cNvSpPr/>
+              <p:nvPr/>
+            </p:nvSpPr>
+            <p:spPr>
+              <a:xfrm>
+                <a:off x="7855725" y="2293359"/>
+                <a:ext cx="61201" cy="61201"/>
+              </a:xfrm>
+              <a:prstGeom prst="rect">
+                <a:avLst/>
+              </a:prstGeom>
+              <a:solidFill>
+                <a:schemeClr val="bg2"/>
+              </a:solidFill>
+              <a:ln w="6350">
+                <a:solidFill>
+                  <a:schemeClr val="accent1">
+                    <a:shade val="50000"/>
+                  </a:schemeClr>
+                </a:solidFill>
+              </a:ln>
+            </p:spPr>
+            <p:style>
+              <a:lnRef idx="2">
+                <a:schemeClr val="accent1">
+                  <a:shade val="50000"/>
+                </a:schemeClr>
+              </a:lnRef>
+              <a:fillRef idx="1">
+                <a:schemeClr val="accent1"/>
+              </a:fillRef>
+              <a:effectRef idx="0">
+                <a:schemeClr val="accent1"/>
+              </a:effectRef>
+              <a:fontRef idx="minor">
+                <a:schemeClr val="lt1"/>
+              </a:fontRef>
+            </p:style>
+            <p:txBody>
+              <a:bodyPr rtlCol="0" anchor="ctr"/>
+              <a:lstStyle/>
+              <a:p>
+                <a:pPr algn="ctr"/>
+                <a:endParaRPr lang="en-US"/>
+              </a:p>
+            </p:txBody>
+          </p:sp>
+        </p:grpSp>
+      </p:grpSp>
+      <p:sp>
+        <p:nvSpPr>
+          <p:cNvPr id="197" name="Rectangle 11"/>
+          <p:cNvSpPr/>
+          <p:nvPr/>
+        </p:nvSpPr>
+        <p:spPr>
+          <a:xfrm>
+            <a:off x="502625" y="1683334"/>
+            <a:ext cx="183867" cy="724658"/>
+          </a:xfrm>
+          <a:custGeom>
+            <a:avLst/>
+            <a:gdLst>
+              <a:gd name="connsiteX0" fmla="*/ 0 w 288032"/>
+              <a:gd name="connsiteY0" fmla="*/ 0 h 307740"/>
+              <a:gd name="connsiteX1" fmla="*/ 288032 w 288032"/>
+              <a:gd name="connsiteY1" fmla="*/ 0 h 307740"/>
+              <a:gd name="connsiteX2" fmla="*/ 288032 w 288032"/>
+              <a:gd name="connsiteY2" fmla="*/ 307740 h 307740"/>
+              <a:gd name="connsiteX3" fmla="*/ 0 w 288032"/>
+              <a:gd name="connsiteY3" fmla="*/ 307740 h 307740"/>
+              <a:gd name="connsiteX4" fmla="*/ 0 w 288032"/>
+              <a:gd name="connsiteY4" fmla="*/ 0 h 307740"/>
+              <a:gd name="connsiteX0" fmla="*/ 288032 w 379472"/>
+              <a:gd name="connsiteY0" fmla="*/ 0 h 307740"/>
+              <a:gd name="connsiteX1" fmla="*/ 288032 w 379472"/>
+              <a:gd name="connsiteY1" fmla="*/ 307740 h 307740"/>
+              <a:gd name="connsiteX2" fmla="*/ 0 w 379472"/>
+              <a:gd name="connsiteY2" fmla="*/ 307740 h 307740"/>
+              <a:gd name="connsiteX3" fmla="*/ 0 w 379472"/>
+              <a:gd name="connsiteY3" fmla="*/ 0 h 307740"/>
+              <a:gd name="connsiteX4" fmla="*/ 379472 w 379472"/>
+              <a:gd name="connsiteY4" fmla="*/ 91440 h 307740"/>
+              <a:gd name="connsiteX0" fmla="*/ 288032 w 288032"/>
+              <a:gd name="connsiteY0" fmla="*/ 0 h 307740"/>
+              <a:gd name="connsiteX1" fmla="*/ 288032 w 288032"/>
+              <a:gd name="connsiteY1" fmla="*/ 307740 h 307740"/>
+              <a:gd name="connsiteX2" fmla="*/ 0 w 288032"/>
+              <a:gd name="connsiteY2" fmla="*/ 307740 h 307740"/>
+              <a:gd name="connsiteX3" fmla="*/ 0 w 288032"/>
+              <a:gd name="connsiteY3" fmla="*/ 0 h 307740"/>
+              <a:gd name="connsiteX0" fmla="*/ 288032 w 288032"/>
+              <a:gd name="connsiteY0" fmla="*/ 307740 h 307740"/>
+              <a:gd name="connsiteX1" fmla="*/ 0 w 288032"/>
+              <a:gd name="connsiteY1" fmla="*/ 307740 h 307740"/>
+              <a:gd name="connsiteX2" fmla="*/ 0 w 288032"/>
+              <a:gd name="connsiteY2" fmla="*/ 0 h 307740"/>
+            </a:gdLst>
+            <a:ahLst/>
+            <a:cxnLst>
+              <a:cxn ang="0">
+                <a:pos x="connsiteX0" y="connsiteY0"/>
+              </a:cxn>
+              <a:cxn ang="0">
+                <a:pos x="connsiteX1" y="connsiteY1"/>
+              </a:cxn>
+              <a:cxn ang="0">
+                <a:pos x="connsiteX2" y="connsiteY2"/>
+              </a:cxn>
+            </a:cxnLst>
+            <a:rect l="l" t="t" r="r" b="b"/>
+            <a:pathLst>
+              <a:path w="288032" h="307740">
+                <a:moveTo>
+                  <a:pt x="288032" y="307740"/>
+                </a:moveTo>
+                <a:lnTo>
+                  <a:pt x="0" y="307740"/>
+                </a:lnTo>
+                <a:lnTo>
+                  <a:pt x="0" y="0"/>
+                </a:lnTo>
+              </a:path>
+            </a:pathLst>
+          </a:custGeom>
+          <a:noFill/>
+          <a:ln w="9525">
+            <a:solidFill>
+              <a:schemeClr val="bg1">
+                <a:lumMod val="50000"/>
+              </a:schemeClr>
+            </a:solidFill>
+            <a:prstDash val="sysDash"/>
+            <a:headEnd type="triangle" w="sm" len="sm"/>
+          </a:ln>
+        </p:spPr>
+        <p:style>
+          <a:lnRef idx="2">
+            <a:schemeClr val="accent1">
+              <a:shade val="50000"/>
+            </a:schemeClr>
+          </a:lnRef>
+          <a:fillRef idx="1">
+            <a:schemeClr val="accent1"/>
+          </a:fillRef>
+          <a:effectRef idx="0">
+            <a:schemeClr val="accent1"/>
+          </a:effectRef>
+          <a:fontRef idx="minor">
+            <a:schemeClr val="lt1"/>
+          </a:fontRef>
+        </p:style>
+        <p:txBody>
+          <a:bodyPr rtlCol="0" anchor="ctr"/>
+          <a:lstStyle/>
+          <a:p>
+            <a:pPr algn="ctr"/>
+            <a:endParaRPr lang="en-US"/>
+          </a:p>
+        </p:txBody>
+      </p:sp>
+      <p:sp>
+        <p:nvSpPr>
+          <p:cNvPr id="198" name="TextBox 197"/>
+          <p:cNvSpPr txBox="1"/>
+          <p:nvPr/>
+        </p:nvSpPr>
+        <p:spPr>
+          <a:xfrm>
+            <a:off x="179512" y="764704"/>
+            <a:ext cx="1059008" cy="276999"/>
+          </a:xfrm>
+          <a:prstGeom prst="rect">
+            <a:avLst/>
+          </a:prstGeom>
+          <a:noFill/>
+        </p:spPr>
+        <p:txBody>
+          <a:bodyPr wrap="none" rtlCol="0">
+            <a:spAutoFit/>
+          </a:bodyPr>
+          <a:lstStyle/>
+          <a:p>
+            <a:pPr algn="ctr"/>
+            <a:r>
+              <a:rPr lang="en-US" sz="1200" dirty="0" smtClean="0">
+                <a:latin typeface="Arial" panose="020B0604020202020204" pitchFamily="34" charset="0"/>
+                <a:cs typeface="Arial" panose="020B0604020202020204" pitchFamily="34" charset="0"/>
+              </a:rPr>
+              <a:t>Wallet / User</a:t>
+            </a:r>
+            <a:endParaRPr lang="en-US" sz="1200" dirty="0">
+              <a:latin typeface="Arial" panose="020B0604020202020204" pitchFamily="34" charset="0"/>
+              <a:cs typeface="Arial" panose="020B0604020202020204" pitchFamily="34" charset="0"/>
+            </a:endParaRPr>
+          </a:p>
+        </p:txBody>
+      </p:sp>
     </p:spTree>
     <p:extLst>
       <p:ext uri="{BB962C8B-B14F-4D97-AF65-F5344CB8AC3E}">

--- a/saturn/epi(presumed)-vs-saturn.pptx
+++ b/saturn/epi(presumed)-vs-saturn.pptx
@@ -3105,8 +3105,8 @@
         </p:nvCxnSpPr>
         <p:spPr>
           <a:xfrm flipV="1">
-            <a:off x="6320089" y="1469678"/>
-            <a:ext cx="1141053" cy="930062"/>
+            <a:off x="6263903" y="1469678"/>
+            <a:ext cx="1197239" cy="966295"/>
           </a:xfrm>
           <a:prstGeom prst="straightConnector1">
             <a:avLst/>
@@ -7068,7 +7068,7 @@
             <a:lin ang="13500000" scaled="1"/>
             <a:tileRect/>
           </a:gradFill>
-          <a:ln w="12700">
+          <a:ln w="9525">
             <a:solidFill>
               <a:schemeClr val="bg1">
                 <a:lumMod val="50000"/>
@@ -7156,7 +7156,7 @@
             <a:lin ang="13500000" scaled="1"/>
             <a:tileRect/>
           </a:gradFill>
-          <a:ln w="12700">
+          <a:ln w="9525">
             <a:solidFill>
               <a:schemeClr val="bg1">
                 <a:lumMod val="50000"/>
@@ -7874,7 +7874,7 @@
             <a:lin ang="13500000" scaled="1"/>
             <a:tileRect/>
           </a:gradFill>
-          <a:ln w="12700">
+          <a:ln w="9525">
             <a:solidFill>
               <a:schemeClr val="bg1">
                 <a:lumMod val="50000"/>
@@ -10094,8 +10094,8 @@
         </p:nvCxnSpPr>
         <p:spPr>
           <a:xfrm>
-            <a:off x="2984619" y="1696230"/>
-            <a:ext cx="705237" cy="1372080"/>
+            <a:off x="2939512" y="1756475"/>
+            <a:ext cx="750344" cy="1311835"/>
           </a:xfrm>
           <a:prstGeom prst="straightConnector1">
             <a:avLst/>
@@ -10170,7 +10170,7 @@
         </p:nvCxnSpPr>
         <p:spPr>
           <a:xfrm flipV="1">
-            <a:off x="2915816" y="1731169"/>
+            <a:off x="2915816" y="1751833"/>
             <a:ext cx="753070" cy="1337142"/>
           </a:xfrm>
           <a:prstGeom prst="straightConnector1">
@@ -10721,14 +10721,7 @@
                 <a:latin typeface="Arial" panose="020B0604020202020204" pitchFamily="34" charset="0"/>
                 <a:cs typeface="Arial" panose="020B0604020202020204" pitchFamily="34" charset="0"/>
               </a:rPr>
-              <a:t>from the </a:t>
-            </a:r>
-            <a:r>
-              <a:rPr lang="en-US" sz="1000" dirty="0" smtClean="0">
-                <a:latin typeface="Arial" panose="020B0604020202020204" pitchFamily="34" charset="0"/>
-                <a:cs typeface="Arial" panose="020B0604020202020204" pitchFamily="34" charset="0"/>
-              </a:rPr>
-              <a:t>Merchant </a:t>
+              <a:t>from the Merchant </a:t>
             </a:r>
             <a:r>
               <a:rPr lang="en-US" sz="1000" dirty="0">
@@ -11507,7 +11500,7 @@
         <p:spPr>
           <a:xfrm>
             <a:off x="6414461" y="3007198"/>
-            <a:ext cx="324000" cy="324000"/>
+            <a:ext cx="396000" cy="288000"/>
           </a:xfrm>
           <a:prstGeom prst="ellipse">
             <a:avLst/>
@@ -11533,7 +11526,7 @@
             <a:lin ang="13500000" scaled="0"/>
             <a:tileRect/>
           </a:gradFill>
-          <a:ln w="12700">
+          <a:ln w="9525">
             <a:solidFill>
               <a:schemeClr val="bg1">
                 <a:lumMod val="50000"/>
@@ -11655,14 +11648,7 @@
                 <a:latin typeface="Arial" panose="020B0604020202020204" pitchFamily="34" charset="0"/>
                 <a:cs typeface="Arial" panose="020B0604020202020204" pitchFamily="34" charset="0"/>
               </a:rPr>
-              <a:t>EPI (Presumed) versus Saturn, </a:t>
-            </a:r>
-            <a:r>
-              <a:rPr lang="en-US" sz="800" dirty="0" smtClean="0">
-                <a:latin typeface="Arial" panose="020B0604020202020204" pitchFamily="34" charset="0"/>
-                <a:cs typeface="Arial" panose="020B0604020202020204" pitchFamily="34" charset="0"/>
-              </a:rPr>
-              <a:t>AR-2020-11-27:3</a:t>
+              <a:t>EPI (Presumed) versus Saturn, AR-2020-11-27:3</a:t>
             </a:r>
             <a:endParaRPr lang="en-US" sz="800" dirty="0">
               <a:latin typeface="Arial" panose="020B0604020202020204" pitchFamily="34" charset="0"/>

--- a/saturn/epi(presumed)-vs-saturn.pptx
+++ b/saturn/epi(presumed)-vs-saturn.pptx
@@ -288,7 +288,7 @@
           <a:p>
             <a:fld id="{FC080E38-6FF2-48B3-BDAB-4FA23B840E92}" type="datetimeFigureOut">
               <a:rPr lang="en-US" smtClean="0"/>
-              <a:t>2020-11-27</a:t>
+              <a:t>2020-11-28</a:t>
             </a:fld>
             <a:endParaRPr lang="en-US"/>
           </a:p>
@@ -458,7 +458,7 @@
           <a:p>
             <a:fld id="{FC080E38-6FF2-48B3-BDAB-4FA23B840E92}" type="datetimeFigureOut">
               <a:rPr lang="en-US" smtClean="0"/>
-              <a:t>2020-11-27</a:t>
+              <a:t>2020-11-28</a:t>
             </a:fld>
             <a:endParaRPr lang="en-US"/>
           </a:p>
@@ -638,7 +638,7 @@
           <a:p>
             <a:fld id="{FC080E38-6FF2-48B3-BDAB-4FA23B840E92}" type="datetimeFigureOut">
               <a:rPr lang="en-US" smtClean="0"/>
-              <a:t>2020-11-27</a:t>
+              <a:t>2020-11-28</a:t>
             </a:fld>
             <a:endParaRPr lang="en-US"/>
           </a:p>
@@ -808,7 +808,7 @@
           <a:p>
             <a:fld id="{FC080E38-6FF2-48B3-BDAB-4FA23B840E92}" type="datetimeFigureOut">
               <a:rPr lang="en-US" smtClean="0"/>
-              <a:t>2020-11-27</a:t>
+              <a:t>2020-11-28</a:t>
             </a:fld>
             <a:endParaRPr lang="en-US"/>
           </a:p>
@@ -1054,7 +1054,7 @@
           <a:p>
             <a:fld id="{FC080E38-6FF2-48B3-BDAB-4FA23B840E92}" type="datetimeFigureOut">
               <a:rPr lang="en-US" smtClean="0"/>
-              <a:t>2020-11-27</a:t>
+              <a:t>2020-11-28</a:t>
             </a:fld>
             <a:endParaRPr lang="en-US"/>
           </a:p>
@@ -1342,7 +1342,7 @@
           <a:p>
             <a:fld id="{FC080E38-6FF2-48B3-BDAB-4FA23B840E92}" type="datetimeFigureOut">
               <a:rPr lang="en-US" smtClean="0"/>
-              <a:t>2020-11-27</a:t>
+              <a:t>2020-11-28</a:t>
             </a:fld>
             <a:endParaRPr lang="en-US"/>
           </a:p>
@@ -1764,7 +1764,7 @@
           <a:p>
             <a:fld id="{FC080E38-6FF2-48B3-BDAB-4FA23B840E92}" type="datetimeFigureOut">
               <a:rPr lang="en-US" smtClean="0"/>
-              <a:t>2020-11-27</a:t>
+              <a:t>2020-11-28</a:t>
             </a:fld>
             <a:endParaRPr lang="en-US"/>
           </a:p>
@@ -1882,7 +1882,7 @@
           <a:p>
             <a:fld id="{FC080E38-6FF2-48B3-BDAB-4FA23B840E92}" type="datetimeFigureOut">
               <a:rPr lang="en-US" smtClean="0"/>
-              <a:t>2020-11-27</a:t>
+              <a:t>2020-11-28</a:t>
             </a:fld>
             <a:endParaRPr lang="en-US"/>
           </a:p>
@@ -1977,7 +1977,7 @@
           <a:p>
             <a:fld id="{FC080E38-6FF2-48B3-BDAB-4FA23B840E92}" type="datetimeFigureOut">
               <a:rPr lang="en-US" smtClean="0"/>
-              <a:t>2020-11-27</a:t>
+              <a:t>2020-11-28</a:t>
             </a:fld>
             <a:endParaRPr lang="en-US"/>
           </a:p>
@@ -2254,7 +2254,7 @@
           <a:p>
             <a:fld id="{FC080E38-6FF2-48B3-BDAB-4FA23B840E92}" type="datetimeFigureOut">
               <a:rPr lang="en-US" smtClean="0"/>
-              <a:t>2020-11-27</a:t>
+              <a:t>2020-11-28</a:t>
             </a:fld>
             <a:endParaRPr lang="en-US"/>
           </a:p>
@@ -2507,7 +2507,7 @@
           <a:p>
             <a:fld id="{FC080E38-6FF2-48B3-BDAB-4FA23B840E92}" type="datetimeFigureOut">
               <a:rPr lang="en-US" smtClean="0"/>
-              <a:t>2020-11-27</a:t>
+              <a:t>2020-11-28</a:t>
             </a:fld>
             <a:endParaRPr lang="en-US"/>
           </a:p>
@@ -2720,7 +2720,7 @@
           <a:p>
             <a:fld id="{FC080E38-6FF2-48B3-BDAB-4FA23B840E92}" type="datetimeFigureOut">
               <a:rPr lang="en-US" smtClean="0"/>
-              <a:t>2020-11-27</a:t>
+              <a:t>2020-11-28</a:t>
             </a:fld>
             <a:endParaRPr lang="en-US"/>
           </a:p>
@@ -9829,7 +9829,7 @@
         <p:spPr>
           <a:xfrm>
             <a:off x="1305810" y="2435973"/>
-            <a:ext cx="579270" cy="691610"/>
+            <a:ext cx="626507" cy="715544"/>
           </a:xfrm>
           <a:prstGeom prst="straightConnector1">
             <a:avLst/>
@@ -11590,8 +11590,8 @@
         </p:nvCxnSpPr>
         <p:spPr>
           <a:xfrm flipH="1">
-            <a:off x="6705600" y="1593089"/>
-            <a:ext cx="746720" cy="1408416"/>
+            <a:off x="6740106" y="1593089"/>
+            <a:ext cx="712214" cy="1374398"/>
           </a:xfrm>
           <a:prstGeom prst="straightConnector1">
             <a:avLst/>
@@ -11648,7 +11648,14 @@
                 <a:latin typeface="Arial" panose="020B0604020202020204" pitchFamily="34" charset="0"/>
                 <a:cs typeface="Arial" panose="020B0604020202020204" pitchFamily="34" charset="0"/>
               </a:rPr>
-              <a:t>EPI (Presumed) versus Saturn, AR-2020-11-27:3</a:t>
+              <a:t>EPI (Presumed) versus Saturn, </a:t>
+            </a:r>
+            <a:r>
+              <a:rPr lang="en-US" sz="800" dirty="0" smtClean="0">
+                <a:latin typeface="Arial" panose="020B0604020202020204" pitchFamily="34" charset="0"/>
+                <a:cs typeface="Arial" panose="020B0604020202020204" pitchFamily="34" charset="0"/>
+              </a:rPr>
+              <a:t>AR-2020-11-28:1</a:t>
             </a:r>
             <a:endParaRPr lang="en-US" sz="800" dirty="0">
               <a:latin typeface="Arial" panose="020B0604020202020204" pitchFamily="34" charset="0"/>
@@ -12881,6 +12888,195 @@
           </a:p>
         </p:txBody>
       </p:sp>
+      <p:pic>
+        <p:nvPicPr>
+          <p:cNvPr id="5" name="Picture 4"/>
+          <p:cNvPicPr>
+            <a:picLocks noChangeAspect="1"/>
+          </p:cNvPicPr>
+          <p:nvPr/>
+        </p:nvPicPr>
+        <p:blipFill>
+          <a:blip r:embed="rId7" cstate="print">
+            <a:extLst>
+              <a:ext uri="{28A0092B-C50C-407E-A947-70E740481C1C}">
+                <a14:useLocalDpi xmlns:a14="http://schemas.microsoft.com/office/drawing/2010/main" val="0"/>
+              </a:ext>
+            </a:extLst>
+          </a:blip>
+          <a:stretch>
+            <a:fillRect/>
+          </a:stretch>
+        </p:blipFill>
+        <p:spPr>
+          <a:xfrm>
+            <a:off x="338660" y="2967335"/>
+            <a:ext cx="938404" cy="586970"/>
+          </a:xfrm>
+          <a:prstGeom prst="rect">
+            <a:avLst/>
+          </a:prstGeom>
+        </p:spPr>
+      </p:pic>
+      <p:sp>
+        <p:nvSpPr>
+          <p:cNvPr id="206" name="Rectangle 11"/>
+          <p:cNvSpPr/>
+          <p:nvPr/>
+        </p:nvSpPr>
+        <p:spPr>
+          <a:xfrm flipV="1">
+            <a:off x="499701" y="2488317"/>
+            <a:ext cx="183867" cy="390421"/>
+          </a:xfrm>
+          <a:custGeom>
+            <a:avLst/>
+            <a:gdLst>
+              <a:gd name="connsiteX0" fmla="*/ 0 w 288032"/>
+              <a:gd name="connsiteY0" fmla="*/ 0 h 307740"/>
+              <a:gd name="connsiteX1" fmla="*/ 288032 w 288032"/>
+              <a:gd name="connsiteY1" fmla="*/ 0 h 307740"/>
+              <a:gd name="connsiteX2" fmla="*/ 288032 w 288032"/>
+              <a:gd name="connsiteY2" fmla="*/ 307740 h 307740"/>
+              <a:gd name="connsiteX3" fmla="*/ 0 w 288032"/>
+              <a:gd name="connsiteY3" fmla="*/ 307740 h 307740"/>
+              <a:gd name="connsiteX4" fmla="*/ 0 w 288032"/>
+              <a:gd name="connsiteY4" fmla="*/ 0 h 307740"/>
+              <a:gd name="connsiteX0" fmla="*/ 288032 w 379472"/>
+              <a:gd name="connsiteY0" fmla="*/ 0 h 307740"/>
+              <a:gd name="connsiteX1" fmla="*/ 288032 w 379472"/>
+              <a:gd name="connsiteY1" fmla="*/ 307740 h 307740"/>
+              <a:gd name="connsiteX2" fmla="*/ 0 w 379472"/>
+              <a:gd name="connsiteY2" fmla="*/ 307740 h 307740"/>
+              <a:gd name="connsiteX3" fmla="*/ 0 w 379472"/>
+              <a:gd name="connsiteY3" fmla="*/ 0 h 307740"/>
+              <a:gd name="connsiteX4" fmla="*/ 379472 w 379472"/>
+              <a:gd name="connsiteY4" fmla="*/ 91440 h 307740"/>
+              <a:gd name="connsiteX0" fmla="*/ 288032 w 288032"/>
+              <a:gd name="connsiteY0" fmla="*/ 0 h 307740"/>
+              <a:gd name="connsiteX1" fmla="*/ 288032 w 288032"/>
+              <a:gd name="connsiteY1" fmla="*/ 307740 h 307740"/>
+              <a:gd name="connsiteX2" fmla="*/ 0 w 288032"/>
+              <a:gd name="connsiteY2" fmla="*/ 307740 h 307740"/>
+              <a:gd name="connsiteX3" fmla="*/ 0 w 288032"/>
+              <a:gd name="connsiteY3" fmla="*/ 0 h 307740"/>
+              <a:gd name="connsiteX0" fmla="*/ 288032 w 288032"/>
+              <a:gd name="connsiteY0" fmla="*/ 307740 h 307740"/>
+              <a:gd name="connsiteX1" fmla="*/ 0 w 288032"/>
+              <a:gd name="connsiteY1" fmla="*/ 307740 h 307740"/>
+              <a:gd name="connsiteX2" fmla="*/ 0 w 288032"/>
+              <a:gd name="connsiteY2" fmla="*/ 0 h 307740"/>
+            </a:gdLst>
+            <a:ahLst/>
+            <a:cxnLst>
+              <a:cxn ang="0">
+                <a:pos x="connsiteX0" y="connsiteY0"/>
+              </a:cxn>
+              <a:cxn ang="0">
+                <a:pos x="connsiteX1" y="connsiteY1"/>
+              </a:cxn>
+              <a:cxn ang="0">
+                <a:pos x="connsiteX2" y="connsiteY2"/>
+              </a:cxn>
+            </a:cxnLst>
+            <a:rect l="l" t="t" r="r" b="b"/>
+            <a:pathLst>
+              <a:path w="288032" h="307740">
+                <a:moveTo>
+                  <a:pt x="288032" y="307740"/>
+                </a:moveTo>
+                <a:lnTo>
+                  <a:pt x="0" y="307740"/>
+                </a:lnTo>
+                <a:lnTo>
+                  <a:pt x="0" y="0"/>
+                </a:lnTo>
+              </a:path>
+            </a:pathLst>
+          </a:custGeom>
+          <a:noFill/>
+          <a:ln w="9525">
+            <a:solidFill>
+              <a:schemeClr val="bg1">
+                <a:lumMod val="50000"/>
+              </a:schemeClr>
+            </a:solidFill>
+            <a:prstDash val="sysDash"/>
+            <a:headEnd type="triangle" w="sm" len="sm"/>
+          </a:ln>
+        </p:spPr>
+        <p:style>
+          <a:lnRef idx="2">
+            <a:schemeClr val="accent1">
+              <a:shade val="50000"/>
+            </a:schemeClr>
+          </a:lnRef>
+          <a:fillRef idx="1">
+            <a:schemeClr val="accent1"/>
+          </a:fillRef>
+          <a:effectRef idx="0">
+            <a:schemeClr val="accent1"/>
+          </a:effectRef>
+          <a:fontRef idx="minor">
+            <a:schemeClr val="lt1"/>
+          </a:fontRef>
+        </p:style>
+        <p:txBody>
+          <a:bodyPr rtlCol="0" anchor="ctr"/>
+          <a:lstStyle/>
+          <a:p>
+            <a:pPr algn="ctr"/>
+            <a:endParaRPr lang="en-US"/>
+          </a:p>
+        </p:txBody>
+      </p:sp>
+      <p:sp>
+        <p:nvSpPr>
+          <p:cNvPr id="212" name="TextBox 211"/>
+          <p:cNvSpPr txBox="1"/>
+          <p:nvPr/>
+        </p:nvSpPr>
+        <p:spPr>
+          <a:xfrm>
+            <a:off x="322409" y="3543399"/>
+            <a:ext cx="952505" cy="461665"/>
+          </a:xfrm>
+          <a:prstGeom prst="rect">
+            <a:avLst/>
+          </a:prstGeom>
+          <a:noFill/>
+        </p:spPr>
+        <p:txBody>
+          <a:bodyPr wrap="none" rtlCol="0">
+            <a:spAutoFit/>
+          </a:bodyPr>
+          <a:lstStyle/>
+          <a:p>
+            <a:pPr algn="ctr"/>
+            <a:r>
+              <a:rPr lang="en-US" sz="1200" dirty="0" smtClean="0">
+                <a:latin typeface="Arial" panose="020B0604020202020204" pitchFamily="34" charset="0"/>
+                <a:cs typeface="Arial" panose="020B0604020202020204" pitchFamily="34" charset="0"/>
+              </a:rPr>
+              <a:t>Alternative:</a:t>
+            </a:r>
+          </a:p>
+          <a:p>
+            <a:pPr algn="ctr"/>
+            <a:r>
+              <a:rPr lang="en-US" sz="1200" dirty="0" smtClean="0">
+                <a:latin typeface="Arial" panose="020B0604020202020204" pitchFamily="34" charset="0"/>
+                <a:cs typeface="Arial" panose="020B0604020202020204" pitchFamily="34" charset="0"/>
+              </a:rPr>
+              <a:t>SEPA Card</a:t>
+            </a:r>
+            <a:endParaRPr lang="en-US" sz="1200" dirty="0">
+              <a:latin typeface="Arial" panose="020B0604020202020204" pitchFamily="34" charset="0"/>
+              <a:cs typeface="Arial" panose="020B0604020202020204" pitchFamily="34" charset="0"/>
+            </a:endParaRPr>
+          </a:p>
+        </p:txBody>
+      </p:sp>
     </p:spTree>
     <p:extLst>
       <p:ext uri="{BB962C8B-B14F-4D97-AF65-F5344CB8AC3E}">

--- a/saturn/epi(presumed)-vs-saturn.pptx
+++ b/saturn/epi(presumed)-vs-saturn.pptx
@@ -288,7 +288,7 @@
           <a:p>
             <a:fld id="{FC080E38-6FF2-48B3-BDAB-4FA23B840E92}" type="datetimeFigureOut">
               <a:rPr lang="en-US" smtClean="0"/>
-              <a:t>2020-11-28</a:t>
+              <a:t>2020-11-30</a:t>
             </a:fld>
             <a:endParaRPr lang="en-US"/>
           </a:p>
@@ -458,7 +458,7 @@
           <a:p>
             <a:fld id="{FC080E38-6FF2-48B3-BDAB-4FA23B840E92}" type="datetimeFigureOut">
               <a:rPr lang="en-US" smtClean="0"/>
-              <a:t>2020-11-28</a:t>
+              <a:t>2020-11-30</a:t>
             </a:fld>
             <a:endParaRPr lang="en-US"/>
           </a:p>
@@ -638,7 +638,7 @@
           <a:p>
             <a:fld id="{FC080E38-6FF2-48B3-BDAB-4FA23B840E92}" type="datetimeFigureOut">
               <a:rPr lang="en-US" smtClean="0"/>
-              <a:t>2020-11-28</a:t>
+              <a:t>2020-11-30</a:t>
             </a:fld>
             <a:endParaRPr lang="en-US"/>
           </a:p>
@@ -808,7 +808,7 @@
           <a:p>
             <a:fld id="{FC080E38-6FF2-48B3-BDAB-4FA23B840E92}" type="datetimeFigureOut">
               <a:rPr lang="en-US" smtClean="0"/>
-              <a:t>2020-11-28</a:t>
+              <a:t>2020-11-30</a:t>
             </a:fld>
             <a:endParaRPr lang="en-US"/>
           </a:p>
@@ -1054,7 +1054,7 @@
           <a:p>
             <a:fld id="{FC080E38-6FF2-48B3-BDAB-4FA23B840E92}" type="datetimeFigureOut">
               <a:rPr lang="en-US" smtClean="0"/>
-              <a:t>2020-11-28</a:t>
+              <a:t>2020-11-30</a:t>
             </a:fld>
             <a:endParaRPr lang="en-US"/>
           </a:p>
@@ -1342,7 +1342,7 @@
           <a:p>
             <a:fld id="{FC080E38-6FF2-48B3-BDAB-4FA23B840E92}" type="datetimeFigureOut">
               <a:rPr lang="en-US" smtClean="0"/>
-              <a:t>2020-11-28</a:t>
+              <a:t>2020-11-30</a:t>
             </a:fld>
             <a:endParaRPr lang="en-US"/>
           </a:p>
@@ -1764,7 +1764,7 @@
           <a:p>
             <a:fld id="{FC080E38-6FF2-48B3-BDAB-4FA23B840E92}" type="datetimeFigureOut">
               <a:rPr lang="en-US" smtClean="0"/>
-              <a:t>2020-11-28</a:t>
+              <a:t>2020-11-30</a:t>
             </a:fld>
             <a:endParaRPr lang="en-US"/>
           </a:p>
@@ -1882,7 +1882,7 @@
           <a:p>
             <a:fld id="{FC080E38-6FF2-48B3-BDAB-4FA23B840E92}" type="datetimeFigureOut">
               <a:rPr lang="en-US" smtClean="0"/>
-              <a:t>2020-11-28</a:t>
+              <a:t>2020-11-30</a:t>
             </a:fld>
             <a:endParaRPr lang="en-US"/>
           </a:p>
@@ -1977,7 +1977,7 @@
           <a:p>
             <a:fld id="{FC080E38-6FF2-48B3-BDAB-4FA23B840E92}" type="datetimeFigureOut">
               <a:rPr lang="en-US" smtClean="0"/>
-              <a:t>2020-11-28</a:t>
+              <a:t>2020-11-30</a:t>
             </a:fld>
             <a:endParaRPr lang="en-US"/>
           </a:p>
@@ -2254,7 +2254,7 @@
           <a:p>
             <a:fld id="{FC080E38-6FF2-48B3-BDAB-4FA23B840E92}" type="datetimeFigureOut">
               <a:rPr lang="en-US" smtClean="0"/>
-              <a:t>2020-11-28</a:t>
+              <a:t>2020-11-30</a:t>
             </a:fld>
             <a:endParaRPr lang="en-US"/>
           </a:p>
@@ -2507,7 +2507,7 @@
           <a:p>
             <a:fld id="{FC080E38-6FF2-48B3-BDAB-4FA23B840E92}" type="datetimeFigureOut">
               <a:rPr lang="en-US" smtClean="0"/>
-              <a:t>2020-11-28</a:t>
+              <a:t>2020-11-30</a:t>
             </a:fld>
             <a:endParaRPr lang="en-US"/>
           </a:p>
@@ -2720,7 +2720,7 @@
           <a:p>
             <a:fld id="{FC080E38-6FF2-48B3-BDAB-4FA23B840E92}" type="datetimeFigureOut">
               <a:rPr lang="en-US" smtClean="0"/>
-              <a:t>2020-11-28</a:t>
+              <a:t>2020-11-30</a:t>
             </a:fld>
             <a:endParaRPr lang="en-US"/>
           </a:p>
@@ -3105,7 +3105,7 @@
         </p:nvCxnSpPr>
         <p:spPr>
           <a:xfrm flipV="1">
-            <a:off x="6263903" y="1469678"/>
+            <a:off x="6263903" y="1397670"/>
             <a:ext cx="1197239" cy="966295"/>
           </a:xfrm>
           <a:prstGeom prst="straightConnector1">
@@ -3144,7 +3144,7 @@
         </p:nvGrpSpPr>
         <p:grpSpPr>
           <a:xfrm>
-            <a:off x="6414398" y="2045350"/>
+            <a:off x="6414398" y="1973342"/>
             <a:ext cx="354584" cy="246221"/>
             <a:chOff x="6414398" y="2045350"/>
             <a:chExt cx="354584" cy="246221"/>
@@ -3238,7 +3238,7 @@
         </p:nvSpPr>
         <p:spPr>
           <a:xfrm>
-            <a:off x="1547664" y="909873"/>
+            <a:off x="1547664" y="837865"/>
             <a:ext cx="1826674" cy="3167199"/>
           </a:xfrm>
           <a:prstGeom prst="roundRect">
@@ -3284,7 +3284,7 @@
         </p:nvGrpSpPr>
         <p:grpSpPr>
           <a:xfrm>
-            <a:off x="5688282" y="2135247"/>
+            <a:off x="5688282" y="2063239"/>
             <a:ext cx="557162" cy="447881"/>
             <a:chOff x="3321759" y="524071"/>
             <a:chExt cx="557162" cy="447881"/>
@@ -4534,7 +4534,7 @@
         </p:blipFill>
         <p:spPr>
           <a:xfrm>
-            <a:off x="6197188" y="224802"/>
+            <a:off x="6197188" y="195235"/>
             <a:ext cx="1027250" cy="353445"/>
           </a:xfrm>
           <a:prstGeom prst="rect">
@@ -4550,7 +4550,7 @@
         </p:nvGrpSpPr>
         <p:grpSpPr>
           <a:xfrm>
-            <a:off x="7461142" y="2969523"/>
+            <a:off x="7461142" y="2897515"/>
             <a:ext cx="927282" cy="687559"/>
             <a:chOff x="4013200" y="3014663"/>
             <a:chExt cx="1117600" cy="828675"/>
@@ -5180,7 +5180,7 @@
         </p:nvGrpSpPr>
         <p:grpSpPr>
           <a:xfrm>
-            <a:off x="7461142" y="2047710"/>
+            <a:off x="7461142" y="1975702"/>
             <a:ext cx="927282" cy="687559"/>
             <a:chOff x="4013200" y="3014663"/>
             <a:chExt cx="1117600" cy="828675"/>
@@ -5810,7 +5810,7 @@
         </p:nvGrpSpPr>
         <p:grpSpPr>
           <a:xfrm>
-            <a:off x="700172" y="2134010"/>
+            <a:off x="700172" y="2062002"/>
             <a:ext cx="557162" cy="447881"/>
             <a:chOff x="3321759" y="524071"/>
             <a:chExt cx="557162" cy="447881"/>
@@ -7044,7 +7044,7 @@
         </p:nvSpPr>
         <p:spPr>
           <a:xfrm>
-            <a:off x="1907824" y="3017411"/>
+            <a:off x="1907824" y="2945403"/>
             <a:ext cx="1080000" cy="591783"/>
           </a:xfrm>
           <a:prstGeom prst="ellipse">
@@ -7132,7 +7132,7 @@
         </p:nvSpPr>
         <p:spPr>
           <a:xfrm>
-            <a:off x="1907824" y="2095598"/>
+            <a:off x="1907824" y="2023590"/>
             <a:ext cx="1080000" cy="591783"/>
           </a:xfrm>
           <a:prstGeom prst="ellipse">
@@ -7220,7 +7220,7 @@
         </p:nvGrpSpPr>
         <p:grpSpPr>
           <a:xfrm>
-            <a:off x="7461142" y="1125898"/>
+            <a:off x="7461142" y="1053890"/>
             <a:ext cx="927282" cy="687559"/>
             <a:chOff x="4013200" y="3014663"/>
             <a:chExt cx="1117600" cy="828675"/>
@@ -7850,7 +7850,7 @@
         </p:nvSpPr>
         <p:spPr>
           <a:xfrm>
-            <a:off x="1907824" y="1173786"/>
+            <a:off x="1907824" y="1101778"/>
             <a:ext cx="1080000" cy="591783"/>
           </a:xfrm>
           <a:prstGeom prst="ellipse">
@@ -7938,7 +7938,7 @@
         </p:nvGrpSpPr>
         <p:grpSpPr>
           <a:xfrm>
-            <a:off x="3716726" y="2969523"/>
+            <a:off x="3716726" y="2897515"/>
             <a:ext cx="927282" cy="687559"/>
             <a:chOff x="4013200" y="3014663"/>
             <a:chExt cx="1117600" cy="828675"/>
@@ -8568,7 +8568,7 @@
         </p:nvGrpSpPr>
         <p:grpSpPr>
           <a:xfrm>
-            <a:off x="3716726" y="2047710"/>
+            <a:off x="3716726" y="1975702"/>
             <a:ext cx="927282" cy="687559"/>
             <a:chOff x="4013200" y="3014663"/>
             <a:chExt cx="1117600" cy="828675"/>
@@ -9198,7 +9198,7 @@
         </p:nvGrpSpPr>
         <p:grpSpPr>
           <a:xfrm>
-            <a:off x="3716726" y="1125898"/>
+            <a:off x="3716726" y="1053890"/>
             <a:ext cx="927282" cy="687559"/>
             <a:chOff x="4013200" y="3014663"/>
             <a:chExt cx="1117600" cy="828675"/>
@@ -9828,7 +9828,7 @@
         </p:nvCxnSpPr>
         <p:spPr>
           <a:xfrm>
-            <a:off x="1305810" y="2435973"/>
+            <a:off x="1305810" y="2363965"/>
             <a:ext cx="626507" cy="715544"/>
           </a:xfrm>
           <a:prstGeom prst="straightConnector1">
@@ -9866,7 +9866,7 @@
         </p:nvCxnSpPr>
         <p:spPr>
           <a:xfrm>
-            <a:off x="3059832" y="3313302"/>
+            <a:off x="3059832" y="3241294"/>
             <a:ext cx="656894" cy="1"/>
           </a:xfrm>
           <a:prstGeom prst="straightConnector1">
@@ -9904,7 +9904,7 @@
         </p:nvCxnSpPr>
         <p:spPr>
           <a:xfrm flipV="1">
-            <a:off x="3059832" y="2422042"/>
+            <a:off x="3059832" y="2350034"/>
             <a:ext cx="656894" cy="11660"/>
           </a:xfrm>
           <a:prstGeom prst="straightConnector1">
@@ -9942,7 +9942,7 @@
         </p:nvCxnSpPr>
         <p:spPr>
           <a:xfrm flipV="1">
-            <a:off x="3059832" y="1485939"/>
+            <a:off x="3059832" y="1413931"/>
             <a:ext cx="656894" cy="4957"/>
           </a:xfrm>
           <a:prstGeom prst="straightConnector1">
@@ -9980,7 +9980,7 @@
         </p:nvCxnSpPr>
         <p:spPr>
           <a:xfrm>
-            <a:off x="3059832" y="1625103"/>
+            <a:off x="3059832" y="1553095"/>
             <a:ext cx="648072" cy="690988"/>
           </a:xfrm>
           <a:prstGeom prst="straightConnector1">
@@ -10018,7 +10018,7 @@
         </p:nvCxnSpPr>
         <p:spPr>
           <a:xfrm>
-            <a:off x="3059832" y="2546915"/>
+            <a:off x="3059832" y="2474907"/>
             <a:ext cx="629013" cy="663649"/>
           </a:xfrm>
           <a:prstGeom prst="straightConnector1">
@@ -10056,7 +10056,7 @@
         </p:nvCxnSpPr>
         <p:spPr>
           <a:xfrm flipV="1">
-            <a:off x="3046243" y="1593089"/>
+            <a:off x="3046243" y="1521081"/>
             <a:ext cx="630024" cy="671477"/>
           </a:xfrm>
           <a:prstGeom prst="straightConnector1">
@@ -10094,7 +10094,7 @@
         </p:nvCxnSpPr>
         <p:spPr>
           <a:xfrm>
-            <a:off x="2939512" y="1756475"/>
+            <a:off x="2939512" y="1684467"/>
             <a:ext cx="750344" cy="1311835"/>
           </a:xfrm>
           <a:prstGeom prst="straightConnector1">
@@ -10132,7 +10132,7 @@
         </p:nvCxnSpPr>
         <p:spPr>
           <a:xfrm flipV="1">
-            <a:off x="3040345" y="2546915"/>
+            <a:off x="3040345" y="2474907"/>
             <a:ext cx="648500" cy="638242"/>
           </a:xfrm>
           <a:prstGeom prst="straightConnector1">
@@ -10170,7 +10170,7 @@
         </p:nvCxnSpPr>
         <p:spPr>
           <a:xfrm flipV="1">
-            <a:off x="2915816" y="1751833"/>
+            <a:off x="2915816" y="1679825"/>
             <a:ext cx="753070" cy="1337142"/>
           </a:xfrm>
           <a:prstGeom prst="straightConnector1">
@@ -10206,7 +10206,7 @@
         </p:nvSpPr>
         <p:spPr>
           <a:xfrm>
-            <a:off x="539552" y="188640"/>
+            <a:off x="539552" y="159073"/>
             <a:ext cx="4173002" cy="369332"/>
           </a:xfrm>
           <a:prstGeom prst="rect">
@@ -10249,7 +10249,7 @@
         </p:nvSpPr>
         <p:spPr>
           <a:xfrm>
-            <a:off x="570548" y="1852063"/>
+            <a:off x="570548" y="1780055"/>
             <a:ext cx="824265" cy="276999"/>
           </a:xfrm>
           <a:prstGeom prst="rect">
@@ -10286,7 +10286,7 @@
         </p:nvSpPr>
         <p:spPr>
           <a:xfrm>
-            <a:off x="5549432" y="1852063"/>
+            <a:off x="5549432" y="1780055"/>
             <a:ext cx="824265" cy="276999"/>
           </a:xfrm>
           <a:prstGeom prst="rect">
@@ -10323,7 +10323,7 @@
         </p:nvSpPr>
         <p:spPr>
           <a:xfrm>
-            <a:off x="3540598" y="775737"/>
+            <a:off x="3540598" y="703729"/>
             <a:ext cx="1072730" cy="276999"/>
           </a:xfrm>
           <a:prstGeom prst="rect">
@@ -10360,7 +10360,7 @@
         </p:nvSpPr>
         <p:spPr>
           <a:xfrm>
-            <a:off x="7356528" y="775737"/>
+            <a:off x="7356528" y="703729"/>
             <a:ext cx="1072730" cy="276999"/>
           </a:xfrm>
           <a:prstGeom prst="rect">
@@ -10397,7 +10397,7 @@
         </p:nvSpPr>
         <p:spPr>
           <a:xfrm>
-            <a:off x="1664438" y="3773858"/>
+            <a:off x="1664438" y="3701850"/>
             <a:ext cx="1592103" cy="276999"/>
           </a:xfrm>
           <a:prstGeom prst="rect">
@@ -10434,8 +10434,8 @@
         </p:nvSpPr>
         <p:spPr>
           <a:xfrm>
-            <a:off x="323528" y="4365104"/>
-            <a:ext cx="4152320" cy="2015936"/>
+            <a:off x="323528" y="4293096"/>
+            <a:ext cx="4152320" cy="2160240"/>
           </a:xfrm>
           <a:prstGeom prst="rect">
             <a:avLst/>
@@ -10460,7 +10460,7 @@
         </p:spPr>
         <p:txBody>
           <a:bodyPr wrap="square" rtlCol="0">
-            <a:spAutoFit/>
+            <a:noAutofit/>
           </a:bodyPr>
           <a:lstStyle/>
           <a:p>
@@ -10534,6 +10534,17 @@
                 <a:spcPts val="600"/>
               </a:spcBef>
             </a:pPr>
+            <a:endParaRPr lang="en-US" sz="1000" dirty="0" smtClean="0">
+              <a:latin typeface="Arial" panose="020B0604020202020204" pitchFamily="34" charset="0"/>
+              <a:cs typeface="Arial" panose="020B0604020202020204" pitchFamily="34" charset="0"/>
+            </a:endParaRPr>
+          </a:p>
+          <a:p>
+            <a:pPr>
+              <a:spcBef>
+                <a:spcPts val="600"/>
+              </a:spcBef>
+            </a:pPr>
             <a:r>
               <a:rPr lang="en-US" sz="1000" dirty="0" smtClean="0">
                 <a:solidFill>
@@ -10544,7 +10555,7 @@
                 <a:latin typeface="Arial" panose="020B0604020202020204" pitchFamily="34" charset="0"/>
                 <a:cs typeface="Arial" panose="020B0604020202020204" pitchFamily="34" charset="0"/>
               </a:rPr>
-              <a:t>Acquirer services are covered by additional fees on top of the fees required by the Banks running the payment scheme like SEPA Inst.</a:t>
+              <a:t>.</a:t>
             </a:r>
             <a:endParaRPr lang="en-US" sz="1000" dirty="0">
               <a:solidFill>
@@ -10566,8 +10577,8 @@
         </p:nvSpPr>
         <p:spPr>
           <a:xfrm>
-            <a:off x="4788024" y="3933056"/>
-            <a:ext cx="4032448" cy="2708434"/>
+            <a:off x="4788024" y="3789040"/>
+            <a:ext cx="4032448" cy="2854648"/>
           </a:xfrm>
           <a:prstGeom prst="rect">
             <a:avLst/>
@@ -10592,7 +10603,7 @@
         </p:spPr>
         <p:txBody>
           <a:bodyPr wrap="square" rtlCol="0">
-            <a:spAutoFit/>
+            <a:noAutofit/>
           </a:bodyPr>
           <a:lstStyle/>
           <a:p>
@@ -10794,34 +10805,6 @@
               <a:t>; there is no need for externally configured security or path information.</a:t>
             </a:r>
           </a:p>
-          <a:p>
-            <a:pPr>
-              <a:spcBef>
-                <a:spcPts val="600"/>
-              </a:spcBef>
-            </a:pPr>
-            <a:r>
-              <a:rPr lang="en-US" sz="1000" dirty="0" smtClean="0">
-                <a:solidFill>
-                  <a:schemeClr val="accent5">
-                    <a:lumMod val="75000"/>
-                  </a:schemeClr>
-                </a:solidFill>
-                <a:latin typeface="Arial" panose="020B0604020202020204" pitchFamily="34" charset="0"/>
-                <a:cs typeface="Arial" panose="020B0604020202020204" pitchFamily="34" charset="0"/>
-              </a:rPr>
-              <a:t>The actual payment business is entirely in the hands of the associated, fully decentralized network of Banks running a specific payment scheme.</a:t>
-            </a:r>
-            <a:endParaRPr lang="en-US" sz="1000" dirty="0">
-              <a:solidFill>
-                <a:schemeClr val="accent5">
-                  <a:lumMod val="75000"/>
-                </a:schemeClr>
-              </a:solidFill>
-              <a:latin typeface="Arial" panose="020B0604020202020204" pitchFamily="34" charset="0"/>
-              <a:cs typeface="Arial" panose="020B0604020202020204" pitchFamily="34" charset="0"/>
-            </a:endParaRPr>
-          </a:p>
         </p:txBody>
       </p:sp>
       <p:grpSp>
@@ -10832,7 +10815,7 @@
         </p:nvGrpSpPr>
         <p:grpSpPr>
           <a:xfrm>
-            <a:off x="5528474" y="2970000"/>
+            <a:off x="5528474" y="2897992"/>
             <a:ext cx="927282" cy="687559"/>
             <a:chOff x="4013200" y="3014663"/>
             <a:chExt cx="1117600" cy="828675"/>
@@ -11462,7 +11445,7 @@
         </p:nvSpPr>
         <p:spPr>
           <a:xfrm>
-            <a:off x="5348906" y="2719953"/>
+            <a:off x="5348906" y="2647945"/>
             <a:ext cx="1217000" cy="276999"/>
           </a:xfrm>
           <a:prstGeom prst="rect">
@@ -11499,7 +11482,7 @@
         </p:nvSpPr>
         <p:spPr>
           <a:xfrm>
-            <a:off x="6414461" y="3007198"/>
+            <a:off x="6414461" y="2935190"/>
             <a:ext cx="396000" cy="288000"/>
           </a:xfrm>
           <a:prstGeom prst="ellipse">
@@ -11590,7 +11573,7 @@
         </p:nvCxnSpPr>
         <p:spPr>
           <a:xfrm flipH="1">
-            <a:off x="6740106" y="1593089"/>
+            <a:off x="6740106" y="1521081"/>
             <a:ext cx="712214" cy="1374398"/>
           </a:xfrm>
           <a:prstGeom prst="straightConnector1">
@@ -11630,7 +11613,7 @@
         <p:spPr>
           <a:xfrm>
             <a:off x="-5832" y="6654442"/>
-            <a:ext cx="2432076" cy="215444"/>
+            <a:ext cx="2840842" cy="215444"/>
           </a:xfrm>
           <a:prstGeom prst="rect">
             <a:avLst/>
@@ -11648,14 +11631,7 @@
                 <a:latin typeface="Arial" panose="020B0604020202020204" pitchFamily="34" charset="0"/>
                 <a:cs typeface="Arial" panose="020B0604020202020204" pitchFamily="34" charset="0"/>
               </a:rPr>
-              <a:t>EPI (Presumed) versus Saturn, </a:t>
-            </a:r>
-            <a:r>
-              <a:rPr lang="en-US" sz="800" dirty="0" smtClean="0">
-                <a:latin typeface="Arial" panose="020B0604020202020204" pitchFamily="34" charset="0"/>
-                <a:cs typeface="Arial" panose="020B0604020202020204" pitchFamily="34" charset="0"/>
-              </a:rPr>
-              <a:t>AR-2020-11-28:1</a:t>
+              <a:t>EPI (Presumed) versus Saturn, A.Rundgren-2020-11-29:1</a:t>
             </a:r>
             <a:endParaRPr lang="en-US" sz="800" dirty="0">
               <a:latin typeface="Arial" panose="020B0604020202020204" pitchFamily="34" charset="0"/>
@@ -11672,7 +11648,7 @@
         </p:nvSpPr>
         <p:spPr>
           <a:xfrm>
-            <a:off x="6588224" y="1739638"/>
+            <a:off x="6588224" y="1667630"/>
             <a:ext cx="563068" cy="182325"/>
           </a:xfrm>
           <a:prstGeom prst="roundRect">
@@ -11725,7 +11701,7 @@
         </p:nvSpPr>
         <p:spPr>
           <a:xfrm>
-            <a:off x="6617915" y="2412070"/>
+            <a:off x="6617915" y="2340062"/>
             <a:ext cx="503686" cy="182325"/>
           </a:xfrm>
           <a:prstGeom prst="roundRect">
@@ -11778,7 +11754,7 @@
         </p:nvGrpSpPr>
         <p:grpSpPr>
           <a:xfrm>
-            <a:off x="6629268" y="3257190"/>
+            <a:off x="6629268" y="3185182"/>
             <a:ext cx="288000" cy="315826"/>
             <a:chOff x="7439528" y="2941466"/>
             <a:chExt cx="216024" cy="262996"/>
@@ -11888,7 +11864,7 @@
         </p:nvGrpSpPr>
         <p:grpSpPr>
           <a:xfrm>
-            <a:off x="6966772" y="2044800"/>
+            <a:off x="6966772" y="1972792"/>
             <a:ext cx="354584" cy="246221"/>
             <a:chOff x="6770900" y="2012786"/>
             <a:chExt cx="354584" cy="246221"/>
@@ -11997,7 +11973,7 @@
         </p:blipFill>
         <p:spPr bwMode="auto">
           <a:xfrm>
-            <a:off x="5703998" y="1086247"/>
+            <a:off x="5703998" y="1014239"/>
             <a:ext cx="540000" cy="540000"/>
           </a:xfrm>
           <a:prstGeom prst="rect">
@@ -12030,7 +12006,7 @@
         </p:nvGrpSpPr>
         <p:grpSpPr>
           <a:xfrm>
-            <a:off x="5323300" y="1160800"/>
+            <a:off x="5323300" y="1088792"/>
             <a:ext cx="359900" cy="468000"/>
             <a:chOff x="5523510" y="2050055"/>
             <a:chExt cx="359900" cy="502719"/>
@@ -12290,7 +12266,7 @@
         </p:nvSpPr>
         <p:spPr>
           <a:xfrm>
-            <a:off x="5508103" y="1696230"/>
+            <a:off x="5508103" y="1624222"/>
             <a:ext cx="183867" cy="724658"/>
           </a:xfrm>
           <a:custGeom>
@@ -12402,7 +12378,7 @@
         </p:nvSpPr>
         <p:spPr>
           <a:xfrm>
-            <a:off x="5184990" y="777600"/>
+            <a:off x="5184990" y="705592"/>
             <a:ext cx="1059008" cy="276999"/>
           </a:xfrm>
           <a:prstGeom prst="rect">
@@ -12454,7 +12430,7 @@
         </p:blipFill>
         <p:spPr bwMode="auto">
           <a:xfrm>
-            <a:off x="698520" y="1073351"/>
+            <a:off x="698520" y="1001343"/>
             <a:ext cx="540000" cy="540000"/>
           </a:xfrm>
           <a:prstGeom prst="rect">
@@ -12487,7 +12463,7 @@
         </p:nvGrpSpPr>
         <p:grpSpPr>
           <a:xfrm>
-            <a:off x="317822" y="1147904"/>
+            <a:off x="317822" y="1075896"/>
             <a:ext cx="359900" cy="468000"/>
             <a:chOff x="5523510" y="2050055"/>
             <a:chExt cx="359900" cy="502719"/>
@@ -12747,7 +12723,7 @@
         </p:nvSpPr>
         <p:spPr>
           <a:xfrm>
-            <a:off x="502625" y="1683334"/>
+            <a:off x="502625" y="1611326"/>
             <a:ext cx="183867" cy="724658"/>
           </a:xfrm>
           <a:custGeom>
@@ -12859,7 +12835,7 @@
         </p:nvSpPr>
         <p:spPr>
           <a:xfrm>
-            <a:off x="179512" y="764704"/>
+            <a:off x="179512" y="692696"/>
             <a:ext cx="1059008" cy="276999"/>
           </a:xfrm>
           <a:prstGeom prst="rect">
@@ -12910,7 +12886,7 @@
         </p:blipFill>
         <p:spPr>
           <a:xfrm>
-            <a:off x="338660" y="2967335"/>
+            <a:off x="338660" y="2895327"/>
             <a:ext cx="938404" cy="586970"/>
           </a:xfrm>
           <a:prstGeom prst="rect">
@@ -12926,7 +12902,7 @@
         </p:nvSpPr>
         <p:spPr>
           <a:xfrm flipV="1">
-            <a:off x="499701" y="2488317"/>
+            <a:off x="499701" y="2416309"/>
             <a:ext cx="183867" cy="390421"/>
           </a:xfrm>
           <a:custGeom>
@@ -13038,7 +13014,7 @@
         </p:nvSpPr>
         <p:spPr>
           <a:xfrm>
-            <a:off x="322409" y="3543399"/>
+            <a:off x="322409" y="3471391"/>
             <a:ext cx="952505" cy="461665"/>
           </a:xfrm>
           <a:prstGeom prst="rect">
@@ -13074,6 +13050,147 @@
               <a:latin typeface="Arial" panose="020B0604020202020204" pitchFamily="34" charset="0"/>
               <a:cs typeface="Arial" panose="020B0604020202020204" pitchFamily="34" charset="0"/>
             </a:endParaRPr>
+          </a:p>
+        </p:txBody>
+      </p:sp>
+      <p:sp>
+        <p:nvSpPr>
+          <p:cNvPr id="6" name="TextBox 5"/>
+          <p:cNvSpPr txBox="1"/>
+          <p:nvPr/>
+        </p:nvSpPr>
+        <p:spPr>
+          <a:xfrm>
+            <a:off x="446688" y="5948089"/>
+            <a:ext cx="3906000" cy="400110"/>
+          </a:xfrm>
+          <a:prstGeom prst="rect">
+            <a:avLst/>
+          </a:prstGeom>
+          <a:noFill/>
+          <a:ln w="9525">
+            <a:solidFill>
+              <a:srgbClr val="FF0000"/>
+            </a:solidFill>
+          </a:ln>
+        </p:spPr>
+        <p:txBody>
+          <a:bodyPr wrap="square" rIns="0" rtlCol="0">
+            <a:spAutoFit/>
+          </a:bodyPr>
+          <a:lstStyle/>
+          <a:p>
+            <a:r>
+              <a:rPr lang="en-US" sz="1000" dirty="0">
+                <a:latin typeface="Arial" panose="020B0604020202020204" pitchFamily="34" charset="0"/>
+                <a:cs typeface="Arial" panose="020B0604020202020204" pitchFamily="34" charset="0"/>
+              </a:rPr>
+              <a:t>Acquirer services are covered by </a:t>
+            </a:r>
+            <a:r>
+              <a:rPr lang="en-US" sz="1000" i="1" dirty="0">
+                <a:latin typeface="Arial" panose="020B0604020202020204" pitchFamily="34" charset="0"/>
+                <a:cs typeface="Arial" panose="020B0604020202020204" pitchFamily="34" charset="0"/>
+              </a:rPr>
+              <a:t>additional fees</a:t>
+            </a:r>
+            <a:r>
+              <a:rPr lang="en-US" sz="1000" dirty="0">
+                <a:latin typeface="Arial" panose="020B0604020202020204" pitchFamily="34" charset="0"/>
+                <a:cs typeface="Arial" panose="020B0604020202020204" pitchFamily="34" charset="0"/>
+              </a:rPr>
+              <a:t> on top of the fees required by the Banks running the payment scheme like SEPA </a:t>
+            </a:r>
+            <a:r>
+              <a:rPr lang="en-US" sz="1000" dirty="0" smtClean="0">
+                <a:latin typeface="Arial" panose="020B0604020202020204" pitchFamily="34" charset="0"/>
+                <a:cs typeface="Arial" panose="020B0604020202020204" pitchFamily="34" charset="0"/>
+              </a:rPr>
+              <a:t>Inst.</a:t>
+            </a:r>
+            <a:endParaRPr lang="en-US" sz="1000" dirty="0">
+              <a:latin typeface="Arial" panose="020B0604020202020204" pitchFamily="34" charset="0"/>
+              <a:cs typeface="Arial" panose="020B0604020202020204" pitchFamily="34" charset="0"/>
+            </a:endParaRPr>
+          </a:p>
+        </p:txBody>
+      </p:sp>
+      <p:sp>
+        <p:nvSpPr>
+          <p:cNvPr id="213" name="TextBox 212"/>
+          <p:cNvSpPr txBox="1"/>
+          <p:nvPr/>
+        </p:nvSpPr>
+        <p:spPr>
+          <a:xfrm>
+            <a:off x="5119448" y="5977097"/>
+            <a:ext cx="3369600" cy="553998"/>
+          </a:xfrm>
+          <a:prstGeom prst="rect">
+            <a:avLst/>
+          </a:prstGeom>
+          <a:noFill/>
+          <a:ln w="9525">
+            <a:solidFill>
+              <a:srgbClr val="FF0000"/>
+            </a:solidFill>
+          </a:ln>
+        </p:spPr>
+        <p:txBody>
+          <a:bodyPr wrap="square" rIns="36000" rtlCol="0">
+            <a:spAutoFit/>
+          </a:bodyPr>
+          <a:lstStyle/>
+          <a:p>
+            <a:r>
+              <a:rPr lang="en-US" sz="1000" dirty="0">
+                <a:latin typeface="Arial" panose="020B0604020202020204" pitchFamily="34" charset="0"/>
+                <a:cs typeface="Arial" panose="020B0604020202020204" pitchFamily="34" charset="0"/>
+              </a:rPr>
+              <a:t>The actual payment business </a:t>
+            </a:r>
+            <a:r>
+              <a:rPr lang="en-US" sz="1000" dirty="0" smtClean="0">
+                <a:latin typeface="Arial" panose="020B0604020202020204" pitchFamily="34" charset="0"/>
+                <a:cs typeface="Arial" panose="020B0604020202020204" pitchFamily="34" charset="0"/>
+              </a:rPr>
+              <a:t>remains </a:t>
+            </a:r>
+            <a:r>
+              <a:rPr lang="en-US" sz="1000" dirty="0">
+                <a:latin typeface="Arial" panose="020B0604020202020204" pitchFamily="34" charset="0"/>
+                <a:cs typeface="Arial" panose="020B0604020202020204" pitchFamily="34" charset="0"/>
+              </a:rPr>
+              <a:t>in the hands of </a:t>
+            </a:r>
+            <a:r>
+              <a:rPr lang="en-US" sz="1000" dirty="0" smtClean="0">
+                <a:latin typeface="Arial" panose="020B0604020202020204" pitchFamily="34" charset="0"/>
+                <a:cs typeface="Arial" panose="020B0604020202020204" pitchFamily="34" charset="0"/>
+              </a:rPr>
+              <a:t>the </a:t>
+            </a:r>
+            <a:r>
+              <a:rPr lang="en-US" sz="1000" i="1" dirty="0" smtClean="0">
+                <a:latin typeface="Arial" panose="020B0604020202020204" pitchFamily="34" charset="0"/>
+                <a:cs typeface="Arial" panose="020B0604020202020204" pitchFamily="34" charset="0"/>
+              </a:rPr>
+              <a:t>fully </a:t>
+            </a:r>
+            <a:r>
+              <a:rPr lang="en-US" sz="1000" i="1" dirty="0">
+                <a:latin typeface="Arial" panose="020B0604020202020204" pitchFamily="34" charset="0"/>
+                <a:cs typeface="Arial" panose="020B0604020202020204" pitchFamily="34" charset="0"/>
+              </a:rPr>
+              <a:t>decentralized</a:t>
+            </a:r>
+            <a:r>
+              <a:rPr lang="en-US" sz="1000" dirty="0">
+                <a:latin typeface="Arial" panose="020B0604020202020204" pitchFamily="34" charset="0"/>
+                <a:cs typeface="Arial" panose="020B0604020202020204" pitchFamily="34" charset="0"/>
+              </a:rPr>
+              <a:t> network of Banks running a specific payment scheme.</a:t>
+            </a:r>
           </a:p>
         </p:txBody>
       </p:sp>

--- a/saturn/epi(presumed)-vs-saturn.pptx
+++ b/saturn/epi(presumed)-vs-saturn.pptx
@@ -288,7 +288,7 @@
           <a:p>
             <a:fld id="{FC080E38-6FF2-48B3-BDAB-4FA23B840E92}" type="datetimeFigureOut">
               <a:rPr lang="en-US" smtClean="0"/>
-              <a:t>2020-11-30</a:t>
+              <a:t>2020-12-01</a:t>
             </a:fld>
             <a:endParaRPr lang="en-US"/>
           </a:p>
@@ -458,7 +458,7 @@
           <a:p>
             <a:fld id="{FC080E38-6FF2-48B3-BDAB-4FA23B840E92}" type="datetimeFigureOut">
               <a:rPr lang="en-US" smtClean="0"/>
-              <a:t>2020-11-30</a:t>
+              <a:t>2020-12-01</a:t>
             </a:fld>
             <a:endParaRPr lang="en-US"/>
           </a:p>
@@ -638,7 +638,7 @@
           <a:p>
             <a:fld id="{FC080E38-6FF2-48B3-BDAB-4FA23B840E92}" type="datetimeFigureOut">
               <a:rPr lang="en-US" smtClean="0"/>
-              <a:t>2020-11-30</a:t>
+              <a:t>2020-12-01</a:t>
             </a:fld>
             <a:endParaRPr lang="en-US"/>
           </a:p>
@@ -808,7 +808,7 @@
           <a:p>
             <a:fld id="{FC080E38-6FF2-48B3-BDAB-4FA23B840E92}" type="datetimeFigureOut">
               <a:rPr lang="en-US" smtClean="0"/>
-              <a:t>2020-11-30</a:t>
+              <a:t>2020-12-01</a:t>
             </a:fld>
             <a:endParaRPr lang="en-US"/>
           </a:p>
@@ -1054,7 +1054,7 @@
           <a:p>
             <a:fld id="{FC080E38-6FF2-48B3-BDAB-4FA23B840E92}" type="datetimeFigureOut">
               <a:rPr lang="en-US" smtClean="0"/>
-              <a:t>2020-11-30</a:t>
+              <a:t>2020-12-01</a:t>
             </a:fld>
             <a:endParaRPr lang="en-US"/>
           </a:p>
@@ -1342,7 +1342,7 @@
           <a:p>
             <a:fld id="{FC080E38-6FF2-48B3-BDAB-4FA23B840E92}" type="datetimeFigureOut">
               <a:rPr lang="en-US" smtClean="0"/>
-              <a:t>2020-11-30</a:t>
+              <a:t>2020-12-01</a:t>
             </a:fld>
             <a:endParaRPr lang="en-US"/>
           </a:p>
@@ -1764,7 +1764,7 @@
           <a:p>
             <a:fld id="{FC080E38-6FF2-48B3-BDAB-4FA23B840E92}" type="datetimeFigureOut">
               <a:rPr lang="en-US" smtClean="0"/>
-              <a:t>2020-11-30</a:t>
+              <a:t>2020-12-01</a:t>
             </a:fld>
             <a:endParaRPr lang="en-US"/>
           </a:p>
@@ -1882,7 +1882,7 @@
           <a:p>
             <a:fld id="{FC080E38-6FF2-48B3-BDAB-4FA23B840E92}" type="datetimeFigureOut">
               <a:rPr lang="en-US" smtClean="0"/>
-              <a:t>2020-11-30</a:t>
+              <a:t>2020-12-01</a:t>
             </a:fld>
             <a:endParaRPr lang="en-US"/>
           </a:p>
@@ -1977,7 +1977,7 @@
           <a:p>
             <a:fld id="{FC080E38-6FF2-48B3-BDAB-4FA23B840E92}" type="datetimeFigureOut">
               <a:rPr lang="en-US" smtClean="0"/>
-              <a:t>2020-11-30</a:t>
+              <a:t>2020-12-01</a:t>
             </a:fld>
             <a:endParaRPr lang="en-US"/>
           </a:p>
@@ -2254,7 +2254,7 @@
           <a:p>
             <a:fld id="{FC080E38-6FF2-48B3-BDAB-4FA23B840E92}" type="datetimeFigureOut">
               <a:rPr lang="en-US" smtClean="0"/>
-              <a:t>2020-11-30</a:t>
+              <a:t>2020-12-01</a:t>
             </a:fld>
             <a:endParaRPr lang="en-US"/>
           </a:p>
@@ -2507,7 +2507,7 @@
           <a:p>
             <a:fld id="{FC080E38-6FF2-48B3-BDAB-4FA23B840E92}" type="datetimeFigureOut">
               <a:rPr lang="en-US" smtClean="0"/>
-              <a:t>2020-11-30</a:t>
+              <a:t>2020-12-01</a:t>
             </a:fld>
             <a:endParaRPr lang="en-US"/>
           </a:p>
@@ -2720,7 +2720,7 @@
           <a:p>
             <a:fld id="{FC080E38-6FF2-48B3-BDAB-4FA23B840E92}" type="datetimeFigureOut">
               <a:rPr lang="en-US" smtClean="0"/>
-              <a:t>2020-11-30</a:t>
+              <a:t>2020-12-01</a:t>
             </a:fld>
             <a:endParaRPr lang="en-US"/>
           </a:p>
@@ -3105,8 +3105,8 @@
         </p:nvCxnSpPr>
         <p:spPr>
           <a:xfrm flipV="1">
-            <a:off x="6263903" y="1397670"/>
-            <a:ext cx="1197239" cy="966295"/>
+            <a:off x="6271022" y="1397670"/>
+            <a:ext cx="1190120" cy="959768"/>
           </a:xfrm>
           <a:prstGeom prst="straightConnector1">
             <a:avLst/>
@@ -9980,7 +9980,7 @@
         </p:nvCxnSpPr>
         <p:spPr>
           <a:xfrm>
-            <a:off x="3059832" y="1553095"/>
+            <a:off x="3059832" y="1545949"/>
             <a:ext cx="648072" cy="690988"/>
           </a:xfrm>
           <a:prstGeom prst="straightConnector1">
@@ -10056,7 +10056,7 @@
         </p:nvCxnSpPr>
         <p:spPr>
           <a:xfrm flipV="1">
-            <a:off x="3046243" y="1521081"/>
+            <a:off x="3046243" y="1535373"/>
             <a:ext cx="630024" cy="671477"/>
           </a:xfrm>
           <a:prstGeom prst="straightConnector1">
@@ -10469,7 +10469,91 @@
                 <a:latin typeface="Arial" panose="020B0604020202020204" pitchFamily="34" charset="0"/>
                 <a:cs typeface="Arial" panose="020B0604020202020204" pitchFamily="34" charset="0"/>
               </a:rPr>
-              <a:t>In the traditional architecture for card-based authorizations, a Merchant is connected an Acquirer which handles the communication with the Issuer Banks.  The Acquirer is the entity that usually has the business agreement with a Merchant as well. </a:t>
+              <a:t>In the traditional architecture for card-based authorizations, </a:t>
+            </a:r>
+            <a:r>
+              <a:rPr lang="en-US" sz="1000" dirty="0" smtClean="0">
+                <a:latin typeface="Arial" panose="020B0604020202020204" pitchFamily="34" charset="0"/>
+                <a:cs typeface="Arial" panose="020B0604020202020204" pitchFamily="34" charset="0"/>
+              </a:rPr>
+              <a:t>Merchants are </a:t>
+            </a:r>
+            <a:r>
+              <a:rPr lang="en-US" sz="1000" dirty="0" smtClean="0">
+                <a:latin typeface="Arial" panose="020B0604020202020204" pitchFamily="34" charset="0"/>
+                <a:cs typeface="Arial" panose="020B0604020202020204" pitchFamily="34" charset="0"/>
+              </a:rPr>
+              <a:t>connected </a:t>
+            </a:r>
+            <a:r>
+              <a:rPr lang="en-US" sz="1000" dirty="0" smtClean="0">
+                <a:latin typeface="Arial" panose="020B0604020202020204" pitchFamily="34" charset="0"/>
+                <a:cs typeface="Arial" panose="020B0604020202020204" pitchFamily="34" charset="0"/>
+              </a:rPr>
+              <a:t>to Acquirers who handle </a:t>
+            </a:r>
+            <a:r>
+              <a:rPr lang="en-US" sz="1000" dirty="0" smtClean="0">
+                <a:latin typeface="Arial" panose="020B0604020202020204" pitchFamily="34" charset="0"/>
+                <a:cs typeface="Arial" panose="020B0604020202020204" pitchFamily="34" charset="0"/>
+              </a:rPr>
+              <a:t>the communication with the Issuer </a:t>
+            </a:r>
+            <a:r>
+              <a:rPr lang="en-US" sz="1000" dirty="0" smtClean="0">
+                <a:latin typeface="Arial" panose="020B0604020202020204" pitchFamily="34" charset="0"/>
+                <a:cs typeface="Arial" panose="020B0604020202020204" pitchFamily="34" charset="0"/>
+              </a:rPr>
+              <a:t>Banks (or card networks).  </a:t>
+            </a:r>
+            <a:r>
+              <a:rPr lang="en-US" sz="1000" dirty="0" smtClean="0">
+                <a:latin typeface="Arial" panose="020B0604020202020204" pitchFamily="34" charset="0"/>
+                <a:cs typeface="Arial" panose="020B0604020202020204" pitchFamily="34" charset="0"/>
+              </a:rPr>
+              <a:t>An</a:t>
+            </a:r>
+            <a:r>
+              <a:rPr lang="en-US" sz="1000" dirty="0" smtClean="0">
+                <a:latin typeface="Arial" panose="020B0604020202020204" pitchFamily="34" charset="0"/>
+                <a:cs typeface="Arial" panose="020B0604020202020204" pitchFamily="34" charset="0"/>
+              </a:rPr>
+              <a:t> </a:t>
+            </a:r>
+            <a:r>
+              <a:rPr lang="en-US" sz="1000" dirty="0" smtClean="0">
+                <a:latin typeface="Arial" panose="020B0604020202020204" pitchFamily="34" charset="0"/>
+                <a:cs typeface="Arial" panose="020B0604020202020204" pitchFamily="34" charset="0"/>
+              </a:rPr>
+              <a:t>Acquirer is </a:t>
+            </a:r>
+            <a:r>
+              <a:rPr lang="en-US" sz="1000" dirty="0" smtClean="0">
+                <a:latin typeface="Arial" panose="020B0604020202020204" pitchFamily="34" charset="0"/>
+                <a:cs typeface="Arial" panose="020B0604020202020204" pitchFamily="34" charset="0"/>
+              </a:rPr>
+              <a:t>usually the </a:t>
+            </a:r>
+            <a:r>
+              <a:rPr lang="en-US" sz="1000" dirty="0" smtClean="0">
+                <a:latin typeface="Arial" panose="020B0604020202020204" pitchFamily="34" charset="0"/>
+                <a:cs typeface="Arial" panose="020B0604020202020204" pitchFamily="34" charset="0"/>
+              </a:rPr>
+              <a:t>entity that </a:t>
+            </a:r>
+            <a:r>
+              <a:rPr lang="en-US" sz="1000" dirty="0" smtClean="0">
+                <a:latin typeface="Arial" panose="020B0604020202020204" pitchFamily="34" charset="0"/>
+                <a:cs typeface="Arial" panose="020B0604020202020204" pitchFamily="34" charset="0"/>
+              </a:rPr>
+              <a:t>has </a:t>
+            </a:r>
+            <a:r>
+              <a:rPr lang="en-US" sz="1000" dirty="0" smtClean="0">
+                <a:latin typeface="Arial" panose="020B0604020202020204" pitchFamily="34" charset="0"/>
+                <a:cs typeface="Arial" panose="020B0604020202020204" pitchFamily="34" charset="0"/>
+              </a:rPr>
+              <a:t>the business agreement with a Merchant as well. </a:t>
             </a:r>
           </a:p>
           <a:p>
@@ -10497,7 +10581,14 @@
                 <a:latin typeface="Arial" panose="020B0604020202020204" pitchFamily="34" charset="0"/>
                 <a:cs typeface="Arial" panose="020B0604020202020204" pitchFamily="34" charset="0"/>
               </a:rPr>
-              <a:t>, illustrated by the arrows in the diagram.</a:t>
+              <a:t>, illustrated by the arrows in the </a:t>
+            </a:r>
+            <a:r>
+              <a:rPr lang="en-US" sz="1000" dirty="0" smtClean="0">
+                <a:latin typeface="Arial" panose="020B0604020202020204" pitchFamily="34" charset="0"/>
+                <a:cs typeface="Arial" panose="020B0604020202020204" pitchFamily="34" charset="0"/>
+              </a:rPr>
+              <a:t>diagram.</a:t>
             </a:r>
           </a:p>
           <a:p>
@@ -10507,11 +10598,39 @@
               </a:spcBef>
             </a:pPr>
             <a:r>
+              <a:rPr lang="en-US" sz="1000" smtClean="0">
+                <a:latin typeface="Arial" panose="020B0604020202020204" pitchFamily="34" charset="0"/>
+                <a:cs typeface="Arial" panose="020B0604020202020204" pitchFamily="34" charset="0"/>
+              </a:rPr>
+              <a:t>This</a:t>
+            </a:r>
+            <a:r>
+              <a:rPr lang="en-US" sz="1000">
+                <a:latin typeface="Arial" panose="020B0604020202020204" pitchFamily="34" charset="0"/>
+                <a:cs typeface="Arial" panose="020B0604020202020204" pitchFamily="34" charset="0"/>
+              </a:rPr>
+              <a:t> </a:t>
+            </a:r>
+            <a:r>
+              <a:rPr lang="en-US" sz="1000" smtClean="0">
+                <a:latin typeface="Arial" panose="020B0604020202020204" pitchFamily="34" charset="0"/>
+                <a:cs typeface="Arial" panose="020B0604020202020204" pitchFamily="34" charset="0"/>
+              </a:rPr>
+              <a:t>model</a:t>
+            </a:r>
+            <a:r>
+              <a:rPr lang="en-US" sz="1000" smtClean="0">
+                <a:latin typeface="Arial" panose="020B0604020202020204" pitchFamily="34" charset="0"/>
+                <a:cs typeface="Arial" panose="020B0604020202020204" pitchFamily="34" charset="0"/>
+              </a:rPr>
+              <a:t> </a:t>
+            </a:r>
+            <a:r>
               <a:rPr lang="en-US" sz="1000" dirty="0" smtClean="0">
                 <a:latin typeface="Arial" panose="020B0604020202020204" pitchFamily="34" charset="0"/>
                 <a:cs typeface="Arial" panose="020B0604020202020204" pitchFamily="34" charset="0"/>
               </a:rPr>
-              <a:t>The traditional architecture also depends on </a:t>
+              <a:t>also depends on </a:t>
             </a:r>
             <a:r>
               <a:rPr lang="en-US" sz="1000" i="1" dirty="0" smtClean="0">
@@ -10802,7 +10921,35 @@
                 <a:latin typeface="Arial" panose="020B0604020202020204" pitchFamily="34" charset="0"/>
                 <a:cs typeface="Arial" panose="020B0604020202020204" pitchFamily="34" charset="0"/>
               </a:rPr>
-              <a:t>; there is no need for externally configured security or path information.</a:t>
+              <a:t>; </a:t>
+            </a:r>
+            <a:r>
+              <a:rPr lang="en-US" sz="1000" i="1" dirty="0" smtClean="0">
+                <a:latin typeface="Arial" panose="020B0604020202020204" pitchFamily="34" charset="0"/>
+                <a:cs typeface="Arial" panose="020B0604020202020204" pitchFamily="34" charset="0"/>
+              </a:rPr>
+              <a:t>there is no need for externally configured </a:t>
+            </a:r>
+            <a:r>
+              <a:rPr lang="en-US" sz="1000" i="1" dirty="0" smtClean="0">
+                <a:latin typeface="Arial" panose="020B0604020202020204" pitchFamily="34" charset="0"/>
+                <a:cs typeface="Arial" panose="020B0604020202020204" pitchFamily="34" charset="0"/>
+              </a:rPr>
+              <a:t>security, path, or routing </a:t>
+            </a:r>
+            <a:r>
+              <a:rPr lang="en-US" sz="1000" i="1" dirty="0" smtClean="0">
+                <a:latin typeface="Arial" panose="020B0604020202020204" pitchFamily="34" charset="0"/>
+                <a:cs typeface="Arial" panose="020B0604020202020204" pitchFamily="34" charset="0"/>
+              </a:rPr>
+              <a:t>information</a:t>
+            </a:r>
+            <a:r>
+              <a:rPr lang="en-US" sz="1000" dirty="0" smtClean="0">
+                <a:latin typeface="Arial" panose="020B0604020202020204" pitchFamily="34" charset="0"/>
+                <a:cs typeface="Arial" panose="020B0604020202020204" pitchFamily="34" charset="0"/>
+              </a:rPr>
+              <a:t>.</a:t>
             </a:r>
           </a:p>
         </p:txBody>
@@ -11631,7 +11778,14 @@
                 <a:latin typeface="Arial" panose="020B0604020202020204" pitchFamily="34" charset="0"/>
                 <a:cs typeface="Arial" panose="020B0604020202020204" pitchFamily="34" charset="0"/>
               </a:rPr>
-              <a:t>EPI (Presumed) versus Saturn, A.Rundgren-2020-11-29:1</a:t>
+              <a:t>EPI (Presumed) versus Saturn, </a:t>
+            </a:r>
+            <a:r>
+              <a:rPr lang="en-US" sz="800" dirty="0" smtClean="0">
+                <a:latin typeface="Arial" panose="020B0604020202020204" pitchFamily="34" charset="0"/>
+                <a:cs typeface="Arial" panose="020B0604020202020204" pitchFamily="34" charset="0"/>
+              </a:rPr>
+              <a:t>A.Rundgren-2020-11-30:1</a:t>
             </a:r>
             <a:endParaRPr lang="en-US" sz="800" dirty="0">
               <a:latin typeface="Arial" panose="020B0604020202020204" pitchFamily="34" charset="0"/>

--- a/saturn/epi(presumed)-vs-saturn.pptx
+++ b/saturn/epi(presumed)-vs-saturn.pptx
@@ -9980,8 +9980,8 @@
         </p:nvCxnSpPr>
         <p:spPr>
           <a:xfrm>
-            <a:off x="3059832" y="1545949"/>
-            <a:ext cx="648072" cy="690988"/>
+            <a:off x="3027759" y="1532334"/>
+            <a:ext cx="665305" cy="669933"/>
           </a:xfrm>
           <a:prstGeom prst="straightConnector1">
             <a:avLst/>
@@ -10056,8 +10056,8 @@
         </p:nvCxnSpPr>
         <p:spPr>
           <a:xfrm flipV="1">
-            <a:off x="3046243" y="1535373"/>
-            <a:ext cx="630024" cy="671477"/>
+            <a:off x="3052763" y="1535374"/>
+            <a:ext cx="623504" cy="699429"/>
           </a:xfrm>
           <a:prstGeom prst="straightConnector1">
             <a:avLst/>
@@ -10094,8 +10094,8 @@
         </p:nvCxnSpPr>
         <p:spPr>
           <a:xfrm>
-            <a:off x="2939512" y="1684467"/>
-            <a:ext cx="750344" cy="1311835"/>
+            <a:off x="2927318" y="1640302"/>
+            <a:ext cx="735947" cy="1350000"/>
           </a:xfrm>
           <a:prstGeom prst="straightConnector1">
             <a:avLst/>
@@ -10132,7 +10132,7 @@
         </p:nvCxnSpPr>
         <p:spPr>
           <a:xfrm flipV="1">
-            <a:off x="3040345" y="2474907"/>
+            <a:off x="3047491" y="2473716"/>
             <a:ext cx="648500" cy="638242"/>
           </a:xfrm>
           <a:prstGeom prst="straightConnector1">
@@ -10170,8 +10170,8 @@
         </p:nvCxnSpPr>
         <p:spPr>
           <a:xfrm flipV="1">
-            <a:off x="2915816" y="1679825"/>
-            <a:ext cx="753070" cy="1337142"/>
+            <a:off x="2939512" y="1679825"/>
+            <a:ext cx="729374" cy="1350000"/>
           </a:xfrm>
           <a:prstGeom prst="straightConnector1">
             <a:avLst/>
@@ -10469,91 +10469,7 @@
                 <a:latin typeface="Arial" panose="020B0604020202020204" pitchFamily="34" charset="0"/>
                 <a:cs typeface="Arial" panose="020B0604020202020204" pitchFamily="34" charset="0"/>
               </a:rPr>
-              <a:t>In the traditional architecture for card-based authorizations, </a:t>
-            </a:r>
-            <a:r>
-              <a:rPr lang="en-US" sz="1000" dirty="0" smtClean="0">
-                <a:latin typeface="Arial" panose="020B0604020202020204" pitchFamily="34" charset="0"/>
-                <a:cs typeface="Arial" panose="020B0604020202020204" pitchFamily="34" charset="0"/>
-              </a:rPr>
-              <a:t>Merchants are </a:t>
-            </a:r>
-            <a:r>
-              <a:rPr lang="en-US" sz="1000" dirty="0" smtClean="0">
-                <a:latin typeface="Arial" panose="020B0604020202020204" pitchFamily="34" charset="0"/>
-                <a:cs typeface="Arial" panose="020B0604020202020204" pitchFamily="34" charset="0"/>
-              </a:rPr>
-              <a:t>connected </a:t>
-            </a:r>
-            <a:r>
-              <a:rPr lang="en-US" sz="1000" dirty="0" smtClean="0">
-                <a:latin typeface="Arial" panose="020B0604020202020204" pitchFamily="34" charset="0"/>
-                <a:cs typeface="Arial" panose="020B0604020202020204" pitchFamily="34" charset="0"/>
-              </a:rPr>
-              <a:t>to Acquirers who handle </a:t>
-            </a:r>
-            <a:r>
-              <a:rPr lang="en-US" sz="1000" dirty="0" smtClean="0">
-                <a:latin typeface="Arial" panose="020B0604020202020204" pitchFamily="34" charset="0"/>
-                <a:cs typeface="Arial" panose="020B0604020202020204" pitchFamily="34" charset="0"/>
-              </a:rPr>
-              <a:t>the communication with the Issuer </a:t>
-            </a:r>
-            <a:r>
-              <a:rPr lang="en-US" sz="1000" dirty="0" smtClean="0">
-                <a:latin typeface="Arial" panose="020B0604020202020204" pitchFamily="34" charset="0"/>
-                <a:cs typeface="Arial" panose="020B0604020202020204" pitchFamily="34" charset="0"/>
-              </a:rPr>
-              <a:t>Banks (or card networks).  </a:t>
-            </a:r>
-            <a:r>
-              <a:rPr lang="en-US" sz="1000" dirty="0" smtClean="0">
-                <a:latin typeface="Arial" panose="020B0604020202020204" pitchFamily="34" charset="0"/>
-                <a:cs typeface="Arial" panose="020B0604020202020204" pitchFamily="34" charset="0"/>
-              </a:rPr>
-              <a:t>An</a:t>
-            </a:r>
-            <a:r>
-              <a:rPr lang="en-US" sz="1000" dirty="0" smtClean="0">
-                <a:latin typeface="Arial" panose="020B0604020202020204" pitchFamily="34" charset="0"/>
-                <a:cs typeface="Arial" panose="020B0604020202020204" pitchFamily="34" charset="0"/>
-              </a:rPr>
-              <a:t> </a:t>
-            </a:r>
-            <a:r>
-              <a:rPr lang="en-US" sz="1000" dirty="0" smtClean="0">
-                <a:latin typeface="Arial" panose="020B0604020202020204" pitchFamily="34" charset="0"/>
-                <a:cs typeface="Arial" panose="020B0604020202020204" pitchFamily="34" charset="0"/>
-              </a:rPr>
-              <a:t>Acquirer is </a:t>
-            </a:r>
-            <a:r>
-              <a:rPr lang="en-US" sz="1000" dirty="0" smtClean="0">
-                <a:latin typeface="Arial" panose="020B0604020202020204" pitchFamily="34" charset="0"/>
-                <a:cs typeface="Arial" panose="020B0604020202020204" pitchFamily="34" charset="0"/>
-              </a:rPr>
-              <a:t>usually the </a:t>
-            </a:r>
-            <a:r>
-              <a:rPr lang="en-US" sz="1000" dirty="0" smtClean="0">
-                <a:latin typeface="Arial" panose="020B0604020202020204" pitchFamily="34" charset="0"/>
-                <a:cs typeface="Arial" panose="020B0604020202020204" pitchFamily="34" charset="0"/>
-              </a:rPr>
-              <a:t>entity that </a:t>
-            </a:r>
-            <a:r>
-              <a:rPr lang="en-US" sz="1000" dirty="0" smtClean="0">
-                <a:latin typeface="Arial" panose="020B0604020202020204" pitchFamily="34" charset="0"/>
-                <a:cs typeface="Arial" panose="020B0604020202020204" pitchFamily="34" charset="0"/>
-              </a:rPr>
-              <a:t>has </a:t>
-            </a:r>
-            <a:r>
-              <a:rPr lang="en-US" sz="1000" dirty="0" smtClean="0">
-                <a:latin typeface="Arial" panose="020B0604020202020204" pitchFamily="34" charset="0"/>
-                <a:cs typeface="Arial" panose="020B0604020202020204" pitchFamily="34" charset="0"/>
-              </a:rPr>
-              <a:t>the business agreement with a Merchant as well. </a:t>
+              <a:t>In the traditional architecture for card-based authorizations, Merchants are connected to Acquirers who handle the communication with the Issuer Banks (or card networks).  An Acquirer is usually the entity that has the business agreement with a Merchant as well. </a:t>
             </a:r>
           </a:p>
           <a:p>
@@ -10581,14 +10497,7 @@
                 <a:latin typeface="Arial" panose="020B0604020202020204" pitchFamily="34" charset="0"/>
                 <a:cs typeface="Arial" panose="020B0604020202020204" pitchFamily="34" charset="0"/>
               </a:rPr>
-              <a:t>, illustrated by the arrows in the </a:t>
-            </a:r>
-            <a:r>
-              <a:rPr lang="en-US" sz="1000" dirty="0" smtClean="0">
-                <a:latin typeface="Arial" panose="020B0604020202020204" pitchFamily="34" charset="0"/>
-                <a:cs typeface="Arial" panose="020B0604020202020204" pitchFamily="34" charset="0"/>
-              </a:rPr>
-              <a:t>diagram.</a:t>
+              <a:t>, illustrated by the arrows in the diagram.</a:t>
             </a:r>
           </a:p>
           <a:p>
@@ -10616,14 +10525,7 @@
                 <a:latin typeface="Arial" panose="020B0604020202020204" pitchFamily="34" charset="0"/>
                 <a:cs typeface="Arial" panose="020B0604020202020204" pitchFamily="34" charset="0"/>
               </a:rPr>
-              <a:t>model</a:t>
-            </a:r>
-            <a:r>
-              <a:rPr lang="en-US" sz="1000" smtClean="0">
-                <a:latin typeface="Arial" panose="020B0604020202020204" pitchFamily="34" charset="0"/>
-                <a:cs typeface="Arial" panose="020B0604020202020204" pitchFamily="34" charset="0"/>
-              </a:rPr>
-              <a:t> </a:t>
+              <a:t>model </a:t>
             </a:r>
             <a:r>
               <a:rPr lang="en-US" sz="1000" dirty="0" smtClean="0">
@@ -10760,7 +10662,28 @@
                 <a:latin typeface="Arial" panose="020B0604020202020204" pitchFamily="34" charset="0"/>
                 <a:cs typeface="Arial" panose="020B0604020202020204" pitchFamily="34" charset="0"/>
               </a:rPr>
-              <a:t> (TS).  TS vouches for the Merchant’s validity including their claimed account number. </a:t>
+              <a:t> (TS), that vouches for the Merchant’s validity </a:t>
+            </a:r>
+            <a:r>
+              <a:rPr lang="en-US" sz="1000" smtClean="0">
+                <a:latin typeface="Arial" panose="020B0604020202020204" pitchFamily="34" charset="0"/>
+                <a:cs typeface="Arial" panose="020B0604020202020204" pitchFamily="34" charset="0"/>
+              </a:rPr>
+              <a:t>including </a:t>
+            </a:r>
+            <a:r>
+              <a:rPr lang="en-US" sz="1000" smtClean="0">
+                <a:latin typeface="Arial" panose="020B0604020202020204" pitchFamily="34" charset="0"/>
+                <a:cs typeface="Arial" panose="020B0604020202020204" pitchFamily="34" charset="0"/>
+              </a:rPr>
+              <a:t>its claimed </a:t>
+            </a:r>
+            <a:r>
+              <a:rPr lang="en-US" sz="1000" dirty="0" smtClean="0">
+                <a:latin typeface="Arial" panose="020B0604020202020204" pitchFamily="34" charset="0"/>
+                <a:cs typeface="Arial" panose="020B0604020202020204" pitchFamily="34" charset="0"/>
+              </a:rPr>
+              <a:t>account number. </a:t>
             </a:r>
           </a:p>
           <a:p>
@@ -10809,7 +10732,7 @@
                 <a:latin typeface="Arial" panose="020B0604020202020204" pitchFamily="34" charset="0"/>
                 <a:cs typeface="Arial" panose="020B0604020202020204" pitchFamily="34" charset="0"/>
               </a:rPr>
-              <a:t>requests </a:t>
+              <a:t>payment requests </a:t>
             </a:r>
             <a:r>
               <a:rPr lang="en-US" sz="1000" dirty="0">
@@ -10879,7 +10802,7 @@
                 <a:latin typeface="Arial" panose="020B0604020202020204" pitchFamily="34" charset="0"/>
                 <a:cs typeface="Arial" panose="020B0604020202020204" pitchFamily="34" charset="0"/>
               </a:rPr>
-              <a:t>lookups </a:t>
+              <a:t>Merchant lookups </a:t>
             </a:r>
             <a:r>
               <a:rPr lang="en-US" sz="1000" dirty="0">
@@ -10928,21 +10851,7 @@
                 <a:latin typeface="Arial" panose="020B0604020202020204" pitchFamily="34" charset="0"/>
                 <a:cs typeface="Arial" panose="020B0604020202020204" pitchFamily="34" charset="0"/>
               </a:rPr>
-              <a:t>there is no need for externally configured </a:t>
-            </a:r>
-            <a:r>
-              <a:rPr lang="en-US" sz="1000" i="1" dirty="0" smtClean="0">
-                <a:latin typeface="Arial" panose="020B0604020202020204" pitchFamily="34" charset="0"/>
-                <a:cs typeface="Arial" panose="020B0604020202020204" pitchFamily="34" charset="0"/>
-              </a:rPr>
-              <a:t>security, path, or routing </a:t>
-            </a:r>
-            <a:r>
-              <a:rPr lang="en-US" sz="1000" i="1" dirty="0" smtClean="0">
-                <a:latin typeface="Arial" panose="020B0604020202020204" pitchFamily="34" charset="0"/>
-                <a:cs typeface="Arial" panose="020B0604020202020204" pitchFamily="34" charset="0"/>
-              </a:rPr>
-              <a:t>information</a:t>
+              <a:t>there is no need for externally configured security, path, or routing information</a:t>
             </a:r>
             <a:r>
               <a:rPr lang="en-US" sz="1000" dirty="0" smtClean="0">
@@ -11778,14 +11687,7 @@
                 <a:latin typeface="Arial" panose="020B0604020202020204" pitchFamily="34" charset="0"/>
                 <a:cs typeface="Arial" panose="020B0604020202020204" pitchFamily="34" charset="0"/>
               </a:rPr>
-              <a:t>EPI (Presumed) versus Saturn, </a:t>
-            </a:r>
-            <a:r>
-              <a:rPr lang="en-US" sz="800" dirty="0" smtClean="0">
-                <a:latin typeface="Arial" panose="020B0604020202020204" pitchFamily="34" charset="0"/>
-                <a:cs typeface="Arial" panose="020B0604020202020204" pitchFamily="34" charset="0"/>
-              </a:rPr>
-              <a:t>A.Rundgren-2020-11-30:1</a:t>
+              <a:t>EPI (Presumed) versus Saturn, A.Rundgren-2020-12-01:1</a:t>
             </a:r>
             <a:endParaRPr lang="en-US" sz="800" dirty="0">
               <a:latin typeface="Arial" panose="020B0604020202020204" pitchFamily="34" charset="0"/>

--- a/saturn/epi(presumed)-vs-saturn.pptx
+++ b/saturn/epi(presumed)-vs-saturn.pptx
@@ -3098,15 +3098,13 @@
       <p:cxnSp>
         <p:nvCxnSpPr>
           <p:cNvPr id="23" name="Straight Arrow Connector 22"/>
-          <p:cNvCxnSpPr>
-            <a:endCxn id="200" idx="1"/>
-          </p:cNvCxnSpPr>
+          <p:cNvCxnSpPr/>
           <p:nvPr/>
         </p:nvCxnSpPr>
         <p:spPr>
           <a:xfrm flipV="1">
-            <a:off x="6271022" y="1397670"/>
-            <a:ext cx="1190120" cy="959768"/>
+            <a:off x="6096000" y="1360884"/>
+            <a:ext cx="1541859" cy="985502"/>
           </a:xfrm>
           <a:prstGeom prst="straightConnector1">
             <a:avLst/>
@@ -3144,7 +3142,7 @@
         </p:nvGrpSpPr>
         <p:grpSpPr>
           <a:xfrm>
-            <a:off x="6414398" y="1973342"/>
+            <a:off x="6219164" y="2028497"/>
             <a:ext cx="354584" cy="246221"/>
             <a:chOff x="6414398" y="2045350"/>
             <a:chExt cx="354584" cy="246221"/>
@@ -3284,7 +3282,7 @@
         </p:nvGrpSpPr>
         <p:grpSpPr>
           <a:xfrm>
-            <a:off x="5688282" y="2063239"/>
+            <a:off x="5507340" y="2063239"/>
             <a:ext cx="557162" cy="447881"/>
             <a:chOff x="3321759" y="524071"/>
             <a:chExt cx="557162" cy="447881"/>
@@ -4550,7 +4548,7 @@
         </p:nvGrpSpPr>
         <p:grpSpPr>
           <a:xfrm>
-            <a:off x="7461142" y="2897515"/>
+            <a:off x="7636332" y="2897515"/>
             <a:ext cx="927282" cy="687559"/>
             <a:chOff x="4013200" y="3014663"/>
             <a:chExt cx="1117600" cy="828675"/>
@@ -5180,7 +5178,7 @@
         </p:nvGrpSpPr>
         <p:grpSpPr>
           <a:xfrm>
-            <a:off x="7461142" y="1975702"/>
+            <a:off x="7636332" y="1975702"/>
             <a:ext cx="927282" cy="687559"/>
             <a:chOff x="4013200" y="3014663"/>
             <a:chExt cx="1117600" cy="828675"/>
@@ -7220,7 +7218,7 @@
         </p:nvGrpSpPr>
         <p:grpSpPr>
           <a:xfrm>
-            <a:off x="7461142" y="1053890"/>
+            <a:off x="7636332" y="1053890"/>
             <a:ext cx="927282" cy="687559"/>
             <a:chOff x="4013200" y="3014663"/>
             <a:chExt cx="1117600" cy="828675"/>
@@ -10286,7 +10284,7 @@
         </p:nvSpPr>
         <p:spPr>
           <a:xfrm>
-            <a:off x="5549432" y="1780055"/>
+            <a:off x="5368490" y="1780055"/>
             <a:ext cx="824265" cy="276999"/>
           </a:xfrm>
           <a:prstGeom prst="rect">
@@ -10360,7 +10358,7 @@
         </p:nvSpPr>
         <p:spPr>
           <a:xfrm>
-            <a:off x="7356528" y="703729"/>
+            <a:off x="7531718" y="703729"/>
             <a:ext cx="1072730" cy="276999"/>
           </a:xfrm>
           <a:prstGeom prst="rect">
@@ -10669,14 +10667,7 @@
                 <a:latin typeface="Arial" panose="020B0604020202020204" pitchFamily="34" charset="0"/>
                 <a:cs typeface="Arial" panose="020B0604020202020204" pitchFamily="34" charset="0"/>
               </a:rPr>
-              <a:t>including </a:t>
-            </a:r>
-            <a:r>
-              <a:rPr lang="en-US" sz="1000" smtClean="0">
-                <a:latin typeface="Arial" panose="020B0604020202020204" pitchFamily="34" charset="0"/>
-                <a:cs typeface="Arial" panose="020B0604020202020204" pitchFamily="34" charset="0"/>
-              </a:rPr>
-              <a:t>its claimed </a:t>
+              <a:t>including its claimed </a:t>
             </a:r>
             <a:r>
               <a:rPr lang="en-US" sz="1000" dirty="0" smtClean="0">
@@ -10871,7 +10862,7 @@
         </p:nvGrpSpPr>
         <p:grpSpPr>
           <a:xfrm>
-            <a:off x="5528474" y="2897992"/>
+            <a:off x="5347532" y="2897992"/>
             <a:ext cx="927282" cy="687559"/>
             <a:chOff x="4013200" y="3014663"/>
             <a:chExt cx="1117600" cy="828675"/>
@@ -11501,7 +11492,7 @@
         </p:nvSpPr>
         <p:spPr>
           <a:xfrm>
-            <a:off x="5348906" y="2647945"/>
+            <a:off x="5167964" y="2647945"/>
             <a:ext cx="1217000" cy="276999"/>
           </a:xfrm>
           <a:prstGeom prst="rect">
@@ -11538,7 +11529,7 @@
         </p:nvSpPr>
         <p:spPr>
           <a:xfrm>
-            <a:off x="6414461" y="2935190"/>
+            <a:off x="6233519" y="2935190"/>
             <a:ext cx="396000" cy="288000"/>
           </a:xfrm>
           <a:prstGeom prst="ellipse">
@@ -11629,8 +11620,8 @@
         </p:nvCxnSpPr>
         <p:spPr>
           <a:xfrm flipH="1">
-            <a:off x="6740106" y="1521081"/>
-            <a:ext cx="712214" cy="1374398"/>
+            <a:off x="6590582" y="1519238"/>
+            <a:ext cx="1025846" cy="1402241"/>
           </a:xfrm>
           <a:prstGeom prst="straightConnector1">
             <a:avLst/>
@@ -11704,8 +11695,8 @@
         </p:nvSpPr>
         <p:spPr>
           <a:xfrm>
-            <a:off x="6588224" y="1667630"/>
-            <a:ext cx="563068" cy="182325"/>
+            <a:off x="6317376" y="1690634"/>
+            <a:ext cx="1096302" cy="182325"/>
           </a:xfrm>
           <a:prstGeom prst="roundRect">
             <a:avLst/>
@@ -11740,7 +11731,7 @@
                 <a:latin typeface="Arial" panose="020B0604020202020204" pitchFamily="34" charset="0"/>
                 <a:cs typeface="Arial" panose="020B0604020202020204" pitchFamily="34" charset="0"/>
               </a:rPr>
-              <a:t>Request</a:t>
+              <a:t>Payment Request</a:t>
             </a:r>
             <a:endParaRPr lang="en-US" sz="1000" dirty="0">
               <a:latin typeface="Arial" panose="020B0604020202020204" pitchFamily="34" charset="0"/>
@@ -11757,8 +11748,8 @@
         </p:nvSpPr>
         <p:spPr>
           <a:xfrm>
-            <a:off x="6617915" y="2340062"/>
-            <a:ext cx="503686" cy="182325"/>
+            <a:off x="6331943" y="2420888"/>
+            <a:ext cx="1067169" cy="182325"/>
           </a:xfrm>
           <a:prstGeom prst="roundRect">
             <a:avLst/>
@@ -11793,7 +11784,7 @@
                 <a:latin typeface="Arial" panose="020B0604020202020204" pitchFamily="34" charset="0"/>
                 <a:cs typeface="Arial" panose="020B0604020202020204" pitchFamily="34" charset="0"/>
               </a:rPr>
-              <a:t>Lookup</a:t>
+              <a:t>Merchant Lookup</a:t>
             </a:r>
             <a:endParaRPr lang="en-US" sz="1000" dirty="0">
               <a:latin typeface="Arial" panose="020B0604020202020204" pitchFamily="34" charset="0"/>
@@ -11810,7 +11801,7 @@
         </p:nvGrpSpPr>
         <p:grpSpPr>
           <a:xfrm>
-            <a:off x="6629268" y="3185182"/>
+            <a:off x="6448326" y="3185182"/>
             <a:ext cx="288000" cy="315826"/>
             <a:chOff x="7439528" y="2941466"/>
             <a:chExt cx="216024" cy="262996"/>
@@ -11920,7 +11911,7 @@
         </p:nvGrpSpPr>
         <p:grpSpPr>
           <a:xfrm>
-            <a:off x="6966772" y="1972792"/>
+            <a:off x="6975158" y="2028497"/>
             <a:ext cx="354584" cy="246221"/>
             <a:chOff x="6770900" y="2012786"/>
             <a:chExt cx="354584" cy="246221"/>
@@ -12029,7 +12020,7 @@
         </p:blipFill>
         <p:spPr bwMode="auto">
           <a:xfrm>
-            <a:off x="5703998" y="1014239"/>
+            <a:off x="5523056" y="1014239"/>
             <a:ext cx="540000" cy="540000"/>
           </a:xfrm>
           <a:prstGeom prst="rect">
@@ -12062,7 +12053,7 @@
         </p:nvGrpSpPr>
         <p:grpSpPr>
           <a:xfrm>
-            <a:off x="5323300" y="1088792"/>
+            <a:off x="5142358" y="1088792"/>
             <a:ext cx="359900" cy="468000"/>
             <a:chOff x="5523510" y="2050055"/>
             <a:chExt cx="359900" cy="502719"/>
@@ -12322,7 +12313,7 @@
         </p:nvSpPr>
         <p:spPr>
           <a:xfrm>
-            <a:off x="5508103" y="1624222"/>
+            <a:off x="5327161" y="1624222"/>
             <a:ext cx="183867" cy="724658"/>
           </a:xfrm>
           <a:custGeom>
@@ -12434,7 +12425,7 @@
         </p:nvSpPr>
         <p:spPr>
           <a:xfrm>
-            <a:off x="5184990" y="705592"/>
+            <a:off x="5004048" y="705592"/>
             <a:ext cx="1059008" cy="276999"/>
           </a:xfrm>
           <a:prstGeom prst="rect">

--- a/saturn/epi(presumed)-vs-saturn.pptx
+++ b/saturn/epi(presumed)-vs-saturn.pptx
@@ -288,7 +288,7 @@
           <a:p>
             <a:fld id="{FC080E38-6FF2-48B3-BDAB-4FA23B840E92}" type="datetimeFigureOut">
               <a:rPr lang="en-US" smtClean="0"/>
-              <a:t>2020-12-01</a:t>
+              <a:t>2020-12-02</a:t>
             </a:fld>
             <a:endParaRPr lang="en-US"/>
           </a:p>
@@ -458,7 +458,7 @@
           <a:p>
             <a:fld id="{FC080E38-6FF2-48B3-BDAB-4FA23B840E92}" type="datetimeFigureOut">
               <a:rPr lang="en-US" smtClean="0"/>
-              <a:t>2020-12-01</a:t>
+              <a:t>2020-12-02</a:t>
             </a:fld>
             <a:endParaRPr lang="en-US"/>
           </a:p>
@@ -638,7 +638,7 @@
           <a:p>
             <a:fld id="{FC080E38-6FF2-48B3-BDAB-4FA23B840E92}" type="datetimeFigureOut">
               <a:rPr lang="en-US" smtClean="0"/>
-              <a:t>2020-12-01</a:t>
+              <a:t>2020-12-02</a:t>
             </a:fld>
             <a:endParaRPr lang="en-US"/>
           </a:p>
@@ -808,7 +808,7 @@
           <a:p>
             <a:fld id="{FC080E38-6FF2-48B3-BDAB-4FA23B840E92}" type="datetimeFigureOut">
               <a:rPr lang="en-US" smtClean="0"/>
-              <a:t>2020-12-01</a:t>
+              <a:t>2020-12-02</a:t>
             </a:fld>
             <a:endParaRPr lang="en-US"/>
           </a:p>
@@ -1054,7 +1054,7 @@
           <a:p>
             <a:fld id="{FC080E38-6FF2-48B3-BDAB-4FA23B840E92}" type="datetimeFigureOut">
               <a:rPr lang="en-US" smtClean="0"/>
-              <a:t>2020-12-01</a:t>
+              <a:t>2020-12-02</a:t>
             </a:fld>
             <a:endParaRPr lang="en-US"/>
           </a:p>
@@ -1342,7 +1342,7 @@
           <a:p>
             <a:fld id="{FC080E38-6FF2-48B3-BDAB-4FA23B840E92}" type="datetimeFigureOut">
               <a:rPr lang="en-US" smtClean="0"/>
-              <a:t>2020-12-01</a:t>
+              <a:t>2020-12-02</a:t>
             </a:fld>
             <a:endParaRPr lang="en-US"/>
           </a:p>
@@ -1764,7 +1764,7 @@
           <a:p>
             <a:fld id="{FC080E38-6FF2-48B3-BDAB-4FA23B840E92}" type="datetimeFigureOut">
               <a:rPr lang="en-US" smtClean="0"/>
-              <a:t>2020-12-01</a:t>
+              <a:t>2020-12-02</a:t>
             </a:fld>
             <a:endParaRPr lang="en-US"/>
           </a:p>
@@ -1882,7 +1882,7 @@
           <a:p>
             <a:fld id="{FC080E38-6FF2-48B3-BDAB-4FA23B840E92}" type="datetimeFigureOut">
               <a:rPr lang="en-US" smtClean="0"/>
-              <a:t>2020-12-01</a:t>
+              <a:t>2020-12-02</a:t>
             </a:fld>
             <a:endParaRPr lang="en-US"/>
           </a:p>
@@ -1977,7 +1977,7 @@
           <a:p>
             <a:fld id="{FC080E38-6FF2-48B3-BDAB-4FA23B840E92}" type="datetimeFigureOut">
               <a:rPr lang="en-US" smtClean="0"/>
-              <a:t>2020-12-01</a:t>
+              <a:t>2020-12-02</a:t>
             </a:fld>
             <a:endParaRPr lang="en-US"/>
           </a:p>
@@ -2254,7 +2254,7 @@
           <a:p>
             <a:fld id="{FC080E38-6FF2-48B3-BDAB-4FA23B840E92}" type="datetimeFigureOut">
               <a:rPr lang="en-US" smtClean="0"/>
-              <a:t>2020-12-01</a:t>
+              <a:t>2020-12-02</a:t>
             </a:fld>
             <a:endParaRPr lang="en-US"/>
           </a:p>
@@ -2507,7 +2507,7 @@
           <a:p>
             <a:fld id="{FC080E38-6FF2-48B3-BDAB-4FA23B840E92}" type="datetimeFigureOut">
               <a:rPr lang="en-US" smtClean="0"/>
-              <a:t>2020-12-01</a:t>
+              <a:t>2020-12-02</a:t>
             </a:fld>
             <a:endParaRPr lang="en-US"/>
           </a:p>
@@ -2720,7 +2720,7 @@
           <a:p>
             <a:fld id="{FC080E38-6FF2-48B3-BDAB-4FA23B840E92}" type="datetimeFigureOut">
               <a:rPr lang="en-US" smtClean="0"/>
-              <a:t>2020-12-01</a:t>
+              <a:t>2020-12-02</a:t>
             </a:fld>
             <a:endParaRPr lang="en-US"/>
           </a:p>
@@ -3097,17 +3097,61 @@
       </p:grpSpPr>
       <p:cxnSp>
         <p:nvCxnSpPr>
+          <p:cNvPr id="214" name="Straight Arrow Connector 22"/>
+          <p:cNvCxnSpPr/>
+          <p:nvPr/>
+        </p:nvCxnSpPr>
+        <p:spPr>
+          <a:xfrm flipV="1">
+            <a:off x="6690249" y="1512000"/>
+            <a:ext cx="1224000" cy="1548000"/>
+          </a:xfrm>
+          <a:prstGeom prst="bentConnector3">
+            <a:avLst>
+              <a:gd name="adj1" fmla="val 61818"/>
+            </a:avLst>
+          </a:prstGeom>
+          <a:ln w="9525">
+            <a:solidFill>
+              <a:schemeClr val="bg1">
+                <a:lumMod val="50000"/>
+              </a:schemeClr>
+            </a:solidFill>
+            <a:prstDash val="sysDash"/>
+            <a:headEnd type="triangle" w="sm" len="sm"/>
+            <a:tailEnd type="none" w="sm" len="sm"/>
+          </a:ln>
+        </p:spPr>
+        <p:style>
+          <a:lnRef idx="1">
+            <a:schemeClr val="accent1"/>
+          </a:lnRef>
+          <a:fillRef idx="0">
+            <a:schemeClr val="accent1"/>
+          </a:fillRef>
+          <a:effectRef idx="0">
+            <a:schemeClr val="accent1"/>
+          </a:effectRef>
+          <a:fontRef idx="minor">
+            <a:schemeClr val="tx1"/>
+          </a:fontRef>
+        </p:style>
+      </p:cxnSp>
+      <p:cxnSp>
+        <p:nvCxnSpPr>
           <p:cNvPr id="23" name="Straight Arrow Connector 22"/>
           <p:cNvCxnSpPr/>
           <p:nvPr/>
         </p:nvCxnSpPr>
         <p:spPr>
           <a:xfrm flipV="1">
-            <a:off x="6096000" y="1360884"/>
-            <a:ext cx="1541859" cy="985502"/>
+            <a:off x="6095999" y="1360884"/>
+            <a:ext cx="1836000" cy="985502"/>
           </a:xfrm>
-          <a:prstGeom prst="straightConnector1">
-            <a:avLst/>
+          <a:prstGeom prst="bentConnector3">
+            <a:avLst>
+              <a:gd name="adj1" fmla="val 36945"/>
+            </a:avLst>
           </a:prstGeom>
           <a:ln w="9525">
             <a:solidFill>
@@ -3134,100 +3178,6 @@
           </a:fontRef>
         </p:style>
       </p:cxnSp>
-      <p:grpSp>
-        <p:nvGrpSpPr>
-          <p:cNvPr id="4" name="Group 3"/>
-          <p:cNvGrpSpPr/>
-          <p:nvPr/>
-        </p:nvGrpSpPr>
-        <p:grpSpPr>
-          <a:xfrm>
-            <a:off x="6219164" y="2028497"/>
-            <a:ext cx="354584" cy="246221"/>
-            <a:chOff x="6414398" y="2045350"/>
-            <a:chExt cx="354584" cy="246221"/>
-          </a:xfrm>
-        </p:grpSpPr>
-        <p:sp>
-          <p:nvSpPr>
-            <p:cNvPr id="2" name="Oval 1"/>
-            <p:cNvSpPr/>
-            <p:nvPr/>
-          </p:nvSpPr>
-          <p:spPr>
-            <a:xfrm>
-              <a:off x="6518614" y="2093005"/>
-              <a:ext cx="144000" cy="144000"/>
-            </a:xfrm>
-            <a:prstGeom prst="ellipse">
-              <a:avLst/>
-            </a:prstGeom>
-            <a:solidFill>
-              <a:schemeClr val="bg1"/>
-            </a:solidFill>
-            <a:ln>
-              <a:noFill/>
-            </a:ln>
-          </p:spPr>
-          <p:style>
-            <a:lnRef idx="2">
-              <a:schemeClr val="accent1">
-                <a:shade val="50000"/>
-              </a:schemeClr>
-            </a:lnRef>
-            <a:fillRef idx="1">
-              <a:schemeClr val="accent1"/>
-            </a:fillRef>
-            <a:effectRef idx="0">
-              <a:schemeClr val="accent1"/>
-            </a:effectRef>
-            <a:fontRef idx="minor">
-              <a:schemeClr val="lt1"/>
-            </a:fontRef>
-          </p:style>
-          <p:txBody>
-            <a:bodyPr rtlCol="0" anchor="ctr"/>
-            <a:lstStyle/>
-            <a:p>
-              <a:pPr algn="ctr"/>
-              <a:endParaRPr lang="en-US"/>
-            </a:p>
-          </p:txBody>
-        </p:sp>
-        <p:sp>
-          <p:nvSpPr>
-            <p:cNvPr id="164" name="TextBox 163"/>
-            <p:cNvSpPr txBox="1"/>
-            <p:nvPr/>
-          </p:nvSpPr>
-          <p:spPr>
-            <a:xfrm>
-              <a:off x="6414398" y="2045350"/>
-              <a:ext cx="354584" cy="246221"/>
-            </a:xfrm>
-            <a:prstGeom prst="rect">
-              <a:avLst/>
-            </a:prstGeom>
-            <a:noFill/>
-          </p:spPr>
-          <p:txBody>
-            <a:bodyPr wrap="none" rtlCol="0">
-              <a:spAutoFit/>
-            </a:bodyPr>
-            <a:lstStyle/>
-            <a:p>
-              <a:r>
-                <a:rPr lang="en-US" sz="1000" dirty="0" smtClean="0">
-                  <a:latin typeface="Calibri"/>
-                  <a:sym typeface="Wingdings"/>
-                </a:rPr>
-                <a:t>①</a:t>
-              </a:r>
-              <a:endParaRPr lang="en-US" sz="1000" dirty="0"/>
-            </a:p>
-          </p:txBody>
-        </p:sp>
-      </p:grpSp>
       <p:sp>
         <p:nvSpPr>
           <p:cNvPr id="318" name="Rounded Rectangle 317"/>
@@ -4548,7 +4498,7 @@
         </p:nvGrpSpPr>
         <p:grpSpPr>
           <a:xfrm>
-            <a:off x="7636332" y="2897515"/>
+            <a:off x="7924364" y="2897515"/>
             <a:ext cx="927282" cy="687559"/>
             <a:chOff x="4013200" y="3014663"/>
             <a:chExt cx="1117600" cy="828675"/>
@@ -5178,7 +5128,7 @@
         </p:nvGrpSpPr>
         <p:grpSpPr>
           <a:xfrm>
-            <a:off x="7636332" y="1975702"/>
+            <a:off x="7924364" y="1975702"/>
             <a:ext cx="927282" cy="687559"/>
             <a:chOff x="4013200" y="3014663"/>
             <a:chExt cx="1117600" cy="828675"/>
@@ -7218,7 +7168,7 @@
         </p:nvGrpSpPr>
         <p:grpSpPr>
           <a:xfrm>
-            <a:off x="7636332" y="1053890"/>
+            <a:off x="7924364" y="1053890"/>
             <a:ext cx="927282" cy="687559"/>
             <a:chOff x="4013200" y="3014663"/>
             <a:chExt cx="1117600" cy="828675"/>
@@ -10358,7 +10308,7 @@
         </p:nvSpPr>
         <p:spPr>
           <a:xfrm>
-            <a:off x="7531718" y="703729"/>
+            <a:off x="7819750" y="703729"/>
             <a:ext cx="1072730" cy="276999"/>
           </a:xfrm>
           <a:prstGeom prst="rect">
@@ -11612,45 +11562,6 @@
           </a:p>
         </p:txBody>
       </p:sp>
-      <p:cxnSp>
-        <p:nvCxnSpPr>
-          <p:cNvPr id="350" name="Straight Arrow Connector 349"/>
-          <p:cNvCxnSpPr/>
-          <p:nvPr/>
-        </p:nvCxnSpPr>
-        <p:spPr>
-          <a:xfrm flipH="1">
-            <a:off x="6590582" y="1519238"/>
-            <a:ext cx="1025846" cy="1402241"/>
-          </a:xfrm>
-          <a:prstGeom prst="straightConnector1">
-            <a:avLst/>
-          </a:prstGeom>
-          <a:ln w="9525">
-            <a:solidFill>
-              <a:schemeClr val="bg1">
-                <a:lumMod val="50000"/>
-              </a:schemeClr>
-            </a:solidFill>
-            <a:prstDash val="sysDash"/>
-            <a:tailEnd type="triangle" w="sm" len="sm"/>
-          </a:ln>
-        </p:spPr>
-        <p:style>
-          <a:lnRef idx="1">
-            <a:schemeClr val="accent1"/>
-          </a:lnRef>
-          <a:fillRef idx="0">
-            <a:schemeClr val="accent1"/>
-          </a:fillRef>
-          <a:effectRef idx="0">
-            <a:schemeClr val="accent1"/>
-          </a:effectRef>
-          <a:fontRef idx="minor">
-            <a:schemeClr val="tx1"/>
-          </a:fontRef>
-        </p:style>
-      </p:cxnSp>
       <p:sp>
         <p:nvSpPr>
           <p:cNvPr id="111" name="TextBox 110"/>
@@ -11678,7 +11589,14 @@
                 <a:latin typeface="Arial" panose="020B0604020202020204" pitchFamily="34" charset="0"/>
                 <a:cs typeface="Arial" panose="020B0604020202020204" pitchFamily="34" charset="0"/>
               </a:rPr>
-              <a:t>EPI (Presumed) versus Saturn, A.Rundgren-2020-12-01:1</a:t>
+              <a:t>EPI (Presumed) versus Saturn, </a:t>
+            </a:r>
+            <a:r>
+              <a:rPr lang="en-US" sz="800" dirty="0" smtClean="0">
+                <a:latin typeface="Arial" panose="020B0604020202020204" pitchFamily="34" charset="0"/>
+                <a:cs typeface="Arial" panose="020B0604020202020204" pitchFamily="34" charset="0"/>
+              </a:rPr>
+              <a:t>A.Rundgren-2020-12-02:1</a:t>
             </a:r>
             <a:endParaRPr lang="en-US" sz="800" dirty="0">
               <a:latin typeface="Arial" panose="020B0604020202020204" pitchFamily="34" charset="0"/>
@@ -11695,7 +11613,7 @@
         </p:nvSpPr>
         <p:spPr>
           <a:xfrm>
-            <a:off x="6317376" y="1690634"/>
+            <a:off x="6226500" y="1628800"/>
             <a:ext cx="1096302" cy="182325"/>
           </a:xfrm>
           <a:prstGeom prst="roundRect">
@@ -11748,7 +11666,7 @@
         </p:nvSpPr>
         <p:spPr>
           <a:xfrm>
-            <a:off x="6331943" y="2420888"/>
+            <a:off x="6914014" y="2680165"/>
             <a:ext cx="1067169" cy="182325"/>
           </a:xfrm>
           <a:prstGeom prst="roundRect">
@@ -11902,100 +11820,6 @@
             </a:extLst>
           </p:spPr>
         </p:pic>
-      </p:grpSp>
-      <p:grpSp>
-        <p:nvGrpSpPr>
-          <p:cNvPr id="3" name="Group 2"/>
-          <p:cNvGrpSpPr/>
-          <p:nvPr/>
-        </p:nvGrpSpPr>
-        <p:grpSpPr>
-          <a:xfrm>
-            <a:off x="6975158" y="2028497"/>
-            <a:ext cx="354584" cy="246221"/>
-            <a:chOff x="6770900" y="2012786"/>
-            <a:chExt cx="354584" cy="246221"/>
-          </a:xfrm>
-        </p:grpSpPr>
-        <p:sp>
-          <p:nvSpPr>
-            <p:cNvPr id="167" name="Oval 166"/>
-            <p:cNvSpPr/>
-            <p:nvPr/>
-          </p:nvSpPr>
-          <p:spPr>
-            <a:xfrm>
-              <a:off x="6876272" y="2060848"/>
-              <a:ext cx="144000" cy="144000"/>
-            </a:xfrm>
-            <a:prstGeom prst="ellipse">
-              <a:avLst/>
-            </a:prstGeom>
-            <a:solidFill>
-              <a:schemeClr val="bg1"/>
-            </a:solidFill>
-            <a:ln>
-              <a:noFill/>
-            </a:ln>
-          </p:spPr>
-          <p:style>
-            <a:lnRef idx="2">
-              <a:schemeClr val="accent1">
-                <a:shade val="50000"/>
-              </a:schemeClr>
-            </a:lnRef>
-            <a:fillRef idx="1">
-              <a:schemeClr val="accent1"/>
-            </a:fillRef>
-            <a:effectRef idx="0">
-              <a:schemeClr val="accent1"/>
-            </a:effectRef>
-            <a:fontRef idx="minor">
-              <a:schemeClr val="lt1"/>
-            </a:fontRef>
-          </p:style>
-          <p:txBody>
-            <a:bodyPr rtlCol="0" anchor="ctr"/>
-            <a:lstStyle/>
-            <a:p>
-              <a:pPr algn="ctr"/>
-              <a:endParaRPr lang="en-US"/>
-            </a:p>
-          </p:txBody>
-        </p:sp>
-        <p:sp>
-          <p:nvSpPr>
-            <p:cNvPr id="165" name="TextBox 164"/>
-            <p:cNvSpPr txBox="1"/>
-            <p:nvPr/>
-          </p:nvSpPr>
-          <p:spPr>
-            <a:xfrm>
-              <a:off x="6770900" y="2012786"/>
-              <a:ext cx="354584" cy="246221"/>
-            </a:xfrm>
-            <a:prstGeom prst="rect">
-              <a:avLst/>
-            </a:prstGeom>
-            <a:noFill/>
-          </p:spPr>
-          <p:txBody>
-            <a:bodyPr wrap="none" rtlCol="0">
-              <a:spAutoFit/>
-            </a:bodyPr>
-            <a:lstStyle/>
-            <a:p>
-              <a:r>
-                <a:rPr lang="en-US" sz="1000" dirty="0" smtClean="0">
-                  <a:latin typeface="Calibri"/>
-                  <a:sym typeface="Wingdings"/>
-                </a:rPr>
-                <a:t>②</a:t>
-              </a:r>
-              <a:endParaRPr lang="en-US" sz="1000" dirty="0"/>
-            </a:p>
-          </p:txBody>
-        </p:sp>
       </p:grpSp>
       <p:pic>
         <p:nvPicPr>
@@ -13241,6 +13065,134 @@
           </a:p>
         </p:txBody>
       </p:sp>
+      <p:sp>
+        <p:nvSpPr>
+          <p:cNvPr id="20" name="Oval 19"/>
+          <p:cNvSpPr/>
+          <p:nvPr/>
+        </p:nvSpPr>
+        <p:spPr>
+          <a:xfrm>
+            <a:off x="6228184" y="2258428"/>
+            <a:ext cx="180000" cy="180000"/>
+          </a:xfrm>
+          <a:prstGeom prst="ellipse">
+            <a:avLst/>
+          </a:prstGeom>
+          <a:solidFill>
+            <a:schemeClr val="bg1"/>
+          </a:solidFill>
+          <a:ln w="9525">
+            <a:solidFill>
+              <a:schemeClr val="bg1">
+                <a:lumMod val="50000"/>
+              </a:schemeClr>
+            </a:solidFill>
+          </a:ln>
+        </p:spPr>
+        <p:style>
+          <a:lnRef idx="2">
+            <a:schemeClr val="accent1">
+              <a:shade val="50000"/>
+            </a:schemeClr>
+          </a:lnRef>
+          <a:fillRef idx="1">
+            <a:schemeClr val="accent1"/>
+          </a:fillRef>
+          <a:effectRef idx="0">
+            <a:schemeClr val="accent1"/>
+          </a:effectRef>
+          <a:fontRef idx="minor">
+            <a:schemeClr val="lt1"/>
+          </a:fontRef>
+        </p:style>
+        <p:txBody>
+          <a:bodyPr wrap="none" lIns="0" tIns="0" rIns="0" bIns="10800" rtlCol="0" anchor="ctr" anchorCtr="1">
+            <a:noAutofit/>
+          </a:bodyPr>
+          <a:lstStyle/>
+          <a:p>
+            <a:pPr algn="ctr"/>
+            <a:r>
+              <a:rPr lang="en-US" sz="1200" dirty="0" smtClean="0">
+                <a:solidFill>
+                  <a:schemeClr val="tx1"/>
+                </a:solidFill>
+              </a:rPr>
+              <a:t>1</a:t>
+            </a:r>
+            <a:endParaRPr lang="en-US" sz="1200" dirty="0">
+              <a:solidFill>
+                <a:schemeClr val="tx1"/>
+              </a:solidFill>
+            </a:endParaRPr>
+          </a:p>
+        </p:txBody>
+      </p:sp>
+      <p:sp>
+        <p:nvSpPr>
+          <p:cNvPr id="215" name="Oval 214"/>
+          <p:cNvSpPr/>
+          <p:nvPr/>
+        </p:nvSpPr>
+        <p:spPr>
+          <a:xfrm>
+            <a:off x="7601100" y="1420909"/>
+            <a:ext cx="180000" cy="180000"/>
+          </a:xfrm>
+          <a:prstGeom prst="ellipse">
+            <a:avLst/>
+          </a:prstGeom>
+          <a:solidFill>
+            <a:schemeClr val="bg1"/>
+          </a:solidFill>
+          <a:ln w="9525">
+            <a:solidFill>
+              <a:schemeClr val="bg1">
+                <a:lumMod val="50000"/>
+              </a:schemeClr>
+            </a:solidFill>
+          </a:ln>
+        </p:spPr>
+        <p:style>
+          <a:lnRef idx="2">
+            <a:schemeClr val="accent1">
+              <a:shade val="50000"/>
+            </a:schemeClr>
+          </a:lnRef>
+          <a:fillRef idx="1">
+            <a:schemeClr val="accent1"/>
+          </a:fillRef>
+          <a:effectRef idx="0">
+            <a:schemeClr val="accent1"/>
+          </a:effectRef>
+          <a:fontRef idx="minor">
+            <a:schemeClr val="lt1"/>
+          </a:fontRef>
+        </p:style>
+        <p:txBody>
+          <a:bodyPr wrap="none" lIns="0" tIns="0" rIns="0" bIns="10800" rtlCol="0" anchor="ctr" anchorCtr="1">
+            <a:noAutofit/>
+          </a:bodyPr>
+          <a:lstStyle/>
+          <a:p>
+            <a:pPr algn="ctr"/>
+            <a:r>
+              <a:rPr lang="en-US" sz="1200" dirty="0">
+                <a:solidFill>
+                  <a:schemeClr val="tx1"/>
+                </a:solidFill>
+              </a:rPr>
+              <a:t>2</a:t>
+            </a:r>
+            <a:endParaRPr lang="en-US" sz="1200" dirty="0">
+              <a:solidFill>
+                <a:schemeClr val="tx1"/>
+              </a:solidFill>
+            </a:endParaRPr>
+          </a:p>
+        </p:txBody>
+      </p:sp>
     </p:spTree>
     <p:extLst>
       <p:ext uri="{BB962C8B-B14F-4D97-AF65-F5344CB8AC3E}">

--- a/saturn/epi(presumed)-vs-saturn.pptx
+++ b/saturn/epi(presumed)-vs-saturn.pptx
@@ -10431,7 +10431,21 @@
                 <a:latin typeface="Arial" panose="020B0604020202020204" pitchFamily="34" charset="0"/>
                 <a:cs typeface="Arial" panose="020B0604020202020204" pitchFamily="34" charset="0"/>
               </a:rPr>
-              <a:t>The traditional architecture depends on a </a:t>
+              <a:t>The </a:t>
+            </a:r>
+            <a:r>
+              <a:rPr lang="en-US" sz="1000" dirty="0" smtClean="0">
+                <a:latin typeface="Arial" panose="020B0604020202020204" pitchFamily="34" charset="0"/>
+                <a:cs typeface="Arial" panose="020B0604020202020204" pitchFamily="34" charset="0"/>
+              </a:rPr>
+              <a:t>infrastructure needed to support card transactions </a:t>
+            </a:r>
+            <a:r>
+              <a:rPr lang="en-US" sz="1000" dirty="0" smtClean="0">
+                <a:latin typeface="Arial" panose="020B0604020202020204" pitchFamily="34" charset="0"/>
+                <a:cs typeface="Arial" panose="020B0604020202020204" pitchFamily="34" charset="0"/>
+              </a:rPr>
+              <a:t>depends on a </a:t>
             </a:r>
             <a:r>
               <a:rPr lang="en-US" sz="1000" i="1" dirty="0" smtClean="0">
@@ -10455,32 +10469,25 @@
               </a:spcBef>
             </a:pPr>
             <a:r>
-              <a:rPr lang="en-US" sz="1000" smtClean="0">
+              <a:rPr lang="en-US" sz="1000" dirty="0" smtClean="0">
                 <a:latin typeface="Arial" panose="020B0604020202020204" pitchFamily="34" charset="0"/>
                 <a:cs typeface="Arial" panose="020B0604020202020204" pitchFamily="34" charset="0"/>
               </a:rPr>
               <a:t>This</a:t>
             </a:r>
             <a:r>
-              <a:rPr lang="en-US" sz="1000">
+              <a:rPr lang="en-US" sz="1000" dirty="0">
                 <a:latin typeface="Arial" panose="020B0604020202020204" pitchFamily="34" charset="0"/>
                 <a:cs typeface="Arial" panose="020B0604020202020204" pitchFamily="34" charset="0"/>
               </a:rPr>
               <a:t> </a:t>
             </a:r>
             <a:r>
-              <a:rPr lang="en-US" sz="1000" smtClean="0">
-                <a:latin typeface="Arial" panose="020B0604020202020204" pitchFamily="34" charset="0"/>
-                <a:cs typeface="Arial" panose="020B0604020202020204" pitchFamily="34" charset="0"/>
-              </a:rPr>
-              <a:t>model </a:t>
-            </a:r>
-            <a:r>
               <a:rPr lang="en-US" sz="1000" dirty="0" smtClean="0">
                 <a:latin typeface="Arial" panose="020B0604020202020204" pitchFamily="34" charset="0"/>
                 <a:cs typeface="Arial" panose="020B0604020202020204" pitchFamily="34" charset="0"/>
               </a:rPr>
-              <a:t>also depends on </a:t>
+              <a:t>model also depends on </a:t>
             </a:r>
             <a:r>
               <a:rPr lang="en-US" sz="1000" i="1" dirty="0" smtClean="0">
@@ -11589,14 +11596,21 @@
                 <a:latin typeface="Arial" panose="020B0604020202020204" pitchFamily="34" charset="0"/>
                 <a:cs typeface="Arial" panose="020B0604020202020204" pitchFamily="34" charset="0"/>
               </a:rPr>
-              <a:t>EPI (Presumed) versus Saturn, </a:t>
-            </a:r>
-            <a:r>
-              <a:rPr lang="en-US" sz="800" dirty="0" smtClean="0">
+              <a:t>EPI (Presumed) versus Saturn</a:t>
+            </a:r>
+            <a:r>
+              <a:rPr lang="en-US" sz="800" smtClean="0">
                 <a:latin typeface="Arial" panose="020B0604020202020204" pitchFamily="34" charset="0"/>
                 <a:cs typeface="Arial" panose="020B0604020202020204" pitchFamily="34" charset="0"/>
               </a:rPr>
-              <a:t>A.Rundgren-2020-12-02:1</a:t>
+              <a:t>, </a:t>
+            </a:r>
+            <a:r>
+              <a:rPr lang="en-US" sz="800" smtClean="0">
+                <a:latin typeface="Arial" panose="020B0604020202020204" pitchFamily="34" charset="0"/>
+                <a:cs typeface="Arial" panose="020B0604020202020204" pitchFamily="34" charset="0"/>
+              </a:rPr>
+              <a:t>A.Rundgren-2020-12-02:2</a:t>
             </a:r>
             <a:endParaRPr lang="en-US" sz="800" dirty="0">
               <a:latin typeface="Arial" panose="020B0604020202020204" pitchFamily="34" charset="0"/>
@@ -13185,11 +13199,6 @@
               </a:rPr>
               <a:t>2</a:t>
             </a:r>
-            <a:endParaRPr lang="en-US" sz="1200" dirty="0">
-              <a:solidFill>
-                <a:schemeClr val="tx1"/>
-              </a:solidFill>
-            </a:endParaRPr>
           </a:p>
         </p:txBody>
       </p:sp>

--- a/saturn/epi(presumed)-vs-saturn.pptx
+++ b/saturn/epi(presumed)-vs-saturn.pptx
@@ -10431,21 +10431,7 @@
                 <a:latin typeface="Arial" panose="020B0604020202020204" pitchFamily="34" charset="0"/>
                 <a:cs typeface="Arial" panose="020B0604020202020204" pitchFamily="34" charset="0"/>
               </a:rPr>
-              <a:t>The </a:t>
-            </a:r>
-            <a:r>
-              <a:rPr lang="en-US" sz="1000" dirty="0" smtClean="0">
-                <a:latin typeface="Arial" panose="020B0604020202020204" pitchFamily="34" charset="0"/>
-                <a:cs typeface="Arial" panose="020B0604020202020204" pitchFamily="34" charset="0"/>
-              </a:rPr>
-              <a:t>infrastructure needed to support card transactions </a:t>
-            </a:r>
-            <a:r>
-              <a:rPr lang="en-US" sz="1000" dirty="0" smtClean="0">
-                <a:latin typeface="Arial" panose="020B0604020202020204" pitchFamily="34" charset="0"/>
-                <a:cs typeface="Arial" panose="020B0604020202020204" pitchFamily="34" charset="0"/>
-              </a:rPr>
-              <a:t>depends on a </a:t>
+              <a:t>The infrastructure needed to support card transactions depends on a </a:t>
             </a:r>
             <a:r>
               <a:rPr lang="en-US" sz="1000" i="1" dirty="0" smtClean="0">
@@ -10487,7 +10473,28 @@
                 <a:latin typeface="Arial" panose="020B0604020202020204" pitchFamily="34" charset="0"/>
                 <a:cs typeface="Arial" panose="020B0604020202020204" pitchFamily="34" charset="0"/>
               </a:rPr>
-              <a:t>model also depends on </a:t>
+              <a:t>model also </a:t>
+            </a:r>
+            <a:r>
+              <a:rPr lang="en-US" sz="1000" dirty="0" smtClean="0">
+                <a:latin typeface="Arial" panose="020B0604020202020204" pitchFamily="34" charset="0"/>
+                <a:cs typeface="Arial" panose="020B0604020202020204" pitchFamily="34" charset="0"/>
+              </a:rPr>
+              <a:t>relies</a:t>
+            </a:r>
+            <a:r>
+              <a:rPr lang="en-US" sz="1000" dirty="0" smtClean="0">
+                <a:latin typeface="Arial" panose="020B0604020202020204" pitchFamily="34" charset="0"/>
+                <a:cs typeface="Arial" panose="020B0604020202020204" pitchFamily="34" charset="0"/>
+              </a:rPr>
+              <a:t> </a:t>
+            </a:r>
+            <a:r>
+              <a:rPr lang="en-US" sz="1000" dirty="0" smtClean="0">
+                <a:latin typeface="Arial" panose="020B0604020202020204" pitchFamily="34" charset="0"/>
+                <a:cs typeface="Arial" panose="020B0604020202020204" pitchFamily="34" charset="0"/>
+              </a:rPr>
+              <a:t>on </a:t>
             </a:r>
             <a:r>
               <a:rPr lang="en-US" sz="1000" i="1" dirty="0" smtClean="0">
@@ -11603,14 +11610,7 @@
                 <a:latin typeface="Arial" panose="020B0604020202020204" pitchFamily="34" charset="0"/>
                 <a:cs typeface="Arial" panose="020B0604020202020204" pitchFamily="34" charset="0"/>
               </a:rPr>
-              <a:t>, </a:t>
-            </a:r>
-            <a:r>
-              <a:rPr lang="en-US" sz="800" smtClean="0">
-                <a:latin typeface="Arial" panose="020B0604020202020204" pitchFamily="34" charset="0"/>
-                <a:cs typeface="Arial" panose="020B0604020202020204" pitchFamily="34" charset="0"/>
-              </a:rPr>
-              <a:t>A.Rundgren-2020-12-02:2</a:t>
+              <a:t>, A.Rundgren-2020-12-02:2</a:t>
             </a:r>
             <a:endParaRPr lang="en-US" sz="800" dirty="0">
               <a:latin typeface="Arial" panose="020B0604020202020204" pitchFamily="34" charset="0"/>

--- a/saturn/epi(presumed)-vs-saturn.pptx
+++ b/saturn/epi(presumed)-vs-saturn.pptx
@@ -10473,28 +10473,7 @@
                 <a:latin typeface="Arial" panose="020B0604020202020204" pitchFamily="34" charset="0"/>
                 <a:cs typeface="Arial" panose="020B0604020202020204" pitchFamily="34" charset="0"/>
               </a:rPr>
-              <a:t>model also </a:t>
-            </a:r>
-            <a:r>
-              <a:rPr lang="en-US" sz="1000" dirty="0" smtClean="0">
-                <a:latin typeface="Arial" panose="020B0604020202020204" pitchFamily="34" charset="0"/>
-                <a:cs typeface="Arial" panose="020B0604020202020204" pitchFamily="34" charset="0"/>
-              </a:rPr>
-              <a:t>relies</a:t>
-            </a:r>
-            <a:r>
-              <a:rPr lang="en-US" sz="1000" dirty="0" smtClean="0">
-                <a:latin typeface="Arial" panose="020B0604020202020204" pitchFamily="34" charset="0"/>
-                <a:cs typeface="Arial" panose="020B0604020202020204" pitchFamily="34" charset="0"/>
-              </a:rPr>
-              <a:t> </a:t>
-            </a:r>
-            <a:r>
-              <a:rPr lang="en-US" sz="1000" dirty="0" smtClean="0">
-                <a:latin typeface="Arial" panose="020B0604020202020204" pitchFamily="34" charset="0"/>
-                <a:cs typeface="Arial" panose="020B0604020202020204" pitchFamily="34" charset="0"/>
-              </a:rPr>
-              <a:t>on </a:t>
+              <a:t>model also relies on </a:t>
             </a:r>
             <a:r>
               <a:rPr lang="en-US" sz="1000" i="1" dirty="0" smtClean="0">
@@ -10624,21 +10603,7 @@
                 <a:latin typeface="Arial" panose="020B0604020202020204" pitchFamily="34" charset="0"/>
                 <a:cs typeface="Arial" panose="020B0604020202020204" pitchFamily="34" charset="0"/>
               </a:rPr>
-              <a:t> (TS), that vouches for the Merchant’s validity </a:t>
-            </a:r>
-            <a:r>
-              <a:rPr lang="en-US" sz="1000" smtClean="0">
-                <a:latin typeface="Arial" panose="020B0604020202020204" pitchFamily="34" charset="0"/>
-                <a:cs typeface="Arial" panose="020B0604020202020204" pitchFamily="34" charset="0"/>
-              </a:rPr>
-              <a:t>including its claimed </a:t>
-            </a:r>
-            <a:r>
-              <a:rPr lang="en-US" sz="1000" dirty="0" smtClean="0">
-                <a:latin typeface="Arial" panose="020B0604020202020204" pitchFamily="34" charset="0"/>
-                <a:cs typeface="Arial" panose="020B0604020202020204" pitchFamily="34" charset="0"/>
-              </a:rPr>
-              <a:t>account number. </a:t>
+              <a:t> (TS), that vouches for the Merchant’s validity including its claimed account number. </a:t>
             </a:r>
           </a:p>
           <a:p>
@@ -10687,14 +10652,28 @@
                 <a:latin typeface="Arial" panose="020B0604020202020204" pitchFamily="34" charset="0"/>
                 <a:cs typeface="Arial" panose="020B0604020202020204" pitchFamily="34" charset="0"/>
               </a:rPr>
-              <a:t>payment requests </a:t>
+              <a:t>payment requests [</a:t>
             </a:r>
             <a:r>
               <a:rPr lang="en-US" sz="1000" dirty="0">
                 <a:latin typeface="Arial" panose="020B0604020202020204" pitchFamily="34" charset="0"/>
                 <a:cs typeface="Arial" panose="020B0604020202020204" pitchFamily="34" charset="0"/>
               </a:rPr>
-              <a:t>(1) is maintained </a:t>
+              <a:t>2</a:t>
+            </a:r>
+            <a:r>
+              <a:rPr lang="en-US" sz="1000" dirty="0" smtClean="0">
+                <a:latin typeface="Arial" panose="020B0604020202020204" pitchFamily="34" charset="0"/>
+                <a:cs typeface="Arial" panose="020B0604020202020204" pitchFamily="34" charset="0"/>
+              </a:rPr>
+              <a:t>] is </a:t>
+            </a:r>
+            <a:r>
+              <a:rPr lang="en-US" sz="1000" dirty="0">
+                <a:latin typeface="Arial" panose="020B0604020202020204" pitchFamily="34" charset="0"/>
+                <a:cs typeface="Arial" panose="020B0604020202020204" pitchFamily="34" charset="0"/>
+              </a:rPr>
+              <a:t>maintained </a:t>
             </a:r>
             <a:r>
               <a:rPr lang="en-US" sz="1000" dirty="0" smtClean="0">
@@ -10743,7 +10722,7 @@
                 <a:latin typeface="Arial" panose="020B0604020202020204" pitchFamily="34" charset="0"/>
                 <a:cs typeface="Arial" panose="020B0604020202020204" pitchFamily="34" charset="0"/>
               </a:rPr>
-              <a:t>step, combined </a:t>
+              <a:t>step [1], combined </a:t>
             </a:r>
             <a:r>
               <a:rPr lang="en-US" sz="1000" dirty="0">
@@ -10757,21 +10736,21 @@
                 <a:latin typeface="Arial" panose="020B0604020202020204" pitchFamily="34" charset="0"/>
                 <a:cs typeface="Arial" panose="020B0604020202020204" pitchFamily="34" charset="0"/>
               </a:rPr>
-              <a:t>Merchant lookups </a:t>
+              <a:t>Merchant lookups [</a:t>
             </a:r>
             <a:r>
               <a:rPr lang="en-US" sz="1000" dirty="0">
                 <a:latin typeface="Arial" panose="020B0604020202020204" pitchFamily="34" charset="0"/>
                 <a:cs typeface="Arial" panose="020B0604020202020204" pitchFamily="34" charset="0"/>
               </a:rPr>
-              <a:t>(2</a:t>
+              <a:t>3</a:t>
             </a:r>
             <a:r>
               <a:rPr lang="en-US" sz="1000" dirty="0" smtClean="0">
                 <a:latin typeface="Arial" panose="020B0604020202020204" pitchFamily="34" charset="0"/>
                 <a:cs typeface="Arial" panose="020B0604020202020204" pitchFamily="34" charset="0"/>
               </a:rPr>
-              <a:t>).</a:t>
+              <a:t>].</a:t>
             </a:r>
           </a:p>
           <a:p>
@@ -11603,14 +11582,7 @@
                 <a:latin typeface="Arial" panose="020B0604020202020204" pitchFamily="34" charset="0"/>
                 <a:cs typeface="Arial" panose="020B0604020202020204" pitchFamily="34" charset="0"/>
               </a:rPr>
-              <a:t>EPI (Presumed) versus Saturn</a:t>
-            </a:r>
-            <a:r>
-              <a:rPr lang="en-US" sz="800" smtClean="0">
-                <a:latin typeface="Arial" panose="020B0604020202020204" pitchFamily="34" charset="0"/>
-                <a:cs typeface="Arial" panose="020B0604020202020204" pitchFamily="34" charset="0"/>
-              </a:rPr>
-              <a:t>, A.Rundgren-2020-12-02:2</a:t>
+              <a:t>EPI (Presumed) versus Saturn, A.Rundgren-2020-12-02:3</a:t>
             </a:r>
             <a:endParaRPr lang="en-US" sz="800" dirty="0">
               <a:latin typeface="Arial" panose="020B0604020202020204" pitchFamily="34" charset="0"/>
@@ -13087,8 +13059,126 @@
         </p:nvSpPr>
         <p:spPr>
           <a:xfrm>
-            <a:off x="6228184" y="2258428"/>
-            <a:ext cx="180000" cy="180000"/>
+            <a:off x="6218656" y="2264383"/>
+            <a:ext cx="162000" cy="162000"/>
+          </a:xfrm>
+          <a:prstGeom prst="ellipse">
+            <a:avLst/>
+          </a:prstGeom>
+          <a:solidFill>
+            <a:schemeClr val="bg1"/>
+          </a:solidFill>
+          <a:ln w="9525">
+            <a:solidFill>
+              <a:schemeClr val="bg1">
+                <a:lumMod val="50000"/>
+              </a:schemeClr>
+            </a:solidFill>
+          </a:ln>
+        </p:spPr>
+        <p:style>
+          <a:lnRef idx="2">
+            <a:schemeClr val="accent1">
+              <a:shade val="50000"/>
+            </a:schemeClr>
+          </a:lnRef>
+          <a:fillRef idx="1">
+            <a:schemeClr val="accent1"/>
+          </a:fillRef>
+          <a:effectRef idx="0">
+            <a:schemeClr val="accent1"/>
+          </a:effectRef>
+          <a:fontRef idx="minor">
+            <a:schemeClr val="lt1"/>
+          </a:fontRef>
+        </p:style>
+        <p:txBody>
+          <a:bodyPr wrap="none" lIns="0" tIns="0" rIns="0" bIns="10800" rtlCol="0" anchor="ctr" anchorCtr="1">
+            <a:noAutofit/>
+          </a:bodyPr>
+          <a:lstStyle/>
+          <a:p>
+            <a:pPr algn="ctr"/>
+            <a:r>
+              <a:rPr lang="en-US" sz="1200" dirty="0">
+                <a:solidFill>
+                  <a:schemeClr val="tx1"/>
+                </a:solidFill>
+              </a:rPr>
+              <a:t>2</a:t>
+            </a:r>
+          </a:p>
+        </p:txBody>
+      </p:sp>
+      <p:sp>
+        <p:nvSpPr>
+          <p:cNvPr id="215" name="Oval 214"/>
+          <p:cNvSpPr/>
+          <p:nvPr/>
+        </p:nvSpPr>
+        <p:spPr>
+          <a:xfrm>
+            <a:off x="7628493" y="1429246"/>
+            <a:ext cx="162000" cy="162000"/>
+          </a:xfrm>
+          <a:prstGeom prst="ellipse">
+            <a:avLst/>
+          </a:prstGeom>
+          <a:solidFill>
+            <a:schemeClr val="bg1"/>
+          </a:solidFill>
+          <a:ln w="9525">
+            <a:solidFill>
+              <a:schemeClr val="bg1">
+                <a:lumMod val="50000"/>
+              </a:schemeClr>
+            </a:solidFill>
+          </a:ln>
+        </p:spPr>
+        <p:style>
+          <a:lnRef idx="2">
+            <a:schemeClr val="accent1">
+              <a:shade val="50000"/>
+            </a:schemeClr>
+          </a:lnRef>
+          <a:fillRef idx="1">
+            <a:schemeClr val="accent1"/>
+          </a:fillRef>
+          <a:effectRef idx="0">
+            <a:schemeClr val="accent1"/>
+          </a:effectRef>
+          <a:fontRef idx="minor">
+            <a:schemeClr val="lt1"/>
+          </a:fontRef>
+        </p:style>
+        <p:txBody>
+          <a:bodyPr wrap="none" lIns="0" tIns="0" rIns="0" bIns="10800" rtlCol="0" anchor="ctr" anchorCtr="1">
+            <a:noAutofit/>
+          </a:bodyPr>
+          <a:lstStyle/>
+          <a:p>
+            <a:pPr algn="ctr"/>
+            <a:r>
+              <a:rPr lang="en-US" sz="1200" dirty="0">
+                <a:solidFill>
+                  <a:schemeClr val="tx1"/>
+                </a:solidFill>
+              </a:rPr>
+              <a:t>3</a:t>
+            </a:r>
+          </a:p>
+        </p:txBody>
+      </p:sp>
+      <p:sp>
+        <p:nvSpPr>
+          <p:cNvPr id="216" name="Oval 215"/>
+          <p:cNvSpPr/>
+          <p:nvPr/>
+        </p:nvSpPr>
+        <p:spPr>
+          <a:xfrm>
+            <a:off x="5243773" y="1751124"/>
+            <a:ext cx="162000" cy="162000"/>
           </a:xfrm>
           <a:prstGeom prst="ellipse">
             <a:avLst/>
@@ -13140,65 +13230,6 @@
                 <a:schemeClr val="tx1"/>
               </a:solidFill>
             </a:endParaRPr>
-          </a:p>
-        </p:txBody>
-      </p:sp>
-      <p:sp>
-        <p:nvSpPr>
-          <p:cNvPr id="215" name="Oval 214"/>
-          <p:cNvSpPr/>
-          <p:nvPr/>
-        </p:nvSpPr>
-        <p:spPr>
-          <a:xfrm>
-            <a:off x="7601100" y="1420909"/>
-            <a:ext cx="180000" cy="180000"/>
-          </a:xfrm>
-          <a:prstGeom prst="ellipse">
-            <a:avLst/>
-          </a:prstGeom>
-          <a:solidFill>
-            <a:schemeClr val="bg1"/>
-          </a:solidFill>
-          <a:ln w="9525">
-            <a:solidFill>
-              <a:schemeClr val="bg1">
-                <a:lumMod val="50000"/>
-              </a:schemeClr>
-            </a:solidFill>
-          </a:ln>
-        </p:spPr>
-        <p:style>
-          <a:lnRef idx="2">
-            <a:schemeClr val="accent1">
-              <a:shade val="50000"/>
-            </a:schemeClr>
-          </a:lnRef>
-          <a:fillRef idx="1">
-            <a:schemeClr val="accent1"/>
-          </a:fillRef>
-          <a:effectRef idx="0">
-            <a:schemeClr val="accent1"/>
-          </a:effectRef>
-          <a:fontRef idx="minor">
-            <a:schemeClr val="lt1"/>
-          </a:fontRef>
-        </p:style>
-        <p:txBody>
-          <a:bodyPr wrap="none" lIns="0" tIns="0" rIns="0" bIns="10800" rtlCol="0" anchor="ctr" anchorCtr="1">
-            <a:noAutofit/>
-          </a:bodyPr>
-          <a:lstStyle/>
-          <a:p>
-            <a:pPr algn="ctr"/>
-            <a:r>
-              <a:rPr lang="en-US" sz="1200" dirty="0">
-                <a:solidFill>
-                  <a:schemeClr val="tx1"/>
-                </a:solidFill>
-              </a:rPr>
-              <a:t>2</a:t>
-            </a:r>
           </a:p>
         </p:txBody>
       </p:sp>

--- a/saturn/epi(presumed)-vs-saturn.pptx
+++ b/saturn/epi(presumed)-vs-saturn.pptx
@@ -10155,7 +10155,7 @@
         <p:spPr>
           <a:xfrm>
             <a:off x="539552" y="159073"/>
-            <a:ext cx="4173002" cy="369332"/>
+            <a:ext cx="2398413" cy="246221"/>
           </a:xfrm>
           <a:prstGeom prst="rect">
             <a:avLst/>
@@ -10169,20 +10169,20 @@
           <a:lstStyle/>
           <a:p>
             <a:r>
-              <a:rPr lang="en-US" i="1" dirty="0" smtClean="0">
+              <a:rPr lang="en-US" sz="1000" i="1" dirty="0" smtClean="0">
                 <a:latin typeface="Arial" panose="020B0604020202020204" pitchFamily="34" charset="0"/>
                 <a:cs typeface="Arial" panose="020B0604020202020204" pitchFamily="34" charset="0"/>
               </a:rPr>
               <a:t>Presumed</a:t>
             </a:r>
             <a:r>
-              <a:rPr lang="en-US" dirty="0" smtClean="0">
+              <a:rPr lang="en-US" sz="1000" dirty="0" smtClean="0">
                 <a:latin typeface="Arial" panose="020B0604020202020204" pitchFamily="34" charset="0"/>
                 <a:cs typeface="Arial" panose="020B0604020202020204" pitchFamily="34" charset="0"/>
               </a:rPr>
               <a:t> EPI “Front-end” Architecture</a:t>
             </a:r>
-            <a:endParaRPr lang="en-US" dirty="0">
+            <a:endParaRPr lang="en-US" sz="1000" dirty="0">
               <a:latin typeface="Arial" panose="020B0604020202020204" pitchFamily="34" charset="0"/>
               <a:cs typeface="Arial" panose="020B0604020202020204" pitchFamily="34" charset="0"/>
             </a:endParaRPr>
@@ -13059,8 +13059,8 @@
         </p:nvSpPr>
         <p:spPr>
           <a:xfrm>
-            <a:off x="6218656" y="2264383"/>
-            <a:ext cx="162000" cy="162000"/>
+            <a:off x="6209128" y="2273911"/>
+            <a:ext cx="144000" cy="144000"/>
           </a:xfrm>
           <a:prstGeom prst="ellipse">
             <a:avLst/>
@@ -13093,17 +13093,19 @@
           </a:fontRef>
         </p:style>
         <p:txBody>
-          <a:bodyPr wrap="none" lIns="0" tIns="0" rIns="0" bIns="10800" rtlCol="0" anchor="ctr" anchorCtr="1">
+          <a:bodyPr wrap="none" lIns="0" tIns="0" rIns="0" bIns="3600" rtlCol="0" anchor="ctr" anchorCtr="1">
             <a:noAutofit/>
           </a:bodyPr>
           <a:lstStyle/>
           <a:p>
             <a:pPr algn="ctr"/>
             <a:r>
-              <a:rPr lang="en-US" sz="1200" dirty="0">
+              <a:rPr lang="en-US" sz="1000" dirty="0">
                 <a:solidFill>
                   <a:schemeClr val="tx1"/>
                 </a:solidFill>
+                <a:latin typeface="Arial" panose="020B0604020202020204" pitchFamily="34" charset="0"/>
+                <a:cs typeface="Arial" panose="020B0604020202020204" pitchFamily="34" charset="0"/>
               </a:rPr>
               <a:t>2</a:t>
             </a:r>
@@ -13118,8 +13120,8 @@
         </p:nvSpPr>
         <p:spPr>
           <a:xfrm>
-            <a:off x="7628493" y="1429246"/>
-            <a:ext cx="162000" cy="162000"/>
+            <a:off x="7655886" y="1437583"/>
+            <a:ext cx="144000" cy="144000"/>
           </a:xfrm>
           <a:prstGeom prst="ellipse">
             <a:avLst/>
@@ -13152,17 +13154,19 @@
           </a:fontRef>
         </p:style>
         <p:txBody>
-          <a:bodyPr wrap="none" lIns="0" tIns="0" rIns="0" bIns="10800" rtlCol="0" anchor="ctr" anchorCtr="1">
+          <a:bodyPr wrap="none" lIns="0" tIns="0" rIns="0" bIns="3600" rtlCol="0" anchor="ctr" anchorCtr="1">
             <a:noAutofit/>
           </a:bodyPr>
           <a:lstStyle/>
           <a:p>
             <a:pPr algn="ctr"/>
             <a:r>
-              <a:rPr lang="en-US" sz="1200" dirty="0">
+              <a:rPr lang="en-US" sz="1000" dirty="0">
                 <a:solidFill>
                   <a:schemeClr val="tx1"/>
                 </a:solidFill>
+                <a:latin typeface="Arial" panose="020B0604020202020204" pitchFamily="34" charset="0"/>
+                <a:cs typeface="Arial" panose="020B0604020202020204" pitchFamily="34" charset="0"/>
               </a:rPr>
               <a:t>3</a:t>
             </a:r>
@@ -13177,8 +13181,8 @@
         </p:nvSpPr>
         <p:spPr>
           <a:xfrm>
-            <a:off x="5243773" y="1751124"/>
-            <a:ext cx="162000" cy="162000"/>
+            <a:off x="5254492" y="1743978"/>
+            <a:ext cx="144000" cy="144000"/>
           </a:xfrm>
           <a:prstGeom prst="ellipse">
             <a:avLst/>
@@ -13211,24 +13215,28 @@
           </a:fontRef>
         </p:style>
         <p:txBody>
-          <a:bodyPr wrap="none" lIns="0" tIns="0" rIns="0" bIns="10800" rtlCol="0" anchor="ctr" anchorCtr="1">
+          <a:bodyPr wrap="none" lIns="0" tIns="0" rIns="0" bIns="3600" rtlCol="0" anchor="ctr" anchorCtr="1">
             <a:noAutofit/>
           </a:bodyPr>
           <a:lstStyle/>
           <a:p>
             <a:pPr algn="ctr"/>
             <a:r>
-              <a:rPr lang="en-US" sz="1200" dirty="0" smtClean="0">
+              <a:rPr lang="en-US" sz="1000" dirty="0" smtClean="0">
                 <a:solidFill>
                   <a:schemeClr val="tx1"/>
                 </a:solidFill>
+                <a:latin typeface="Arial" panose="020B0604020202020204" pitchFamily="34" charset="0"/>
+                <a:cs typeface="Arial" panose="020B0604020202020204" pitchFamily="34" charset="0"/>
               </a:rPr>
               <a:t>1</a:t>
             </a:r>
-            <a:endParaRPr lang="en-US" sz="1200" dirty="0">
+            <a:endParaRPr lang="en-US" sz="1000" dirty="0">
               <a:solidFill>
                 <a:schemeClr val="tx1"/>
               </a:solidFill>
+              <a:latin typeface="Arial" panose="020B0604020202020204" pitchFamily="34" charset="0"/>
+              <a:cs typeface="Arial" panose="020B0604020202020204" pitchFamily="34" charset="0"/>
             </a:endParaRPr>
           </a:p>
         </p:txBody>

--- a/saturn/epi(presumed)-vs-saturn.pptx
+++ b/saturn/epi(presumed)-vs-saturn.pptx
@@ -11599,7 +11599,7 @@
         </p:nvSpPr>
         <p:spPr>
           <a:xfrm>
-            <a:off x="6226500" y="1628800"/>
+            <a:off x="6226500" y="1552028"/>
             <a:ext cx="1096302" cy="182325"/>
           </a:xfrm>
           <a:prstGeom prst="roundRect">

--- a/saturn/epi(presumed)-vs-saturn.pptx
+++ b/saturn/epi(presumed)-vs-saturn.pptx
@@ -4482,7 +4482,7 @@
         </p:blipFill>
         <p:spPr>
           <a:xfrm>
-            <a:off x="6197188" y="195235"/>
+            <a:off x="6197188" y="177154"/>
             <a:ext cx="1027250" cy="353445"/>
           </a:xfrm>
           <a:prstGeom prst="rect">
@@ -10154,8 +10154,8 @@
         </p:nvSpPr>
         <p:spPr>
           <a:xfrm>
-            <a:off x="539552" y="159073"/>
-            <a:ext cx="2398413" cy="246221"/>
+            <a:off x="395536" y="169210"/>
+            <a:ext cx="4173002" cy="369332"/>
           </a:xfrm>
           <a:prstGeom prst="rect">
             <a:avLst/>
@@ -10169,20 +10169,20 @@
           <a:lstStyle/>
           <a:p>
             <a:r>
-              <a:rPr lang="en-US" sz="1000" i="1" dirty="0" smtClean="0">
+              <a:rPr lang="en-US" i="1" dirty="0" smtClean="0">
                 <a:latin typeface="Arial" panose="020B0604020202020204" pitchFamily="34" charset="0"/>
                 <a:cs typeface="Arial" panose="020B0604020202020204" pitchFamily="34" charset="0"/>
               </a:rPr>
               <a:t>Presumed</a:t>
             </a:r>
             <a:r>
-              <a:rPr lang="en-US" sz="1000" dirty="0" smtClean="0">
+              <a:rPr lang="en-US" dirty="0" smtClean="0">
                 <a:latin typeface="Arial" panose="020B0604020202020204" pitchFamily="34" charset="0"/>
                 <a:cs typeface="Arial" panose="020B0604020202020204" pitchFamily="34" charset="0"/>
               </a:rPr>
               <a:t> EPI “Front-end” Architecture</a:t>
             </a:r>
-            <a:endParaRPr lang="en-US" sz="1000" dirty="0">
+            <a:endParaRPr lang="en-US" dirty="0">
               <a:latin typeface="Arial" panose="020B0604020202020204" pitchFamily="34" charset="0"/>
               <a:cs typeface="Arial" panose="020B0604020202020204" pitchFamily="34" charset="0"/>
             </a:endParaRPr>
@@ -11582,7 +11582,14 @@
                 <a:latin typeface="Arial" panose="020B0604020202020204" pitchFamily="34" charset="0"/>
                 <a:cs typeface="Arial" panose="020B0604020202020204" pitchFamily="34" charset="0"/>
               </a:rPr>
-              <a:t>EPI (Presumed) versus Saturn, A.Rundgren-2020-12-02:3</a:t>
+              <a:t>EPI (Presumed) versus Saturn, </a:t>
+            </a:r>
+            <a:r>
+              <a:rPr lang="en-US" sz="800" dirty="0" smtClean="0">
+                <a:latin typeface="Arial" panose="020B0604020202020204" pitchFamily="34" charset="0"/>
+                <a:cs typeface="Arial" panose="020B0604020202020204" pitchFamily="34" charset="0"/>
+              </a:rPr>
+              <a:t>A.Rundgren-2020-12-02:4</a:t>
             </a:r>
             <a:endParaRPr lang="en-US" sz="800" dirty="0">
               <a:latin typeface="Arial" panose="020B0604020202020204" pitchFamily="34" charset="0"/>

--- a/saturn/epi(presumed)-vs-saturn.pptx
+++ b/saturn/epi(presumed)-vs-saturn.pptx
@@ -4482,7 +4482,7 @@
         </p:blipFill>
         <p:spPr>
           <a:xfrm>
-            <a:off x="6197188" y="177154"/>
+            <a:off x="6300192" y="195235"/>
             <a:ext cx="1027250" cy="353445"/>
           </a:xfrm>
           <a:prstGeom prst="rect">
@@ -11582,14 +11582,7 @@
                 <a:latin typeface="Arial" panose="020B0604020202020204" pitchFamily="34" charset="0"/>
                 <a:cs typeface="Arial" panose="020B0604020202020204" pitchFamily="34" charset="0"/>
               </a:rPr>
-              <a:t>EPI (Presumed) versus Saturn, </a:t>
-            </a:r>
-            <a:r>
-              <a:rPr lang="en-US" sz="800" dirty="0" smtClean="0">
-                <a:latin typeface="Arial" panose="020B0604020202020204" pitchFamily="34" charset="0"/>
-                <a:cs typeface="Arial" panose="020B0604020202020204" pitchFamily="34" charset="0"/>
-              </a:rPr>
-              <a:t>A.Rundgren-2020-12-02:4</a:t>
+              <a:t>EPI (Presumed) versus Saturn, A.Rundgren-2020-12-02:4</a:t>
             </a:r>
             <a:endParaRPr lang="en-US" sz="800" dirty="0">
               <a:latin typeface="Arial" panose="020B0604020202020204" pitchFamily="34" charset="0"/>

--- a/saturn/epi(presumed)-vs-saturn.pptx
+++ b/saturn/epi(presumed)-vs-saturn.pptx
@@ -288,7 +288,7 @@
           <a:p>
             <a:fld id="{FC080E38-6FF2-48B3-BDAB-4FA23B840E92}" type="datetimeFigureOut">
               <a:rPr lang="en-US" smtClean="0"/>
-              <a:t>2020-12-02</a:t>
+              <a:t>2020-12-03</a:t>
             </a:fld>
             <a:endParaRPr lang="en-US"/>
           </a:p>
@@ -458,7 +458,7 @@
           <a:p>
             <a:fld id="{FC080E38-6FF2-48B3-BDAB-4FA23B840E92}" type="datetimeFigureOut">
               <a:rPr lang="en-US" smtClean="0"/>
-              <a:t>2020-12-02</a:t>
+              <a:t>2020-12-03</a:t>
             </a:fld>
             <a:endParaRPr lang="en-US"/>
           </a:p>
@@ -638,7 +638,7 @@
           <a:p>
             <a:fld id="{FC080E38-6FF2-48B3-BDAB-4FA23B840E92}" type="datetimeFigureOut">
               <a:rPr lang="en-US" smtClean="0"/>
-              <a:t>2020-12-02</a:t>
+              <a:t>2020-12-03</a:t>
             </a:fld>
             <a:endParaRPr lang="en-US"/>
           </a:p>
@@ -808,7 +808,7 @@
           <a:p>
             <a:fld id="{FC080E38-6FF2-48B3-BDAB-4FA23B840E92}" type="datetimeFigureOut">
               <a:rPr lang="en-US" smtClean="0"/>
-              <a:t>2020-12-02</a:t>
+              <a:t>2020-12-03</a:t>
             </a:fld>
             <a:endParaRPr lang="en-US"/>
           </a:p>
@@ -1054,7 +1054,7 @@
           <a:p>
             <a:fld id="{FC080E38-6FF2-48B3-BDAB-4FA23B840E92}" type="datetimeFigureOut">
               <a:rPr lang="en-US" smtClean="0"/>
-              <a:t>2020-12-02</a:t>
+              <a:t>2020-12-03</a:t>
             </a:fld>
             <a:endParaRPr lang="en-US"/>
           </a:p>
@@ -1342,7 +1342,7 @@
           <a:p>
             <a:fld id="{FC080E38-6FF2-48B3-BDAB-4FA23B840E92}" type="datetimeFigureOut">
               <a:rPr lang="en-US" smtClean="0"/>
-              <a:t>2020-12-02</a:t>
+              <a:t>2020-12-03</a:t>
             </a:fld>
             <a:endParaRPr lang="en-US"/>
           </a:p>
@@ -1764,7 +1764,7 @@
           <a:p>
             <a:fld id="{FC080E38-6FF2-48B3-BDAB-4FA23B840E92}" type="datetimeFigureOut">
               <a:rPr lang="en-US" smtClean="0"/>
-              <a:t>2020-12-02</a:t>
+              <a:t>2020-12-03</a:t>
             </a:fld>
             <a:endParaRPr lang="en-US"/>
           </a:p>
@@ -1882,7 +1882,7 @@
           <a:p>
             <a:fld id="{FC080E38-6FF2-48B3-BDAB-4FA23B840E92}" type="datetimeFigureOut">
               <a:rPr lang="en-US" smtClean="0"/>
-              <a:t>2020-12-02</a:t>
+              <a:t>2020-12-03</a:t>
             </a:fld>
             <a:endParaRPr lang="en-US"/>
           </a:p>
@@ -1977,7 +1977,7 @@
           <a:p>
             <a:fld id="{FC080E38-6FF2-48B3-BDAB-4FA23B840E92}" type="datetimeFigureOut">
               <a:rPr lang="en-US" smtClean="0"/>
-              <a:t>2020-12-02</a:t>
+              <a:t>2020-12-03</a:t>
             </a:fld>
             <a:endParaRPr lang="en-US"/>
           </a:p>
@@ -2254,7 +2254,7 @@
           <a:p>
             <a:fld id="{FC080E38-6FF2-48B3-BDAB-4FA23B840E92}" type="datetimeFigureOut">
               <a:rPr lang="en-US" smtClean="0"/>
-              <a:t>2020-12-02</a:t>
+              <a:t>2020-12-03</a:t>
             </a:fld>
             <a:endParaRPr lang="en-US"/>
           </a:p>
@@ -2507,7 +2507,7 @@
           <a:p>
             <a:fld id="{FC080E38-6FF2-48B3-BDAB-4FA23B840E92}" type="datetimeFigureOut">
               <a:rPr lang="en-US" smtClean="0"/>
-              <a:t>2020-12-02</a:t>
+              <a:t>2020-12-03</a:t>
             </a:fld>
             <a:endParaRPr lang="en-US"/>
           </a:p>
@@ -2720,7 +2720,7 @@
           <a:p>
             <a:fld id="{FC080E38-6FF2-48B3-BDAB-4FA23B840E92}" type="datetimeFigureOut">
               <a:rPr lang="en-US" smtClean="0"/>
-              <a:t>2020-12-02</a:t>
+              <a:t>2020-12-03</a:t>
             </a:fld>
             <a:endParaRPr lang="en-US"/>
           </a:p>
@@ -3095,6 +3095,197 @@
           <a:chExt cx="0" cy="0"/>
         </a:xfrm>
       </p:grpSpPr>
+      <p:grpSp>
+        <p:nvGrpSpPr>
+          <p:cNvPr id="3" name="Group 2"/>
+          <p:cNvGrpSpPr/>
+          <p:nvPr/>
+        </p:nvGrpSpPr>
+        <p:grpSpPr>
+          <a:xfrm>
+            <a:off x="1907824" y="1101740"/>
+            <a:ext cx="1080000" cy="593437"/>
+            <a:chOff x="1907824" y="1101740"/>
+            <a:chExt cx="1080000" cy="593437"/>
+          </a:xfrm>
+        </p:grpSpPr>
+        <p:sp>
+          <p:nvSpPr>
+            <p:cNvPr id="218" name="Oval 217"/>
+            <p:cNvSpPr/>
+            <p:nvPr/>
+          </p:nvSpPr>
+          <p:spPr>
+            <a:xfrm>
+              <a:off x="1907824" y="1101740"/>
+              <a:ext cx="1080000" cy="590400"/>
+            </a:xfrm>
+            <a:prstGeom prst="ellipse">
+              <a:avLst/>
+            </a:prstGeom>
+            <a:gradFill flip="none" rotWithShape="1">
+              <a:gsLst>
+                <a:gs pos="0">
+                  <a:schemeClr val="accent3">
+                    <a:lumMod val="60000"/>
+                    <a:lumOff val="40000"/>
+                  </a:schemeClr>
+                </a:gs>
+                <a:gs pos="60000">
+                  <a:schemeClr val="accent3">
+                    <a:lumMod val="20000"/>
+                    <a:lumOff val="80000"/>
+                  </a:schemeClr>
+                </a:gs>
+                <a:gs pos="36000">
+                  <a:schemeClr val="accent3">
+                    <a:lumMod val="20000"/>
+                    <a:lumOff val="80000"/>
+                  </a:schemeClr>
+                </a:gs>
+                <a:gs pos="100000">
+                  <a:schemeClr val="accent3">
+                    <a:lumMod val="60000"/>
+                    <a:lumOff val="40000"/>
+                  </a:schemeClr>
+                </a:gs>
+              </a:gsLst>
+              <a:lin ang="13500000" scaled="0"/>
+              <a:tileRect/>
+            </a:gradFill>
+            <a:ln w="9525">
+              <a:solidFill>
+                <a:schemeClr val="bg1">
+                  <a:lumMod val="50000"/>
+                </a:schemeClr>
+              </a:solidFill>
+            </a:ln>
+            <a:effectLst>
+              <a:outerShdw blurRad="50800" dist="38100" dir="2700000" algn="tl" rotWithShape="0">
+                <a:prstClr val="black">
+                  <a:alpha val="40000"/>
+                </a:prstClr>
+              </a:outerShdw>
+            </a:effectLst>
+          </p:spPr>
+          <p:style>
+            <a:lnRef idx="2">
+              <a:schemeClr val="accent1">
+                <a:shade val="50000"/>
+              </a:schemeClr>
+            </a:lnRef>
+            <a:fillRef idx="1">
+              <a:schemeClr val="accent1"/>
+            </a:fillRef>
+            <a:effectRef idx="0">
+              <a:schemeClr val="accent1"/>
+            </a:effectRef>
+            <a:fontRef idx="minor">
+              <a:schemeClr val="lt1"/>
+            </a:fontRef>
+          </p:style>
+          <p:txBody>
+            <a:bodyPr lIns="0" tIns="0" rIns="0" bIns="0" rtlCol="0" anchor="ctr"/>
+            <a:lstStyle/>
+            <a:p>
+              <a:pPr algn="ctr"/>
+              <a:r>
+                <a:rPr lang="en-US" sz="1200" dirty="0" smtClean="0">
+                  <a:solidFill>
+                    <a:schemeClr val="tx1"/>
+                  </a:solidFill>
+                  <a:latin typeface="Arial" panose="020B0604020202020204" pitchFamily="34" charset="0"/>
+                  <a:cs typeface="Arial" panose="020B0604020202020204" pitchFamily="34" charset="0"/>
+                </a:rPr>
+                <a:t>Acquirer</a:t>
+              </a:r>
+              <a:endParaRPr lang="en-US" sz="1200" dirty="0">
+                <a:solidFill>
+                  <a:schemeClr val="tx1"/>
+                </a:solidFill>
+                <a:latin typeface="Arial" panose="020B0604020202020204" pitchFamily="34" charset="0"/>
+                <a:cs typeface="Arial" panose="020B0604020202020204" pitchFamily="34" charset="0"/>
+              </a:endParaRPr>
+            </a:p>
+          </p:txBody>
+        </p:sp>
+        <p:sp>
+          <p:nvSpPr>
+            <p:cNvPr id="217" name="Flowchart: Magnetic Disk 216"/>
+            <p:cNvSpPr/>
+            <p:nvPr/>
+          </p:nvSpPr>
+          <p:spPr>
+            <a:xfrm>
+              <a:off x="1951140" y="1515177"/>
+              <a:ext cx="324000" cy="180000"/>
+            </a:xfrm>
+            <a:prstGeom prst="flowChartMagneticDisk">
+              <a:avLst/>
+            </a:prstGeom>
+            <a:gradFill flip="none" rotWithShape="1">
+              <a:gsLst>
+                <a:gs pos="1000">
+                  <a:srgbClr val="BBCFE7"/>
+                </a:gs>
+                <a:gs pos="52000">
+                  <a:srgbClr val="E1EBF7"/>
+                </a:gs>
+                <a:gs pos="100000">
+                  <a:schemeClr val="accent1">
+                    <a:lumMod val="60000"/>
+                    <a:lumOff val="40000"/>
+                  </a:schemeClr>
+                </a:gs>
+              </a:gsLst>
+              <a:lin ang="0" scaled="1"/>
+              <a:tileRect/>
+            </a:gradFill>
+            <a:ln w="6350">
+              <a:solidFill>
+                <a:schemeClr val="accent1"/>
+              </a:solidFill>
+            </a:ln>
+            <a:effectLst>
+              <a:outerShdw blurRad="50800" dist="38100" dir="2700000" algn="tl" rotWithShape="0">
+                <a:prstClr val="black">
+                  <a:alpha val="40000"/>
+                </a:prstClr>
+              </a:outerShdw>
+            </a:effectLst>
+          </p:spPr>
+          <p:style>
+            <a:lnRef idx="2">
+              <a:schemeClr val="accent1">
+                <a:shade val="50000"/>
+              </a:schemeClr>
+            </a:lnRef>
+            <a:fillRef idx="1">
+              <a:schemeClr val="accent1"/>
+            </a:fillRef>
+            <a:effectRef idx="0">
+              <a:schemeClr val="accent1"/>
+            </a:effectRef>
+            <a:fontRef idx="minor">
+              <a:schemeClr val="lt1"/>
+            </a:fontRef>
+          </p:style>
+          <p:txBody>
+            <a:bodyPr lIns="36000" rIns="36000" rtlCol="0" anchor="ctr"/>
+            <a:lstStyle/>
+            <a:p>
+              <a:pPr algn="ctr"/>
+              <a:endParaRPr lang="en-US" sz="1200" dirty="0">
+                <a:solidFill>
+                  <a:schemeClr val="tx1"/>
+                </a:solidFill>
+                <a:latin typeface="Arial" panose="020B0604020202020204" pitchFamily="34" charset="0"/>
+                <a:cs typeface="Arial" panose="020B0604020202020204" pitchFamily="34" charset="0"/>
+              </a:endParaRPr>
+            </a:p>
+          </p:txBody>
+        </p:sp>
+      </p:grpSp>
       <p:cxnSp>
         <p:nvCxnSpPr>
           <p:cNvPr id="214" name="Straight Arrow Connector 22"/>
@@ -6984,182 +7175,6 @@
           </p:sp>
         </p:grpSp>
       </p:grpSp>
-      <p:sp>
-        <p:nvSpPr>
-          <p:cNvPr id="261" name="Oval 260"/>
-          <p:cNvSpPr/>
-          <p:nvPr/>
-        </p:nvSpPr>
-        <p:spPr>
-          <a:xfrm>
-            <a:off x="1907824" y="2945403"/>
-            <a:ext cx="1080000" cy="591783"/>
-          </a:xfrm>
-          <a:prstGeom prst="ellipse">
-            <a:avLst/>
-          </a:prstGeom>
-          <a:gradFill flip="none" rotWithShape="1">
-            <a:gsLst>
-              <a:gs pos="1000">
-                <a:srgbClr val="BBCFE7"/>
-              </a:gs>
-              <a:gs pos="52000">
-                <a:srgbClr val="E1EBF7"/>
-              </a:gs>
-              <a:gs pos="100000">
-                <a:schemeClr val="accent1">
-                  <a:lumMod val="60000"/>
-                  <a:lumOff val="40000"/>
-                </a:schemeClr>
-              </a:gs>
-            </a:gsLst>
-            <a:lin ang="13500000" scaled="1"/>
-            <a:tileRect/>
-          </a:gradFill>
-          <a:ln w="9525">
-            <a:solidFill>
-              <a:schemeClr val="bg1">
-                <a:lumMod val="50000"/>
-              </a:schemeClr>
-            </a:solidFill>
-          </a:ln>
-          <a:effectLst>
-            <a:outerShdw blurRad="50800" dist="38100" dir="2700000" algn="tl" rotWithShape="0">
-              <a:prstClr val="black">
-                <a:alpha val="40000"/>
-              </a:prstClr>
-            </a:outerShdw>
-          </a:effectLst>
-        </p:spPr>
-        <p:style>
-          <a:lnRef idx="2">
-            <a:schemeClr val="accent1">
-              <a:shade val="50000"/>
-            </a:schemeClr>
-          </a:lnRef>
-          <a:fillRef idx="1">
-            <a:schemeClr val="accent1"/>
-          </a:fillRef>
-          <a:effectRef idx="0">
-            <a:schemeClr val="accent1"/>
-          </a:effectRef>
-          <a:fontRef idx="minor">
-            <a:schemeClr val="lt1"/>
-          </a:fontRef>
-        </p:style>
-        <p:txBody>
-          <a:bodyPr lIns="36000" rIns="36000" rtlCol="0" anchor="ctr"/>
-          <a:lstStyle/>
-          <a:p>
-            <a:pPr algn="ctr"/>
-            <a:r>
-              <a:rPr lang="en-US" sz="1200" dirty="0" smtClean="0">
-                <a:solidFill>
-                  <a:schemeClr val="tx1"/>
-                </a:solidFill>
-                <a:latin typeface="Arial" panose="020B0604020202020204" pitchFamily="34" charset="0"/>
-                <a:cs typeface="Arial" panose="020B0604020202020204" pitchFamily="34" charset="0"/>
-              </a:rPr>
-              <a:t>Acquirer</a:t>
-            </a:r>
-            <a:endParaRPr lang="en-US" sz="1200" dirty="0">
-              <a:solidFill>
-                <a:schemeClr val="tx1"/>
-              </a:solidFill>
-              <a:latin typeface="Arial" panose="020B0604020202020204" pitchFamily="34" charset="0"/>
-              <a:cs typeface="Arial" panose="020B0604020202020204" pitchFamily="34" charset="0"/>
-            </a:endParaRPr>
-          </a:p>
-        </p:txBody>
-      </p:sp>
-      <p:sp>
-        <p:nvSpPr>
-          <p:cNvPr id="262" name="Oval 261"/>
-          <p:cNvSpPr/>
-          <p:nvPr/>
-        </p:nvSpPr>
-        <p:spPr>
-          <a:xfrm>
-            <a:off x="1907824" y="2023590"/>
-            <a:ext cx="1080000" cy="591783"/>
-          </a:xfrm>
-          <a:prstGeom prst="ellipse">
-            <a:avLst/>
-          </a:prstGeom>
-          <a:gradFill flip="none" rotWithShape="1">
-            <a:gsLst>
-              <a:gs pos="1000">
-                <a:srgbClr val="BBCFE7"/>
-              </a:gs>
-              <a:gs pos="52000">
-                <a:srgbClr val="E1EBF7"/>
-              </a:gs>
-              <a:gs pos="100000">
-                <a:schemeClr val="accent1">
-                  <a:lumMod val="60000"/>
-                  <a:lumOff val="40000"/>
-                </a:schemeClr>
-              </a:gs>
-            </a:gsLst>
-            <a:lin ang="13500000" scaled="1"/>
-            <a:tileRect/>
-          </a:gradFill>
-          <a:ln w="9525">
-            <a:solidFill>
-              <a:schemeClr val="bg1">
-                <a:lumMod val="50000"/>
-              </a:schemeClr>
-            </a:solidFill>
-          </a:ln>
-          <a:effectLst>
-            <a:outerShdw blurRad="50800" dist="38100" dir="2700000" algn="tl" rotWithShape="0">
-              <a:prstClr val="black">
-                <a:alpha val="40000"/>
-              </a:prstClr>
-            </a:outerShdw>
-          </a:effectLst>
-        </p:spPr>
-        <p:style>
-          <a:lnRef idx="2">
-            <a:schemeClr val="accent1">
-              <a:shade val="50000"/>
-            </a:schemeClr>
-          </a:lnRef>
-          <a:fillRef idx="1">
-            <a:schemeClr val="accent1"/>
-          </a:fillRef>
-          <a:effectRef idx="0">
-            <a:schemeClr val="accent1"/>
-          </a:effectRef>
-          <a:fontRef idx="minor">
-            <a:schemeClr val="lt1"/>
-          </a:fontRef>
-        </p:style>
-        <p:txBody>
-          <a:bodyPr lIns="36000" rIns="36000" rtlCol="0" anchor="ctr"/>
-          <a:lstStyle/>
-          <a:p>
-            <a:pPr algn="ctr"/>
-            <a:r>
-              <a:rPr lang="en-US" sz="1200" dirty="0" smtClean="0">
-                <a:solidFill>
-                  <a:schemeClr val="tx1"/>
-                </a:solidFill>
-                <a:latin typeface="Arial" panose="020B0604020202020204" pitchFamily="34" charset="0"/>
-                <a:cs typeface="Arial" panose="020B0604020202020204" pitchFamily="34" charset="0"/>
-              </a:rPr>
-              <a:t>Acquirer</a:t>
-            </a:r>
-            <a:endParaRPr lang="en-US" sz="1200" dirty="0">
-              <a:solidFill>
-                <a:schemeClr val="tx1"/>
-              </a:solidFill>
-              <a:latin typeface="Arial" panose="020B0604020202020204" pitchFamily="34" charset="0"/>
-              <a:cs typeface="Arial" panose="020B0604020202020204" pitchFamily="34" charset="0"/>
-            </a:endParaRPr>
-          </a:p>
-        </p:txBody>
-      </p:sp>
       <p:grpSp>
         <p:nvGrpSpPr>
           <p:cNvPr id="199" name="Group 198"/>
@@ -7790,94 +7805,6 @@
           </p:txBody>
         </p:sp>
       </p:grpSp>
-      <p:sp>
-        <p:nvSpPr>
-          <p:cNvPr id="263" name="Oval 262"/>
-          <p:cNvSpPr/>
-          <p:nvPr/>
-        </p:nvSpPr>
-        <p:spPr>
-          <a:xfrm>
-            <a:off x="1907824" y="1101778"/>
-            <a:ext cx="1080000" cy="591783"/>
-          </a:xfrm>
-          <a:prstGeom prst="ellipse">
-            <a:avLst/>
-          </a:prstGeom>
-          <a:gradFill flip="none" rotWithShape="1">
-            <a:gsLst>
-              <a:gs pos="1000">
-                <a:srgbClr val="BBCFE7"/>
-              </a:gs>
-              <a:gs pos="52000">
-                <a:srgbClr val="E1EBF7"/>
-              </a:gs>
-              <a:gs pos="100000">
-                <a:schemeClr val="accent1">
-                  <a:lumMod val="60000"/>
-                  <a:lumOff val="40000"/>
-                </a:schemeClr>
-              </a:gs>
-            </a:gsLst>
-            <a:lin ang="13500000" scaled="1"/>
-            <a:tileRect/>
-          </a:gradFill>
-          <a:ln w="9525">
-            <a:solidFill>
-              <a:schemeClr val="bg1">
-                <a:lumMod val="50000"/>
-              </a:schemeClr>
-            </a:solidFill>
-          </a:ln>
-          <a:effectLst>
-            <a:outerShdw blurRad="50800" dist="38100" dir="2700000" algn="tl" rotWithShape="0">
-              <a:prstClr val="black">
-                <a:alpha val="40000"/>
-              </a:prstClr>
-            </a:outerShdw>
-          </a:effectLst>
-        </p:spPr>
-        <p:style>
-          <a:lnRef idx="2">
-            <a:schemeClr val="accent1">
-              <a:shade val="50000"/>
-            </a:schemeClr>
-          </a:lnRef>
-          <a:fillRef idx="1">
-            <a:schemeClr val="accent1"/>
-          </a:fillRef>
-          <a:effectRef idx="0">
-            <a:schemeClr val="accent1"/>
-          </a:effectRef>
-          <a:fontRef idx="minor">
-            <a:schemeClr val="lt1"/>
-          </a:fontRef>
-        </p:style>
-        <p:txBody>
-          <a:bodyPr lIns="36000" rIns="36000" rtlCol="0" anchor="ctr"/>
-          <a:lstStyle/>
-          <a:p>
-            <a:pPr algn="ctr"/>
-            <a:r>
-              <a:rPr lang="en-US" sz="1200" dirty="0" smtClean="0">
-                <a:solidFill>
-                  <a:schemeClr val="tx1"/>
-                </a:solidFill>
-                <a:latin typeface="Arial" panose="020B0604020202020204" pitchFamily="34" charset="0"/>
-                <a:cs typeface="Arial" panose="020B0604020202020204" pitchFamily="34" charset="0"/>
-              </a:rPr>
-              <a:t>Acquirer</a:t>
-            </a:r>
-            <a:endParaRPr lang="en-US" sz="1200" dirty="0">
-              <a:solidFill>
-                <a:schemeClr val="tx1"/>
-              </a:solidFill>
-              <a:latin typeface="Arial" panose="020B0604020202020204" pitchFamily="34" charset="0"/>
-              <a:cs typeface="Arial" panose="020B0604020202020204" pitchFamily="34" charset="0"/>
-            </a:endParaRPr>
-          </a:p>
-        </p:txBody>
-      </p:sp>
       <p:grpSp>
         <p:nvGrpSpPr>
           <p:cNvPr id="264" name="Group 263"/>
@@ -9852,7 +9779,7 @@
         </p:nvCxnSpPr>
         <p:spPr>
           <a:xfrm flipV="1">
-            <a:off x="3059832" y="2350034"/>
+            <a:off x="3059832" y="2338532"/>
             <a:ext cx="656894" cy="11660"/>
           </a:xfrm>
           <a:prstGeom prst="straightConnector1">
@@ -11481,7 +11408,10 @@
           <a:gradFill flip="none" rotWithShape="1">
             <a:gsLst>
               <a:gs pos="0">
-                <a:srgbClr val="DDEBCF"/>
+                <a:schemeClr val="accent3">
+                  <a:lumMod val="60000"/>
+                  <a:lumOff val="40000"/>
+                </a:schemeClr>
               </a:gs>
               <a:gs pos="50000">
                 <a:schemeClr val="accent3">
@@ -11582,7 +11512,7 @@
                 <a:latin typeface="Arial" panose="020B0604020202020204" pitchFamily="34" charset="0"/>
                 <a:cs typeface="Arial" panose="020B0604020202020204" pitchFamily="34" charset="0"/>
               </a:rPr>
-              <a:t>EPI (Presumed) versus Saturn, A.Rundgren-2020-12-02:4</a:t>
+              <a:t>EPI (Presumed) versus Saturn, A.Rundgren-2020-12-03:1</a:t>
             </a:r>
             <a:endParaRPr lang="en-US" sz="800" dirty="0">
               <a:latin typeface="Arial" panose="020B0604020202020204" pitchFamily="34" charset="0"/>
@@ -13241,6 +13171,388 @@
           </a:p>
         </p:txBody>
       </p:sp>
+      <p:grpSp>
+        <p:nvGrpSpPr>
+          <p:cNvPr id="270" name="Group 269"/>
+          <p:cNvGrpSpPr/>
+          <p:nvPr/>
+        </p:nvGrpSpPr>
+        <p:grpSpPr>
+          <a:xfrm>
+            <a:off x="1908000" y="2944800"/>
+            <a:ext cx="1080000" cy="593437"/>
+            <a:chOff x="1907824" y="1101740"/>
+            <a:chExt cx="1080000" cy="593437"/>
+          </a:xfrm>
+        </p:grpSpPr>
+        <p:sp>
+          <p:nvSpPr>
+            <p:cNvPr id="271" name="Oval 270"/>
+            <p:cNvSpPr/>
+            <p:nvPr/>
+          </p:nvSpPr>
+          <p:spPr>
+            <a:xfrm>
+              <a:off x="1907824" y="1101740"/>
+              <a:ext cx="1080000" cy="590400"/>
+            </a:xfrm>
+            <a:prstGeom prst="ellipse">
+              <a:avLst/>
+            </a:prstGeom>
+            <a:gradFill flip="none" rotWithShape="1">
+              <a:gsLst>
+                <a:gs pos="0">
+                  <a:schemeClr val="accent3">
+                    <a:lumMod val="60000"/>
+                    <a:lumOff val="40000"/>
+                  </a:schemeClr>
+                </a:gs>
+                <a:gs pos="60000">
+                  <a:schemeClr val="accent3">
+                    <a:lumMod val="20000"/>
+                    <a:lumOff val="80000"/>
+                  </a:schemeClr>
+                </a:gs>
+                <a:gs pos="36000">
+                  <a:schemeClr val="accent3">
+                    <a:lumMod val="20000"/>
+                    <a:lumOff val="80000"/>
+                  </a:schemeClr>
+                </a:gs>
+                <a:gs pos="100000">
+                  <a:schemeClr val="accent3">
+                    <a:lumMod val="60000"/>
+                    <a:lumOff val="40000"/>
+                  </a:schemeClr>
+                </a:gs>
+              </a:gsLst>
+              <a:lin ang="13500000" scaled="0"/>
+              <a:tileRect/>
+            </a:gradFill>
+            <a:ln w="9525">
+              <a:solidFill>
+                <a:schemeClr val="bg1">
+                  <a:lumMod val="50000"/>
+                </a:schemeClr>
+              </a:solidFill>
+            </a:ln>
+            <a:effectLst>
+              <a:outerShdw blurRad="50800" dist="38100" dir="2700000" algn="tl" rotWithShape="0">
+                <a:prstClr val="black">
+                  <a:alpha val="40000"/>
+                </a:prstClr>
+              </a:outerShdw>
+            </a:effectLst>
+          </p:spPr>
+          <p:style>
+            <a:lnRef idx="2">
+              <a:schemeClr val="accent1">
+                <a:shade val="50000"/>
+              </a:schemeClr>
+            </a:lnRef>
+            <a:fillRef idx="1">
+              <a:schemeClr val="accent1"/>
+            </a:fillRef>
+            <a:effectRef idx="0">
+              <a:schemeClr val="accent1"/>
+            </a:effectRef>
+            <a:fontRef idx="minor">
+              <a:schemeClr val="lt1"/>
+            </a:fontRef>
+          </p:style>
+          <p:txBody>
+            <a:bodyPr lIns="0" tIns="0" rIns="0" bIns="0" rtlCol="0" anchor="ctr"/>
+            <a:lstStyle/>
+            <a:p>
+              <a:pPr algn="ctr"/>
+              <a:r>
+                <a:rPr lang="en-US" sz="1200" dirty="0" smtClean="0">
+                  <a:solidFill>
+                    <a:schemeClr val="tx1"/>
+                  </a:solidFill>
+                  <a:latin typeface="Arial" panose="020B0604020202020204" pitchFamily="34" charset="0"/>
+                  <a:cs typeface="Arial" panose="020B0604020202020204" pitchFamily="34" charset="0"/>
+                </a:rPr>
+                <a:t>Acquirer</a:t>
+              </a:r>
+              <a:endParaRPr lang="en-US" sz="1200" dirty="0">
+                <a:solidFill>
+                  <a:schemeClr val="tx1"/>
+                </a:solidFill>
+                <a:latin typeface="Arial" panose="020B0604020202020204" pitchFamily="34" charset="0"/>
+                <a:cs typeface="Arial" panose="020B0604020202020204" pitchFamily="34" charset="0"/>
+              </a:endParaRPr>
+            </a:p>
+          </p:txBody>
+        </p:sp>
+        <p:sp>
+          <p:nvSpPr>
+            <p:cNvPr id="272" name="Flowchart: Magnetic Disk 271"/>
+            <p:cNvSpPr/>
+            <p:nvPr/>
+          </p:nvSpPr>
+          <p:spPr>
+            <a:xfrm>
+              <a:off x="1951140" y="1515177"/>
+              <a:ext cx="324000" cy="180000"/>
+            </a:xfrm>
+            <a:prstGeom prst="flowChartMagneticDisk">
+              <a:avLst/>
+            </a:prstGeom>
+            <a:gradFill flip="none" rotWithShape="1">
+              <a:gsLst>
+                <a:gs pos="1000">
+                  <a:srgbClr val="BBCFE7"/>
+                </a:gs>
+                <a:gs pos="52000">
+                  <a:srgbClr val="E1EBF7"/>
+                </a:gs>
+                <a:gs pos="100000">
+                  <a:schemeClr val="accent1">
+                    <a:lumMod val="60000"/>
+                    <a:lumOff val="40000"/>
+                  </a:schemeClr>
+                </a:gs>
+              </a:gsLst>
+              <a:lin ang="0" scaled="1"/>
+              <a:tileRect/>
+            </a:gradFill>
+            <a:ln w="6350">
+              <a:solidFill>
+                <a:schemeClr val="accent1"/>
+              </a:solidFill>
+            </a:ln>
+            <a:effectLst>
+              <a:outerShdw blurRad="50800" dist="38100" dir="2700000" algn="tl" rotWithShape="0">
+                <a:prstClr val="black">
+                  <a:alpha val="40000"/>
+                </a:prstClr>
+              </a:outerShdw>
+            </a:effectLst>
+          </p:spPr>
+          <p:style>
+            <a:lnRef idx="2">
+              <a:schemeClr val="accent1">
+                <a:shade val="50000"/>
+              </a:schemeClr>
+            </a:lnRef>
+            <a:fillRef idx="1">
+              <a:schemeClr val="accent1"/>
+            </a:fillRef>
+            <a:effectRef idx="0">
+              <a:schemeClr val="accent1"/>
+            </a:effectRef>
+            <a:fontRef idx="minor">
+              <a:schemeClr val="lt1"/>
+            </a:fontRef>
+          </p:style>
+          <p:txBody>
+            <a:bodyPr lIns="36000" rIns="36000" rtlCol="0" anchor="ctr"/>
+            <a:lstStyle/>
+            <a:p>
+              <a:pPr algn="ctr"/>
+              <a:endParaRPr lang="en-US" sz="1200" dirty="0">
+                <a:solidFill>
+                  <a:schemeClr val="tx1"/>
+                </a:solidFill>
+                <a:latin typeface="Arial" panose="020B0604020202020204" pitchFamily="34" charset="0"/>
+                <a:cs typeface="Arial" panose="020B0604020202020204" pitchFamily="34" charset="0"/>
+              </a:endParaRPr>
+            </a:p>
+          </p:txBody>
+        </p:sp>
+      </p:grpSp>
+      <p:grpSp>
+        <p:nvGrpSpPr>
+          <p:cNvPr id="274" name="Group 273"/>
+          <p:cNvGrpSpPr/>
+          <p:nvPr/>
+        </p:nvGrpSpPr>
+        <p:grpSpPr>
+          <a:xfrm>
+            <a:off x="1908000" y="2023200"/>
+            <a:ext cx="1080000" cy="593437"/>
+            <a:chOff x="1907824" y="1101740"/>
+            <a:chExt cx="1080000" cy="593437"/>
+          </a:xfrm>
+        </p:grpSpPr>
+        <p:sp>
+          <p:nvSpPr>
+            <p:cNvPr id="275" name="Oval 274"/>
+            <p:cNvSpPr/>
+            <p:nvPr/>
+          </p:nvSpPr>
+          <p:spPr>
+            <a:xfrm>
+              <a:off x="1907824" y="1101740"/>
+              <a:ext cx="1080000" cy="590400"/>
+            </a:xfrm>
+            <a:prstGeom prst="ellipse">
+              <a:avLst/>
+            </a:prstGeom>
+            <a:gradFill flip="none" rotWithShape="1">
+              <a:gsLst>
+                <a:gs pos="0">
+                  <a:schemeClr val="accent3">
+                    <a:lumMod val="60000"/>
+                    <a:lumOff val="40000"/>
+                  </a:schemeClr>
+                </a:gs>
+                <a:gs pos="60000">
+                  <a:schemeClr val="accent3">
+                    <a:lumMod val="20000"/>
+                    <a:lumOff val="80000"/>
+                  </a:schemeClr>
+                </a:gs>
+                <a:gs pos="36000">
+                  <a:schemeClr val="accent3">
+                    <a:lumMod val="20000"/>
+                    <a:lumOff val="80000"/>
+                  </a:schemeClr>
+                </a:gs>
+                <a:gs pos="100000">
+                  <a:schemeClr val="accent3">
+                    <a:lumMod val="60000"/>
+                    <a:lumOff val="40000"/>
+                  </a:schemeClr>
+                </a:gs>
+              </a:gsLst>
+              <a:lin ang="13500000" scaled="0"/>
+              <a:tileRect/>
+            </a:gradFill>
+            <a:ln w="9525">
+              <a:solidFill>
+                <a:schemeClr val="bg1">
+                  <a:lumMod val="50000"/>
+                </a:schemeClr>
+              </a:solidFill>
+            </a:ln>
+            <a:effectLst>
+              <a:outerShdw blurRad="50800" dist="38100" dir="2700000" algn="tl" rotWithShape="0">
+                <a:prstClr val="black">
+                  <a:alpha val="40000"/>
+                </a:prstClr>
+              </a:outerShdw>
+            </a:effectLst>
+          </p:spPr>
+          <p:style>
+            <a:lnRef idx="2">
+              <a:schemeClr val="accent1">
+                <a:shade val="50000"/>
+              </a:schemeClr>
+            </a:lnRef>
+            <a:fillRef idx="1">
+              <a:schemeClr val="accent1"/>
+            </a:fillRef>
+            <a:effectRef idx="0">
+              <a:schemeClr val="accent1"/>
+            </a:effectRef>
+            <a:fontRef idx="minor">
+              <a:schemeClr val="lt1"/>
+            </a:fontRef>
+          </p:style>
+          <p:txBody>
+            <a:bodyPr lIns="0" tIns="0" rIns="0" bIns="0" rtlCol="0" anchor="ctr"/>
+            <a:lstStyle/>
+            <a:p>
+              <a:pPr algn="ctr"/>
+              <a:r>
+                <a:rPr lang="en-US" sz="1200" dirty="0" smtClean="0">
+                  <a:solidFill>
+                    <a:schemeClr val="tx1"/>
+                  </a:solidFill>
+                  <a:latin typeface="Arial" panose="020B0604020202020204" pitchFamily="34" charset="0"/>
+                  <a:cs typeface="Arial" panose="020B0604020202020204" pitchFamily="34" charset="0"/>
+                </a:rPr>
+                <a:t>Acquirer</a:t>
+              </a:r>
+              <a:endParaRPr lang="en-US" sz="1200" dirty="0">
+                <a:solidFill>
+                  <a:schemeClr val="tx1"/>
+                </a:solidFill>
+                <a:latin typeface="Arial" panose="020B0604020202020204" pitchFamily="34" charset="0"/>
+                <a:cs typeface="Arial" panose="020B0604020202020204" pitchFamily="34" charset="0"/>
+              </a:endParaRPr>
+            </a:p>
+          </p:txBody>
+        </p:sp>
+        <p:sp>
+          <p:nvSpPr>
+            <p:cNvPr id="280" name="Flowchart: Magnetic Disk 279"/>
+            <p:cNvSpPr/>
+            <p:nvPr/>
+          </p:nvSpPr>
+          <p:spPr>
+            <a:xfrm>
+              <a:off x="1951140" y="1515177"/>
+              <a:ext cx="324000" cy="180000"/>
+            </a:xfrm>
+            <a:prstGeom prst="flowChartMagneticDisk">
+              <a:avLst/>
+            </a:prstGeom>
+            <a:gradFill flip="none" rotWithShape="1">
+              <a:gsLst>
+                <a:gs pos="1000">
+                  <a:srgbClr val="BBCFE7"/>
+                </a:gs>
+                <a:gs pos="52000">
+                  <a:srgbClr val="E1EBF7"/>
+                </a:gs>
+                <a:gs pos="100000">
+                  <a:schemeClr val="accent1">
+                    <a:lumMod val="60000"/>
+                    <a:lumOff val="40000"/>
+                  </a:schemeClr>
+                </a:gs>
+              </a:gsLst>
+              <a:lin ang="0" scaled="1"/>
+              <a:tileRect/>
+            </a:gradFill>
+            <a:ln w="6350">
+              <a:solidFill>
+                <a:schemeClr val="accent1"/>
+              </a:solidFill>
+            </a:ln>
+            <a:effectLst>
+              <a:outerShdw blurRad="50800" dist="38100" dir="2700000" algn="tl" rotWithShape="0">
+                <a:prstClr val="black">
+                  <a:alpha val="40000"/>
+                </a:prstClr>
+              </a:outerShdw>
+            </a:effectLst>
+          </p:spPr>
+          <p:style>
+            <a:lnRef idx="2">
+              <a:schemeClr val="accent1">
+                <a:shade val="50000"/>
+              </a:schemeClr>
+            </a:lnRef>
+            <a:fillRef idx="1">
+              <a:schemeClr val="accent1"/>
+            </a:fillRef>
+            <a:effectRef idx="0">
+              <a:schemeClr val="accent1"/>
+            </a:effectRef>
+            <a:fontRef idx="minor">
+              <a:schemeClr val="lt1"/>
+            </a:fontRef>
+          </p:style>
+          <p:txBody>
+            <a:bodyPr lIns="36000" rIns="36000" rtlCol="0" anchor="ctr"/>
+            <a:lstStyle/>
+            <a:p>
+              <a:pPr algn="ctr"/>
+              <a:endParaRPr lang="en-US" sz="1200" dirty="0">
+                <a:solidFill>
+                  <a:schemeClr val="tx1"/>
+                </a:solidFill>
+                <a:latin typeface="Arial" panose="020B0604020202020204" pitchFamily="34" charset="0"/>
+                <a:cs typeface="Arial" panose="020B0604020202020204" pitchFamily="34" charset="0"/>
+              </a:endParaRPr>
+            </a:p>
+          </p:txBody>
+        </p:sp>
+      </p:grpSp>
     </p:spTree>
     <p:extLst>
       <p:ext uri="{BB962C8B-B14F-4D97-AF65-F5344CB8AC3E}">

--- a/saturn/epi(presumed)-vs-saturn.pptx
+++ b/saturn/epi(presumed)-vs-saturn.pptx
@@ -288,7 +288,7 @@
           <a:p>
             <a:fld id="{FC080E38-6FF2-48B3-BDAB-4FA23B840E92}" type="datetimeFigureOut">
               <a:rPr lang="en-US" smtClean="0"/>
-              <a:t>2020-12-03</a:t>
+              <a:t>2020-12-04</a:t>
             </a:fld>
             <a:endParaRPr lang="en-US"/>
           </a:p>
@@ -458,7 +458,7 @@
           <a:p>
             <a:fld id="{FC080E38-6FF2-48B3-BDAB-4FA23B840E92}" type="datetimeFigureOut">
               <a:rPr lang="en-US" smtClean="0"/>
-              <a:t>2020-12-03</a:t>
+              <a:t>2020-12-04</a:t>
             </a:fld>
             <a:endParaRPr lang="en-US"/>
           </a:p>
@@ -638,7 +638,7 @@
           <a:p>
             <a:fld id="{FC080E38-6FF2-48B3-BDAB-4FA23B840E92}" type="datetimeFigureOut">
               <a:rPr lang="en-US" smtClean="0"/>
-              <a:t>2020-12-03</a:t>
+              <a:t>2020-12-04</a:t>
             </a:fld>
             <a:endParaRPr lang="en-US"/>
           </a:p>
@@ -808,7 +808,7 @@
           <a:p>
             <a:fld id="{FC080E38-6FF2-48B3-BDAB-4FA23B840E92}" type="datetimeFigureOut">
               <a:rPr lang="en-US" smtClean="0"/>
-              <a:t>2020-12-03</a:t>
+              <a:t>2020-12-04</a:t>
             </a:fld>
             <a:endParaRPr lang="en-US"/>
           </a:p>
@@ -1054,7 +1054,7 @@
           <a:p>
             <a:fld id="{FC080E38-6FF2-48B3-BDAB-4FA23B840E92}" type="datetimeFigureOut">
               <a:rPr lang="en-US" smtClean="0"/>
-              <a:t>2020-12-03</a:t>
+              <a:t>2020-12-04</a:t>
             </a:fld>
             <a:endParaRPr lang="en-US"/>
           </a:p>
@@ -1342,7 +1342,7 @@
           <a:p>
             <a:fld id="{FC080E38-6FF2-48B3-BDAB-4FA23B840E92}" type="datetimeFigureOut">
               <a:rPr lang="en-US" smtClean="0"/>
-              <a:t>2020-12-03</a:t>
+              <a:t>2020-12-04</a:t>
             </a:fld>
             <a:endParaRPr lang="en-US"/>
           </a:p>
@@ -1764,7 +1764,7 @@
           <a:p>
             <a:fld id="{FC080E38-6FF2-48B3-BDAB-4FA23B840E92}" type="datetimeFigureOut">
               <a:rPr lang="en-US" smtClean="0"/>
-              <a:t>2020-12-03</a:t>
+              <a:t>2020-12-04</a:t>
             </a:fld>
             <a:endParaRPr lang="en-US"/>
           </a:p>
@@ -1882,7 +1882,7 @@
           <a:p>
             <a:fld id="{FC080E38-6FF2-48B3-BDAB-4FA23B840E92}" type="datetimeFigureOut">
               <a:rPr lang="en-US" smtClean="0"/>
-              <a:t>2020-12-03</a:t>
+              <a:t>2020-12-04</a:t>
             </a:fld>
             <a:endParaRPr lang="en-US"/>
           </a:p>
@@ -1977,7 +1977,7 @@
           <a:p>
             <a:fld id="{FC080E38-6FF2-48B3-BDAB-4FA23B840E92}" type="datetimeFigureOut">
               <a:rPr lang="en-US" smtClean="0"/>
-              <a:t>2020-12-03</a:t>
+              <a:t>2020-12-04</a:t>
             </a:fld>
             <a:endParaRPr lang="en-US"/>
           </a:p>
@@ -2254,7 +2254,7 @@
           <a:p>
             <a:fld id="{FC080E38-6FF2-48B3-BDAB-4FA23B840E92}" type="datetimeFigureOut">
               <a:rPr lang="en-US" smtClean="0"/>
-              <a:t>2020-12-03</a:t>
+              <a:t>2020-12-04</a:t>
             </a:fld>
             <a:endParaRPr lang="en-US"/>
           </a:p>
@@ -2507,7 +2507,7 @@
           <a:p>
             <a:fld id="{FC080E38-6FF2-48B3-BDAB-4FA23B840E92}" type="datetimeFigureOut">
               <a:rPr lang="en-US" smtClean="0"/>
-              <a:t>2020-12-03</a:t>
+              <a:t>2020-12-04</a:t>
             </a:fld>
             <a:endParaRPr lang="en-US"/>
           </a:p>
@@ -2720,7 +2720,7 @@
           <a:p>
             <a:fld id="{FC080E38-6FF2-48B3-BDAB-4FA23B840E92}" type="datetimeFigureOut">
               <a:rPr lang="en-US" smtClean="0"/>
-              <a:t>2020-12-03</a:t>
+              <a:t>2020-12-04</a:t>
             </a:fld>
             <a:endParaRPr lang="en-US"/>
           </a:p>
@@ -3295,7 +3295,7 @@
         <p:spPr>
           <a:xfrm flipV="1">
             <a:off x="6690249" y="1512000"/>
-            <a:ext cx="1224000" cy="1548000"/>
+            <a:ext cx="1231200" cy="1573200"/>
           </a:xfrm>
           <a:prstGeom prst="bentConnector3">
             <a:avLst>
@@ -3337,7 +3337,7 @@
         <p:spPr>
           <a:xfrm flipV="1">
             <a:off x="6095999" y="1360884"/>
-            <a:ext cx="1836000" cy="985502"/>
+            <a:ext cx="1836000" cy="990000"/>
           </a:xfrm>
           <a:prstGeom prst="bentConnector3">
             <a:avLst>
@@ -9779,7 +9779,7 @@
         </p:nvCxnSpPr>
         <p:spPr>
           <a:xfrm flipV="1">
-            <a:off x="3059832" y="2338532"/>
+            <a:off x="3059832" y="2325310"/>
             <a:ext cx="656894" cy="11660"/>
           </a:xfrm>
           <a:prstGeom prst="straightConnector1">
@@ -9969,8 +9969,8 @@
         </p:nvCxnSpPr>
         <p:spPr>
           <a:xfrm>
-            <a:off x="2927318" y="1640302"/>
-            <a:ext cx="735947" cy="1350000"/>
+            <a:off x="2938463" y="1626394"/>
+            <a:ext cx="724802" cy="1363908"/>
           </a:xfrm>
           <a:prstGeom prst="straightConnector1">
             <a:avLst/>
@@ -11512,7 +11512,21 @@
                 <a:latin typeface="Arial" panose="020B0604020202020204" pitchFamily="34" charset="0"/>
                 <a:cs typeface="Arial" panose="020B0604020202020204" pitchFamily="34" charset="0"/>
               </a:rPr>
-              <a:t>EPI (Presumed) versus Saturn, A.Rundgren-2020-12-03:1</a:t>
+              <a:t>EPI (Presumed) versus Saturn</a:t>
+            </a:r>
+            <a:r>
+              <a:rPr lang="en-US" sz="800" smtClean="0">
+                <a:latin typeface="Arial" panose="020B0604020202020204" pitchFamily="34" charset="0"/>
+                <a:cs typeface="Arial" panose="020B0604020202020204" pitchFamily="34" charset="0"/>
+              </a:rPr>
+              <a:t>, </a:t>
+            </a:r>
+            <a:r>
+              <a:rPr lang="en-US" sz="800" smtClean="0">
+                <a:latin typeface="Arial" panose="020B0604020202020204" pitchFamily="34" charset="0"/>
+                <a:cs typeface="Arial" panose="020B0604020202020204" pitchFamily="34" charset="0"/>
+              </a:rPr>
+              <a:t>A.Rundgren-2020-12-04:1</a:t>
             </a:r>
             <a:endParaRPr lang="en-US" sz="800" dirty="0">
               <a:latin typeface="Arial" panose="020B0604020202020204" pitchFamily="34" charset="0"/>
@@ -11582,7 +11596,7 @@
         </p:nvSpPr>
         <p:spPr>
           <a:xfrm>
-            <a:off x="6914014" y="2680165"/>
+            <a:off x="6914014" y="2708920"/>
             <a:ext cx="1067169" cy="182325"/>
           </a:xfrm>
           <a:prstGeom prst="roundRect">
@@ -12989,7 +13003,7 @@
         </p:nvSpPr>
         <p:spPr>
           <a:xfrm>
-            <a:off x="6209128" y="2273911"/>
+            <a:off x="6209128" y="2278800"/>
             <a:ext cx="144000" cy="144000"/>
           </a:xfrm>
           <a:prstGeom prst="ellipse">
@@ -13050,7 +13064,7 @@
         </p:nvSpPr>
         <p:spPr>
           <a:xfrm>
-            <a:off x="7655886" y="1437583"/>
+            <a:off x="7665414" y="1437583"/>
             <a:ext cx="144000" cy="144000"/>
           </a:xfrm>
           <a:prstGeom prst="ellipse">

--- a/saturn/epi(presumed)-vs-saturn.pptx
+++ b/saturn/epi(presumed)-vs-saturn.pptx
@@ -288,7 +288,7 @@
           <a:p>
             <a:fld id="{FC080E38-6FF2-48B3-BDAB-4FA23B840E92}" type="datetimeFigureOut">
               <a:rPr lang="en-US" smtClean="0"/>
-              <a:t>2020-12-04</a:t>
+              <a:t>2020-12-06</a:t>
             </a:fld>
             <a:endParaRPr lang="en-US"/>
           </a:p>
@@ -458,7 +458,7 @@
           <a:p>
             <a:fld id="{FC080E38-6FF2-48B3-BDAB-4FA23B840E92}" type="datetimeFigureOut">
               <a:rPr lang="en-US" smtClean="0"/>
-              <a:t>2020-12-04</a:t>
+              <a:t>2020-12-06</a:t>
             </a:fld>
             <a:endParaRPr lang="en-US"/>
           </a:p>
@@ -638,7 +638,7 @@
           <a:p>
             <a:fld id="{FC080E38-6FF2-48B3-BDAB-4FA23B840E92}" type="datetimeFigureOut">
               <a:rPr lang="en-US" smtClean="0"/>
-              <a:t>2020-12-04</a:t>
+              <a:t>2020-12-06</a:t>
             </a:fld>
             <a:endParaRPr lang="en-US"/>
           </a:p>
@@ -808,7 +808,7 @@
           <a:p>
             <a:fld id="{FC080E38-6FF2-48B3-BDAB-4FA23B840E92}" type="datetimeFigureOut">
               <a:rPr lang="en-US" smtClean="0"/>
-              <a:t>2020-12-04</a:t>
+              <a:t>2020-12-06</a:t>
             </a:fld>
             <a:endParaRPr lang="en-US"/>
           </a:p>
@@ -1054,7 +1054,7 @@
           <a:p>
             <a:fld id="{FC080E38-6FF2-48B3-BDAB-4FA23B840E92}" type="datetimeFigureOut">
               <a:rPr lang="en-US" smtClean="0"/>
-              <a:t>2020-12-04</a:t>
+              <a:t>2020-12-06</a:t>
             </a:fld>
             <a:endParaRPr lang="en-US"/>
           </a:p>
@@ -1342,7 +1342,7 @@
           <a:p>
             <a:fld id="{FC080E38-6FF2-48B3-BDAB-4FA23B840E92}" type="datetimeFigureOut">
               <a:rPr lang="en-US" smtClean="0"/>
-              <a:t>2020-12-04</a:t>
+              <a:t>2020-12-06</a:t>
             </a:fld>
             <a:endParaRPr lang="en-US"/>
           </a:p>
@@ -1764,7 +1764,7 @@
           <a:p>
             <a:fld id="{FC080E38-6FF2-48B3-BDAB-4FA23B840E92}" type="datetimeFigureOut">
               <a:rPr lang="en-US" smtClean="0"/>
-              <a:t>2020-12-04</a:t>
+              <a:t>2020-12-06</a:t>
             </a:fld>
             <a:endParaRPr lang="en-US"/>
           </a:p>
@@ -1882,7 +1882,7 @@
           <a:p>
             <a:fld id="{FC080E38-6FF2-48B3-BDAB-4FA23B840E92}" type="datetimeFigureOut">
               <a:rPr lang="en-US" smtClean="0"/>
-              <a:t>2020-12-04</a:t>
+              <a:t>2020-12-06</a:t>
             </a:fld>
             <a:endParaRPr lang="en-US"/>
           </a:p>
@@ -1977,7 +1977,7 @@
           <a:p>
             <a:fld id="{FC080E38-6FF2-48B3-BDAB-4FA23B840E92}" type="datetimeFigureOut">
               <a:rPr lang="en-US" smtClean="0"/>
-              <a:t>2020-12-04</a:t>
+              <a:t>2020-12-06</a:t>
             </a:fld>
             <a:endParaRPr lang="en-US"/>
           </a:p>
@@ -2254,7 +2254,7 @@
           <a:p>
             <a:fld id="{FC080E38-6FF2-48B3-BDAB-4FA23B840E92}" type="datetimeFigureOut">
               <a:rPr lang="en-US" smtClean="0"/>
-              <a:t>2020-12-04</a:t>
+              <a:t>2020-12-06</a:t>
             </a:fld>
             <a:endParaRPr lang="en-US"/>
           </a:p>
@@ -2507,7 +2507,7 @@
           <a:p>
             <a:fld id="{FC080E38-6FF2-48B3-BDAB-4FA23B840E92}" type="datetimeFigureOut">
               <a:rPr lang="en-US" smtClean="0"/>
-              <a:t>2020-12-04</a:t>
+              <a:t>2020-12-06</a:t>
             </a:fld>
             <a:endParaRPr lang="en-US"/>
           </a:p>
@@ -2720,7 +2720,7 @@
           <a:p>
             <a:fld id="{FC080E38-6FF2-48B3-BDAB-4FA23B840E92}" type="datetimeFigureOut">
               <a:rPr lang="en-US" smtClean="0"/>
-              <a:t>2020-12-04</a:t>
+              <a:t>2020-12-06</a:t>
             </a:fld>
             <a:endParaRPr lang="en-US"/>
           </a:p>
@@ -3299,7 +3299,7 @@
           </a:xfrm>
           <a:prstGeom prst="bentConnector3">
             <a:avLst>
-              <a:gd name="adj1" fmla="val 61818"/>
+              <a:gd name="adj1" fmla="val 57614"/>
             </a:avLst>
           </a:prstGeom>
           <a:ln w="9525">
@@ -3341,7 +3341,7 @@
           </a:xfrm>
           <a:prstGeom prst="bentConnector3">
             <a:avLst>
-              <a:gd name="adj1" fmla="val 36945"/>
+              <a:gd name="adj1" fmla="val 33813"/>
             </a:avLst>
           </a:prstGeom>
           <a:ln w="9525">
@@ -10344,7 +10344,21 @@
                 <a:latin typeface="Arial" panose="020B0604020202020204" pitchFamily="34" charset="0"/>
                 <a:cs typeface="Arial" panose="020B0604020202020204" pitchFamily="34" charset="0"/>
               </a:rPr>
-              <a:t>In the traditional architecture for card-based authorizations, Merchants are connected to Acquirers who handle the communication with the Issuer Banks (or card networks).  An Acquirer is usually the entity that has the business agreement with a Merchant as well. </a:t>
+              <a:t>In the traditional architecture for </a:t>
+            </a:r>
+            <a:r>
+              <a:rPr lang="en-US" sz="1000" dirty="0" smtClean="0">
+                <a:latin typeface="Arial" panose="020B0604020202020204" pitchFamily="34" charset="0"/>
+                <a:cs typeface="Arial" panose="020B0604020202020204" pitchFamily="34" charset="0"/>
+              </a:rPr>
+              <a:t>card-based payment </a:t>
+            </a:r>
+            <a:r>
+              <a:rPr lang="en-US" sz="1000" dirty="0" smtClean="0">
+                <a:latin typeface="Arial" panose="020B0604020202020204" pitchFamily="34" charset="0"/>
+                <a:cs typeface="Arial" panose="020B0604020202020204" pitchFamily="34" charset="0"/>
+              </a:rPr>
+              <a:t>authorizations, Merchants are connected to Acquirers who handle the communication with the Issuer Banks (or card networks).  An Acquirer is usually the entity that has the business agreement with a Merchant as well. </a:t>
             </a:r>
           </a:p>
           <a:p>
@@ -11494,7 +11508,7 @@
         <p:spPr>
           <a:xfrm>
             <a:off x="-5832" y="6654442"/>
-            <a:ext cx="2840842" cy="215444"/>
+            <a:ext cx="3701654" cy="215444"/>
           </a:xfrm>
           <a:prstGeom prst="rect">
             <a:avLst/>
@@ -11512,21 +11526,14 @@
                 <a:latin typeface="Arial" panose="020B0604020202020204" pitchFamily="34" charset="0"/>
                 <a:cs typeface="Arial" panose="020B0604020202020204" pitchFamily="34" charset="0"/>
               </a:rPr>
-              <a:t>EPI (Presumed) versus Saturn</a:t>
+              <a:t>EPI (Presumed) versus </a:t>
             </a:r>
             <a:r>
-              <a:rPr lang="en-US" sz="800" smtClean="0">
+              <a:rPr lang="en-US" sz="800" dirty="0" smtClean="0">
                 <a:latin typeface="Arial" panose="020B0604020202020204" pitchFamily="34" charset="0"/>
                 <a:cs typeface="Arial" panose="020B0604020202020204" pitchFamily="34" charset="0"/>
               </a:rPr>
-              <a:t>, </a:t>
-            </a:r>
-            <a:r>
-              <a:rPr lang="en-US" sz="800" smtClean="0">
-                <a:latin typeface="Arial" panose="020B0604020202020204" pitchFamily="34" charset="0"/>
-                <a:cs typeface="Arial" panose="020B0604020202020204" pitchFamily="34" charset="0"/>
-              </a:rPr>
-              <a:t>A.Rundgren-2020-12-04:1</a:t>
+              <a:t>Saturn in a C2B Scenario, A.Rundgren-2020-12-06:1</a:t>
             </a:r>
             <a:endParaRPr lang="en-US" sz="800" dirty="0">
               <a:latin typeface="Arial" panose="020B0604020202020204" pitchFamily="34" charset="0"/>
@@ -11543,7 +11550,7 @@
         </p:nvSpPr>
         <p:spPr>
           <a:xfrm>
-            <a:off x="6226500" y="1552028"/>
+            <a:off x="6168086" y="1552028"/>
             <a:ext cx="1096302" cy="182325"/>
           </a:xfrm>
           <a:prstGeom prst="roundRect">
@@ -11596,7 +11603,7 @@
         </p:nvSpPr>
         <p:spPr>
           <a:xfrm>
-            <a:off x="6914014" y="2708920"/>
+            <a:off x="6866728" y="2714875"/>
             <a:ext cx="1067169" cy="182325"/>
           </a:xfrm>
           <a:prstGeom prst="roundRect">

--- a/saturn/epi(presumed)-vs-saturn.pptx
+++ b/saturn/epi(presumed)-vs-saturn.pptx
@@ -10344,21 +10344,7 @@
                 <a:latin typeface="Arial" panose="020B0604020202020204" pitchFamily="34" charset="0"/>
                 <a:cs typeface="Arial" panose="020B0604020202020204" pitchFamily="34" charset="0"/>
               </a:rPr>
-              <a:t>In the traditional architecture for </a:t>
-            </a:r>
-            <a:r>
-              <a:rPr lang="en-US" sz="1000" dirty="0" smtClean="0">
-                <a:latin typeface="Arial" panose="020B0604020202020204" pitchFamily="34" charset="0"/>
-                <a:cs typeface="Arial" panose="020B0604020202020204" pitchFamily="34" charset="0"/>
-              </a:rPr>
-              <a:t>card-based payment </a:t>
-            </a:r>
-            <a:r>
-              <a:rPr lang="en-US" sz="1000" dirty="0" smtClean="0">
-                <a:latin typeface="Arial" panose="020B0604020202020204" pitchFamily="34" charset="0"/>
-                <a:cs typeface="Arial" panose="020B0604020202020204" pitchFamily="34" charset="0"/>
-              </a:rPr>
-              <a:t>authorizations, Merchants are connected to Acquirers who handle the communication with the Issuer Banks (or card networks).  An Acquirer is usually the entity that has the business agreement with a Merchant as well. </a:t>
+              <a:t>In the traditional architecture for card-based payment authorizations, Merchants are connected to Acquirers who handle the communication with the Issuer Banks (or card networks).  An Acquirer is usually the entity that has the business agreement with a Merchant as well. </a:t>
             </a:r>
           </a:p>
           <a:p>
@@ -11508,7 +11494,7 @@
         <p:spPr>
           <a:xfrm>
             <a:off x="-5832" y="6654442"/>
-            <a:ext cx="3701654" cy="215444"/>
+            <a:ext cx="4184159" cy="215444"/>
           </a:xfrm>
           <a:prstGeom prst="rect">
             <a:avLst/>
@@ -11526,14 +11512,28 @@
                 <a:latin typeface="Arial" panose="020B0604020202020204" pitchFamily="34" charset="0"/>
                 <a:cs typeface="Arial" panose="020B0604020202020204" pitchFamily="34" charset="0"/>
               </a:rPr>
-              <a:t>EPI (Presumed) versus </a:t>
+              <a:t>Presumed EPI architecture </a:t>
             </a:r>
             <a:r>
               <a:rPr lang="en-US" sz="800" dirty="0" smtClean="0">
                 <a:latin typeface="Arial" panose="020B0604020202020204" pitchFamily="34" charset="0"/>
                 <a:cs typeface="Arial" panose="020B0604020202020204" pitchFamily="34" charset="0"/>
               </a:rPr>
-              <a:t>Saturn in a C2B Scenario, A.Rundgren-2020-12-06:1</a:t>
+              <a:t>versus Saturn in a C2B </a:t>
+            </a:r>
+            <a:r>
+              <a:rPr lang="en-US" sz="800" dirty="0" smtClean="0">
+                <a:latin typeface="Arial" panose="020B0604020202020204" pitchFamily="34" charset="0"/>
+                <a:cs typeface="Arial" panose="020B0604020202020204" pitchFamily="34" charset="0"/>
+              </a:rPr>
+              <a:t>scenario</a:t>
+            </a:r>
+            <a:r>
+              <a:rPr lang="en-US" sz="800" dirty="0" smtClean="0">
+                <a:latin typeface="Arial" panose="020B0604020202020204" pitchFamily="34" charset="0"/>
+                <a:cs typeface="Arial" panose="020B0604020202020204" pitchFamily="34" charset="0"/>
+              </a:rPr>
+              <a:t>, A.Rundgren-2020-12-06:1</a:t>
             </a:r>
             <a:endParaRPr lang="en-US" sz="800" dirty="0">
               <a:latin typeface="Arial" panose="020B0604020202020204" pitchFamily="34" charset="0"/>

--- a/saturn/epi(presumed)-vs-saturn.pptx
+++ b/saturn/epi(presumed)-vs-saturn.pptx
@@ -288,7 +288,7 @@
           <a:p>
             <a:fld id="{FC080E38-6FF2-48B3-BDAB-4FA23B840E92}" type="datetimeFigureOut">
               <a:rPr lang="en-US" smtClean="0"/>
-              <a:t>2020-12-06</a:t>
+              <a:t>2020-12-08</a:t>
             </a:fld>
             <a:endParaRPr lang="en-US"/>
           </a:p>
@@ -458,7 +458,7 @@
           <a:p>
             <a:fld id="{FC080E38-6FF2-48B3-BDAB-4FA23B840E92}" type="datetimeFigureOut">
               <a:rPr lang="en-US" smtClean="0"/>
-              <a:t>2020-12-06</a:t>
+              <a:t>2020-12-08</a:t>
             </a:fld>
             <a:endParaRPr lang="en-US"/>
           </a:p>
@@ -638,7 +638,7 @@
           <a:p>
             <a:fld id="{FC080E38-6FF2-48B3-BDAB-4FA23B840E92}" type="datetimeFigureOut">
               <a:rPr lang="en-US" smtClean="0"/>
-              <a:t>2020-12-06</a:t>
+              <a:t>2020-12-08</a:t>
             </a:fld>
             <a:endParaRPr lang="en-US"/>
           </a:p>
@@ -808,7 +808,7 @@
           <a:p>
             <a:fld id="{FC080E38-6FF2-48B3-BDAB-4FA23B840E92}" type="datetimeFigureOut">
               <a:rPr lang="en-US" smtClean="0"/>
-              <a:t>2020-12-06</a:t>
+              <a:t>2020-12-08</a:t>
             </a:fld>
             <a:endParaRPr lang="en-US"/>
           </a:p>
@@ -1054,7 +1054,7 @@
           <a:p>
             <a:fld id="{FC080E38-6FF2-48B3-BDAB-4FA23B840E92}" type="datetimeFigureOut">
               <a:rPr lang="en-US" smtClean="0"/>
-              <a:t>2020-12-06</a:t>
+              <a:t>2020-12-08</a:t>
             </a:fld>
             <a:endParaRPr lang="en-US"/>
           </a:p>
@@ -1342,7 +1342,7 @@
           <a:p>
             <a:fld id="{FC080E38-6FF2-48B3-BDAB-4FA23B840E92}" type="datetimeFigureOut">
               <a:rPr lang="en-US" smtClean="0"/>
-              <a:t>2020-12-06</a:t>
+              <a:t>2020-12-08</a:t>
             </a:fld>
             <a:endParaRPr lang="en-US"/>
           </a:p>
@@ -1764,7 +1764,7 @@
           <a:p>
             <a:fld id="{FC080E38-6FF2-48B3-BDAB-4FA23B840E92}" type="datetimeFigureOut">
               <a:rPr lang="en-US" smtClean="0"/>
-              <a:t>2020-12-06</a:t>
+              <a:t>2020-12-08</a:t>
             </a:fld>
             <a:endParaRPr lang="en-US"/>
           </a:p>
@@ -1882,7 +1882,7 @@
           <a:p>
             <a:fld id="{FC080E38-6FF2-48B3-BDAB-4FA23B840E92}" type="datetimeFigureOut">
               <a:rPr lang="en-US" smtClean="0"/>
-              <a:t>2020-12-06</a:t>
+              <a:t>2020-12-08</a:t>
             </a:fld>
             <a:endParaRPr lang="en-US"/>
           </a:p>
@@ -1977,7 +1977,7 @@
           <a:p>
             <a:fld id="{FC080E38-6FF2-48B3-BDAB-4FA23B840E92}" type="datetimeFigureOut">
               <a:rPr lang="en-US" smtClean="0"/>
-              <a:t>2020-12-06</a:t>
+              <a:t>2020-12-08</a:t>
             </a:fld>
             <a:endParaRPr lang="en-US"/>
           </a:p>
@@ -2254,7 +2254,7 @@
           <a:p>
             <a:fld id="{FC080E38-6FF2-48B3-BDAB-4FA23B840E92}" type="datetimeFigureOut">
               <a:rPr lang="en-US" smtClean="0"/>
-              <a:t>2020-12-06</a:t>
+              <a:t>2020-12-08</a:t>
             </a:fld>
             <a:endParaRPr lang="en-US"/>
           </a:p>
@@ -2507,7 +2507,7 @@
           <a:p>
             <a:fld id="{FC080E38-6FF2-48B3-BDAB-4FA23B840E92}" type="datetimeFigureOut">
               <a:rPr lang="en-US" smtClean="0"/>
-              <a:t>2020-12-06</a:t>
+              <a:t>2020-12-08</a:t>
             </a:fld>
             <a:endParaRPr lang="en-US"/>
           </a:p>
@@ -2720,7 +2720,7 @@
           <a:p>
             <a:fld id="{FC080E38-6FF2-48B3-BDAB-4FA23B840E92}" type="datetimeFigureOut">
               <a:rPr lang="en-US" smtClean="0"/>
-              <a:t>2020-12-06</a:t>
+              <a:t>2020-12-08</a:t>
             </a:fld>
             <a:endParaRPr lang="en-US"/>
           </a:p>
@@ -9932,7 +9932,7 @@
         <p:spPr>
           <a:xfrm flipV="1">
             <a:off x="3052763" y="1535374"/>
-            <a:ext cx="623504" cy="699429"/>
+            <a:ext cx="623504" cy="684000"/>
           </a:xfrm>
           <a:prstGeom prst="straightConnector1">
             <a:avLst/>
@@ -11512,28 +11512,7 @@
                 <a:latin typeface="Arial" panose="020B0604020202020204" pitchFamily="34" charset="0"/>
                 <a:cs typeface="Arial" panose="020B0604020202020204" pitchFamily="34" charset="0"/>
               </a:rPr>
-              <a:t>Presumed EPI architecture </a:t>
-            </a:r>
-            <a:r>
-              <a:rPr lang="en-US" sz="800" dirty="0" smtClean="0">
-                <a:latin typeface="Arial" panose="020B0604020202020204" pitchFamily="34" charset="0"/>
-                <a:cs typeface="Arial" panose="020B0604020202020204" pitchFamily="34" charset="0"/>
-              </a:rPr>
-              <a:t>versus Saturn in a C2B </a:t>
-            </a:r>
-            <a:r>
-              <a:rPr lang="en-US" sz="800" dirty="0" smtClean="0">
-                <a:latin typeface="Arial" panose="020B0604020202020204" pitchFamily="34" charset="0"/>
-                <a:cs typeface="Arial" panose="020B0604020202020204" pitchFamily="34" charset="0"/>
-              </a:rPr>
-              <a:t>scenario</a:t>
-            </a:r>
-            <a:r>
-              <a:rPr lang="en-US" sz="800" dirty="0" smtClean="0">
-                <a:latin typeface="Arial" panose="020B0604020202020204" pitchFamily="34" charset="0"/>
-                <a:cs typeface="Arial" panose="020B0604020202020204" pitchFamily="34" charset="0"/>
-              </a:rPr>
-              <a:t>, A.Rundgren-2020-12-06:1</a:t>
+              <a:t>Presumed EPI architecture versus Saturn in a C2B scenario, A.Rundgren-2020-12-06:1</a:t>
             </a:r>
             <a:endParaRPr lang="en-US" sz="800" dirty="0">
               <a:latin typeface="Arial" panose="020B0604020202020204" pitchFamily="34" charset="0"/>

--- a/saturn/epi(presumed)-vs-saturn.pptx
+++ b/saturn/epi(presumed)-vs-saturn.pptx
@@ -9856,7 +9856,7 @@
         <p:spPr>
           <a:xfrm>
             <a:off x="3027759" y="1532334"/>
-            <a:ext cx="665305" cy="669933"/>
+            <a:ext cx="668232" cy="655200"/>
           </a:xfrm>
           <a:prstGeom prst="straightConnector1">
             <a:avLst/>
@@ -9932,7 +9932,7 @@
         <p:spPr>
           <a:xfrm flipV="1">
             <a:off x="3052763" y="1535374"/>
-            <a:ext cx="623504" cy="684000"/>
+            <a:ext cx="623504" cy="666000"/>
           </a:xfrm>
           <a:prstGeom prst="straightConnector1">
             <a:avLst/>

--- a/saturn/epi(presumed)-vs-saturn.pptx
+++ b/saturn/epi(presumed)-vs-saturn.pptx
@@ -288,7 +288,7 @@
           <a:p>
             <a:fld id="{FC080E38-6FF2-48B3-BDAB-4FA23B840E92}" type="datetimeFigureOut">
               <a:rPr lang="en-US" smtClean="0"/>
-              <a:t>2020-12-08</a:t>
+              <a:t>2020-12-09</a:t>
             </a:fld>
             <a:endParaRPr lang="en-US"/>
           </a:p>
@@ -458,7 +458,7 @@
           <a:p>
             <a:fld id="{FC080E38-6FF2-48B3-BDAB-4FA23B840E92}" type="datetimeFigureOut">
               <a:rPr lang="en-US" smtClean="0"/>
-              <a:t>2020-12-08</a:t>
+              <a:t>2020-12-09</a:t>
             </a:fld>
             <a:endParaRPr lang="en-US"/>
           </a:p>
@@ -638,7 +638,7 @@
           <a:p>
             <a:fld id="{FC080E38-6FF2-48B3-BDAB-4FA23B840E92}" type="datetimeFigureOut">
               <a:rPr lang="en-US" smtClean="0"/>
-              <a:t>2020-12-08</a:t>
+              <a:t>2020-12-09</a:t>
             </a:fld>
             <a:endParaRPr lang="en-US"/>
           </a:p>
@@ -808,7 +808,7 @@
           <a:p>
             <a:fld id="{FC080E38-6FF2-48B3-BDAB-4FA23B840E92}" type="datetimeFigureOut">
               <a:rPr lang="en-US" smtClean="0"/>
-              <a:t>2020-12-08</a:t>
+              <a:t>2020-12-09</a:t>
             </a:fld>
             <a:endParaRPr lang="en-US"/>
           </a:p>
@@ -1054,7 +1054,7 @@
           <a:p>
             <a:fld id="{FC080E38-6FF2-48B3-BDAB-4FA23B840E92}" type="datetimeFigureOut">
               <a:rPr lang="en-US" smtClean="0"/>
-              <a:t>2020-12-08</a:t>
+              <a:t>2020-12-09</a:t>
             </a:fld>
             <a:endParaRPr lang="en-US"/>
           </a:p>
@@ -1342,7 +1342,7 @@
           <a:p>
             <a:fld id="{FC080E38-6FF2-48B3-BDAB-4FA23B840E92}" type="datetimeFigureOut">
               <a:rPr lang="en-US" smtClean="0"/>
-              <a:t>2020-12-08</a:t>
+              <a:t>2020-12-09</a:t>
             </a:fld>
             <a:endParaRPr lang="en-US"/>
           </a:p>
@@ -1764,7 +1764,7 @@
           <a:p>
             <a:fld id="{FC080E38-6FF2-48B3-BDAB-4FA23B840E92}" type="datetimeFigureOut">
               <a:rPr lang="en-US" smtClean="0"/>
-              <a:t>2020-12-08</a:t>
+              <a:t>2020-12-09</a:t>
             </a:fld>
             <a:endParaRPr lang="en-US"/>
           </a:p>
@@ -1882,7 +1882,7 @@
           <a:p>
             <a:fld id="{FC080E38-6FF2-48B3-BDAB-4FA23B840E92}" type="datetimeFigureOut">
               <a:rPr lang="en-US" smtClean="0"/>
-              <a:t>2020-12-08</a:t>
+              <a:t>2020-12-09</a:t>
             </a:fld>
             <a:endParaRPr lang="en-US"/>
           </a:p>
@@ -1977,7 +1977,7 @@
           <a:p>
             <a:fld id="{FC080E38-6FF2-48B3-BDAB-4FA23B840E92}" type="datetimeFigureOut">
               <a:rPr lang="en-US" smtClean="0"/>
-              <a:t>2020-12-08</a:t>
+              <a:t>2020-12-09</a:t>
             </a:fld>
             <a:endParaRPr lang="en-US"/>
           </a:p>
@@ -2254,7 +2254,7 @@
           <a:p>
             <a:fld id="{FC080E38-6FF2-48B3-BDAB-4FA23B840E92}" type="datetimeFigureOut">
               <a:rPr lang="en-US" smtClean="0"/>
-              <a:t>2020-12-08</a:t>
+              <a:t>2020-12-09</a:t>
             </a:fld>
             <a:endParaRPr lang="en-US"/>
           </a:p>
@@ -2507,7 +2507,7 @@
           <a:p>
             <a:fld id="{FC080E38-6FF2-48B3-BDAB-4FA23B840E92}" type="datetimeFigureOut">
               <a:rPr lang="en-US" smtClean="0"/>
-              <a:t>2020-12-08</a:t>
+              <a:t>2020-12-09</a:t>
             </a:fld>
             <a:endParaRPr lang="en-US"/>
           </a:p>
@@ -2720,7 +2720,7 @@
           <a:p>
             <a:fld id="{FC080E38-6FF2-48B3-BDAB-4FA23B840E92}" type="datetimeFigureOut">
               <a:rPr lang="en-US" smtClean="0"/>
-              <a:t>2020-12-08</a:t>
+              <a:t>2020-12-09</a:t>
             </a:fld>
             <a:endParaRPr lang="en-US"/>
           </a:p>
@@ -3103,7 +3103,7 @@
         </p:nvGrpSpPr>
         <p:grpSpPr>
           <a:xfrm>
-            <a:off x="1907824" y="1101740"/>
+            <a:off x="1907824" y="1533600"/>
             <a:ext cx="1080000" cy="593437"/>
             <a:chOff x="1907824" y="1101740"/>
             <a:chExt cx="1080000" cy="593437"/>
@@ -3377,8 +3377,8 @@
         </p:nvSpPr>
         <p:spPr>
           <a:xfrm>
-            <a:off x="1547664" y="837865"/>
-            <a:ext cx="1826674" cy="3167199"/>
+            <a:off x="1547664" y="1152677"/>
+            <a:ext cx="1826674" cy="2338879"/>
           </a:xfrm>
           <a:prstGeom prst="roundRect">
             <a:avLst>
@@ -9704,7 +9704,7 @@
         <p:spPr>
           <a:xfrm>
             <a:off x="1305810" y="2363965"/>
-            <a:ext cx="626507" cy="715544"/>
+            <a:ext cx="586250" cy="315975"/>
           </a:xfrm>
           <a:prstGeom prst="straightConnector1">
             <a:avLst/>
@@ -9734,53 +9734,13 @@
       <p:cxnSp>
         <p:nvCxnSpPr>
           <p:cNvPr id="306" name="Straight Arrow Connector 305"/>
-          <p:cNvCxnSpPr>
-            <a:endCxn id="265" idx="1"/>
-          </p:cNvCxnSpPr>
+          <p:cNvCxnSpPr/>
           <p:nvPr/>
         </p:nvCxnSpPr>
         <p:spPr>
           <a:xfrm>
-            <a:off x="3059832" y="3241294"/>
-            <a:ext cx="656894" cy="1"/>
-          </a:xfrm>
-          <a:prstGeom prst="straightConnector1">
-            <a:avLst/>
-          </a:prstGeom>
-          <a:ln w="9525">
-            <a:solidFill>
-              <a:schemeClr val="bg1">
-                <a:lumMod val="50000"/>
-              </a:schemeClr>
-            </a:solidFill>
-            <a:tailEnd type="triangle" w="sm" len="sm"/>
-          </a:ln>
-        </p:spPr>
-        <p:style>
-          <a:lnRef idx="1">
-            <a:schemeClr val="accent1"/>
-          </a:lnRef>
-          <a:fillRef idx="0">
-            <a:schemeClr val="accent1"/>
-          </a:fillRef>
-          <a:effectRef idx="0">
-            <a:schemeClr val="accent1"/>
-          </a:effectRef>
-          <a:fontRef idx="minor">
-            <a:schemeClr val="tx1"/>
-          </a:fontRef>
-        </p:style>
-      </p:cxnSp>
-      <p:cxnSp>
-        <p:nvCxnSpPr>
-          <p:cNvPr id="307" name="Straight Arrow Connector 306"/>
-          <p:cNvCxnSpPr/>
-          <p:nvPr/>
-        </p:nvCxnSpPr>
-        <p:spPr>
-          <a:xfrm flipV="1">
-            <a:off x="3059832" y="2325310"/>
-            <a:ext cx="656894" cy="11660"/>
+            <a:off x="2990850" y="2961084"/>
+            <a:ext cx="711994" cy="379810"/>
           </a:xfrm>
           <a:prstGeom prst="straightConnector1">
             <a:avLst/>
@@ -9817,8 +9777,8 @@
         </p:nvCxnSpPr>
         <p:spPr>
           <a:xfrm flipV="1">
-            <a:off x="3059832" y="1413931"/>
-            <a:ext cx="656894" cy="4957"/>
+            <a:off x="3007743" y="1345722"/>
+            <a:ext cx="713117" cy="350806"/>
           </a:xfrm>
           <a:prstGeom prst="straightConnector1">
             <a:avLst/>
@@ -9855,84 +9815,8 @@
         </p:nvCxnSpPr>
         <p:spPr>
           <a:xfrm>
-            <a:off x="3027759" y="1532334"/>
-            <a:ext cx="668232" cy="655200"/>
-          </a:xfrm>
-          <a:prstGeom prst="straightConnector1">
-            <a:avLst/>
-          </a:prstGeom>
-          <a:ln w="9525">
-            <a:solidFill>
-              <a:schemeClr val="bg1">
-                <a:lumMod val="50000"/>
-              </a:schemeClr>
-            </a:solidFill>
-            <a:tailEnd type="triangle" w="sm" len="sm"/>
-          </a:ln>
-        </p:spPr>
-        <p:style>
-          <a:lnRef idx="1">
-            <a:schemeClr val="accent1"/>
-          </a:lnRef>
-          <a:fillRef idx="0">
-            <a:schemeClr val="accent1"/>
-          </a:fillRef>
-          <a:effectRef idx="0">
-            <a:schemeClr val="accent1"/>
-          </a:effectRef>
-          <a:fontRef idx="minor">
-            <a:schemeClr val="tx1"/>
-          </a:fontRef>
-        </p:style>
-      </p:cxnSp>
-      <p:cxnSp>
-        <p:nvCxnSpPr>
-          <p:cNvPr id="310" name="Straight Arrow Connector 309"/>
-          <p:cNvCxnSpPr/>
-          <p:nvPr/>
-        </p:nvCxnSpPr>
-        <p:spPr>
-          <a:xfrm>
-            <a:off x="3059832" y="2474907"/>
-            <a:ext cx="629013" cy="663649"/>
-          </a:xfrm>
-          <a:prstGeom prst="straightConnector1">
-            <a:avLst/>
-          </a:prstGeom>
-          <a:ln w="9525">
-            <a:solidFill>
-              <a:schemeClr val="bg1">
-                <a:lumMod val="50000"/>
-              </a:schemeClr>
-            </a:solidFill>
-            <a:tailEnd type="triangle" w="sm" len="sm"/>
-          </a:ln>
-        </p:spPr>
-        <p:style>
-          <a:lnRef idx="1">
-            <a:schemeClr val="accent1"/>
-          </a:lnRef>
-          <a:fillRef idx="0">
-            <a:schemeClr val="accent1"/>
-          </a:fillRef>
-          <a:effectRef idx="0">
-            <a:schemeClr val="accent1"/>
-          </a:effectRef>
-          <a:fontRef idx="minor">
-            <a:schemeClr val="tx1"/>
-          </a:fontRef>
-        </p:style>
-      </p:cxnSp>
-      <p:cxnSp>
-        <p:nvCxnSpPr>
-          <p:cNvPr id="311" name="Straight Arrow Connector 310"/>
-          <p:cNvCxnSpPr/>
-          <p:nvPr/>
-        </p:nvCxnSpPr>
-        <p:spPr>
-          <a:xfrm flipV="1">
-            <a:off x="3052763" y="1535374"/>
-            <a:ext cx="623504" cy="666000"/>
+            <a:off x="3034903" y="1925241"/>
+            <a:ext cx="670322" cy="342900"/>
           </a:xfrm>
           <a:prstGeom prst="straightConnector1">
             <a:avLst/>
@@ -9969,8 +9853,8 @@
         </p:nvCxnSpPr>
         <p:spPr>
           <a:xfrm>
-            <a:off x="2938463" y="1626394"/>
-            <a:ext cx="724802" cy="1363908"/>
+            <a:off x="2904226" y="2081842"/>
+            <a:ext cx="792665" cy="1109033"/>
           </a:xfrm>
           <a:prstGeom prst="straightConnector1">
             <a:avLst/>
@@ -10007,8 +9891,8 @@
         </p:nvCxnSpPr>
         <p:spPr>
           <a:xfrm flipV="1">
-            <a:off x="3047491" y="2473716"/>
-            <a:ext cx="648500" cy="638242"/>
+            <a:off x="3036498" y="2376488"/>
+            <a:ext cx="666346" cy="349461"/>
           </a:xfrm>
           <a:prstGeom prst="straightConnector1">
             <a:avLst/>
@@ -10045,8 +9929,8 @@
         </p:nvCxnSpPr>
         <p:spPr>
           <a:xfrm flipV="1">
-            <a:off x="2939512" y="1679825"/>
-            <a:ext cx="729374" cy="1350000"/>
+            <a:off x="2915728" y="1477992"/>
+            <a:ext cx="787880" cy="1104183"/>
           </a:xfrm>
           <a:prstGeom prst="straightConnector1">
             <a:avLst/>
@@ -10272,7 +10156,7 @@
         </p:nvSpPr>
         <p:spPr>
           <a:xfrm>
-            <a:off x="1664438" y="3701850"/>
+            <a:off x="1664438" y="703729"/>
             <a:ext cx="1592103" cy="276999"/>
           </a:xfrm>
           <a:prstGeom prst="rect">
@@ -10309,8 +10193,8 @@
         </p:nvSpPr>
         <p:spPr>
           <a:xfrm>
-            <a:off x="323528" y="4293096"/>
-            <a:ext cx="4152320" cy="2160240"/>
+            <a:off x="323528" y="3790800"/>
+            <a:ext cx="4152320" cy="2574281"/>
           </a:xfrm>
           <a:prstGeom prst="rect">
             <a:avLst/>
@@ -11512,7 +11396,7 @@
                 <a:latin typeface="Arial" panose="020B0604020202020204" pitchFamily="34" charset="0"/>
                 <a:cs typeface="Arial" panose="020B0604020202020204" pitchFamily="34" charset="0"/>
               </a:rPr>
-              <a:t>Presumed EPI architecture versus Saturn in a C2B scenario, A.Rundgren-2020-12-06:1</a:t>
+              <a:t>Presumed EPI architecture versus Saturn in a C2B scenario, A.Rundgren-2020-12-09:1</a:t>
             </a:r>
             <a:endParaRPr lang="en-US" sz="800" dirty="0">
               <a:latin typeface="Arial" panose="020B0604020202020204" pitchFamily="34" charset="0"/>
@@ -12673,7 +12557,7 @@
         </p:blipFill>
         <p:spPr>
           <a:xfrm>
-            <a:off x="338660" y="2895327"/>
+            <a:off x="338660" y="2780928"/>
             <a:ext cx="938404" cy="586970"/>
           </a:xfrm>
           <a:prstGeom prst="rect">
@@ -12690,7 +12574,7 @@
         <p:spPr>
           <a:xfrm flipV="1">
             <a:off x="499701" y="2416309"/>
-            <a:ext cx="183867" cy="390421"/>
+            <a:ext cx="183867" cy="324000"/>
           </a:xfrm>
           <a:custGeom>
             <a:avLst/>
@@ -12801,8 +12685,8 @@
         </p:nvSpPr>
         <p:spPr>
           <a:xfrm>
-            <a:off x="322409" y="3471391"/>
-            <a:ext cx="952505" cy="461665"/>
+            <a:off x="323531" y="3356992"/>
+            <a:ext cx="950260" cy="276999"/>
           </a:xfrm>
           <a:prstGeom prst="rect">
             <a:avLst/>
@@ -12814,16 +12698,6 @@
             <a:spAutoFit/>
           </a:bodyPr>
           <a:lstStyle/>
-          <a:p>
-            <a:pPr algn="ctr"/>
-            <a:r>
-              <a:rPr lang="en-US" sz="1200" dirty="0" smtClean="0">
-                <a:latin typeface="Arial" panose="020B0604020202020204" pitchFamily="34" charset="0"/>
-                <a:cs typeface="Arial" panose="020B0604020202020204" pitchFamily="34" charset="0"/>
-              </a:rPr>
-              <a:t>Alternative:</a:t>
-            </a:r>
-          </a:p>
           <a:p>
             <a:pPr algn="ctr"/>
             <a:r>
@@ -12848,8 +12722,8 @@
         </p:nvSpPr>
         <p:spPr>
           <a:xfrm>
-            <a:off x="446688" y="5948089"/>
-            <a:ext cx="3906000" cy="400110"/>
+            <a:off x="446688" y="5471759"/>
+            <a:ext cx="3906000" cy="784830"/>
           </a:xfrm>
           <a:prstGeom prst="rect">
             <a:avLst/>
@@ -12894,6 +12768,76 @@
                 <a:cs typeface="Arial" panose="020B0604020202020204" pitchFamily="34" charset="0"/>
               </a:rPr>
               <a:t>Inst.</a:t>
+            </a:r>
+          </a:p>
+          <a:p>
+            <a:pPr>
+              <a:spcBef>
+                <a:spcPts val="600"/>
+              </a:spcBef>
+            </a:pPr>
+            <a:r>
+              <a:rPr lang="en-US" sz="1000" dirty="0" smtClean="0">
+                <a:latin typeface="Arial" panose="020B0604020202020204" pitchFamily="34" charset="0"/>
+                <a:cs typeface="Arial" panose="020B0604020202020204" pitchFamily="34" charset="0"/>
+              </a:rPr>
+              <a:t>A </a:t>
+            </a:r>
+            <a:r>
+              <a:rPr lang="en-US" sz="1000" i="1" dirty="0" smtClean="0">
+                <a:latin typeface="Arial" panose="020B0604020202020204" pitchFamily="34" charset="0"/>
+                <a:cs typeface="Arial" panose="020B0604020202020204" pitchFamily="34" charset="0"/>
+              </a:rPr>
+              <a:t>technically</a:t>
+            </a:r>
+            <a:r>
+              <a:rPr lang="en-US" sz="1000" dirty="0" smtClean="0">
+                <a:latin typeface="Arial" panose="020B0604020202020204" pitchFamily="34" charset="0"/>
+                <a:cs typeface="Arial" panose="020B0604020202020204" pitchFamily="34" charset="0"/>
+              </a:rPr>
+              <a:t> and </a:t>
+            </a:r>
+            <a:r>
+              <a:rPr lang="en-US" sz="1000" i="1" dirty="0" smtClean="0">
+                <a:latin typeface="Arial" panose="020B0604020202020204" pitchFamily="34" charset="0"/>
+                <a:cs typeface="Arial" panose="020B0604020202020204" pitchFamily="34" charset="0"/>
+              </a:rPr>
+              <a:t>commercially</a:t>
+            </a:r>
+            <a:r>
+              <a:rPr lang="en-US" sz="1000" dirty="0" smtClean="0">
+                <a:latin typeface="Arial" panose="020B0604020202020204" pitchFamily="34" charset="0"/>
+                <a:cs typeface="Arial" panose="020B0604020202020204" pitchFamily="34" charset="0"/>
+              </a:rPr>
+              <a:t> viable </a:t>
+            </a:r>
+            <a:r>
+              <a:rPr lang="en-US" sz="1000" dirty="0" smtClean="0">
+                <a:latin typeface="Arial" panose="020B0604020202020204" pitchFamily="34" charset="0"/>
+                <a:cs typeface="Arial" panose="020B0604020202020204" pitchFamily="34" charset="0"/>
+              </a:rPr>
+              <a:t>acceptance network </a:t>
+            </a:r>
+            <a:r>
+              <a:rPr lang="en-US" sz="1000" dirty="0" smtClean="0">
+                <a:latin typeface="Arial" panose="020B0604020202020204" pitchFamily="34" charset="0"/>
+                <a:cs typeface="Arial" panose="020B0604020202020204" pitchFamily="34" charset="0"/>
+              </a:rPr>
+              <a:t>more or less presumes an </a:t>
+            </a:r>
+            <a:r>
+              <a:rPr lang="en-US" sz="1000" i="1" dirty="0" smtClean="0">
+                <a:latin typeface="Arial" panose="020B0604020202020204" pitchFamily="34" charset="0"/>
+                <a:cs typeface="Arial" panose="020B0604020202020204" pitchFamily="34" charset="0"/>
+              </a:rPr>
+              <a:t>oligopoly</a:t>
+            </a:r>
+            <a:r>
+              <a:rPr lang="en-US" sz="1000" dirty="0" smtClean="0">
+                <a:latin typeface="Arial" panose="020B0604020202020204" pitchFamily="34" charset="0"/>
+                <a:cs typeface="Arial" panose="020B0604020202020204" pitchFamily="34" charset="0"/>
+              </a:rPr>
+              <a:t>. </a:t>
             </a:r>
             <a:endParaRPr lang="en-US" sz="1000" dirty="0">
               <a:latin typeface="Arial" panose="020B0604020202020204" pitchFamily="34" charset="0"/>
@@ -13179,7 +13123,7 @@
         </p:nvGrpSpPr>
         <p:grpSpPr>
           <a:xfrm>
-            <a:off x="1908000" y="2944800"/>
+            <a:off x="1908000" y="2512800"/>
             <a:ext cx="1080000" cy="593437"/>
             <a:chOff x="1907824" y="1101740"/>
             <a:chExt cx="1080000" cy="593437"/>
@@ -13288,197 +13232,6 @@
         <p:sp>
           <p:nvSpPr>
             <p:cNvPr id="272" name="Flowchart: Magnetic Disk 271"/>
-            <p:cNvSpPr/>
-            <p:nvPr/>
-          </p:nvSpPr>
-          <p:spPr>
-            <a:xfrm>
-              <a:off x="1951140" y="1515177"/>
-              <a:ext cx="324000" cy="180000"/>
-            </a:xfrm>
-            <a:prstGeom prst="flowChartMagneticDisk">
-              <a:avLst/>
-            </a:prstGeom>
-            <a:gradFill flip="none" rotWithShape="1">
-              <a:gsLst>
-                <a:gs pos="1000">
-                  <a:srgbClr val="BBCFE7"/>
-                </a:gs>
-                <a:gs pos="52000">
-                  <a:srgbClr val="E1EBF7"/>
-                </a:gs>
-                <a:gs pos="100000">
-                  <a:schemeClr val="accent1">
-                    <a:lumMod val="60000"/>
-                    <a:lumOff val="40000"/>
-                  </a:schemeClr>
-                </a:gs>
-              </a:gsLst>
-              <a:lin ang="0" scaled="1"/>
-              <a:tileRect/>
-            </a:gradFill>
-            <a:ln w="6350">
-              <a:solidFill>
-                <a:schemeClr val="accent1"/>
-              </a:solidFill>
-            </a:ln>
-            <a:effectLst>
-              <a:outerShdw blurRad="50800" dist="38100" dir="2700000" algn="tl" rotWithShape="0">
-                <a:prstClr val="black">
-                  <a:alpha val="40000"/>
-                </a:prstClr>
-              </a:outerShdw>
-            </a:effectLst>
-          </p:spPr>
-          <p:style>
-            <a:lnRef idx="2">
-              <a:schemeClr val="accent1">
-                <a:shade val="50000"/>
-              </a:schemeClr>
-            </a:lnRef>
-            <a:fillRef idx="1">
-              <a:schemeClr val="accent1"/>
-            </a:fillRef>
-            <a:effectRef idx="0">
-              <a:schemeClr val="accent1"/>
-            </a:effectRef>
-            <a:fontRef idx="minor">
-              <a:schemeClr val="lt1"/>
-            </a:fontRef>
-          </p:style>
-          <p:txBody>
-            <a:bodyPr lIns="36000" rIns="36000" rtlCol="0" anchor="ctr"/>
-            <a:lstStyle/>
-            <a:p>
-              <a:pPr algn="ctr"/>
-              <a:endParaRPr lang="en-US" sz="1200" dirty="0">
-                <a:solidFill>
-                  <a:schemeClr val="tx1"/>
-                </a:solidFill>
-                <a:latin typeface="Arial" panose="020B0604020202020204" pitchFamily="34" charset="0"/>
-                <a:cs typeface="Arial" panose="020B0604020202020204" pitchFamily="34" charset="0"/>
-              </a:endParaRPr>
-            </a:p>
-          </p:txBody>
-        </p:sp>
-      </p:grpSp>
-      <p:grpSp>
-        <p:nvGrpSpPr>
-          <p:cNvPr id="274" name="Group 273"/>
-          <p:cNvGrpSpPr/>
-          <p:nvPr/>
-        </p:nvGrpSpPr>
-        <p:grpSpPr>
-          <a:xfrm>
-            <a:off x="1908000" y="2023200"/>
-            <a:ext cx="1080000" cy="593437"/>
-            <a:chOff x="1907824" y="1101740"/>
-            <a:chExt cx="1080000" cy="593437"/>
-          </a:xfrm>
-        </p:grpSpPr>
-        <p:sp>
-          <p:nvSpPr>
-            <p:cNvPr id="275" name="Oval 274"/>
-            <p:cNvSpPr/>
-            <p:nvPr/>
-          </p:nvSpPr>
-          <p:spPr>
-            <a:xfrm>
-              <a:off x="1907824" y="1101740"/>
-              <a:ext cx="1080000" cy="590400"/>
-            </a:xfrm>
-            <a:prstGeom prst="ellipse">
-              <a:avLst/>
-            </a:prstGeom>
-            <a:gradFill flip="none" rotWithShape="1">
-              <a:gsLst>
-                <a:gs pos="0">
-                  <a:schemeClr val="accent3">
-                    <a:lumMod val="60000"/>
-                    <a:lumOff val="40000"/>
-                  </a:schemeClr>
-                </a:gs>
-                <a:gs pos="60000">
-                  <a:schemeClr val="accent3">
-                    <a:lumMod val="20000"/>
-                    <a:lumOff val="80000"/>
-                  </a:schemeClr>
-                </a:gs>
-                <a:gs pos="36000">
-                  <a:schemeClr val="accent3">
-                    <a:lumMod val="20000"/>
-                    <a:lumOff val="80000"/>
-                  </a:schemeClr>
-                </a:gs>
-                <a:gs pos="100000">
-                  <a:schemeClr val="accent3">
-                    <a:lumMod val="60000"/>
-                    <a:lumOff val="40000"/>
-                  </a:schemeClr>
-                </a:gs>
-              </a:gsLst>
-              <a:lin ang="13500000" scaled="0"/>
-              <a:tileRect/>
-            </a:gradFill>
-            <a:ln w="9525">
-              <a:solidFill>
-                <a:schemeClr val="bg1">
-                  <a:lumMod val="50000"/>
-                </a:schemeClr>
-              </a:solidFill>
-            </a:ln>
-            <a:effectLst>
-              <a:outerShdw blurRad="50800" dist="38100" dir="2700000" algn="tl" rotWithShape="0">
-                <a:prstClr val="black">
-                  <a:alpha val="40000"/>
-                </a:prstClr>
-              </a:outerShdw>
-            </a:effectLst>
-          </p:spPr>
-          <p:style>
-            <a:lnRef idx="2">
-              <a:schemeClr val="accent1">
-                <a:shade val="50000"/>
-              </a:schemeClr>
-            </a:lnRef>
-            <a:fillRef idx="1">
-              <a:schemeClr val="accent1"/>
-            </a:fillRef>
-            <a:effectRef idx="0">
-              <a:schemeClr val="accent1"/>
-            </a:effectRef>
-            <a:fontRef idx="minor">
-              <a:schemeClr val="lt1"/>
-            </a:fontRef>
-          </p:style>
-          <p:txBody>
-            <a:bodyPr lIns="0" tIns="0" rIns="0" bIns="0" rtlCol="0" anchor="ctr"/>
-            <a:lstStyle/>
-            <a:p>
-              <a:pPr algn="ctr"/>
-              <a:r>
-                <a:rPr lang="en-US" sz="1200" dirty="0" smtClean="0">
-                  <a:solidFill>
-                    <a:schemeClr val="tx1"/>
-                  </a:solidFill>
-                  <a:latin typeface="Arial" panose="020B0604020202020204" pitchFamily="34" charset="0"/>
-                  <a:cs typeface="Arial" panose="020B0604020202020204" pitchFamily="34" charset="0"/>
-                </a:rPr>
-                <a:t>Acquirer</a:t>
-              </a:r>
-              <a:endParaRPr lang="en-US" sz="1200" dirty="0">
-                <a:solidFill>
-                  <a:schemeClr val="tx1"/>
-                </a:solidFill>
-                <a:latin typeface="Arial" panose="020B0604020202020204" pitchFamily="34" charset="0"/>
-                <a:cs typeface="Arial" panose="020B0604020202020204" pitchFamily="34" charset="0"/>
-              </a:endParaRPr>
-            </a:p>
-          </p:txBody>
-        </p:sp>
-        <p:sp>
-          <p:nvSpPr>
-            <p:cNvPr id="280" name="Flowchart: Magnetic Disk 279"/>
             <p:cNvSpPr/>
             <p:nvPr/>
           </p:nvSpPr>

--- a/saturn/epi(presumed)-vs-saturn.pptx
+++ b/saturn/epi(presumed)-vs-saturn.pptx
@@ -288,7 +288,7 @@
           <a:p>
             <a:fld id="{FC080E38-6FF2-48B3-BDAB-4FA23B840E92}" type="datetimeFigureOut">
               <a:rPr lang="en-US" smtClean="0"/>
-              <a:t>2020-12-09</a:t>
+              <a:t>2020-12-10</a:t>
             </a:fld>
             <a:endParaRPr lang="en-US"/>
           </a:p>
@@ -458,7 +458,7 @@
           <a:p>
             <a:fld id="{FC080E38-6FF2-48B3-BDAB-4FA23B840E92}" type="datetimeFigureOut">
               <a:rPr lang="en-US" smtClean="0"/>
-              <a:t>2020-12-09</a:t>
+              <a:t>2020-12-10</a:t>
             </a:fld>
             <a:endParaRPr lang="en-US"/>
           </a:p>
@@ -638,7 +638,7 @@
           <a:p>
             <a:fld id="{FC080E38-6FF2-48B3-BDAB-4FA23B840E92}" type="datetimeFigureOut">
               <a:rPr lang="en-US" smtClean="0"/>
-              <a:t>2020-12-09</a:t>
+              <a:t>2020-12-10</a:t>
             </a:fld>
             <a:endParaRPr lang="en-US"/>
           </a:p>
@@ -808,7 +808,7 @@
           <a:p>
             <a:fld id="{FC080E38-6FF2-48B3-BDAB-4FA23B840E92}" type="datetimeFigureOut">
               <a:rPr lang="en-US" smtClean="0"/>
-              <a:t>2020-12-09</a:t>
+              <a:t>2020-12-10</a:t>
             </a:fld>
             <a:endParaRPr lang="en-US"/>
           </a:p>
@@ -1054,7 +1054,7 @@
           <a:p>
             <a:fld id="{FC080E38-6FF2-48B3-BDAB-4FA23B840E92}" type="datetimeFigureOut">
               <a:rPr lang="en-US" smtClean="0"/>
-              <a:t>2020-12-09</a:t>
+              <a:t>2020-12-10</a:t>
             </a:fld>
             <a:endParaRPr lang="en-US"/>
           </a:p>
@@ -1342,7 +1342,7 @@
           <a:p>
             <a:fld id="{FC080E38-6FF2-48B3-BDAB-4FA23B840E92}" type="datetimeFigureOut">
               <a:rPr lang="en-US" smtClean="0"/>
-              <a:t>2020-12-09</a:t>
+              <a:t>2020-12-10</a:t>
             </a:fld>
             <a:endParaRPr lang="en-US"/>
           </a:p>
@@ -1764,7 +1764,7 @@
           <a:p>
             <a:fld id="{FC080E38-6FF2-48B3-BDAB-4FA23B840E92}" type="datetimeFigureOut">
               <a:rPr lang="en-US" smtClean="0"/>
-              <a:t>2020-12-09</a:t>
+              <a:t>2020-12-10</a:t>
             </a:fld>
             <a:endParaRPr lang="en-US"/>
           </a:p>
@@ -1882,7 +1882,7 @@
           <a:p>
             <a:fld id="{FC080E38-6FF2-48B3-BDAB-4FA23B840E92}" type="datetimeFigureOut">
               <a:rPr lang="en-US" smtClean="0"/>
-              <a:t>2020-12-09</a:t>
+              <a:t>2020-12-10</a:t>
             </a:fld>
             <a:endParaRPr lang="en-US"/>
           </a:p>
@@ -1977,7 +1977,7 @@
           <a:p>
             <a:fld id="{FC080E38-6FF2-48B3-BDAB-4FA23B840E92}" type="datetimeFigureOut">
               <a:rPr lang="en-US" smtClean="0"/>
-              <a:t>2020-12-09</a:t>
+              <a:t>2020-12-10</a:t>
             </a:fld>
             <a:endParaRPr lang="en-US"/>
           </a:p>
@@ -2254,7 +2254,7 @@
           <a:p>
             <a:fld id="{FC080E38-6FF2-48B3-BDAB-4FA23B840E92}" type="datetimeFigureOut">
               <a:rPr lang="en-US" smtClean="0"/>
-              <a:t>2020-12-09</a:t>
+              <a:t>2020-12-10</a:t>
             </a:fld>
             <a:endParaRPr lang="en-US"/>
           </a:p>
@@ -2507,7 +2507,7 @@
           <a:p>
             <a:fld id="{FC080E38-6FF2-48B3-BDAB-4FA23B840E92}" type="datetimeFigureOut">
               <a:rPr lang="en-US" smtClean="0"/>
-              <a:t>2020-12-09</a:t>
+              <a:t>2020-12-10</a:t>
             </a:fld>
             <a:endParaRPr lang="en-US"/>
           </a:p>
@@ -2720,7 +2720,7 @@
           <a:p>
             <a:fld id="{FC080E38-6FF2-48B3-BDAB-4FA23B840E92}" type="datetimeFigureOut">
               <a:rPr lang="en-US" smtClean="0"/>
-              <a:t>2020-12-09</a:t>
+              <a:t>2020-12-10</a:t>
             </a:fld>
             <a:endParaRPr lang="en-US"/>
           </a:p>
@@ -9739,8 +9739,8 @@
         </p:nvCxnSpPr>
         <p:spPr>
           <a:xfrm>
-            <a:off x="2990850" y="2961084"/>
-            <a:ext cx="711994" cy="379810"/>
+            <a:off x="3020616" y="2919413"/>
+            <a:ext cx="682228" cy="421481"/>
           </a:xfrm>
           <a:prstGeom prst="straightConnector1">
             <a:avLst/>
@@ -9777,8 +9777,8 @@
         </p:nvCxnSpPr>
         <p:spPr>
           <a:xfrm flipV="1">
-            <a:off x="3007743" y="1345722"/>
-            <a:ext cx="713117" cy="350806"/>
+            <a:off x="3025378" y="1345722"/>
+            <a:ext cx="695482" cy="391400"/>
           </a:xfrm>
           <a:prstGeom prst="straightConnector1">
             <a:avLst/>
@@ -9853,8 +9853,8 @@
         </p:nvCxnSpPr>
         <p:spPr>
           <a:xfrm>
-            <a:off x="2904226" y="2081842"/>
-            <a:ext cx="792665" cy="1109033"/>
+            <a:off x="2936530" y="2063931"/>
+            <a:ext cx="760361" cy="1126944"/>
           </a:xfrm>
           <a:prstGeom prst="straightConnector1">
             <a:avLst/>
@@ -9929,8 +9929,8 @@
         </p:nvCxnSpPr>
         <p:spPr>
           <a:xfrm flipV="1">
-            <a:off x="2915728" y="1477992"/>
-            <a:ext cx="787880" cy="1104183"/>
+            <a:off x="2939653" y="1477993"/>
+            <a:ext cx="763955" cy="1103282"/>
           </a:xfrm>
           <a:prstGeom prst="straightConnector1">
             <a:avLst/>
@@ -10194,7 +10194,7 @@
         <p:spPr>
           <a:xfrm>
             <a:off x="323528" y="3790800"/>
-            <a:ext cx="4152320" cy="2574281"/>
+            <a:ext cx="4152320" cy="2558803"/>
           </a:xfrm>
           <a:prstGeom prst="rect">
             <a:avLst/>
@@ -11396,7 +11396,14 @@
                 <a:latin typeface="Arial" panose="020B0604020202020204" pitchFamily="34" charset="0"/>
                 <a:cs typeface="Arial" panose="020B0604020202020204" pitchFamily="34" charset="0"/>
               </a:rPr>
-              <a:t>Presumed EPI architecture versus Saturn in a C2B scenario, A.Rundgren-2020-12-09:1</a:t>
+              <a:t>Presumed EPI architecture versus Saturn in a C2B scenario, </a:t>
+            </a:r>
+            <a:r>
+              <a:rPr lang="en-US" sz="800" dirty="0" smtClean="0">
+                <a:latin typeface="Arial" panose="020B0604020202020204" pitchFamily="34" charset="0"/>
+                <a:cs typeface="Arial" panose="020B0604020202020204" pitchFamily="34" charset="0"/>
+              </a:rPr>
+              <a:t>A.Rundgren-2020-12-10:1</a:t>
             </a:r>
             <a:endParaRPr lang="en-US" sz="800" dirty="0">
               <a:latin typeface="Arial" panose="020B0604020202020204" pitchFamily="34" charset="0"/>
@@ -12722,7 +12729,7 @@
         </p:nvSpPr>
         <p:spPr>
           <a:xfrm>
-            <a:off x="446688" y="5471759"/>
+            <a:off x="446688" y="5456084"/>
             <a:ext cx="3906000" cy="784830"/>
           </a:xfrm>
           <a:prstGeom prst="rect">
@@ -12781,35 +12788,21 @@
                 <a:latin typeface="Arial" panose="020B0604020202020204" pitchFamily="34" charset="0"/>
                 <a:cs typeface="Arial" panose="020B0604020202020204" pitchFamily="34" charset="0"/>
               </a:rPr>
-              <a:t>A </a:t>
+              <a:t>Due to </a:t>
             </a:r>
             <a:r>
               <a:rPr lang="en-US" sz="1000" i="1" dirty="0" smtClean="0">
                 <a:latin typeface="Arial" panose="020B0604020202020204" pitchFamily="34" charset="0"/>
                 <a:cs typeface="Arial" panose="020B0604020202020204" pitchFamily="34" charset="0"/>
               </a:rPr>
-              <a:t>technically</a:t>
+              <a:t>technical and commercial challenges</a:t>
             </a:r>
             <a:r>
               <a:rPr lang="en-US" sz="1000" dirty="0" smtClean="0">
                 <a:latin typeface="Arial" panose="020B0604020202020204" pitchFamily="34" charset="0"/>
                 <a:cs typeface="Arial" panose="020B0604020202020204" pitchFamily="34" charset="0"/>
               </a:rPr>
-              <a:t> and </a:t>
-            </a:r>
-            <a:r>
-              <a:rPr lang="en-US" sz="1000" i="1" dirty="0" smtClean="0">
-                <a:latin typeface="Arial" panose="020B0604020202020204" pitchFamily="34" charset="0"/>
-                <a:cs typeface="Arial" panose="020B0604020202020204" pitchFamily="34" charset="0"/>
-              </a:rPr>
-              <a:t>commercially</a:t>
-            </a:r>
-            <a:r>
-              <a:rPr lang="en-US" sz="1000" dirty="0" smtClean="0">
-                <a:latin typeface="Arial" panose="020B0604020202020204" pitchFamily="34" charset="0"/>
-                <a:cs typeface="Arial" panose="020B0604020202020204" pitchFamily="34" charset="0"/>
-              </a:rPr>
-              <a:t> viable </a:t>
+              <a:t>, the EPI </a:t>
             </a:r>
             <a:r>
               <a:rPr lang="en-US" sz="1000" dirty="0" smtClean="0">
@@ -12823,7 +12816,7 @@
                 <a:latin typeface="Arial" panose="020B0604020202020204" pitchFamily="34" charset="0"/>
                 <a:cs typeface="Arial" panose="020B0604020202020204" pitchFamily="34" charset="0"/>
               </a:rPr>
-              <a:t>more or less presumes an </a:t>
+              <a:t>would most likely result in an </a:t>
             </a:r>
             <a:r>
               <a:rPr lang="en-US" sz="1000" i="1" dirty="0" smtClean="0">

--- a/saturn/epi(presumed)-vs-saturn.pptx
+++ b/saturn/epi(presumed)-vs-saturn.pptx
@@ -288,7 +288,7 @@
           <a:p>
             <a:fld id="{FC080E38-6FF2-48B3-BDAB-4FA23B840E92}" type="datetimeFigureOut">
               <a:rPr lang="en-US" smtClean="0"/>
-              <a:t>2020-12-10</a:t>
+              <a:t>2020-12-11</a:t>
             </a:fld>
             <a:endParaRPr lang="en-US"/>
           </a:p>
@@ -458,7 +458,7 @@
           <a:p>
             <a:fld id="{FC080E38-6FF2-48B3-BDAB-4FA23B840E92}" type="datetimeFigureOut">
               <a:rPr lang="en-US" smtClean="0"/>
-              <a:t>2020-12-10</a:t>
+              <a:t>2020-12-11</a:t>
             </a:fld>
             <a:endParaRPr lang="en-US"/>
           </a:p>
@@ -638,7 +638,7 @@
           <a:p>
             <a:fld id="{FC080E38-6FF2-48B3-BDAB-4FA23B840E92}" type="datetimeFigureOut">
               <a:rPr lang="en-US" smtClean="0"/>
-              <a:t>2020-12-10</a:t>
+              <a:t>2020-12-11</a:t>
             </a:fld>
             <a:endParaRPr lang="en-US"/>
           </a:p>
@@ -808,7 +808,7 @@
           <a:p>
             <a:fld id="{FC080E38-6FF2-48B3-BDAB-4FA23B840E92}" type="datetimeFigureOut">
               <a:rPr lang="en-US" smtClean="0"/>
-              <a:t>2020-12-10</a:t>
+              <a:t>2020-12-11</a:t>
             </a:fld>
             <a:endParaRPr lang="en-US"/>
           </a:p>
@@ -1054,7 +1054,7 @@
           <a:p>
             <a:fld id="{FC080E38-6FF2-48B3-BDAB-4FA23B840E92}" type="datetimeFigureOut">
               <a:rPr lang="en-US" smtClean="0"/>
-              <a:t>2020-12-10</a:t>
+              <a:t>2020-12-11</a:t>
             </a:fld>
             <a:endParaRPr lang="en-US"/>
           </a:p>
@@ -1342,7 +1342,7 @@
           <a:p>
             <a:fld id="{FC080E38-6FF2-48B3-BDAB-4FA23B840E92}" type="datetimeFigureOut">
               <a:rPr lang="en-US" smtClean="0"/>
-              <a:t>2020-12-10</a:t>
+              <a:t>2020-12-11</a:t>
             </a:fld>
             <a:endParaRPr lang="en-US"/>
           </a:p>
@@ -1764,7 +1764,7 @@
           <a:p>
             <a:fld id="{FC080E38-6FF2-48B3-BDAB-4FA23B840E92}" type="datetimeFigureOut">
               <a:rPr lang="en-US" smtClean="0"/>
-              <a:t>2020-12-10</a:t>
+              <a:t>2020-12-11</a:t>
             </a:fld>
             <a:endParaRPr lang="en-US"/>
           </a:p>
@@ -1882,7 +1882,7 @@
           <a:p>
             <a:fld id="{FC080E38-6FF2-48B3-BDAB-4FA23B840E92}" type="datetimeFigureOut">
               <a:rPr lang="en-US" smtClean="0"/>
-              <a:t>2020-12-10</a:t>
+              <a:t>2020-12-11</a:t>
             </a:fld>
             <a:endParaRPr lang="en-US"/>
           </a:p>
@@ -1977,7 +1977,7 @@
           <a:p>
             <a:fld id="{FC080E38-6FF2-48B3-BDAB-4FA23B840E92}" type="datetimeFigureOut">
               <a:rPr lang="en-US" smtClean="0"/>
-              <a:t>2020-12-10</a:t>
+              <a:t>2020-12-11</a:t>
             </a:fld>
             <a:endParaRPr lang="en-US"/>
           </a:p>
@@ -2254,7 +2254,7 @@
           <a:p>
             <a:fld id="{FC080E38-6FF2-48B3-BDAB-4FA23B840E92}" type="datetimeFigureOut">
               <a:rPr lang="en-US" smtClean="0"/>
-              <a:t>2020-12-10</a:t>
+              <a:t>2020-12-11</a:t>
             </a:fld>
             <a:endParaRPr lang="en-US"/>
           </a:p>
@@ -2507,7 +2507,7 @@
           <a:p>
             <a:fld id="{FC080E38-6FF2-48B3-BDAB-4FA23B840E92}" type="datetimeFigureOut">
               <a:rPr lang="en-US" smtClean="0"/>
-              <a:t>2020-12-10</a:t>
+              <a:t>2020-12-11</a:t>
             </a:fld>
             <a:endParaRPr lang="en-US"/>
           </a:p>
@@ -2720,7 +2720,7 @@
           <a:p>
             <a:fld id="{FC080E38-6FF2-48B3-BDAB-4FA23B840E92}" type="datetimeFigureOut">
               <a:rPr lang="en-US" smtClean="0"/>
-              <a:t>2020-12-10</a:t>
+              <a:t>2020-12-11</a:t>
             </a:fld>
             <a:endParaRPr lang="en-US"/>
           </a:p>
@@ -10350,8 +10350,8 @@
         </p:nvSpPr>
         <p:spPr>
           <a:xfrm>
-            <a:off x="4788024" y="3789040"/>
-            <a:ext cx="4032448" cy="2854648"/>
+            <a:off x="4803523" y="3789040"/>
+            <a:ext cx="4006800" cy="2854648"/>
           </a:xfrm>
           <a:prstGeom prst="rect">
             <a:avLst/>
@@ -11396,14 +11396,7 @@
                 <a:latin typeface="Arial" panose="020B0604020202020204" pitchFamily="34" charset="0"/>
                 <a:cs typeface="Arial" panose="020B0604020202020204" pitchFamily="34" charset="0"/>
               </a:rPr>
-              <a:t>Presumed EPI architecture versus Saturn in a C2B scenario, </a:t>
-            </a:r>
-            <a:r>
-              <a:rPr lang="en-US" sz="800" dirty="0" smtClean="0">
-                <a:latin typeface="Arial" panose="020B0604020202020204" pitchFamily="34" charset="0"/>
-                <a:cs typeface="Arial" panose="020B0604020202020204" pitchFamily="34" charset="0"/>
-              </a:rPr>
-              <a:t>A.Rundgren-2020-12-10:1</a:t>
+              <a:t>Presumed EPI architecture versus Saturn in a C2B scenario, A.Rundgren-2020-12-11:1</a:t>
             </a:r>
             <a:endParaRPr lang="en-US" sz="800" dirty="0">
               <a:latin typeface="Arial" panose="020B0604020202020204" pitchFamily="34" charset="0"/>
@@ -12802,28 +12795,14 @@
                 <a:latin typeface="Arial" panose="020B0604020202020204" pitchFamily="34" charset="0"/>
                 <a:cs typeface="Arial" panose="020B0604020202020204" pitchFamily="34" charset="0"/>
               </a:rPr>
-              <a:t>, the EPI </a:t>
-            </a:r>
-            <a:r>
-              <a:rPr lang="en-US" sz="1000" dirty="0" smtClean="0">
-                <a:latin typeface="Arial" panose="020B0604020202020204" pitchFamily="34" charset="0"/>
-                <a:cs typeface="Arial" panose="020B0604020202020204" pitchFamily="34" charset="0"/>
-              </a:rPr>
-              <a:t>acceptance network </a:t>
-            </a:r>
-            <a:r>
-              <a:rPr lang="en-US" sz="1000" dirty="0" smtClean="0">
-                <a:latin typeface="Arial" panose="020B0604020202020204" pitchFamily="34" charset="0"/>
-                <a:cs typeface="Arial" panose="020B0604020202020204" pitchFamily="34" charset="0"/>
-              </a:rPr>
-              <a:t>would most likely result in an </a:t>
+              <a:t>, the EPI acceptance network would most likely result in </a:t>
             </a:r>
             <a:r>
               <a:rPr lang="en-US" sz="1000" i="1" dirty="0" smtClean="0">
                 <a:latin typeface="Arial" panose="020B0604020202020204" pitchFamily="34" charset="0"/>
                 <a:cs typeface="Arial" panose="020B0604020202020204" pitchFamily="34" charset="0"/>
               </a:rPr>
-              <a:t>oligopoly</a:t>
+              <a:t>a copy of the VISA/MC duopoly</a:t>
             </a:r>
             <a:r>
               <a:rPr lang="en-US" sz="1000" dirty="0" smtClean="0">
@@ -12847,8 +12826,8 @@
         </p:nvSpPr>
         <p:spPr>
           <a:xfrm>
-            <a:off x="5119448" y="5977097"/>
-            <a:ext cx="3369600" cy="553998"/>
+            <a:off x="4927125" y="5977097"/>
+            <a:ext cx="3758400" cy="553998"/>
           </a:xfrm>
           <a:prstGeom prst="rect">
             <a:avLst/>
@@ -12867,25 +12846,32 @@
           <a:lstStyle/>
           <a:p>
             <a:r>
-              <a:rPr lang="en-US" sz="1000" dirty="0">
+              <a:rPr lang="en-US" sz="1000" dirty="0" smtClean="0">
                 <a:latin typeface="Arial" panose="020B0604020202020204" pitchFamily="34" charset="0"/>
                 <a:cs typeface="Arial" panose="020B0604020202020204" pitchFamily="34" charset="0"/>
               </a:rPr>
-              <a:t>The actual payment business </a:t>
+              <a:t>By </a:t>
+            </a:r>
+            <a:r>
+              <a:rPr lang="en-US" sz="1000" i="1" dirty="0" smtClean="0">
+                <a:latin typeface="Arial" panose="020B0604020202020204" pitchFamily="34" charset="0"/>
+                <a:cs typeface="Arial" panose="020B0604020202020204" pitchFamily="34" charset="0"/>
+              </a:rPr>
+              <a:t>eliminating “front-end” intermediaries</a:t>
             </a:r>
             <a:r>
               <a:rPr lang="en-US" sz="1000" dirty="0" smtClean="0">
                 <a:latin typeface="Arial" panose="020B0604020202020204" pitchFamily="34" charset="0"/>
                 <a:cs typeface="Arial" panose="020B0604020202020204" pitchFamily="34" charset="0"/>
               </a:rPr>
-              <a:t>remains </a:t>
+              <a:t>, the payment business remains in </a:t>
             </a:r>
             <a:r>
               <a:rPr lang="en-US" sz="1000" dirty="0">
                 <a:latin typeface="Arial" panose="020B0604020202020204" pitchFamily="34" charset="0"/>
                 <a:cs typeface="Arial" panose="020B0604020202020204" pitchFamily="34" charset="0"/>
               </a:rPr>
-              <a:t>in the hands of </a:t>
+              <a:t>the hands of </a:t>
             </a:r>
             <a:r>
               <a:rPr lang="en-US" sz="1000" dirty="0" smtClean="0">
@@ -12906,14 +12892,21 @@
                 <a:latin typeface="Arial" panose="020B0604020202020204" pitchFamily="34" charset="0"/>
                 <a:cs typeface="Arial" panose="020B0604020202020204" pitchFamily="34" charset="0"/>
               </a:rPr>
-              <a:t>decentralized</a:t>
+              <a:t>decentralized network of Banks </a:t>
+            </a:r>
+            <a:r>
+              <a:rPr lang="en-US" sz="1000" dirty="0" smtClean="0">
+                <a:latin typeface="Arial" panose="020B0604020202020204" pitchFamily="34" charset="0"/>
+                <a:cs typeface="Arial" panose="020B0604020202020204" pitchFamily="34" charset="0"/>
+              </a:rPr>
+              <a:t>running a </a:t>
             </a:r>
             <a:r>
               <a:rPr lang="en-US" sz="1000" dirty="0">
                 <a:latin typeface="Arial" panose="020B0604020202020204" pitchFamily="34" charset="0"/>
                 <a:cs typeface="Arial" panose="020B0604020202020204" pitchFamily="34" charset="0"/>
               </a:rPr>
-              <a:t> network of Banks running a specific payment scheme.</a:t>
+              <a:t>specific payment scheme.</a:t>
             </a:r>
           </a:p>
         </p:txBody>

--- a/saturn/epi(presumed)-vs-saturn.pptx
+++ b/saturn/epi(presumed)-vs-saturn.pptx
@@ -288,7 +288,7 @@
           <a:p>
             <a:fld id="{FC080E38-6FF2-48B3-BDAB-4FA23B840E92}" type="datetimeFigureOut">
               <a:rPr lang="en-US" smtClean="0"/>
-              <a:t>2020-12-11</a:t>
+              <a:t>2020-12-17</a:t>
             </a:fld>
             <a:endParaRPr lang="en-US"/>
           </a:p>
@@ -458,7 +458,7 @@
           <a:p>
             <a:fld id="{FC080E38-6FF2-48B3-BDAB-4FA23B840E92}" type="datetimeFigureOut">
               <a:rPr lang="en-US" smtClean="0"/>
-              <a:t>2020-12-11</a:t>
+              <a:t>2020-12-17</a:t>
             </a:fld>
             <a:endParaRPr lang="en-US"/>
           </a:p>
@@ -638,7 +638,7 @@
           <a:p>
             <a:fld id="{FC080E38-6FF2-48B3-BDAB-4FA23B840E92}" type="datetimeFigureOut">
               <a:rPr lang="en-US" smtClean="0"/>
-              <a:t>2020-12-11</a:t>
+              <a:t>2020-12-17</a:t>
             </a:fld>
             <a:endParaRPr lang="en-US"/>
           </a:p>
@@ -808,7 +808,7 @@
           <a:p>
             <a:fld id="{FC080E38-6FF2-48B3-BDAB-4FA23B840E92}" type="datetimeFigureOut">
               <a:rPr lang="en-US" smtClean="0"/>
-              <a:t>2020-12-11</a:t>
+              <a:t>2020-12-17</a:t>
             </a:fld>
             <a:endParaRPr lang="en-US"/>
           </a:p>
@@ -1054,7 +1054,7 @@
           <a:p>
             <a:fld id="{FC080E38-6FF2-48B3-BDAB-4FA23B840E92}" type="datetimeFigureOut">
               <a:rPr lang="en-US" smtClean="0"/>
-              <a:t>2020-12-11</a:t>
+              <a:t>2020-12-17</a:t>
             </a:fld>
             <a:endParaRPr lang="en-US"/>
           </a:p>
@@ -1342,7 +1342,7 @@
           <a:p>
             <a:fld id="{FC080E38-6FF2-48B3-BDAB-4FA23B840E92}" type="datetimeFigureOut">
               <a:rPr lang="en-US" smtClean="0"/>
-              <a:t>2020-12-11</a:t>
+              <a:t>2020-12-17</a:t>
             </a:fld>
             <a:endParaRPr lang="en-US"/>
           </a:p>
@@ -1764,7 +1764,7 @@
           <a:p>
             <a:fld id="{FC080E38-6FF2-48B3-BDAB-4FA23B840E92}" type="datetimeFigureOut">
               <a:rPr lang="en-US" smtClean="0"/>
-              <a:t>2020-12-11</a:t>
+              <a:t>2020-12-17</a:t>
             </a:fld>
             <a:endParaRPr lang="en-US"/>
           </a:p>
@@ -1882,7 +1882,7 @@
           <a:p>
             <a:fld id="{FC080E38-6FF2-48B3-BDAB-4FA23B840E92}" type="datetimeFigureOut">
               <a:rPr lang="en-US" smtClean="0"/>
-              <a:t>2020-12-11</a:t>
+              <a:t>2020-12-17</a:t>
             </a:fld>
             <a:endParaRPr lang="en-US"/>
           </a:p>
@@ -1977,7 +1977,7 @@
           <a:p>
             <a:fld id="{FC080E38-6FF2-48B3-BDAB-4FA23B840E92}" type="datetimeFigureOut">
               <a:rPr lang="en-US" smtClean="0"/>
-              <a:t>2020-12-11</a:t>
+              <a:t>2020-12-17</a:t>
             </a:fld>
             <a:endParaRPr lang="en-US"/>
           </a:p>
@@ -2254,7 +2254,7 @@
           <a:p>
             <a:fld id="{FC080E38-6FF2-48B3-BDAB-4FA23B840E92}" type="datetimeFigureOut">
               <a:rPr lang="en-US" smtClean="0"/>
-              <a:t>2020-12-11</a:t>
+              <a:t>2020-12-17</a:t>
             </a:fld>
             <a:endParaRPr lang="en-US"/>
           </a:p>
@@ -2507,7 +2507,7 @@
           <a:p>
             <a:fld id="{FC080E38-6FF2-48B3-BDAB-4FA23B840E92}" type="datetimeFigureOut">
               <a:rPr lang="en-US" smtClean="0"/>
-              <a:t>2020-12-11</a:t>
+              <a:t>2020-12-17</a:t>
             </a:fld>
             <a:endParaRPr lang="en-US"/>
           </a:p>
@@ -2720,7 +2720,7 @@
           <a:p>
             <a:fld id="{FC080E38-6FF2-48B3-BDAB-4FA23B840E92}" type="datetimeFigureOut">
               <a:rPr lang="en-US" smtClean="0"/>
-              <a:t>2020-12-11</a:t>
+              <a:t>2020-12-17</a:t>
             </a:fld>
             <a:endParaRPr lang="en-US"/>
           </a:p>
@@ -3103,7 +3103,7 @@
         </p:nvGrpSpPr>
         <p:grpSpPr>
           <a:xfrm>
-            <a:off x="1907824" y="1533600"/>
+            <a:off x="1907824" y="1461592"/>
             <a:ext cx="1080000" cy="593437"/>
             <a:chOff x="1907824" y="1101740"/>
             <a:chExt cx="1080000" cy="593437"/>
@@ -3294,7 +3294,7 @@
         </p:nvCxnSpPr>
         <p:spPr>
           <a:xfrm flipV="1">
-            <a:off x="6690249" y="1512000"/>
+            <a:off x="6690249" y="1439992"/>
             <a:ext cx="1231200" cy="1573200"/>
           </a:xfrm>
           <a:prstGeom prst="bentConnector3">
@@ -3336,7 +3336,7 @@
         </p:nvCxnSpPr>
         <p:spPr>
           <a:xfrm flipV="1">
-            <a:off x="6095999" y="1360884"/>
+            <a:off x="6095999" y="1288876"/>
             <a:ext cx="1836000" cy="990000"/>
           </a:xfrm>
           <a:prstGeom prst="bentConnector3">
@@ -3377,7 +3377,7 @@
         </p:nvSpPr>
         <p:spPr>
           <a:xfrm>
-            <a:off x="1547664" y="1152677"/>
+            <a:off x="1547664" y="1080669"/>
             <a:ext cx="1826674" cy="2338879"/>
           </a:xfrm>
           <a:prstGeom prst="roundRect">
@@ -3423,7 +3423,7 @@
         </p:nvGrpSpPr>
         <p:grpSpPr>
           <a:xfrm>
-            <a:off x="5507340" y="2063239"/>
+            <a:off x="5507340" y="1991231"/>
             <a:ext cx="557162" cy="447881"/>
             <a:chOff x="3321759" y="524071"/>
             <a:chExt cx="557162" cy="447881"/>
@@ -4689,7 +4689,7 @@
         </p:nvGrpSpPr>
         <p:grpSpPr>
           <a:xfrm>
-            <a:off x="7924364" y="2897515"/>
+            <a:off x="7924364" y="2825507"/>
             <a:ext cx="927282" cy="687559"/>
             <a:chOff x="4013200" y="3014663"/>
             <a:chExt cx="1117600" cy="828675"/>
@@ -5319,7 +5319,7 @@
         </p:nvGrpSpPr>
         <p:grpSpPr>
           <a:xfrm>
-            <a:off x="7924364" y="1975702"/>
+            <a:off x="7924364" y="1903694"/>
             <a:ext cx="927282" cy="687559"/>
             <a:chOff x="4013200" y="3014663"/>
             <a:chExt cx="1117600" cy="828675"/>
@@ -5949,7 +5949,7 @@
         </p:nvGrpSpPr>
         <p:grpSpPr>
           <a:xfrm>
-            <a:off x="700172" y="2062002"/>
+            <a:off x="700172" y="1989994"/>
             <a:ext cx="557162" cy="447881"/>
             <a:chOff x="3321759" y="524071"/>
             <a:chExt cx="557162" cy="447881"/>
@@ -7183,7 +7183,7 @@
         </p:nvGrpSpPr>
         <p:grpSpPr>
           <a:xfrm>
-            <a:off x="7924364" y="1053890"/>
+            <a:off x="7924364" y="981882"/>
             <a:ext cx="927282" cy="687559"/>
             <a:chOff x="4013200" y="3014663"/>
             <a:chExt cx="1117600" cy="828675"/>
@@ -7813,7 +7813,7 @@
         </p:nvGrpSpPr>
         <p:grpSpPr>
           <a:xfrm>
-            <a:off x="3716726" y="2897515"/>
+            <a:off x="3716726" y="2825507"/>
             <a:ext cx="927282" cy="687559"/>
             <a:chOff x="4013200" y="3014663"/>
             <a:chExt cx="1117600" cy="828675"/>
@@ -8443,7 +8443,7 @@
         </p:nvGrpSpPr>
         <p:grpSpPr>
           <a:xfrm>
-            <a:off x="3716726" y="1975702"/>
+            <a:off x="3716726" y="1903694"/>
             <a:ext cx="927282" cy="687559"/>
             <a:chOff x="4013200" y="3014663"/>
             <a:chExt cx="1117600" cy="828675"/>
@@ -9073,7 +9073,7 @@
         </p:nvGrpSpPr>
         <p:grpSpPr>
           <a:xfrm>
-            <a:off x="3716726" y="1053890"/>
+            <a:off x="3716726" y="981882"/>
             <a:ext cx="927282" cy="687559"/>
             <a:chOff x="4013200" y="3014663"/>
             <a:chExt cx="1117600" cy="828675"/>
@@ -9703,7 +9703,7 @@
         </p:nvCxnSpPr>
         <p:spPr>
           <a:xfrm>
-            <a:off x="1305810" y="2363965"/>
+            <a:off x="1305810" y="2291957"/>
             <a:ext cx="586250" cy="315975"/>
           </a:xfrm>
           <a:prstGeom prst="straightConnector1">
@@ -9739,7 +9739,7 @@
         </p:nvCxnSpPr>
         <p:spPr>
           <a:xfrm>
-            <a:off x="3020616" y="2919413"/>
+            <a:off x="3020616" y="2847405"/>
             <a:ext cx="682228" cy="421481"/>
           </a:xfrm>
           <a:prstGeom prst="straightConnector1">
@@ -9777,7 +9777,7 @@
         </p:nvCxnSpPr>
         <p:spPr>
           <a:xfrm flipV="1">
-            <a:off x="3025378" y="1345722"/>
+            <a:off x="3025378" y="1273714"/>
             <a:ext cx="695482" cy="391400"/>
           </a:xfrm>
           <a:prstGeom prst="straightConnector1">
@@ -9815,7 +9815,7 @@
         </p:nvCxnSpPr>
         <p:spPr>
           <a:xfrm>
-            <a:off x="3034903" y="1925241"/>
+            <a:off x="3034903" y="1853233"/>
             <a:ext cx="670322" cy="342900"/>
           </a:xfrm>
           <a:prstGeom prst="straightConnector1">
@@ -9853,7 +9853,7 @@
         </p:nvCxnSpPr>
         <p:spPr>
           <a:xfrm>
-            <a:off x="2936530" y="2063931"/>
+            <a:off x="2936530" y="1991923"/>
             <a:ext cx="760361" cy="1126944"/>
           </a:xfrm>
           <a:prstGeom prst="straightConnector1">
@@ -9891,7 +9891,7 @@
         </p:nvCxnSpPr>
         <p:spPr>
           <a:xfrm flipV="1">
-            <a:off x="3036498" y="2376488"/>
+            <a:off x="3036498" y="2304480"/>
             <a:ext cx="666346" cy="349461"/>
           </a:xfrm>
           <a:prstGeom prst="straightConnector1">
@@ -9929,7 +9929,7 @@
         </p:nvCxnSpPr>
         <p:spPr>
           <a:xfrm flipV="1">
-            <a:off x="2939653" y="1477993"/>
+            <a:off x="2939653" y="1405985"/>
             <a:ext cx="763955" cy="1103282"/>
           </a:xfrm>
           <a:prstGeom prst="straightConnector1">
@@ -9991,7 +9991,21 @@
                 <a:latin typeface="Arial" panose="020B0604020202020204" pitchFamily="34" charset="0"/>
                 <a:cs typeface="Arial" panose="020B0604020202020204" pitchFamily="34" charset="0"/>
               </a:rPr>
-              <a:t> EPI “Front-end” Architecture</a:t>
+              <a:t> EPI Front-end</a:t>
+            </a:r>
+            <a:r>
+              <a:rPr lang="en-US" sz="1000" dirty="0" smtClean="0">
+                <a:latin typeface="Arial" panose="020B0604020202020204" pitchFamily="34" charset="0"/>
+                <a:cs typeface="Arial" panose="020B0604020202020204" pitchFamily="34" charset="0"/>
+              </a:rPr>
+              <a:t> </a:t>
+            </a:r>
+            <a:r>
+              <a:rPr lang="en-US" dirty="0" smtClean="0">
+                <a:latin typeface="Arial" panose="020B0604020202020204" pitchFamily="34" charset="0"/>
+                <a:cs typeface="Arial" panose="020B0604020202020204" pitchFamily="34" charset="0"/>
+              </a:rPr>
+              <a:t>* Architecture</a:t>
             </a:r>
             <a:endParaRPr lang="en-US" dirty="0">
               <a:latin typeface="Arial" panose="020B0604020202020204" pitchFamily="34" charset="0"/>
@@ -10008,7 +10022,7 @@
         </p:nvSpPr>
         <p:spPr>
           <a:xfrm>
-            <a:off x="570548" y="1780055"/>
+            <a:off x="570548" y="1708047"/>
             <a:ext cx="824265" cy="276999"/>
           </a:xfrm>
           <a:prstGeom prst="rect">
@@ -10045,7 +10059,7 @@
         </p:nvSpPr>
         <p:spPr>
           <a:xfrm>
-            <a:off x="5368490" y="1780055"/>
+            <a:off x="5368490" y="1708047"/>
             <a:ext cx="824265" cy="276999"/>
           </a:xfrm>
           <a:prstGeom prst="rect">
@@ -10082,7 +10096,7 @@
         </p:nvSpPr>
         <p:spPr>
           <a:xfrm>
-            <a:off x="3540598" y="703729"/>
+            <a:off x="3540598" y="631721"/>
             <a:ext cx="1072730" cy="276999"/>
           </a:xfrm>
           <a:prstGeom prst="rect">
@@ -10119,7 +10133,7 @@
         </p:nvSpPr>
         <p:spPr>
           <a:xfrm>
-            <a:off x="7819750" y="703729"/>
+            <a:off x="7819750" y="631721"/>
             <a:ext cx="1072730" cy="276999"/>
           </a:xfrm>
           <a:prstGeom prst="rect">
@@ -10156,7 +10170,7 @@
         </p:nvSpPr>
         <p:spPr>
           <a:xfrm>
-            <a:off x="1664438" y="703729"/>
+            <a:off x="1664438" y="631721"/>
             <a:ext cx="1592103" cy="276999"/>
           </a:xfrm>
           <a:prstGeom prst="rect">
@@ -10193,7 +10207,7 @@
         </p:nvSpPr>
         <p:spPr>
           <a:xfrm>
-            <a:off x="323528" y="3790800"/>
+            <a:off x="323528" y="3718792"/>
             <a:ext cx="4152320" cy="2558803"/>
           </a:xfrm>
           <a:prstGeom prst="rect">
@@ -10350,7 +10364,7 @@
         </p:nvSpPr>
         <p:spPr>
           <a:xfrm>
-            <a:off x="4803523" y="3789040"/>
+            <a:off x="4803523" y="3717032"/>
             <a:ext cx="4006800" cy="2854648"/>
           </a:xfrm>
           <a:prstGeom prst="rect">
@@ -10616,7 +10630,7 @@
         </p:nvGrpSpPr>
         <p:grpSpPr>
           <a:xfrm>
-            <a:off x="5347532" y="2897992"/>
+            <a:off x="5347532" y="2825984"/>
             <a:ext cx="927282" cy="687559"/>
             <a:chOff x="4013200" y="3014663"/>
             <a:chExt cx="1117600" cy="828675"/>
@@ -11246,7 +11260,7 @@
         </p:nvSpPr>
         <p:spPr>
           <a:xfrm>
-            <a:off x="5167964" y="2647945"/>
+            <a:off x="5167964" y="2575937"/>
             <a:ext cx="1217000" cy="276999"/>
           </a:xfrm>
           <a:prstGeom prst="rect">
@@ -11283,7 +11297,7 @@
         </p:nvSpPr>
         <p:spPr>
           <a:xfrm>
-            <a:off x="6233519" y="2935190"/>
+            <a:off x="6233519" y="2863182"/>
             <a:ext cx="396000" cy="288000"/>
           </a:xfrm>
           <a:prstGeom prst="ellipse">
@@ -11396,7 +11410,7 @@
                 <a:latin typeface="Arial" panose="020B0604020202020204" pitchFamily="34" charset="0"/>
                 <a:cs typeface="Arial" panose="020B0604020202020204" pitchFamily="34" charset="0"/>
               </a:rPr>
-              <a:t>Presumed EPI architecture versus Saturn in a C2B scenario, A.Rundgren-2020-12-11:1</a:t>
+              <a:t>Presumed EPI architecture versus Saturn in a C2B scenario, A.Rundgren-2020-12-17:1</a:t>
             </a:r>
             <a:endParaRPr lang="en-US" sz="800" dirty="0">
               <a:latin typeface="Arial" panose="020B0604020202020204" pitchFamily="34" charset="0"/>
@@ -11413,7 +11427,7 @@
         </p:nvSpPr>
         <p:spPr>
           <a:xfrm>
-            <a:off x="6168086" y="1552028"/>
+            <a:off x="6168086" y="1480020"/>
             <a:ext cx="1096302" cy="182325"/>
           </a:xfrm>
           <a:prstGeom prst="roundRect">
@@ -11466,7 +11480,7 @@
         </p:nvSpPr>
         <p:spPr>
           <a:xfrm>
-            <a:off x="6866728" y="2714875"/>
+            <a:off x="6866728" y="2642867"/>
             <a:ext cx="1067169" cy="182325"/>
           </a:xfrm>
           <a:prstGeom prst="roundRect">
@@ -11519,7 +11533,7 @@
         </p:nvGrpSpPr>
         <p:grpSpPr>
           <a:xfrm>
-            <a:off x="6448326" y="3185182"/>
+            <a:off x="6448326" y="3113174"/>
             <a:ext cx="288000" cy="315826"/>
             <a:chOff x="7439528" y="2941466"/>
             <a:chExt cx="216024" cy="262996"/>
@@ -11644,7 +11658,7 @@
         </p:blipFill>
         <p:spPr bwMode="auto">
           <a:xfrm>
-            <a:off x="5523056" y="1014239"/>
+            <a:off x="5523056" y="942231"/>
             <a:ext cx="540000" cy="540000"/>
           </a:xfrm>
           <a:prstGeom prst="rect">
@@ -11677,7 +11691,7 @@
         </p:nvGrpSpPr>
         <p:grpSpPr>
           <a:xfrm>
-            <a:off x="5142358" y="1088792"/>
+            <a:off x="5142358" y="1016784"/>
             <a:ext cx="359900" cy="468000"/>
             <a:chOff x="5523510" y="2050055"/>
             <a:chExt cx="359900" cy="502719"/>
@@ -11937,7 +11951,7 @@
         </p:nvSpPr>
         <p:spPr>
           <a:xfrm>
-            <a:off x="5327161" y="1624222"/>
+            <a:off x="5327161" y="1552214"/>
             <a:ext cx="183867" cy="724658"/>
           </a:xfrm>
           <a:custGeom>
@@ -12049,7 +12063,7 @@
         </p:nvSpPr>
         <p:spPr>
           <a:xfrm>
-            <a:off x="5004048" y="705592"/>
+            <a:off x="5004048" y="633584"/>
             <a:ext cx="1059008" cy="276999"/>
           </a:xfrm>
           <a:prstGeom prst="rect">
@@ -12101,7 +12115,7 @@
         </p:blipFill>
         <p:spPr bwMode="auto">
           <a:xfrm>
-            <a:off x="698520" y="1001343"/>
+            <a:off x="698520" y="929335"/>
             <a:ext cx="540000" cy="540000"/>
           </a:xfrm>
           <a:prstGeom prst="rect">
@@ -12134,7 +12148,7 @@
         </p:nvGrpSpPr>
         <p:grpSpPr>
           <a:xfrm>
-            <a:off x="317822" y="1075896"/>
+            <a:off x="317822" y="1003888"/>
             <a:ext cx="359900" cy="468000"/>
             <a:chOff x="5523510" y="2050055"/>
             <a:chExt cx="359900" cy="502719"/>
@@ -12394,7 +12408,7 @@
         </p:nvSpPr>
         <p:spPr>
           <a:xfrm>
-            <a:off x="502625" y="1611326"/>
+            <a:off x="502625" y="1539318"/>
             <a:ext cx="183867" cy="724658"/>
           </a:xfrm>
           <a:custGeom>
@@ -12506,7 +12520,7 @@
         </p:nvSpPr>
         <p:spPr>
           <a:xfrm>
-            <a:off x="179512" y="692696"/>
+            <a:off x="179512" y="620688"/>
             <a:ext cx="1059008" cy="276999"/>
           </a:xfrm>
           <a:prstGeom prst="rect">
@@ -12557,7 +12571,7 @@
         </p:blipFill>
         <p:spPr>
           <a:xfrm>
-            <a:off x="338660" y="2780928"/>
+            <a:off x="338660" y="2708920"/>
             <a:ext cx="938404" cy="586970"/>
           </a:xfrm>
           <a:prstGeom prst="rect">
@@ -12573,7 +12587,7 @@
         </p:nvSpPr>
         <p:spPr>
           <a:xfrm flipV="1">
-            <a:off x="499701" y="2416309"/>
+            <a:off x="499701" y="2344301"/>
             <a:ext cx="183867" cy="324000"/>
           </a:xfrm>
           <a:custGeom>
@@ -12685,7 +12699,7 @@
         </p:nvSpPr>
         <p:spPr>
           <a:xfrm>
-            <a:off x="323531" y="3356992"/>
+            <a:off x="323531" y="3284984"/>
             <a:ext cx="950260" cy="276999"/>
           </a:xfrm>
           <a:prstGeom prst="rect">
@@ -12722,7 +12736,7 @@
         </p:nvSpPr>
         <p:spPr>
           <a:xfrm>
-            <a:off x="446688" y="5456084"/>
+            <a:off x="446688" y="5384076"/>
             <a:ext cx="3906000" cy="784830"/>
           </a:xfrm>
           <a:prstGeom prst="rect">
@@ -12826,7 +12840,7 @@
         </p:nvSpPr>
         <p:spPr>
           <a:xfrm>
-            <a:off x="4927125" y="5977097"/>
+            <a:off x="4927125" y="5905089"/>
             <a:ext cx="3758400" cy="553998"/>
           </a:xfrm>
           <a:prstGeom prst="rect">
@@ -12857,7 +12871,21 @@
                 <a:latin typeface="Arial" panose="020B0604020202020204" pitchFamily="34" charset="0"/>
                 <a:cs typeface="Arial" panose="020B0604020202020204" pitchFamily="34" charset="0"/>
               </a:rPr>
-              <a:t>eliminating “front-end” intermediaries</a:t>
+              <a:t>eliminating front-end</a:t>
+            </a:r>
+            <a:r>
+              <a:rPr lang="en-US" sz="500" i="1" dirty="0" smtClean="0">
+                <a:latin typeface="Arial" panose="020B0604020202020204" pitchFamily="34" charset="0"/>
+                <a:cs typeface="Arial" panose="020B0604020202020204" pitchFamily="34" charset="0"/>
+              </a:rPr>
+              <a:t> </a:t>
+            </a:r>
+            <a:r>
+              <a:rPr lang="en-US" sz="1000" i="1" dirty="0" smtClean="0">
+                <a:latin typeface="Arial" panose="020B0604020202020204" pitchFamily="34" charset="0"/>
+                <a:cs typeface="Arial" panose="020B0604020202020204" pitchFamily="34" charset="0"/>
+              </a:rPr>
+              <a:t>* intermediaries</a:t>
             </a:r>
             <a:r>
               <a:rPr lang="en-US" sz="1000" dirty="0" smtClean="0">
@@ -12919,7 +12947,7 @@
         </p:nvSpPr>
         <p:spPr>
           <a:xfrm>
-            <a:off x="6209128" y="2278800"/>
+            <a:off x="6209128" y="2206792"/>
             <a:ext cx="144000" cy="144000"/>
           </a:xfrm>
           <a:prstGeom prst="ellipse">
@@ -12980,7 +13008,7 @@
         </p:nvSpPr>
         <p:spPr>
           <a:xfrm>
-            <a:off x="7665414" y="1437583"/>
+            <a:off x="7665414" y="1365575"/>
             <a:ext cx="144000" cy="144000"/>
           </a:xfrm>
           <a:prstGeom prst="ellipse">
@@ -13041,7 +13069,7 @@
         </p:nvSpPr>
         <p:spPr>
           <a:xfrm>
-            <a:off x="5254492" y="1743978"/>
+            <a:off x="5254492" y="1671970"/>
             <a:ext cx="144000" cy="144000"/>
           </a:xfrm>
           <a:prstGeom prst="ellipse">
@@ -13109,7 +13137,7 @@
         </p:nvGrpSpPr>
         <p:grpSpPr>
           <a:xfrm>
-            <a:off x="1908000" y="2512800"/>
+            <a:off x="1908000" y="2440792"/>
             <a:ext cx="1080000" cy="593437"/>
             <a:chOff x="1907824" y="1101740"/>
             <a:chExt cx="1080000" cy="593437"/>
@@ -13292,6 +13320,63 @@
           </p:txBody>
         </p:sp>
       </p:grpSp>
+      <p:sp>
+        <p:nvSpPr>
+          <p:cNvPr id="219" name="TextBox 218"/>
+          <p:cNvSpPr txBox="1"/>
+          <p:nvPr/>
+        </p:nvSpPr>
+        <p:spPr>
+          <a:xfrm>
+            <a:off x="219644" y="6381328"/>
+            <a:ext cx="2472152" cy="246221"/>
+          </a:xfrm>
+          <a:prstGeom prst="rect">
+            <a:avLst/>
+          </a:prstGeom>
+          <a:noFill/>
+        </p:spPr>
+        <p:txBody>
+          <a:bodyPr wrap="none" rtlCol="0">
+            <a:spAutoFit/>
+          </a:bodyPr>
+          <a:lstStyle/>
+          <a:p>
+            <a:r>
+              <a:rPr lang="en-US" sz="1000" b="1" dirty="0" smtClean="0">
+                <a:latin typeface="Arial" panose="020B0604020202020204" pitchFamily="34" charset="0"/>
+                <a:cs typeface="Arial" panose="020B0604020202020204" pitchFamily="34" charset="0"/>
+              </a:rPr>
+              <a:t>*</a:t>
+            </a:r>
+            <a:r>
+              <a:rPr lang="en-US" sz="1000" dirty="0" smtClean="0">
+                <a:latin typeface="Arial" panose="020B0604020202020204" pitchFamily="34" charset="0"/>
+                <a:cs typeface="Arial" panose="020B0604020202020204" pitchFamily="34" charset="0"/>
+              </a:rPr>
+              <a:t> Payee and payer </a:t>
+            </a:r>
+            <a:r>
+              <a:rPr lang="en-US" sz="1000" i="1" dirty="0" smtClean="0">
+                <a:latin typeface="Arial" panose="020B0604020202020204" pitchFamily="34" charset="0"/>
+                <a:cs typeface="Arial" panose="020B0604020202020204" pitchFamily="34" charset="0"/>
+              </a:rPr>
+              <a:t>authorization</a:t>
+            </a:r>
+            <a:r>
+              <a:rPr lang="en-US" sz="1000" dirty="0" smtClean="0">
+                <a:latin typeface="Arial" panose="020B0604020202020204" pitchFamily="34" charset="0"/>
+                <a:cs typeface="Arial" panose="020B0604020202020204" pitchFamily="34" charset="0"/>
+              </a:rPr>
+              <a:t> system</a:t>
+            </a:r>
+            <a:endParaRPr lang="en-US" sz="1000" dirty="0">
+              <a:latin typeface="Arial" panose="020B0604020202020204" pitchFamily="34" charset="0"/>
+              <a:cs typeface="Arial" panose="020B0604020202020204" pitchFamily="34" charset="0"/>
+            </a:endParaRPr>
+          </a:p>
+        </p:txBody>
+      </p:sp>
     </p:spTree>
     <p:extLst>
       <p:ext uri="{BB962C8B-B14F-4D97-AF65-F5344CB8AC3E}">

--- a/saturn/epi(presumed)-vs-saturn.pptx
+++ b/saturn/epi(presumed)-vs-saturn.pptx
@@ -6,6 +6,7 @@
   </p:sldMasterIdLst>
   <p:sldIdLst>
     <p:sldId id="261" r:id="rId2"/>
+    <p:sldId id="262" r:id="rId3"/>
   </p:sldIdLst>
   <p:sldSz cx="9144000" cy="6858000" type="screen4x3"/>
   <p:notesSz cx="6858000" cy="9144000"/>
@@ -139,6 +140,9 @@
             <a:off x="685800" y="2130425"/>
             <a:ext cx="7772400" cy="1470025"/>
           </a:xfrm>
+          <a:prstGeom prst="rect">
+            <a:avLst/>
+          </a:prstGeom>
         </p:spPr>
         <p:txBody>
           <a:bodyPr/>
@@ -167,6 +171,9 @@
             <a:off x="1371600" y="3886200"/>
             <a:ext cx="6400800" cy="1752600"/>
           </a:xfrm>
+          <a:prstGeom prst="rect">
+            <a:avLst/>
+          </a:prstGeom>
         </p:spPr>
         <p:txBody>
           <a:bodyPr/>
@@ -281,14 +288,22 @@
             <p:ph type="dt" sz="half" idx="10"/>
           </p:nvPr>
         </p:nvSpPr>
-        <p:spPr/>
+        <p:spPr>
+          <a:xfrm>
+            <a:off x="457200" y="6356350"/>
+            <a:ext cx="2133600" cy="365125"/>
+          </a:xfrm>
+          <a:prstGeom prst="rect">
+            <a:avLst/>
+          </a:prstGeom>
+        </p:spPr>
         <p:txBody>
           <a:bodyPr/>
           <a:lstStyle/>
           <a:p>
             <a:fld id="{FC080E38-6FF2-48B3-BDAB-4FA23B840E92}" type="datetimeFigureOut">
               <a:rPr lang="en-US" smtClean="0"/>
-              <a:t>2020-12-17</a:t>
+              <a:t>2021-01-06</a:t>
             </a:fld>
             <a:endParaRPr lang="en-US"/>
           </a:p>
@@ -304,7 +319,15 @@
             <p:ph type="ftr" sz="quarter" idx="11"/>
           </p:nvPr>
         </p:nvSpPr>
-        <p:spPr/>
+        <p:spPr>
+          <a:xfrm>
+            <a:off x="3124200" y="6356350"/>
+            <a:ext cx="2895600" cy="365125"/>
+          </a:xfrm>
+          <a:prstGeom prst="rect">
+            <a:avLst/>
+          </a:prstGeom>
+        </p:spPr>
         <p:txBody>
           <a:bodyPr/>
           <a:lstStyle/>
@@ -323,7 +346,15 @@
             <p:ph type="sldNum" sz="quarter" idx="12"/>
           </p:nvPr>
         </p:nvSpPr>
-        <p:spPr/>
+        <p:spPr>
+          <a:xfrm>
+            <a:off x="6553200" y="6356350"/>
+            <a:ext cx="2133600" cy="365125"/>
+          </a:xfrm>
+          <a:prstGeom prst="rect">
+            <a:avLst/>
+          </a:prstGeom>
+        </p:spPr>
         <p:txBody>
           <a:bodyPr/>
           <a:lstStyle/>
@@ -340,2225 +371,6 @@
     <p:extLst>
       <p:ext uri="{BB962C8B-B14F-4D97-AF65-F5344CB8AC3E}">
         <p14:creationId xmlns:p14="http://schemas.microsoft.com/office/powerpoint/2010/main" val="2899531174"/>
-      </p:ext>
-    </p:extLst>
-  </p:cSld>
-  <p:clrMapOvr>
-    <a:masterClrMapping/>
-  </p:clrMapOvr>
-</p:sldLayout>
-</file>
-
-<file path=ppt/slideLayouts/slideLayout10.xml><?xml version="1.0" encoding="utf-8"?>
-<p:sldLayout xmlns:a="http://schemas.openxmlformats.org/drawingml/2006/main" xmlns:r="http://schemas.openxmlformats.org/officeDocument/2006/relationships" xmlns:p="http://schemas.openxmlformats.org/presentationml/2006/main" type="vertTx" preserve="1">
-  <p:cSld name="Title and Vertical Text">
-    <p:spTree>
-      <p:nvGrpSpPr>
-        <p:cNvPr id="1" name=""/>
-        <p:cNvGrpSpPr/>
-        <p:nvPr/>
-      </p:nvGrpSpPr>
-      <p:grpSpPr>
-        <a:xfrm>
-          <a:off x="0" y="0"/>
-          <a:ext cx="0" cy="0"/>
-          <a:chOff x="0" y="0"/>
-          <a:chExt cx="0" cy="0"/>
-        </a:xfrm>
-      </p:grpSpPr>
-      <p:sp>
-        <p:nvSpPr>
-          <p:cNvPr id="2" name="Title 1"/>
-          <p:cNvSpPr>
-            <a:spLocks noGrp="1"/>
-          </p:cNvSpPr>
-          <p:nvPr>
-            <p:ph type="title"/>
-          </p:nvPr>
-        </p:nvSpPr>
-        <p:spPr/>
-        <p:txBody>
-          <a:bodyPr/>
-          <a:lstStyle/>
-          <a:p>
-            <a:r>
-              <a:rPr lang="en-US" smtClean="0"/>
-              <a:t>Click to edit Master title style</a:t>
-            </a:r>
-            <a:endParaRPr lang="en-US"/>
-          </a:p>
-        </p:txBody>
-      </p:sp>
-      <p:sp>
-        <p:nvSpPr>
-          <p:cNvPr id="3" name="Vertical Text Placeholder 2"/>
-          <p:cNvSpPr>
-            <a:spLocks noGrp="1"/>
-          </p:cNvSpPr>
-          <p:nvPr>
-            <p:ph type="body" orient="vert" idx="1"/>
-          </p:nvPr>
-        </p:nvSpPr>
-        <p:spPr/>
-        <p:txBody>
-          <a:bodyPr vert="eaVert"/>
-          <a:lstStyle/>
-          <a:p>
-            <a:pPr lvl="0"/>
-            <a:r>
-              <a:rPr lang="en-US" smtClean="0"/>
-              <a:t>Click to edit Master text styles</a:t>
-            </a:r>
-          </a:p>
-          <a:p>
-            <a:pPr lvl="1"/>
-            <a:r>
-              <a:rPr lang="en-US" smtClean="0"/>
-              <a:t>Second level</a:t>
-            </a:r>
-          </a:p>
-          <a:p>
-            <a:pPr lvl="2"/>
-            <a:r>
-              <a:rPr lang="en-US" smtClean="0"/>
-              <a:t>Third level</a:t>
-            </a:r>
-          </a:p>
-          <a:p>
-            <a:pPr lvl="3"/>
-            <a:r>
-              <a:rPr lang="en-US" smtClean="0"/>
-              <a:t>Fourth level</a:t>
-            </a:r>
-          </a:p>
-          <a:p>
-            <a:pPr lvl="4"/>
-            <a:r>
-              <a:rPr lang="en-US" smtClean="0"/>
-              <a:t>Fifth level</a:t>
-            </a:r>
-            <a:endParaRPr lang="en-US"/>
-          </a:p>
-        </p:txBody>
-      </p:sp>
-      <p:sp>
-        <p:nvSpPr>
-          <p:cNvPr id="4" name="Date Placeholder 3"/>
-          <p:cNvSpPr>
-            <a:spLocks noGrp="1"/>
-          </p:cNvSpPr>
-          <p:nvPr>
-            <p:ph type="dt" sz="half" idx="10"/>
-          </p:nvPr>
-        </p:nvSpPr>
-        <p:spPr/>
-        <p:txBody>
-          <a:bodyPr/>
-          <a:lstStyle/>
-          <a:p>
-            <a:fld id="{FC080E38-6FF2-48B3-BDAB-4FA23B840E92}" type="datetimeFigureOut">
-              <a:rPr lang="en-US" smtClean="0"/>
-              <a:t>2020-12-17</a:t>
-            </a:fld>
-            <a:endParaRPr lang="en-US"/>
-          </a:p>
-        </p:txBody>
-      </p:sp>
-      <p:sp>
-        <p:nvSpPr>
-          <p:cNvPr id="5" name="Footer Placeholder 4"/>
-          <p:cNvSpPr>
-            <a:spLocks noGrp="1"/>
-          </p:cNvSpPr>
-          <p:nvPr>
-            <p:ph type="ftr" sz="quarter" idx="11"/>
-          </p:nvPr>
-        </p:nvSpPr>
-        <p:spPr/>
-        <p:txBody>
-          <a:bodyPr/>
-          <a:lstStyle/>
-          <a:p>
-            <a:endParaRPr lang="en-US"/>
-          </a:p>
-        </p:txBody>
-      </p:sp>
-      <p:sp>
-        <p:nvSpPr>
-          <p:cNvPr id="6" name="Slide Number Placeholder 5"/>
-          <p:cNvSpPr>
-            <a:spLocks noGrp="1"/>
-          </p:cNvSpPr>
-          <p:nvPr>
-            <p:ph type="sldNum" sz="quarter" idx="12"/>
-          </p:nvPr>
-        </p:nvSpPr>
-        <p:spPr/>
-        <p:txBody>
-          <a:bodyPr/>
-          <a:lstStyle/>
-          <a:p>
-            <a:fld id="{39EB1DB3-357A-411F-B0FD-62EA4977A493}" type="slidenum">
-              <a:rPr lang="en-US" smtClean="0"/>
-              <a:t>‹#›</a:t>
-            </a:fld>
-            <a:endParaRPr lang="en-US"/>
-          </a:p>
-        </p:txBody>
-      </p:sp>
-    </p:spTree>
-    <p:extLst>
-      <p:ext uri="{BB962C8B-B14F-4D97-AF65-F5344CB8AC3E}">
-        <p14:creationId xmlns:p14="http://schemas.microsoft.com/office/powerpoint/2010/main" val="2727002083"/>
-      </p:ext>
-    </p:extLst>
-  </p:cSld>
-  <p:clrMapOvr>
-    <a:masterClrMapping/>
-  </p:clrMapOvr>
-</p:sldLayout>
-</file>
-
-<file path=ppt/slideLayouts/slideLayout11.xml><?xml version="1.0" encoding="utf-8"?>
-<p:sldLayout xmlns:a="http://schemas.openxmlformats.org/drawingml/2006/main" xmlns:r="http://schemas.openxmlformats.org/officeDocument/2006/relationships" xmlns:p="http://schemas.openxmlformats.org/presentationml/2006/main" type="vertTitleAndTx" preserve="1">
-  <p:cSld name="Vertical Title and Text">
-    <p:spTree>
-      <p:nvGrpSpPr>
-        <p:cNvPr id="1" name=""/>
-        <p:cNvGrpSpPr/>
-        <p:nvPr/>
-      </p:nvGrpSpPr>
-      <p:grpSpPr>
-        <a:xfrm>
-          <a:off x="0" y="0"/>
-          <a:ext cx="0" cy="0"/>
-          <a:chOff x="0" y="0"/>
-          <a:chExt cx="0" cy="0"/>
-        </a:xfrm>
-      </p:grpSpPr>
-      <p:sp>
-        <p:nvSpPr>
-          <p:cNvPr id="2" name="Vertical Title 1"/>
-          <p:cNvSpPr>
-            <a:spLocks noGrp="1"/>
-          </p:cNvSpPr>
-          <p:nvPr>
-            <p:ph type="title" orient="vert"/>
-          </p:nvPr>
-        </p:nvSpPr>
-        <p:spPr>
-          <a:xfrm>
-            <a:off x="6629400" y="274638"/>
-            <a:ext cx="2057400" cy="5851525"/>
-          </a:xfrm>
-        </p:spPr>
-        <p:txBody>
-          <a:bodyPr vert="eaVert"/>
-          <a:lstStyle/>
-          <a:p>
-            <a:r>
-              <a:rPr lang="en-US" smtClean="0"/>
-              <a:t>Click to edit Master title style</a:t>
-            </a:r>
-            <a:endParaRPr lang="en-US"/>
-          </a:p>
-        </p:txBody>
-      </p:sp>
-      <p:sp>
-        <p:nvSpPr>
-          <p:cNvPr id="3" name="Vertical Text Placeholder 2"/>
-          <p:cNvSpPr>
-            <a:spLocks noGrp="1"/>
-          </p:cNvSpPr>
-          <p:nvPr>
-            <p:ph type="body" orient="vert" idx="1"/>
-          </p:nvPr>
-        </p:nvSpPr>
-        <p:spPr>
-          <a:xfrm>
-            <a:off x="457200" y="274638"/>
-            <a:ext cx="6019800" cy="5851525"/>
-          </a:xfrm>
-        </p:spPr>
-        <p:txBody>
-          <a:bodyPr vert="eaVert"/>
-          <a:lstStyle/>
-          <a:p>
-            <a:pPr lvl="0"/>
-            <a:r>
-              <a:rPr lang="en-US" smtClean="0"/>
-              <a:t>Click to edit Master text styles</a:t>
-            </a:r>
-          </a:p>
-          <a:p>
-            <a:pPr lvl="1"/>
-            <a:r>
-              <a:rPr lang="en-US" smtClean="0"/>
-              <a:t>Second level</a:t>
-            </a:r>
-          </a:p>
-          <a:p>
-            <a:pPr lvl="2"/>
-            <a:r>
-              <a:rPr lang="en-US" smtClean="0"/>
-              <a:t>Third level</a:t>
-            </a:r>
-          </a:p>
-          <a:p>
-            <a:pPr lvl="3"/>
-            <a:r>
-              <a:rPr lang="en-US" smtClean="0"/>
-              <a:t>Fourth level</a:t>
-            </a:r>
-          </a:p>
-          <a:p>
-            <a:pPr lvl="4"/>
-            <a:r>
-              <a:rPr lang="en-US" smtClean="0"/>
-              <a:t>Fifth level</a:t>
-            </a:r>
-            <a:endParaRPr lang="en-US"/>
-          </a:p>
-        </p:txBody>
-      </p:sp>
-      <p:sp>
-        <p:nvSpPr>
-          <p:cNvPr id="4" name="Date Placeholder 3"/>
-          <p:cNvSpPr>
-            <a:spLocks noGrp="1"/>
-          </p:cNvSpPr>
-          <p:nvPr>
-            <p:ph type="dt" sz="half" idx="10"/>
-          </p:nvPr>
-        </p:nvSpPr>
-        <p:spPr/>
-        <p:txBody>
-          <a:bodyPr/>
-          <a:lstStyle/>
-          <a:p>
-            <a:fld id="{FC080E38-6FF2-48B3-BDAB-4FA23B840E92}" type="datetimeFigureOut">
-              <a:rPr lang="en-US" smtClean="0"/>
-              <a:t>2020-12-17</a:t>
-            </a:fld>
-            <a:endParaRPr lang="en-US"/>
-          </a:p>
-        </p:txBody>
-      </p:sp>
-      <p:sp>
-        <p:nvSpPr>
-          <p:cNvPr id="5" name="Footer Placeholder 4"/>
-          <p:cNvSpPr>
-            <a:spLocks noGrp="1"/>
-          </p:cNvSpPr>
-          <p:nvPr>
-            <p:ph type="ftr" sz="quarter" idx="11"/>
-          </p:nvPr>
-        </p:nvSpPr>
-        <p:spPr/>
-        <p:txBody>
-          <a:bodyPr/>
-          <a:lstStyle/>
-          <a:p>
-            <a:endParaRPr lang="en-US"/>
-          </a:p>
-        </p:txBody>
-      </p:sp>
-      <p:sp>
-        <p:nvSpPr>
-          <p:cNvPr id="6" name="Slide Number Placeholder 5"/>
-          <p:cNvSpPr>
-            <a:spLocks noGrp="1"/>
-          </p:cNvSpPr>
-          <p:nvPr>
-            <p:ph type="sldNum" sz="quarter" idx="12"/>
-          </p:nvPr>
-        </p:nvSpPr>
-        <p:spPr/>
-        <p:txBody>
-          <a:bodyPr/>
-          <a:lstStyle/>
-          <a:p>
-            <a:fld id="{39EB1DB3-357A-411F-B0FD-62EA4977A493}" type="slidenum">
-              <a:rPr lang="en-US" smtClean="0"/>
-              <a:t>‹#›</a:t>
-            </a:fld>
-            <a:endParaRPr lang="en-US"/>
-          </a:p>
-        </p:txBody>
-      </p:sp>
-    </p:spTree>
-    <p:extLst>
-      <p:ext uri="{BB962C8B-B14F-4D97-AF65-F5344CB8AC3E}">
-        <p14:creationId xmlns:p14="http://schemas.microsoft.com/office/powerpoint/2010/main" val="2159928862"/>
-      </p:ext>
-    </p:extLst>
-  </p:cSld>
-  <p:clrMapOvr>
-    <a:masterClrMapping/>
-  </p:clrMapOvr>
-</p:sldLayout>
-</file>
-
-<file path=ppt/slideLayouts/slideLayout2.xml><?xml version="1.0" encoding="utf-8"?>
-<p:sldLayout xmlns:a="http://schemas.openxmlformats.org/drawingml/2006/main" xmlns:r="http://schemas.openxmlformats.org/officeDocument/2006/relationships" xmlns:p="http://schemas.openxmlformats.org/presentationml/2006/main" type="obj" preserve="1">
-  <p:cSld name="Title and Content">
-    <p:spTree>
-      <p:nvGrpSpPr>
-        <p:cNvPr id="1" name=""/>
-        <p:cNvGrpSpPr/>
-        <p:nvPr/>
-      </p:nvGrpSpPr>
-      <p:grpSpPr>
-        <a:xfrm>
-          <a:off x="0" y="0"/>
-          <a:ext cx="0" cy="0"/>
-          <a:chOff x="0" y="0"/>
-          <a:chExt cx="0" cy="0"/>
-        </a:xfrm>
-      </p:grpSpPr>
-      <p:sp>
-        <p:nvSpPr>
-          <p:cNvPr id="2" name="Title 1"/>
-          <p:cNvSpPr>
-            <a:spLocks noGrp="1"/>
-          </p:cNvSpPr>
-          <p:nvPr>
-            <p:ph type="title"/>
-          </p:nvPr>
-        </p:nvSpPr>
-        <p:spPr/>
-        <p:txBody>
-          <a:bodyPr/>
-          <a:lstStyle/>
-          <a:p>
-            <a:r>
-              <a:rPr lang="en-US" smtClean="0"/>
-              <a:t>Click to edit Master title style</a:t>
-            </a:r>
-            <a:endParaRPr lang="en-US"/>
-          </a:p>
-        </p:txBody>
-      </p:sp>
-      <p:sp>
-        <p:nvSpPr>
-          <p:cNvPr id="3" name="Content Placeholder 2"/>
-          <p:cNvSpPr>
-            <a:spLocks noGrp="1"/>
-          </p:cNvSpPr>
-          <p:nvPr>
-            <p:ph idx="1"/>
-          </p:nvPr>
-        </p:nvSpPr>
-        <p:spPr/>
-        <p:txBody>
-          <a:bodyPr/>
-          <a:lstStyle/>
-          <a:p>
-            <a:pPr lvl="0"/>
-            <a:r>
-              <a:rPr lang="en-US" smtClean="0"/>
-              <a:t>Click to edit Master text styles</a:t>
-            </a:r>
-          </a:p>
-          <a:p>
-            <a:pPr lvl="1"/>
-            <a:r>
-              <a:rPr lang="en-US" smtClean="0"/>
-              <a:t>Second level</a:t>
-            </a:r>
-          </a:p>
-          <a:p>
-            <a:pPr lvl="2"/>
-            <a:r>
-              <a:rPr lang="en-US" smtClean="0"/>
-              <a:t>Third level</a:t>
-            </a:r>
-          </a:p>
-          <a:p>
-            <a:pPr lvl="3"/>
-            <a:r>
-              <a:rPr lang="en-US" smtClean="0"/>
-              <a:t>Fourth level</a:t>
-            </a:r>
-          </a:p>
-          <a:p>
-            <a:pPr lvl="4"/>
-            <a:r>
-              <a:rPr lang="en-US" smtClean="0"/>
-              <a:t>Fifth level</a:t>
-            </a:r>
-            <a:endParaRPr lang="en-US"/>
-          </a:p>
-        </p:txBody>
-      </p:sp>
-      <p:sp>
-        <p:nvSpPr>
-          <p:cNvPr id="4" name="Date Placeholder 3"/>
-          <p:cNvSpPr>
-            <a:spLocks noGrp="1"/>
-          </p:cNvSpPr>
-          <p:nvPr>
-            <p:ph type="dt" sz="half" idx="10"/>
-          </p:nvPr>
-        </p:nvSpPr>
-        <p:spPr/>
-        <p:txBody>
-          <a:bodyPr/>
-          <a:lstStyle/>
-          <a:p>
-            <a:fld id="{FC080E38-6FF2-48B3-BDAB-4FA23B840E92}" type="datetimeFigureOut">
-              <a:rPr lang="en-US" smtClean="0"/>
-              <a:t>2020-12-17</a:t>
-            </a:fld>
-            <a:endParaRPr lang="en-US"/>
-          </a:p>
-        </p:txBody>
-      </p:sp>
-      <p:sp>
-        <p:nvSpPr>
-          <p:cNvPr id="5" name="Footer Placeholder 4"/>
-          <p:cNvSpPr>
-            <a:spLocks noGrp="1"/>
-          </p:cNvSpPr>
-          <p:nvPr>
-            <p:ph type="ftr" sz="quarter" idx="11"/>
-          </p:nvPr>
-        </p:nvSpPr>
-        <p:spPr/>
-        <p:txBody>
-          <a:bodyPr/>
-          <a:lstStyle/>
-          <a:p>
-            <a:endParaRPr lang="en-US"/>
-          </a:p>
-        </p:txBody>
-      </p:sp>
-      <p:sp>
-        <p:nvSpPr>
-          <p:cNvPr id="6" name="Slide Number Placeholder 5"/>
-          <p:cNvSpPr>
-            <a:spLocks noGrp="1"/>
-          </p:cNvSpPr>
-          <p:nvPr>
-            <p:ph type="sldNum" sz="quarter" idx="12"/>
-          </p:nvPr>
-        </p:nvSpPr>
-        <p:spPr/>
-        <p:txBody>
-          <a:bodyPr/>
-          <a:lstStyle/>
-          <a:p>
-            <a:fld id="{39EB1DB3-357A-411F-B0FD-62EA4977A493}" type="slidenum">
-              <a:rPr lang="en-US" smtClean="0"/>
-              <a:t>‹#›</a:t>
-            </a:fld>
-            <a:endParaRPr lang="en-US"/>
-          </a:p>
-        </p:txBody>
-      </p:sp>
-    </p:spTree>
-    <p:extLst>
-      <p:ext uri="{BB962C8B-B14F-4D97-AF65-F5344CB8AC3E}">
-        <p14:creationId xmlns:p14="http://schemas.microsoft.com/office/powerpoint/2010/main" val="226134894"/>
-      </p:ext>
-    </p:extLst>
-  </p:cSld>
-  <p:clrMapOvr>
-    <a:masterClrMapping/>
-  </p:clrMapOvr>
-</p:sldLayout>
-</file>
-
-<file path=ppt/slideLayouts/slideLayout3.xml><?xml version="1.0" encoding="utf-8"?>
-<p:sldLayout xmlns:a="http://schemas.openxmlformats.org/drawingml/2006/main" xmlns:r="http://schemas.openxmlformats.org/officeDocument/2006/relationships" xmlns:p="http://schemas.openxmlformats.org/presentationml/2006/main" type="secHead" preserve="1">
-  <p:cSld name="Section Header">
-    <p:spTree>
-      <p:nvGrpSpPr>
-        <p:cNvPr id="1" name=""/>
-        <p:cNvGrpSpPr/>
-        <p:nvPr/>
-      </p:nvGrpSpPr>
-      <p:grpSpPr>
-        <a:xfrm>
-          <a:off x="0" y="0"/>
-          <a:ext cx="0" cy="0"/>
-          <a:chOff x="0" y="0"/>
-          <a:chExt cx="0" cy="0"/>
-        </a:xfrm>
-      </p:grpSpPr>
-      <p:sp>
-        <p:nvSpPr>
-          <p:cNvPr id="2" name="Title 1"/>
-          <p:cNvSpPr>
-            <a:spLocks noGrp="1"/>
-          </p:cNvSpPr>
-          <p:nvPr>
-            <p:ph type="title"/>
-          </p:nvPr>
-        </p:nvSpPr>
-        <p:spPr>
-          <a:xfrm>
-            <a:off x="722313" y="4406900"/>
-            <a:ext cx="7772400" cy="1362075"/>
-          </a:xfrm>
-        </p:spPr>
-        <p:txBody>
-          <a:bodyPr anchor="t"/>
-          <a:lstStyle>
-            <a:lvl1pPr algn="l">
-              <a:defRPr sz="4000" b="1" cap="all"/>
-            </a:lvl1pPr>
-          </a:lstStyle>
-          <a:p>
-            <a:r>
-              <a:rPr lang="en-US" smtClean="0"/>
-              <a:t>Click to edit Master title style</a:t>
-            </a:r>
-            <a:endParaRPr lang="en-US"/>
-          </a:p>
-        </p:txBody>
-      </p:sp>
-      <p:sp>
-        <p:nvSpPr>
-          <p:cNvPr id="3" name="Text Placeholder 2"/>
-          <p:cNvSpPr>
-            <a:spLocks noGrp="1"/>
-          </p:cNvSpPr>
-          <p:nvPr>
-            <p:ph type="body" idx="1"/>
-          </p:nvPr>
-        </p:nvSpPr>
-        <p:spPr>
-          <a:xfrm>
-            <a:off x="722313" y="2906713"/>
-            <a:ext cx="7772400" cy="1500187"/>
-          </a:xfrm>
-        </p:spPr>
-        <p:txBody>
-          <a:bodyPr anchor="b"/>
-          <a:lstStyle>
-            <a:lvl1pPr marL="0" indent="0">
-              <a:buNone/>
-              <a:defRPr sz="2000">
-                <a:solidFill>
-                  <a:schemeClr val="tx1">
-                    <a:tint val="75000"/>
-                  </a:schemeClr>
-                </a:solidFill>
-              </a:defRPr>
-            </a:lvl1pPr>
-            <a:lvl2pPr marL="457200" indent="0">
-              <a:buNone/>
-              <a:defRPr sz="1800">
-                <a:solidFill>
-                  <a:schemeClr val="tx1">
-                    <a:tint val="75000"/>
-                  </a:schemeClr>
-                </a:solidFill>
-              </a:defRPr>
-            </a:lvl2pPr>
-            <a:lvl3pPr marL="914400" indent="0">
-              <a:buNone/>
-              <a:defRPr sz="1600">
-                <a:solidFill>
-                  <a:schemeClr val="tx1">
-                    <a:tint val="75000"/>
-                  </a:schemeClr>
-                </a:solidFill>
-              </a:defRPr>
-            </a:lvl3pPr>
-            <a:lvl4pPr marL="1371600" indent="0">
-              <a:buNone/>
-              <a:defRPr sz="1400">
-                <a:solidFill>
-                  <a:schemeClr val="tx1">
-                    <a:tint val="75000"/>
-                  </a:schemeClr>
-                </a:solidFill>
-              </a:defRPr>
-            </a:lvl4pPr>
-            <a:lvl5pPr marL="1828800" indent="0">
-              <a:buNone/>
-              <a:defRPr sz="1400">
-                <a:solidFill>
-                  <a:schemeClr val="tx1">
-                    <a:tint val="75000"/>
-                  </a:schemeClr>
-                </a:solidFill>
-              </a:defRPr>
-            </a:lvl5pPr>
-            <a:lvl6pPr marL="2286000" indent="0">
-              <a:buNone/>
-              <a:defRPr sz="1400">
-                <a:solidFill>
-                  <a:schemeClr val="tx1">
-                    <a:tint val="75000"/>
-                  </a:schemeClr>
-                </a:solidFill>
-              </a:defRPr>
-            </a:lvl6pPr>
-            <a:lvl7pPr marL="2743200" indent="0">
-              <a:buNone/>
-              <a:defRPr sz="1400">
-                <a:solidFill>
-                  <a:schemeClr val="tx1">
-                    <a:tint val="75000"/>
-                  </a:schemeClr>
-                </a:solidFill>
-              </a:defRPr>
-            </a:lvl7pPr>
-            <a:lvl8pPr marL="3200400" indent="0">
-              <a:buNone/>
-              <a:defRPr sz="1400">
-                <a:solidFill>
-                  <a:schemeClr val="tx1">
-                    <a:tint val="75000"/>
-                  </a:schemeClr>
-                </a:solidFill>
-              </a:defRPr>
-            </a:lvl8pPr>
-            <a:lvl9pPr marL="3657600" indent="0">
-              <a:buNone/>
-              <a:defRPr sz="1400">
-                <a:solidFill>
-                  <a:schemeClr val="tx1">
-                    <a:tint val="75000"/>
-                  </a:schemeClr>
-                </a:solidFill>
-              </a:defRPr>
-            </a:lvl9pPr>
-          </a:lstStyle>
-          <a:p>
-            <a:pPr lvl="0"/>
-            <a:r>
-              <a:rPr lang="en-US" smtClean="0"/>
-              <a:t>Click to edit Master text styles</a:t>
-            </a:r>
-          </a:p>
-        </p:txBody>
-      </p:sp>
-      <p:sp>
-        <p:nvSpPr>
-          <p:cNvPr id="4" name="Date Placeholder 3"/>
-          <p:cNvSpPr>
-            <a:spLocks noGrp="1"/>
-          </p:cNvSpPr>
-          <p:nvPr>
-            <p:ph type="dt" sz="half" idx="10"/>
-          </p:nvPr>
-        </p:nvSpPr>
-        <p:spPr/>
-        <p:txBody>
-          <a:bodyPr/>
-          <a:lstStyle/>
-          <a:p>
-            <a:fld id="{FC080E38-6FF2-48B3-BDAB-4FA23B840E92}" type="datetimeFigureOut">
-              <a:rPr lang="en-US" smtClean="0"/>
-              <a:t>2020-12-17</a:t>
-            </a:fld>
-            <a:endParaRPr lang="en-US"/>
-          </a:p>
-        </p:txBody>
-      </p:sp>
-      <p:sp>
-        <p:nvSpPr>
-          <p:cNvPr id="5" name="Footer Placeholder 4"/>
-          <p:cNvSpPr>
-            <a:spLocks noGrp="1"/>
-          </p:cNvSpPr>
-          <p:nvPr>
-            <p:ph type="ftr" sz="quarter" idx="11"/>
-          </p:nvPr>
-        </p:nvSpPr>
-        <p:spPr/>
-        <p:txBody>
-          <a:bodyPr/>
-          <a:lstStyle/>
-          <a:p>
-            <a:endParaRPr lang="en-US"/>
-          </a:p>
-        </p:txBody>
-      </p:sp>
-      <p:sp>
-        <p:nvSpPr>
-          <p:cNvPr id="6" name="Slide Number Placeholder 5"/>
-          <p:cNvSpPr>
-            <a:spLocks noGrp="1"/>
-          </p:cNvSpPr>
-          <p:nvPr>
-            <p:ph type="sldNum" sz="quarter" idx="12"/>
-          </p:nvPr>
-        </p:nvSpPr>
-        <p:spPr/>
-        <p:txBody>
-          <a:bodyPr/>
-          <a:lstStyle/>
-          <a:p>
-            <a:fld id="{39EB1DB3-357A-411F-B0FD-62EA4977A493}" type="slidenum">
-              <a:rPr lang="en-US" smtClean="0"/>
-              <a:t>‹#›</a:t>
-            </a:fld>
-            <a:endParaRPr lang="en-US"/>
-          </a:p>
-        </p:txBody>
-      </p:sp>
-    </p:spTree>
-    <p:extLst>
-      <p:ext uri="{BB962C8B-B14F-4D97-AF65-F5344CB8AC3E}">
-        <p14:creationId xmlns:p14="http://schemas.microsoft.com/office/powerpoint/2010/main" val="2432266201"/>
-      </p:ext>
-    </p:extLst>
-  </p:cSld>
-  <p:clrMapOvr>
-    <a:masterClrMapping/>
-  </p:clrMapOvr>
-</p:sldLayout>
-</file>
-
-<file path=ppt/slideLayouts/slideLayout4.xml><?xml version="1.0" encoding="utf-8"?>
-<p:sldLayout xmlns:a="http://schemas.openxmlformats.org/drawingml/2006/main" xmlns:r="http://schemas.openxmlformats.org/officeDocument/2006/relationships" xmlns:p="http://schemas.openxmlformats.org/presentationml/2006/main" type="twoObj" preserve="1">
-  <p:cSld name="Two Content">
-    <p:spTree>
-      <p:nvGrpSpPr>
-        <p:cNvPr id="1" name=""/>
-        <p:cNvGrpSpPr/>
-        <p:nvPr/>
-      </p:nvGrpSpPr>
-      <p:grpSpPr>
-        <a:xfrm>
-          <a:off x="0" y="0"/>
-          <a:ext cx="0" cy="0"/>
-          <a:chOff x="0" y="0"/>
-          <a:chExt cx="0" cy="0"/>
-        </a:xfrm>
-      </p:grpSpPr>
-      <p:sp>
-        <p:nvSpPr>
-          <p:cNvPr id="2" name="Title 1"/>
-          <p:cNvSpPr>
-            <a:spLocks noGrp="1"/>
-          </p:cNvSpPr>
-          <p:nvPr>
-            <p:ph type="title"/>
-          </p:nvPr>
-        </p:nvSpPr>
-        <p:spPr/>
-        <p:txBody>
-          <a:bodyPr/>
-          <a:lstStyle/>
-          <a:p>
-            <a:r>
-              <a:rPr lang="en-US" smtClean="0"/>
-              <a:t>Click to edit Master title style</a:t>
-            </a:r>
-            <a:endParaRPr lang="en-US"/>
-          </a:p>
-        </p:txBody>
-      </p:sp>
-      <p:sp>
-        <p:nvSpPr>
-          <p:cNvPr id="3" name="Content Placeholder 2"/>
-          <p:cNvSpPr>
-            <a:spLocks noGrp="1"/>
-          </p:cNvSpPr>
-          <p:nvPr>
-            <p:ph sz="half" idx="1"/>
-          </p:nvPr>
-        </p:nvSpPr>
-        <p:spPr>
-          <a:xfrm>
-            <a:off x="457200" y="1600200"/>
-            <a:ext cx="4038600" cy="4525963"/>
-          </a:xfrm>
-        </p:spPr>
-        <p:txBody>
-          <a:bodyPr/>
-          <a:lstStyle>
-            <a:lvl1pPr>
-              <a:defRPr sz="2800"/>
-            </a:lvl1pPr>
-            <a:lvl2pPr>
-              <a:defRPr sz="2400"/>
-            </a:lvl2pPr>
-            <a:lvl3pPr>
-              <a:defRPr sz="2000"/>
-            </a:lvl3pPr>
-            <a:lvl4pPr>
-              <a:defRPr sz="1800"/>
-            </a:lvl4pPr>
-            <a:lvl5pPr>
-              <a:defRPr sz="1800"/>
-            </a:lvl5pPr>
-            <a:lvl6pPr>
-              <a:defRPr sz="1800"/>
-            </a:lvl6pPr>
-            <a:lvl7pPr>
-              <a:defRPr sz="1800"/>
-            </a:lvl7pPr>
-            <a:lvl8pPr>
-              <a:defRPr sz="1800"/>
-            </a:lvl8pPr>
-            <a:lvl9pPr>
-              <a:defRPr sz="1800"/>
-            </a:lvl9pPr>
-          </a:lstStyle>
-          <a:p>
-            <a:pPr lvl="0"/>
-            <a:r>
-              <a:rPr lang="en-US" smtClean="0"/>
-              <a:t>Click to edit Master text styles</a:t>
-            </a:r>
-          </a:p>
-          <a:p>
-            <a:pPr lvl="1"/>
-            <a:r>
-              <a:rPr lang="en-US" smtClean="0"/>
-              <a:t>Second level</a:t>
-            </a:r>
-          </a:p>
-          <a:p>
-            <a:pPr lvl="2"/>
-            <a:r>
-              <a:rPr lang="en-US" smtClean="0"/>
-              <a:t>Third level</a:t>
-            </a:r>
-          </a:p>
-          <a:p>
-            <a:pPr lvl="3"/>
-            <a:r>
-              <a:rPr lang="en-US" smtClean="0"/>
-              <a:t>Fourth level</a:t>
-            </a:r>
-          </a:p>
-          <a:p>
-            <a:pPr lvl="4"/>
-            <a:r>
-              <a:rPr lang="en-US" smtClean="0"/>
-              <a:t>Fifth level</a:t>
-            </a:r>
-            <a:endParaRPr lang="en-US"/>
-          </a:p>
-        </p:txBody>
-      </p:sp>
-      <p:sp>
-        <p:nvSpPr>
-          <p:cNvPr id="4" name="Content Placeholder 3"/>
-          <p:cNvSpPr>
-            <a:spLocks noGrp="1"/>
-          </p:cNvSpPr>
-          <p:nvPr>
-            <p:ph sz="half" idx="2"/>
-          </p:nvPr>
-        </p:nvSpPr>
-        <p:spPr>
-          <a:xfrm>
-            <a:off x="4648200" y="1600200"/>
-            <a:ext cx="4038600" cy="4525963"/>
-          </a:xfrm>
-        </p:spPr>
-        <p:txBody>
-          <a:bodyPr/>
-          <a:lstStyle>
-            <a:lvl1pPr>
-              <a:defRPr sz="2800"/>
-            </a:lvl1pPr>
-            <a:lvl2pPr>
-              <a:defRPr sz="2400"/>
-            </a:lvl2pPr>
-            <a:lvl3pPr>
-              <a:defRPr sz="2000"/>
-            </a:lvl3pPr>
-            <a:lvl4pPr>
-              <a:defRPr sz="1800"/>
-            </a:lvl4pPr>
-            <a:lvl5pPr>
-              <a:defRPr sz="1800"/>
-            </a:lvl5pPr>
-            <a:lvl6pPr>
-              <a:defRPr sz="1800"/>
-            </a:lvl6pPr>
-            <a:lvl7pPr>
-              <a:defRPr sz="1800"/>
-            </a:lvl7pPr>
-            <a:lvl8pPr>
-              <a:defRPr sz="1800"/>
-            </a:lvl8pPr>
-            <a:lvl9pPr>
-              <a:defRPr sz="1800"/>
-            </a:lvl9pPr>
-          </a:lstStyle>
-          <a:p>
-            <a:pPr lvl="0"/>
-            <a:r>
-              <a:rPr lang="en-US" smtClean="0"/>
-              <a:t>Click to edit Master text styles</a:t>
-            </a:r>
-          </a:p>
-          <a:p>
-            <a:pPr lvl="1"/>
-            <a:r>
-              <a:rPr lang="en-US" smtClean="0"/>
-              <a:t>Second level</a:t>
-            </a:r>
-          </a:p>
-          <a:p>
-            <a:pPr lvl="2"/>
-            <a:r>
-              <a:rPr lang="en-US" smtClean="0"/>
-              <a:t>Third level</a:t>
-            </a:r>
-          </a:p>
-          <a:p>
-            <a:pPr lvl="3"/>
-            <a:r>
-              <a:rPr lang="en-US" smtClean="0"/>
-              <a:t>Fourth level</a:t>
-            </a:r>
-          </a:p>
-          <a:p>
-            <a:pPr lvl="4"/>
-            <a:r>
-              <a:rPr lang="en-US" smtClean="0"/>
-              <a:t>Fifth level</a:t>
-            </a:r>
-            <a:endParaRPr lang="en-US"/>
-          </a:p>
-        </p:txBody>
-      </p:sp>
-      <p:sp>
-        <p:nvSpPr>
-          <p:cNvPr id="5" name="Date Placeholder 4"/>
-          <p:cNvSpPr>
-            <a:spLocks noGrp="1"/>
-          </p:cNvSpPr>
-          <p:nvPr>
-            <p:ph type="dt" sz="half" idx="10"/>
-          </p:nvPr>
-        </p:nvSpPr>
-        <p:spPr/>
-        <p:txBody>
-          <a:bodyPr/>
-          <a:lstStyle/>
-          <a:p>
-            <a:fld id="{FC080E38-6FF2-48B3-BDAB-4FA23B840E92}" type="datetimeFigureOut">
-              <a:rPr lang="en-US" smtClean="0"/>
-              <a:t>2020-12-17</a:t>
-            </a:fld>
-            <a:endParaRPr lang="en-US"/>
-          </a:p>
-        </p:txBody>
-      </p:sp>
-      <p:sp>
-        <p:nvSpPr>
-          <p:cNvPr id="6" name="Footer Placeholder 5"/>
-          <p:cNvSpPr>
-            <a:spLocks noGrp="1"/>
-          </p:cNvSpPr>
-          <p:nvPr>
-            <p:ph type="ftr" sz="quarter" idx="11"/>
-          </p:nvPr>
-        </p:nvSpPr>
-        <p:spPr/>
-        <p:txBody>
-          <a:bodyPr/>
-          <a:lstStyle/>
-          <a:p>
-            <a:endParaRPr lang="en-US"/>
-          </a:p>
-        </p:txBody>
-      </p:sp>
-      <p:sp>
-        <p:nvSpPr>
-          <p:cNvPr id="7" name="Slide Number Placeholder 6"/>
-          <p:cNvSpPr>
-            <a:spLocks noGrp="1"/>
-          </p:cNvSpPr>
-          <p:nvPr>
-            <p:ph type="sldNum" sz="quarter" idx="12"/>
-          </p:nvPr>
-        </p:nvSpPr>
-        <p:spPr/>
-        <p:txBody>
-          <a:bodyPr/>
-          <a:lstStyle/>
-          <a:p>
-            <a:fld id="{39EB1DB3-357A-411F-B0FD-62EA4977A493}" type="slidenum">
-              <a:rPr lang="en-US" smtClean="0"/>
-              <a:t>‹#›</a:t>
-            </a:fld>
-            <a:endParaRPr lang="en-US"/>
-          </a:p>
-        </p:txBody>
-      </p:sp>
-    </p:spTree>
-    <p:extLst>
-      <p:ext uri="{BB962C8B-B14F-4D97-AF65-F5344CB8AC3E}">
-        <p14:creationId xmlns:p14="http://schemas.microsoft.com/office/powerpoint/2010/main" val="3871440210"/>
-      </p:ext>
-    </p:extLst>
-  </p:cSld>
-  <p:clrMapOvr>
-    <a:masterClrMapping/>
-  </p:clrMapOvr>
-</p:sldLayout>
-</file>
-
-<file path=ppt/slideLayouts/slideLayout5.xml><?xml version="1.0" encoding="utf-8"?>
-<p:sldLayout xmlns:a="http://schemas.openxmlformats.org/drawingml/2006/main" xmlns:r="http://schemas.openxmlformats.org/officeDocument/2006/relationships" xmlns:p="http://schemas.openxmlformats.org/presentationml/2006/main" type="twoTxTwoObj" preserve="1">
-  <p:cSld name="Comparison">
-    <p:spTree>
-      <p:nvGrpSpPr>
-        <p:cNvPr id="1" name=""/>
-        <p:cNvGrpSpPr/>
-        <p:nvPr/>
-      </p:nvGrpSpPr>
-      <p:grpSpPr>
-        <a:xfrm>
-          <a:off x="0" y="0"/>
-          <a:ext cx="0" cy="0"/>
-          <a:chOff x="0" y="0"/>
-          <a:chExt cx="0" cy="0"/>
-        </a:xfrm>
-      </p:grpSpPr>
-      <p:sp>
-        <p:nvSpPr>
-          <p:cNvPr id="2" name="Title 1"/>
-          <p:cNvSpPr>
-            <a:spLocks noGrp="1"/>
-          </p:cNvSpPr>
-          <p:nvPr>
-            <p:ph type="title"/>
-          </p:nvPr>
-        </p:nvSpPr>
-        <p:spPr/>
-        <p:txBody>
-          <a:bodyPr/>
-          <a:lstStyle>
-            <a:lvl1pPr>
-              <a:defRPr/>
-            </a:lvl1pPr>
-          </a:lstStyle>
-          <a:p>
-            <a:r>
-              <a:rPr lang="en-US" smtClean="0"/>
-              <a:t>Click to edit Master title style</a:t>
-            </a:r>
-            <a:endParaRPr lang="en-US"/>
-          </a:p>
-        </p:txBody>
-      </p:sp>
-      <p:sp>
-        <p:nvSpPr>
-          <p:cNvPr id="3" name="Text Placeholder 2"/>
-          <p:cNvSpPr>
-            <a:spLocks noGrp="1"/>
-          </p:cNvSpPr>
-          <p:nvPr>
-            <p:ph type="body" idx="1"/>
-          </p:nvPr>
-        </p:nvSpPr>
-        <p:spPr>
-          <a:xfrm>
-            <a:off x="457200" y="1535113"/>
-            <a:ext cx="4040188" cy="639762"/>
-          </a:xfrm>
-        </p:spPr>
-        <p:txBody>
-          <a:bodyPr anchor="b"/>
-          <a:lstStyle>
-            <a:lvl1pPr marL="0" indent="0">
-              <a:buNone/>
-              <a:defRPr sz="2400" b="1"/>
-            </a:lvl1pPr>
-            <a:lvl2pPr marL="457200" indent="0">
-              <a:buNone/>
-              <a:defRPr sz="2000" b="1"/>
-            </a:lvl2pPr>
-            <a:lvl3pPr marL="914400" indent="0">
-              <a:buNone/>
-              <a:defRPr sz="1800" b="1"/>
-            </a:lvl3pPr>
-            <a:lvl4pPr marL="1371600" indent="0">
-              <a:buNone/>
-              <a:defRPr sz="1600" b="1"/>
-            </a:lvl4pPr>
-            <a:lvl5pPr marL="1828800" indent="0">
-              <a:buNone/>
-              <a:defRPr sz="1600" b="1"/>
-            </a:lvl5pPr>
-            <a:lvl6pPr marL="2286000" indent="0">
-              <a:buNone/>
-              <a:defRPr sz="1600" b="1"/>
-            </a:lvl6pPr>
-            <a:lvl7pPr marL="2743200" indent="0">
-              <a:buNone/>
-              <a:defRPr sz="1600" b="1"/>
-            </a:lvl7pPr>
-            <a:lvl8pPr marL="3200400" indent="0">
-              <a:buNone/>
-              <a:defRPr sz="1600" b="1"/>
-            </a:lvl8pPr>
-            <a:lvl9pPr marL="3657600" indent="0">
-              <a:buNone/>
-              <a:defRPr sz="1600" b="1"/>
-            </a:lvl9pPr>
-          </a:lstStyle>
-          <a:p>
-            <a:pPr lvl="0"/>
-            <a:r>
-              <a:rPr lang="en-US" smtClean="0"/>
-              <a:t>Click to edit Master text styles</a:t>
-            </a:r>
-          </a:p>
-        </p:txBody>
-      </p:sp>
-      <p:sp>
-        <p:nvSpPr>
-          <p:cNvPr id="4" name="Content Placeholder 3"/>
-          <p:cNvSpPr>
-            <a:spLocks noGrp="1"/>
-          </p:cNvSpPr>
-          <p:nvPr>
-            <p:ph sz="half" idx="2"/>
-          </p:nvPr>
-        </p:nvSpPr>
-        <p:spPr>
-          <a:xfrm>
-            <a:off x="457200" y="2174875"/>
-            <a:ext cx="4040188" cy="3951288"/>
-          </a:xfrm>
-        </p:spPr>
-        <p:txBody>
-          <a:bodyPr/>
-          <a:lstStyle>
-            <a:lvl1pPr>
-              <a:defRPr sz="2400"/>
-            </a:lvl1pPr>
-            <a:lvl2pPr>
-              <a:defRPr sz="2000"/>
-            </a:lvl2pPr>
-            <a:lvl3pPr>
-              <a:defRPr sz="1800"/>
-            </a:lvl3pPr>
-            <a:lvl4pPr>
-              <a:defRPr sz="1600"/>
-            </a:lvl4pPr>
-            <a:lvl5pPr>
-              <a:defRPr sz="1600"/>
-            </a:lvl5pPr>
-            <a:lvl6pPr>
-              <a:defRPr sz="1600"/>
-            </a:lvl6pPr>
-            <a:lvl7pPr>
-              <a:defRPr sz="1600"/>
-            </a:lvl7pPr>
-            <a:lvl8pPr>
-              <a:defRPr sz="1600"/>
-            </a:lvl8pPr>
-            <a:lvl9pPr>
-              <a:defRPr sz="1600"/>
-            </a:lvl9pPr>
-          </a:lstStyle>
-          <a:p>
-            <a:pPr lvl="0"/>
-            <a:r>
-              <a:rPr lang="en-US" smtClean="0"/>
-              <a:t>Click to edit Master text styles</a:t>
-            </a:r>
-          </a:p>
-          <a:p>
-            <a:pPr lvl="1"/>
-            <a:r>
-              <a:rPr lang="en-US" smtClean="0"/>
-              <a:t>Second level</a:t>
-            </a:r>
-          </a:p>
-          <a:p>
-            <a:pPr lvl="2"/>
-            <a:r>
-              <a:rPr lang="en-US" smtClean="0"/>
-              <a:t>Third level</a:t>
-            </a:r>
-          </a:p>
-          <a:p>
-            <a:pPr lvl="3"/>
-            <a:r>
-              <a:rPr lang="en-US" smtClean="0"/>
-              <a:t>Fourth level</a:t>
-            </a:r>
-          </a:p>
-          <a:p>
-            <a:pPr lvl="4"/>
-            <a:r>
-              <a:rPr lang="en-US" smtClean="0"/>
-              <a:t>Fifth level</a:t>
-            </a:r>
-            <a:endParaRPr lang="en-US"/>
-          </a:p>
-        </p:txBody>
-      </p:sp>
-      <p:sp>
-        <p:nvSpPr>
-          <p:cNvPr id="5" name="Text Placeholder 4"/>
-          <p:cNvSpPr>
-            <a:spLocks noGrp="1"/>
-          </p:cNvSpPr>
-          <p:nvPr>
-            <p:ph type="body" sz="quarter" idx="3"/>
-          </p:nvPr>
-        </p:nvSpPr>
-        <p:spPr>
-          <a:xfrm>
-            <a:off x="4645025" y="1535113"/>
-            <a:ext cx="4041775" cy="639762"/>
-          </a:xfrm>
-        </p:spPr>
-        <p:txBody>
-          <a:bodyPr anchor="b"/>
-          <a:lstStyle>
-            <a:lvl1pPr marL="0" indent="0">
-              <a:buNone/>
-              <a:defRPr sz="2400" b="1"/>
-            </a:lvl1pPr>
-            <a:lvl2pPr marL="457200" indent="0">
-              <a:buNone/>
-              <a:defRPr sz="2000" b="1"/>
-            </a:lvl2pPr>
-            <a:lvl3pPr marL="914400" indent="0">
-              <a:buNone/>
-              <a:defRPr sz="1800" b="1"/>
-            </a:lvl3pPr>
-            <a:lvl4pPr marL="1371600" indent="0">
-              <a:buNone/>
-              <a:defRPr sz="1600" b="1"/>
-            </a:lvl4pPr>
-            <a:lvl5pPr marL="1828800" indent="0">
-              <a:buNone/>
-              <a:defRPr sz="1600" b="1"/>
-            </a:lvl5pPr>
-            <a:lvl6pPr marL="2286000" indent="0">
-              <a:buNone/>
-              <a:defRPr sz="1600" b="1"/>
-            </a:lvl6pPr>
-            <a:lvl7pPr marL="2743200" indent="0">
-              <a:buNone/>
-              <a:defRPr sz="1600" b="1"/>
-            </a:lvl7pPr>
-            <a:lvl8pPr marL="3200400" indent="0">
-              <a:buNone/>
-              <a:defRPr sz="1600" b="1"/>
-            </a:lvl8pPr>
-            <a:lvl9pPr marL="3657600" indent="0">
-              <a:buNone/>
-              <a:defRPr sz="1600" b="1"/>
-            </a:lvl9pPr>
-          </a:lstStyle>
-          <a:p>
-            <a:pPr lvl="0"/>
-            <a:r>
-              <a:rPr lang="en-US" smtClean="0"/>
-              <a:t>Click to edit Master text styles</a:t>
-            </a:r>
-          </a:p>
-        </p:txBody>
-      </p:sp>
-      <p:sp>
-        <p:nvSpPr>
-          <p:cNvPr id="6" name="Content Placeholder 5"/>
-          <p:cNvSpPr>
-            <a:spLocks noGrp="1"/>
-          </p:cNvSpPr>
-          <p:nvPr>
-            <p:ph sz="quarter" idx="4"/>
-          </p:nvPr>
-        </p:nvSpPr>
-        <p:spPr>
-          <a:xfrm>
-            <a:off x="4645025" y="2174875"/>
-            <a:ext cx="4041775" cy="3951288"/>
-          </a:xfrm>
-        </p:spPr>
-        <p:txBody>
-          <a:bodyPr/>
-          <a:lstStyle>
-            <a:lvl1pPr>
-              <a:defRPr sz="2400"/>
-            </a:lvl1pPr>
-            <a:lvl2pPr>
-              <a:defRPr sz="2000"/>
-            </a:lvl2pPr>
-            <a:lvl3pPr>
-              <a:defRPr sz="1800"/>
-            </a:lvl3pPr>
-            <a:lvl4pPr>
-              <a:defRPr sz="1600"/>
-            </a:lvl4pPr>
-            <a:lvl5pPr>
-              <a:defRPr sz="1600"/>
-            </a:lvl5pPr>
-            <a:lvl6pPr>
-              <a:defRPr sz="1600"/>
-            </a:lvl6pPr>
-            <a:lvl7pPr>
-              <a:defRPr sz="1600"/>
-            </a:lvl7pPr>
-            <a:lvl8pPr>
-              <a:defRPr sz="1600"/>
-            </a:lvl8pPr>
-            <a:lvl9pPr>
-              <a:defRPr sz="1600"/>
-            </a:lvl9pPr>
-          </a:lstStyle>
-          <a:p>
-            <a:pPr lvl="0"/>
-            <a:r>
-              <a:rPr lang="en-US" smtClean="0"/>
-              <a:t>Click to edit Master text styles</a:t>
-            </a:r>
-          </a:p>
-          <a:p>
-            <a:pPr lvl="1"/>
-            <a:r>
-              <a:rPr lang="en-US" smtClean="0"/>
-              <a:t>Second level</a:t>
-            </a:r>
-          </a:p>
-          <a:p>
-            <a:pPr lvl="2"/>
-            <a:r>
-              <a:rPr lang="en-US" smtClean="0"/>
-              <a:t>Third level</a:t>
-            </a:r>
-          </a:p>
-          <a:p>
-            <a:pPr lvl="3"/>
-            <a:r>
-              <a:rPr lang="en-US" smtClean="0"/>
-              <a:t>Fourth level</a:t>
-            </a:r>
-          </a:p>
-          <a:p>
-            <a:pPr lvl="4"/>
-            <a:r>
-              <a:rPr lang="en-US" smtClean="0"/>
-              <a:t>Fifth level</a:t>
-            </a:r>
-            <a:endParaRPr lang="en-US"/>
-          </a:p>
-        </p:txBody>
-      </p:sp>
-      <p:sp>
-        <p:nvSpPr>
-          <p:cNvPr id="7" name="Date Placeholder 6"/>
-          <p:cNvSpPr>
-            <a:spLocks noGrp="1"/>
-          </p:cNvSpPr>
-          <p:nvPr>
-            <p:ph type="dt" sz="half" idx="10"/>
-          </p:nvPr>
-        </p:nvSpPr>
-        <p:spPr/>
-        <p:txBody>
-          <a:bodyPr/>
-          <a:lstStyle/>
-          <a:p>
-            <a:fld id="{FC080E38-6FF2-48B3-BDAB-4FA23B840E92}" type="datetimeFigureOut">
-              <a:rPr lang="en-US" smtClean="0"/>
-              <a:t>2020-12-17</a:t>
-            </a:fld>
-            <a:endParaRPr lang="en-US"/>
-          </a:p>
-        </p:txBody>
-      </p:sp>
-      <p:sp>
-        <p:nvSpPr>
-          <p:cNvPr id="8" name="Footer Placeholder 7"/>
-          <p:cNvSpPr>
-            <a:spLocks noGrp="1"/>
-          </p:cNvSpPr>
-          <p:nvPr>
-            <p:ph type="ftr" sz="quarter" idx="11"/>
-          </p:nvPr>
-        </p:nvSpPr>
-        <p:spPr/>
-        <p:txBody>
-          <a:bodyPr/>
-          <a:lstStyle/>
-          <a:p>
-            <a:endParaRPr lang="en-US"/>
-          </a:p>
-        </p:txBody>
-      </p:sp>
-      <p:sp>
-        <p:nvSpPr>
-          <p:cNvPr id="9" name="Slide Number Placeholder 8"/>
-          <p:cNvSpPr>
-            <a:spLocks noGrp="1"/>
-          </p:cNvSpPr>
-          <p:nvPr>
-            <p:ph type="sldNum" sz="quarter" idx="12"/>
-          </p:nvPr>
-        </p:nvSpPr>
-        <p:spPr/>
-        <p:txBody>
-          <a:bodyPr/>
-          <a:lstStyle/>
-          <a:p>
-            <a:fld id="{39EB1DB3-357A-411F-B0FD-62EA4977A493}" type="slidenum">
-              <a:rPr lang="en-US" smtClean="0"/>
-              <a:t>‹#›</a:t>
-            </a:fld>
-            <a:endParaRPr lang="en-US"/>
-          </a:p>
-        </p:txBody>
-      </p:sp>
-    </p:spTree>
-    <p:extLst>
-      <p:ext uri="{BB962C8B-B14F-4D97-AF65-F5344CB8AC3E}">
-        <p14:creationId xmlns:p14="http://schemas.microsoft.com/office/powerpoint/2010/main" val="3969378096"/>
-      </p:ext>
-    </p:extLst>
-  </p:cSld>
-  <p:clrMapOvr>
-    <a:masterClrMapping/>
-  </p:clrMapOvr>
-</p:sldLayout>
-</file>
-
-<file path=ppt/slideLayouts/slideLayout6.xml><?xml version="1.0" encoding="utf-8"?>
-<p:sldLayout xmlns:a="http://schemas.openxmlformats.org/drawingml/2006/main" xmlns:r="http://schemas.openxmlformats.org/officeDocument/2006/relationships" xmlns:p="http://schemas.openxmlformats.org/presentationml/2006/main" type="titleOnly" preserve="1">
-  <p:cSld name="Title Only">
-    <p:spTree>
-      <p:nvGrpSpPr>
-        <p:cNvPr id="1" name=""/>
-        <p:cNvGrpSpPr/>
-        <p:nvPr/>
-      </p:nvGrpSpPr>
-      <p:grpSpPr>
-        <a:xfrm>
-          <a:off x="0" y="0"/>
-          <a:ext cx="0" cy="0"/>
-          <a:chOff x="0" y="0"/>
-          <a:chExt cx="0" cy="0"/>
-        </a:xfrm>
-      </p:grpSpPr>
-      <p:sp>
-        <p:nvSpPr>
-          <p:cNvPr id="2" name="Title 1"/>
-          <p:cNvSpPr>
-            <a:spLocks noGrp="1"/>
-          </p:cNvSpPr>
-          <p:nvPr>
-            <p:ph type="title"/>
-          </p:nvPr>
-        </p:nvSpPr>
-        <p:spPr/>
-        <p:txBody>
-          <a:bodyPr/>
-          <a:lstStyle/>
-          <a:p>
-            <a:r>
-              <a:rPr lang="en-US" smtClean="0"/>
-              <a:t>Click to edit Master title style</a:t>
-            </a:r>
-            <a:endParaRPr lang="en-US"/>
-          </a:p>
-        </p:txBody>
-      </p:sp>
-      <p:sp>
-        <p:nvSpPr>
-          <p:cNvPr id="3" name="Date Placeholder 2"/>
-          <p:cNvSpPr>
-            <a:spLocks noGrp="1"/>
-          </p:cNvSpPr>
-          <p:nvPr>
-            <p:ph type="dt" sz="half" idx="10"/>
-          </p:nvPr>
-        </p:nvSpPr>
-        <p:spPr/>
-        <p:txBody>
-          <a:bodyPr/>
-          <a:lstStyle/>
-          <a:p>
-            <a:fld id="{FC080E38-6FF2-48B3-BDAB-4FA23B840E92}" type="datetimeFigureOut">
-              <a:rPr lang="en-US" smtClean="0"/>
-              <a:t>2020-12-17</a:t>
-            </a:fld>
-            <a:endParaRPr lang="en-US"/>
-          </a:p>
-        </p:txBody>
-      </p:sp>
-      <p:sp>
-        <p:nvSpPr>
-          <p:cNvPr id="4" name="Footer Placeholder 3"/>
-          <p:cNvSpPr>
-            <a:spLocks noGrp="1"/>
-          </p:cNvSpPr>
-          <p:nvPr>
-            <p:ph type="ftr" sz="quarter" idx="11"/>
-          </p:nvPr>
-        </p:nvSpPr>
-        <p:spPr/>
-        <p:txBody>
-          <a:bodyPr/>
-          <a:lstStyle/>
-          <a:p>
-            <a:endParaRPr lang="en-US"/>
-          </a:p>
-        </p:txBody>
-      </p:sp>
-      <p:sp>
-        <p:nvSpPr>
-          <p:cNvPr id="5" name="Slide Number Placeholder 4"/>
-          <p:cNvSpPr>
-            <a:spLocks noGrp="1"/>
-          </p:cNvSpPr>
-          <p:nvPr>
-            <p:ph type="sldNum" sz="quarter" idx="12"/>
-          </p:nvPr>
-        </p:nvSpPr>
-        <p:spPr/>
-        <p:txBody>
-          <a:bodyPr/>
-          <a:lstStyle/>
-          <a:p>
-            <a:fld id="{39EB1DB3-357A-411F-B0FD-62EA4977A493}" type="slidenum">
-              <a:rPr lang="en-US" smtClean="0"/>
-              <a:t>‹#›</a:t>
-            </a:fld>
-            <a:endParaRPr lang="en-US"/>
-          </a:p>
-        </p:txBody>
-      </p:sp>
-    </p:spTree>
-    <p:extLst>
-      <p:ext uri="{BB962C8B-B14F-4D97-AF65-F5344CB8AC3E}">
-        <p14:creationId xmlns:p14="http://schemas.microsoft.com/office/powerpoint/2010/main" val="3878030355"/>
-      </p:ext>
-    </p:extLst>
-  </p:cSld>
-  <p:clrMapOvr>
-    <a:masterClrMapping/>
-  </p:clrMapOvr>
-</p:sldLayout>
-</file>
-
-<file path=ppt/slideLayouts/slideLayout7.xml><?xml version="1.0" encoding="utf-8"?>
-<p:sldLayout xmlns:a="http://schemas.openxmlformats.org/drawingml/2006/main" xmlns:r="http://schemas.openxmlformats.org/officeDocument/2006/relationships" xmlns:p="http://schemas.openxmlformats.org/presentationml/2006/main" type="blank" preserve="1">
-  <p:cSld name="Blank">
-    <p:spTree>
-      <p:nvGrpSpPr>
-        <p:cNvPr id="1" name=""/>
-        <p:cNvGrpSpPr/>
-        <p:nvPr/>
-      </p:nvGrpSpPr>
-      <p:grpSpPr>
-        <a:xfrm>
-          <a:off x="0" y="0"/>
-          <a:ext cx="0" cy="0"/>
-          <a:chOff x="0" y="0"/>
-          <a:chExt cx="0" cy="0"/>
-        </a:xfrm>
-      </p:grpSpPr>
-      <p:sp>
-        <p:nvSpPr>
-          <p:cNvPr id="2" name="Date Placeholder 1"/>
-          <p:cNvSpPr>
-            <a:spLocks noGrp="1"/>
-          </p:cNvSpPr>
-          <p:nvPr>
-            <p:ph type="dt" sz="half" idx="10"/>
-          </p:nvPr>
-        </p:nvSpPr>
-        <p:spPr/>
-        <p:txBody>
-          <a:bodyPr/>
-          <a:lstStyle/>
-          <a:p>
-            <a:fld id="{FC080E38-6FF2-48B3-BDAB-4FA23B840E92}" type="datetimeFigureOut">
-              <a:rPr lang="en-US" smtClean="0"/>
-              <a:t>2020-12-17</a:t>
-            </a:fld>
-            <a:endParaRPr lang="en-US"/>
-          </a:p>
-        </p:txBody>
-      </p:sp>
-      <p:sp>
-        <p:nvSpPr>
-          <p:cNvPr id="3" name="Footer Placeholder 2"/>
-          <p:cNvSpPr>
-            <a:spLocks noGrp="1"/>
-          </p:cNvSpPr>
-          <p:nvPr>
-            <p:ph type="ftr" sz="quarter" idx="11"/>
-          </p:nvPr>
-        </p:nvSpPr>
-        <p:spPr/>
-        <p:txBody>
-          <a:bodyPr/>
-          <a:lstStyle/>
-          <a:p>
-            <a:endParaRPr lang="en-US"/>
-          </a:p>
-        </p:txBody>
-      </p:sp>
-      <p:sp>
-        <p:nvSpPr>
-          <p:cNvPr id="4" name="Slide Number Placeholder 3"/>
-          <p:cNvSpPr>
-            <a:spLocks noGrp="1"/>
-          </p:cNvSpPr>
-          <p:nvPr>
-            <p:ph type="sldNum" sz="quarter" idx="12"/>
-          </p:nvPr>
-        </p:nvSpPr>
-        <p:spPr/>
-        <p:txBody>
-          <a:bodyPr/>
-          <a:lstStyle/>
-          <a:p>
-            <a:fld id="{39EB1DB3-357A-411F-B0FD-62EA4977A493}" type="slidenum">
-              <a:rPr lang="en-US" smtClean="0"/>
-              <a:t>‹#›</a:t>
-            </a:fld>
-            <a:endParaRPr lang="en-US"/>
-          </a:p>
-        </p:txBody>
-      </p:sp>
-    </p:spTree>
-    <p:extLst>
-      <p:ext uri="{BB962C8B-B14F-4D97-AF65-F5344CB8AC3E}">
-        <p14:creationId xmlns:p14="http://schemas.microsoft.com/office/powerpoint/2010/main" val="3045963669"/>
-      </p:ext>
-    </p:extLst>
-  </p:cSld>
-  <p:clrMapOvr>
-    <a:masterClrMapping/>
-  </p:clrMapOvr>
-</p:sldLayout>
-</file>
-
-<file path=ppt/slideLayouts/slideLayout8.xml><?xml version="1.0" encoding="utf-8"?>
-<p:sldLayout xmlns:a="http://schemas.openxmlformats.org/drawingml/2006/main" xmlns:r="http://schemas.openxmlformats.org/officeDocument/2006/relationships" xmlns:p="http://schemas.openxmlformats.org/presentationml/2006/main" type="objTx" preserve="1">
-  <p:cSld name="Content with Caption">
-    <p:spTree>
-      <p:nvGrpSpPr>
-        <p:cNvPr id="1" name=""/>
-        <p:cNvGrpSpPr/>
-        <p:nvPr/>
-      </p:nvGrpSpPr>
-      <p:grpSpPr>
-        <a:xfrm>
-          <a:off x="0" y="0"/>
-          <a:ext cx="0" cy="0"/>
-          <a:chOff x="0" y="0"/>
-          <a:chExt cx="0" cy="0"/>
-        </a:xfrm>
-      </p:grpSpPr>
-      <p:sp>
-        <p:nvSpPr>
-          <p:cNvPr id="2" name="Title 1"/>
-          <p:cNvSpPr>
-            <a:spLocks noGrp="1"/>
-          </p:cNvSpPr>
-          <p:nvPr>
-            <p:ph type="title"/>
-          </p:nvPr>
-        </p:nvSpPr>
-        <p:spPr>
-          <a:xfrm>
-            <a:off x="457200" y="273050"/>
-            <a:ext cx="3008313" cy="1162050"/>
-          </a:xfrm>
-        </p:spPr>
-        <p:txBody>
-          <a:bodyPr anchor="b"/>
-          <a:lstStyle>
-            <a:lvl1pPr algn="l">
-              <a:defRPr sz="2000" b="1"/>
-            </a:lvl1pPr>
-          </a:lstStyle>
-          <a:p>
-            <a:r>
-              <a:rPr lang="en-US" smtClean="0"/>
-              <a:t>Click to edit Master title style</a:t>
-            </a:r>
-            <a:endParaRPr lang="en-US"/>
-          </a:p>
-        </p:txBody>
-      </p:sp>
-      <p:sp>
-        <p:nvSpPr>
-          <p:cNvPr id="3" name="Content Placeholder 2"/>
-          <p:cNvSpPr>
-            <a:spLocks noGrp="1"/>
-          </p:cNvSpPr>
-          <p:nvPr>
-            <p:ph idx="1"/>
-          </p:nvPr>
-        </p:nvSpPr>
-        <p:spPr>
-          <a:xfrm>
-            <a:off x="3575050" y="273050"/>
-            <a:ext cx="5111750" cy="5853113"/>
-          </a:xfrm>
-        </p:spPr>
-        <p:txBody>
-          <a:bodyPr/>
-          <a:lstStyle>
-            <a:lvl1pPr>
-              <a:defRPr sz="3200"/>
-            </a:lvl1pPr>
-            <a:lvl2pPr>
-              <a:defRPr sz="2800"/>
-            </a:lvl2pPr>
-            <a:lvl3pPr>
-              <a:defRPr sz="2400"/>
-            </a:lvl3pPr>
-            <a:lvl4pPr>
-              <a:defRPr sz="2000"/>
-            </a:lvl4pPr>
-            <a:lvl5pPr>
-              <a:defRPr sz="2000"/>
-            </a:lvl5pPr>
-            <a:lvl6pPr>
-              <a:defRPr sz="2000"/>
-            </a:lvl6pPr>
-            <a:lvl7pPr>
-              <a:defRPr sz="2000"/>
-            </a:lvl7pPr>
-            <a:lvl8pPr>
-              <a:defRPr sz="2000"/>
-            </a:lvl8pPr>
-            <a:lvl9pPr>
-              <a:defRPr sz="2000"/>
-            </a:lvl9pPr>
-          </a:lstStyle>
-          <a:p>
-            <a:pPr lvl="0"/>
-            <a:r>
-              <a:rPr lang="en-US" smtClean="0"/>
-              <a:t>Click to edit Master text styles</a:t>
-            </a:r>
-          </a:p>
-          <a:p>
-            <a:pPr lvl="1"/>
-            <a:r>
-              <a:rPr lang="en-US" smtClean="0"/>
-              <a:t>Second level</a:t>
-            </a:r>
-          </a:p>
-          <a:p>
-            <a:pPr lvl="2"/>
-            <a:r>
-              <a:rPr lang="en-US" smtClean="0"/>
-              <a:t>Third level</a:t>
-            </a:r>
-          </a:p>
-          <a:p>
-            <a:pPr lvl="3"/>
-            <a:r>
-              <a:rPr lang="en-US" smtClean="0"/>
-              <a:t>Fourth level</a:t>
-            </a:r>
-          </a:p>
-          <a:p>
-            <a:pPr lvl="4"/>
-            <a:r>
-              <a:rPr lang="en-US" smtClean="0"/>
-              <a:t>Fifth level</a:t>
-            </a:r>
-            <a:endParaRPr lang="en-US"/>
-          </a:p>
-        </p:txBody>
-      </p:sp>
-      <p:sp>
-        <p:nvSpPr>
-          <p:cNvPr id="4" name="Text Placeholder 3"/>
-          <p:cNvSpPr>
-            <a:spLocks noGrp="1"/>
-          </p:cNvSpPr>
-          <p:nvPr>
-            <p:ph type="body" sz="half" idx="2"/>
-          </p:nvPr>
-        </p:nvSpPr>
-        <p:spPr>
-          <a:xfrm>
-            <a:off x="457200" y="1435100"/>
-            <a:ext cx="3008313" cy="4691063"/>
-          </a:xfrm>
-        </p:spPr>
-        <p:txBody>
-          <a:bodyPr/>
-          <a:lstStyle>
-            <a:lvl1pPr marL="0" indent="0">
-              <a:buNone/>
-              <a:defRPr sz="1400"/>
-            </a:lvl1pPr>
-            <a:lvl2pPr marL="457200" indent="0">
-              <a:buNone/>
-              <a:defRPr sz="1200"/>
-            </a:lvl2pPr>
-            <a:lvl3pPr marL="914400" indent="0">
-              <a:buNone/>
-              <a:defRPr sz="1000"/>
-            </a:lvl3pPr>
-            <a:lvl4pPr marL="1371600" indent="0">
-              <a:buNone/>
-              <a:defRPr sz="900"/>
-            </a:lvl4pPr>
-            <a:lvl5pPr marL="1828800" indent="0">
-              <a:buNone/>
-              <a:defRPr sz="900"/>
-            </a:lvl5pPr>
-            <a:lvl6pPr marL="2286000" indent="0">
-              <a:buNone/>
-              <a:defRPr sz="900"/>
-            </a:lvl6pPr>
-            <a:lvl7pPr marL="2743200" indent="0">
-              <a:buNone/>
-              <a:defRPr sz="900"/>
-            </a:lvl7pPr>
-            <a:lvl8pPr marL="3200400" indent="0">
-              <a:buNone/>
-              <a:defRPr sz="900"/>
-            </a:lvl8pPr>
-            <a:lvl9pPr marL="3657600" indent="0">
-              <a:buNone/>
-              <a:defRPr sz="900"/>
-            </a:lvl9pPr>
-          </a:lstStyle>
-          <a:p>
-            <a:pPr lvl="0"/>
-            <a:r>
-              <a:rPr lang="en-US" smtClean="0"/>
-              <a:t>Click to edit Master text styles</a:t>
-            </a:r>
-          </a:p>
-        </p:txBody>
-      </p:sp>
-      <p:sp>
-        <p:nvSpPr>
-          <p:cNvPr id="5" name="Date Placeholder 4"/>
-          <p:cNvSpPr>
-            <a:spLocks noGrp="1"/>
-          </p:cNvSpPr>
-          <p:nvPr>
-            <p:ph type="dt" sz="half" idx="10"/>
-          </p:nvPr>
-        </p:nvSpPr>
-        <p:spPr/>
-        <p:txBody>
-          <a:bodyPr/>
-          <a:lstStyle/>
-          <a:p>
-            <a:fld id="{FC080E38-6FF2-48B3-BDAB-4FA23B840E92}" type="datetimeFigureOut">
-              <a:rPr lang="en-US" smtClean="0"/>
-              <a:t>2020-12-17</a:t>
-            </a:fld>
-            <a:endParaRPr lang="en-US"/>
-          </a:p>
-        </p:txBody>
-      </p:sp>
-      <p:sp>
-        <p:nvSpPr>
-          <p:cNvPr id="6" name="Footer Placeholder 5"/>
-          <p:cNvSpPr>
-            <a:spLocks noGrp="1"/>
-          </p:cNvSpPr>
-          <p:nvPr>
-            <p:ph type="ftr" sz="quarter" idx="11"/>
-          </p:nvPr>
-        </p:nvSpPr>
-        <p:spPr/>
-        <p:txBody>
-          <a:bodyPr/>
-          <a:lstStyle/>
-          <a:p>
-            <a:endParaRPr lang="en-US"/>
-          </a:p>
-        </p:txBody>
-      </p:sp>
-      <p:sp>
-        <p:nvSpPr>
-          <p:cNvPr id="7" name="Slide Number Placeholder 6"/>
-          <p:cNvSpPr>
-            <a:spLocks noGrp="1"/>
-          </p:cNvSpPr>
-          <p:nvPr>
-            <p:ph type="sldNum" sz="quarter" idx="12"/>
-          </p:nvPr>
-        </p:nvSpPr>
-        <p:spPr/>
-        <p:txBody>
-          <a:bodyPr/>
-          <a:lstStyle/>
-          <a:p>
-            <a:fld id="{39EB1DB3-357A-411F-B0FD-62EA4977A493}" type="slidenum">
-              <a:rPr lang="en-US" smtClean="0"/>
-              <a:t>‹#›</a:t>
-            </a:fld>
-            <a:endParaRPr lang="en-US"/>
-          </a:p>
-        </p:txBody>
-      </p:sp>
-    </p:spTree>
-    <p:extLst>
-      <p:ext uri="{BB962C8B-B14F-4D97-AF65-F5344CB8AC3E}">
-        <p14:creationId xmlns:p14="http://schemas.microsoft.com/office/powerpoint/2010/main" val="1097816265"/>
-      </p:ext>
-    </p:extLst>
-  </p:cSld>
-  <p:clrMapOvr>
-    <a:masterClrMapping/>
-  </p:clrMapOvr>
-</p:sldLayout>
-</file>
-
-<file path=ppt/slideLayouts/slideLayout9.xml><?xml version="1.0" encoding="utf-8"?>
-<p:sldLayout xmlns:a="http://schemas.openxmlformats.org/drawingml/2006/main" xmlns:r="http://schemas.openxmlformats.org/officeDocument/2006/relationships" xmlns:p="http://schemas.openxmlformats.org/presentationml/2006/main" type="picTx" preserve="1">
-  <p:cSld name="Picture with Caption">
-    <p:spTree>
-      <p:nvGrpSpPr>
-        <p:cNvPr id="1" name=""/>
-        <p:cNvGrpSpPr/>
-        <p:nvPr/>
-      </p:nvGrpSpPr>
-      <p:grpSpPr>
-        <a:xfrm>
-          <a:off x="0" y="0"/>
-          <a:ext cx="0" cy="0"/>
-          <a:chOff x="0" y="0"/>
-          <a:chExt cx="0" cy="0"/>
-        </a:xfrm>
-      </p:grpSpPr>
-      <p:sp>
-        <p:nvSpPr>
-          <p:cNvPr id="2" name="Title 1"/>
-          <p:cNvSpPr>
-            <a:spLocks noGrp="1"/>
-          </p:cNvSpPr>
-          <p:nvPr>
-            <p:ph type="title"/>
-          </p:nvPr>
-        </p:nvSpPr>
-        <p:spPr>
-          <a:xfrm>
-            <a:off x="1792288" y="4800600"/>
-            <a:ext cx="5486400" cy="566738"/>
-          </a:xfrm>
-        </p:spPr>
-        <p:txBody>
-          <a:bodyPr anchor="b"/>
-          <a:lstStyle>
-            <a:lvl1pPr algn="l">
-              <a:defRPr sz="2000" b="1"/>
-            </a:lvl1pPr>
-          </a:lstStyle>
-          <a:p>
-            <a:r>
-              <a:rPr lang="en-US" smtClean="0"/>
-              <a:t>Click to edit Master title style</a:t>
-            </a:r>
-            <a:endParaRPr lang="en-US"/>
-          </a:p>
-        </p:txBody>
-      </p:sp>
-      <p:sp>
-        <p:nvSpPr>
-          <p:cNvPr id="3" name="Picture Placeholder 2"/>
-          <p:cNvSpPr>
-            <a:spLocks noGrp="1"/>
-          </p:cNvSpPr>
-          <p:nvPr>
-            <p:ph type="pic" idx="1"/>
-          </p:nvPr>
-        </p:nvSpPr>
-        <p:spPr>
-          <a:xfrm>
-            <a:off x="1792288" y="612775"/>
-            <a:ext cx="5486400" cy="4114800"/>
-          </a:xfrm>
-        </p:spPr>
-        <p:txBody>
-          <a:bodyPr/>
-          <a:lstStyle>
-            <a:lvl1pPr marL="0" indent="0">
-              <a:buNone/>
-              <a:defRPr sz="3200"/>
-            </a:lvl1pPr>
-            <a:lvl2pPr marL="457200" indent="0">
-              <a:buNone/>
-              <a:defRPr sz="2800"/>
-            </a:lvl2pPr>
-            <a:lvl3pPr marL="914400" indent="0">
-              <a:buNone/>
-              <a:defRPr sz="2400"/>
-            </a:lvl3pPr>
-            <a:lvl4pPr marL="1371600" indent="0">
-              <a:buNone/>
-              <a:defRPr sz="2000"/>
-            </a:lvl4pPr>
-            <a:lvl5pPr marL="1828800" indent="0">
-              <a:buNone/>
-              <a:defRPr sz="2000"/>
-            </a:lvl5pPr>
-            <a:lvl6pPr marL="2286000" indent="0">
-              <a:buNone/>
-              <a:defRPr sz="2000"/>
-            </a:lvl6pPr>
-            <a:lvl7pPr marL="2743200" indent="0">
-              <a:buNone/>
-              <a:defRPr sz="2000"/>
-            </a:lvl7pPr>
-            <a:lvl8pPr marL="3200400" indent="0">
-              <a:buNone/>
-              <a:defRPr sz="2000"/>
-            </a:lvl8pPr>
-            <a:lvl9pPr marL="3657600" indent="0">
-              <a:buNone/>
-              <a:defRPr sz="2000"/>
-            </a:lvl9pPr>
-          </a:lstStyle>
-          <a:p>
-            <a:endParaRPr lang="en-US"/>
-          </a:p>
-        </p:txBody>
-      </p:sp>
-      <p:sp>
-        <p:nvSpPr>
-          <p:cNvPr id="4" name="Text Placeholder 3"/>
-          <p:cNvSpPr>
-            <a:spLocks noGrp="1"/>
-          </p:cNvSpPr>
-          <p:nvPr>
-            <p:ph type="body" sz="half" idx="2"/>
-          </p:nvPr>
-        </p:nvSpPr>
-        <p:spPr>
-          <a:xfrm>
-            <a:off x="1792288" y="5367338"/>
-            <a:ext cx="5486400" cy="804862"/>
-          </a:xfrm>
-        </p:spPr>
-        <p:txBody>
-          <a:bodyPr/>
-          <a:lstStyle>
-            <a:lvl1pPr marL="0" indent="0">
-              <a:buNone/>
-              <a:defRPr sz="1400"/>
-            </a:lvl1pPr>
-            <a:lvl2pPr marL="457200" indent="0">
-              <a:buNone/>
-              <a:defRPr sz="1200"/>
-            </a:lvl2pPr>
-            <a:lvl3pPr marL="914400" indent="0">
-              <a:buNone/>
-              <a:defRPr sz="1000"/>
-            </a:lvl3pPr>
-            <a:lvl4pPr marL="1371600" indent="0">
-              <a:buNone/>
-              <a:defRPr sz="900"/>
-            </a:lvl4pPr>
-            <a:lvl5pPr marL="1828800" indent="0">
-              <a:buNone/>
-              <a:defRPr sz="900"/>
-            </a:lvl5pPr>
-            <a:lvl6pPr marL="2286000" indent="0">
-              <a:buNone/>
-              <a:defRPr sz="900"/>
-            </a:lvl6pPr>
-            <a:lvl7pPr marL="2743200" indent="0">
-              <a:buNone/>
-              <a:defRPr sz="900"/>
-            </a:lvl7pPr>
-            <a:lvl8pPr marL="3200400" indent="0">
-              <a:buNone/>
-              <a:defRPr sz="900"/>
-            </a:lvl8pPr>
-            <a:lvl9pPr marL="3657600" indent="0">
-              <a:buNone/>
-              <a:defRPr sz="900"/>
-            </a:lvl9pPr>
-          </a:lstStyle>
-          <a:p>
-            <a:pPr lvl="0"/>
-            <a:r>
-              <a:rPr lang="en-US" smtClean="0"/>
-              <a:t>Click to edit Master text styles</a:t>
-            </a:r>
-          </a:p>
-        </p:txBody>
-      </p:sp>
-      <p:sp>
-        <p:nvSpPr>
-          <p:cNvPr id="5" name="Date Placeholder 4"/>
-          <p:cNvSpPr>
-            <a:spLocks noGrp="1"/>
-          </p:cNvSpPr>
-          <p:nvPr>
-            <p:ph type="dt" sz="half" idx="10"/>
-          </p:nvPr>
-        </p:nvSpPr>
-        <p:spPr/>
-        <p:txBody>
-          <a:bodyPr/>
-          <a:lstStyle/>
-          <a:p>
-            <a:fld id="{FC080E38-6FF2-48B3-BDAB-4FA23B840E92}" type="datetimeFigureOut">
-              <a:rPr lang="en-US" smtClean="0"/>
-              <a:t>2020-12-17</a:t>
-            </a:fld>
-            <a:endParaRPr lang="en-US"/>
-          </a:p>
-        </p:txBody>
-      </p:sp>
-      <p:sp>
-        <p:nvSpPr>
-          <p:cNvPr id="6" name="Footer Placeholder 5"/>
-          <p:cNvSpPr>
-            <a:spLocks noGrp="1"/>
-          </p:cNvSpPr>
-          <p:nvPr>
-            <p:ph type="ftr" sz="quarter" idx="11"/>
-          </p:nvPr>
-        </p:nvSpPr>
-        <p:spPr/>
-        <p:txBody>
-          <a:bodyPr/>
-          <a:lstStyle/>
-          <a:p>
-            <a:endParaRPr lang="en-US"/>
-          </a:p>
-        </p:txBody>
-      </p:sp>
-      <p:sp>
-        <p:nvSpPr>
-          <p:cNvPr id="7" name="Slide Number Placeholder 6"/>
-          <p:cNvSpPr>
-            <a:spLocks noGrp="1"/>
-          </p:cNvSpPr>
-          <p:nvPr>
-            <p:ph type="sldNum" sz="quarter" idx="12"/>
-          </p:nvPr>
-        </p:nvSpPr>
-        <p:spPr/>
-        <p:txBody>
-          <a:bodyPr/>
-          <a:lstStyle/>
-          <a:p>
-            <a:fld id="{39EB1DB3-357A-411F-B0FD-62EA4977A493}" type="slidenum">
-              <a:rPr lang="en-US" smtClean="0"/>
-              <a:t>‹#›</a:t>
-            </a:fld>
-            <a:endParaRPr lang="en-US"/>
-          </a:p>
-        </p:txBody>
-      </p:sp>
-    </p:spTree>
-    <p:extLst>
-      <p:ext uri="{BB962C8B-B14F-4D97-AF65-F5344CB8AC3E}">
-        <p14:creationId xmlns:p14="http://schemas.microsoft.com/office/powerpoint/2010/main" val="1630524940"/>
       </p:ext>
     </p:extLst>
   </p:cSld>
@@ -2592,215 +404,89 @@
       </p:grpSpPr>
       <p:sp>
         <p:nvSpPr>
-          <p:cNvPr id="2" name="Title Placeholder 1"/>
-          <p:cNvSpPr>
-            <a:spLocks noGrp="1"/>
-          </p:cNvSpPr>
-          <p:nvPr>
-            <p:ph type="title"/>
-          </p:nvPr>
+          <p:cNvPr id="7" name="TextBox 6"/>
+          <p:cNvSpPr txBox="1"/>
+          <p:nvPr userDrawn="1"/>
         </p:nvSpPr>
         <p:spPr>
           <a:xfrm>
-            <a:off x="457200" y="274638"/>
-            <a:ext cx="8229600" cy="1143000"/>
+            <a:off x="8740412" y="6654918"/>
+            <a:ext cx="396262" cy="215444"/>
           </a:xfrm>
           <a:prstGeom prst="rect">
             <a:avLst/>
           </a:prstGeom>
+          <a:noFill/>
         </p:spPr>
         <p:txBody>
-          <a:bodyPr vert="horz" lIns="91440" tIns="45720" rIns="91440" bIns="45720" rtlCol="0" anchor="ctr">
-            <a:normAutofit/>
+          <a:bodyPr wrap="none" rtlCol="0">
+            <a:spAutoFit/>
           </a:bodyPr>
           <a:lstStyle/>
           <a:p>
+            <a:pPr algn="r"/>
+            <a:fld id="{01917CBD-6E41-42B4-830E-950D0E1880E2}" type="slidenum">
+              <a:rPr lang="en-US" sz="800" smtClean="0">
+                <a:latin typeface="Arial" panose="020B0604020202020204" pitchFamily="34" charset="0"/>
+                <a:cs typeface="Arial" panose="020B0604020202020204" pitchFamily="34" charset="0"/>
+              </a:rPr>
+              <a:pPr algn="r"/>
+              <a:t>‹#›</a:t>
+            </a:fld>
             <a:r>
-              <a:rPr lang="en-US" smtClean="0"/>
-              <a:t>Click to edit Master title style</a:t>
+              <a:rPr lang="en-US" sz="800" dirty="0" smtClean="0">
+                <a:latin typeface="Arial" panose="020B0604020202020204" pitchFamily="34" charset="0"/>
+                <a:cs typeface="Arial" panose="020B0604020202020204" pitchFamily="34" charset="0"/>
+              </a:rPr>
+              <a:t>/2</a:t>
             </a:r>
-            <a:endParaRPr lang="en-US"/>
+            <a:endParaRPr lang="en-US" sz="800" dirty="0">
+              <a:latin typeface="Arial" panose="020B0604020202020204" pitchFamily="34" charset="0"/>
+              <a:cs typeface="Arial" panose="020B0604020202020204" pitchFamily="34" charset="0"/>
+            </a:endParaRPr>
           </a:p>
         </p:txBody>
       </p:sp>
       <p:sp>
         <p:nvSpPr>
-          <p:cNvPr id="3" name="Text Placeholder 2"/>
-          <p:cNvSpPr>
-            <a:spLocks noGrp="1"/>
-          </p:cNvSpPr>
-          <p:nvPr>
-            <p:ph type="body" idx="1"/>
-          </p:nvPr>
+          <p:cNvPr id="8" name="TextBox 7"/>
+          <p:cNvSpPr txBox="1"/>
+          <p:nvPr userDrawn="1"/>
         </p:nvSpPr>
         <p:spPr>
           <a:xfrm>
-            <a:off x="457200" y="1600200"/>
-            <a:ext cx="8229600" cy="4525963"/>
+            <a:off x="-5832" y="6654442"/>
+            <a:ext cx="4184159" cy="215444"/>
           </a:xfrm>
           <a:prstGeom prst="rect">
             <a:avLst/>
           </a:prstGeom>
+          <a:noFill/>
         </p:spPr>
         <p:txBody>
-          <a:bodyPr vert="horz" lIns="91440" tIns="45720" rIns="91440" bIns="45720" rtlCol="0">
-            <a:normAutofit/>
+          <a:bodyPr wrap="none" rtlCol="0">
+            <a:spAutoFit/>
           </a:bodyPr>
           <a:lstStyle/>
           <a:p>
-            <a:pPr lvl="0"/>
             <a:r>
-              <a:rPr lang="en-US" smtClean="0"/>
-              <a:t>Click to edit Master text styles</a:t>
+              <a:rPr lang="en-US" sz="800" dirty="0" smtClean="0">
+                <a:latin typeface="Arial" panose="020B0604020202020204" pitchFamily="34" charset="0"/>
+                <a:cs typeface="Arial" panose="020B0604020202020204" pitchFamily="34" charset="0"/>
+              </a:rPr>
+              <a:t>Presumed EPI architecture versus Saturn in a C2B scenario, </a:t>
             </a:r>
-          </a:p>
-          <a:p>
-            <a:pPr lvl="1"/>
             <a:r>
-              <a:rPr lang="en-US" smtClean="0"/>
-              <a:t>Second level</a:t>
+              <a:rPr lang="en-US" sz="800" dirty="0" smtClean="0">
+                <a:latin typeface="Arial" panose="020B0604020202020204" pitchFamily="34" charset="0"/>
+                <a:cs typeface="Arial" panose="020B0604020202020204" pitchFamily="34" charset="0"/>
+              </a:rPr>
+              <a:t>A.Rundgren-2021-01-06:1</a:t>
             </a:r>
-          </a:p>
-          <a:p>
-            <a:pPr lvl="2"/>
-            <a:r>
-              <a:rPr lang="en-US" smtClean="0"/>
-              <a:t>Third level</a:t>
-            </a:r>
-          </a:p>
-          <a:p>
-            <a:pPr lvl="3"/>
-            <a:r>
-              <a:rPr lang="en-US" smtClean="0"/>
-              <a:t>Fourth level</a:t>
-            </a:r>
-          </a:p>
-          <a:p>
-            <a:pPr lvl="4"/>
-            <a:r>
-              <a:rPr lang="en-US" smtClean="0"/>
-              <a:t>Fifth level</a:t>
-            </a:r>
-            <a:endParaRPr lang="en-US"/>
-          </a:p>
-        </p:txBody>
-      </p:sp>
-      <p:sp>
-        <p:nvSpPr>
-          <p:cNvPr id="4" name="Date Placeholder 3"/>
-          <p:cNvSpPr>
-            <a:spLocks noGrp="1"/>
-          </p:cNvSpPr>
-          <p:nvPr>
-            <p:ph type="dt" sz="half" idx="2"/>
-          </p:nvPr>
-        </p:nvSpPr>
-        <p:spPr>
-          <a:xfrm>
-            <a:off x="457200" y="6356350"/>
-            <a:ext cx="2133600" cy="365125"/>
-          </a:xfrm>
-          <a:prstGeom prst="rect">
-            <a:avLst/>
-          </a:prstGeom>
-        </p:spPr>
-        <p:txBody>
-          <a:bodyPr vert="horz" lIns="91440" tIns="45720" rIns="91440" bIns="45720" rtlCol="0" anchor="ctr"/>
-          <a:lstStyle>
-            <a:lvl1pPr algn="l">
-              <a:defRPr sz="1200">
-                <a:solidFill>
-                  <a:schemeClr val="tx1">
-                    <a:tint val="75000"/>
-                  </a:schemeClr>
-                </a:solidFill>
-              </a:defRPr>
-            </a:lvl1pPr>
-          </a:lstStyle>
-          <a:p>
-            <a:fld id="{FC080E38-6FF2-48B3-BDAB-4FA23B840E92}" type="datetimeFigureOut">
-              <a:rPr lang="en-US" smtClean="0"/>
-              <a:t>2020-12-17</a:t>
-            </a:fld>
-            <a:endParaRPr lang="en-US"/>
-          </a:p>
-        </p:txBody>
-      </p:sp>
-      <p:sp>
-        <p:nvSpPr>
-          <p:cNvPr id="5" name="Footer Placeholder 4"/>
-          <p:cNvSpPr>
-            <a:spLocks noGrp="1"/>
-          </p:cNvSpPr>
-          <p:nvPr>
-            <p:ph type="ftr" sz="quarter" idx="3"/>
-          </p:nvPr>
-        </p:nvSpPr>
-        <p:spPr>
-          <a:xfrm>
-            <a:off x="3124200" y="6356350"/>
-            <a:ext cx="2895600" cy="365125"/>
-          </a:xfrm>
-          <a:prstGeom prst="rect">
-            <a:avLst/>
-          </a:prstGeom>
-        </p:spPr>
-        <p:txBody>
-          <a:bodyPr vert="horz" lIns="91440" tIns="45720" rIns="91440" bIns="45720" rtlCol="0" anchor="ctr"/>
-          <a:lstStyle>
-            <a:lvl1pPr algn="ctr">
-              <a:defRPr sz="1200">
-                <a:solidFill>
-                  <a:schemeClr val="tx1">
-                    <a:tint val="75000"/>
-                  </a:schemeClr>
-                </a:solidFill>
-              </a:defRPr>
-            </a:lvl1pPr>
-          </a:lstStyle>
-          <a:p>
-            <a:endParaRPr lang="en-US"/>
-          </a:p>
-        </p:txBody>
-      </p:sp>
-      <p:sp>
-        <p:nvSpPr>
-          <p:cNvPr id="6" name="Slide Number Placeholder 5"/>
-          <p:cNvSpPr>
-            <a:spLocks noGrp="1"/>
-          </p:cNvSpPr>
-          <p:nvPr>
-            <p:ph type="sldNum" sz="quarter" idx="4"/>
-          </p:nvPr>
-        </p:nvSpPr>
-        <p:spPr>
-          <a:xfrm>
-            <a:off x="6553200" y="6356350"/>
-            <a:ext cx="2133600" cy="365125"/>
-          </a:xfrm>
-          <a:prstGeom prst="rect">
-            <a:avLst/>
-          </a:prstGeom>
-        </p:spPr>
-        <p:txBody>
-          <a:bodyPr vert="horz" lIns="91440" tIns="45720" rIns="91440" bIns="45720" rtlCol="0" anchor="ctr"/>
-          <a:lstStyle>
-            <a:lvl1pPr algn="r">
-              <a:defRPr sz="1200">
-                <a:solidFill>
-                  <a:schemeClr val="tx1">
-                    <a:tint val="75000"/>
-                  </a:schemeClr>
-                </a:solidFill>
-              </a:defRPr>
-            </a:lvl1pPr>
-          </a:lstStyle>
-          <a:p>
-            <a:fld id="{39EB1DB3-357A-411F-B0FD-62EA4977A493}" type="slidenum">
-              <a:rPr lang="en-US" smtClean="0"/>
-              <a:t>‹#›</a:t>
-            </a:fld>
-            <a:endParaRPr lang="en-US"/>
+            <a:endParaRPr lang="en-US" sz="800" dirty="0">
+              <a:latin typeface="Arial" panose="020B0604020202020204" pitchFamily="34" charset="0"/>
+              <a:cs typeface="Arial" panose="020B0604020202020204" pitchFamily="34" charset="0"/>
+            </a:endParaRPr>
           </a:p>
         </p:txBody>
       </p:sp>
@@ -2814,16 +500,6 @@
   <p:clrMap bg1="lt1" tx1="dk1" bg2="lt2" tx2="dk2" accent1="accent1" accent2="accent2" accent3="accent3" accent4="accent4" accent5="accent5" accent6="accent6" hlink="hlink" folHlink="folHlink"/>
   <p:sldLayoutIdLst>
     <p:sldLayoutId id="2147483649" r:id="rId1"/>
-    <p:sldLayoutId id="2147483650" r:id="rId2"/>
-    <p:sldLayoutId id="2147483651" r:id="rId3"/>
-    <p:sldLayoutId id="2147483652" r:id="rId4"/>
-    <p:sldLayoutId id="2147483653" r:id="rId5"/>
-    <p:sldLayoutId id="2147483654" r:id="rId6"/>
-    <p:sldLayoutId id="2147483655" r:id="rId7"/>
-    <p:sldLayoutId id="2147483656" r:id="rId8"/>
-    <p:sldLayoutId id="2147483657" r:id="rId9"/>
-    <p:sldLayoutId id="2147483658" r:id="rId10"/>
-    <p:sldLayoutId id="2147483659" r:id="rId11"/>
   </p:sldLayoutIdLst>
   <p:txStyles>
     <p:titleStyle>
@@ -11385,42 +9061,6 @@
       </p:sp>
       <p:sp>
         <p:nvSpPr>
-          <p:cNvPr id="111" name="TextBox 110"/>
-          <p:cNvSpPr txBox="1"/>
-          <p:nvPr/>
-        </p:nvSpPr>
-        <p:spPr>
-          <a:xfrm>
-            <a:off x="-5832" y="6654442"/>
-            <a:ext cx="4184159" cy="215444"/>
-          </a:xfrm>
-          <a:prstGeom prst="rect">
-            <a:avLst/>
-          </a:prstGeom>
-          <a:noFill/>
-        </p:spPr>
-        <p:txBody>
-          <a:bodyPr wrap="none" rtlCol="0">
-            <a:spAutoFit/>
-          </a:bodyPr>
-          <a:lstStyle/>
-          <a:p>
-            <a:r>
-              <a:rPr lang="en-US" sz="800" dirty="0" smtClean="0">
-                <a:latin typeface="Arial" panose="020B0604020202020204" pitchFamily="34" charset="0"/>
-                <a:cs typeface="Arial" panose="020B0604020202020204" pitchFamily="34" charset="0"/>
-              </a:rPr>
-              <a:t>Presumed EPI architecture versus Saturn in a C2B scenario, A.Rundgren-2020-12-17:1</a:t>
-            </a:r>
-            <a:endParaRPr lang="en-US" sz="800" dirty="0">
-              <a:latin typeface="Arial" panose="020B0604020202020204" pitchFamily="34" charset="0"/>
-              <a:cs typeface="Arial" panose="020B0604020202020204" pitchFamily="34" charset="0"/>
-            </a:endParaRPr>
-          </a:p>
-        </p:txBody>
-      </p:sp>
-      <p:sp>
-        <p:nvSpPr>
           <p:cNvPr id="112" name="TextBox 111"/>
           <p:cNvSpPr txBox="1"/>
           <p:nvPr/>
@@ -13329,7 +10969,7 @@
         <p:spPr>
           <a:xfrm>
             <a:off x="219644" y="6381328"/>
-            <a:ext cx="2472152" cy="246221"/>
+            <a:ext cx="1996059" cy="246221"/>
           </a:xfrm>
           <a:prstGeom prst="rect">
             <a:avLst/>
@@ -13363,13 +11003,6 @@
               </a:rPr>
               <a:t>authorization</a:t>
             </a:r>
-            <a:r>
-              <a:rPr lang="en-US" sz="1000" dirty="0" smtClean="0">
-                <a:latin typeface="Arial" panose="020B0604020202020204" pitchFamily="34" charset="0"/>
-                <a:cs typeface="Arial" panose="020B0604020202020204" pitchFamily="34" charset="0"/>
-              </a:rPr>
-              <a:t> system</a:t>
-            </a:r>
             <a:endParaRPr lang="en-US" sz="1000" dirty="0">
               <a:latin typeface="Arial" panose="020B0604020202020204" pitchFamily="34" charset="0"/>
               <a:cs typeface="Arial" panose="020B0604020202020204" pitchFamily="34" charset="0"/>
@@ -13402,6 +11035,222 @@
       </p:par>
     </p:tnLst>
   </p:timing>
+</p:sld>
+</file>
+
+<file path=ppt/slides/slide2.xml><?xml version="1.0" encoding="utf-8"?>
+<p:sld xmlns:a="http://schemas.openxmlformats.org/drawingml/2006/main" xmlns:r="http://schemas.openxmlformats.org/officeDocument/2006/relationships" xmlns:p="http://schemas.openxmlformats.org/presentationml/2006/main">
+  <p:cSld>
+    <p:spTree>
+      <p:nvGrpSpPr>
+        <p:cNvPr id="1" name=""/>
+        <p:cNvGrpSpPr/>
+        <p:nvPr/>
+      </p:nvGrpSpPr>
+      <p:grpSpPr>
+        <a:xfrm>
+          <a:off x="0" y="0"/>
+          <a:ext cx="0" cy="0"/>
+          <a:chOff x="0" y="0"/>
+          <a:chExt cx="0" cy="0"/>
+        </a:xfrm>
+      </p:grpSpPr>
+      <p:graphicFrame>
+        <p:nvGraphicFramePr>
+          <p:cNvPr id="2" name="Object 1"/>
+          <p:cNvGraphicFramePr>
+            <a:graphicFrameLocks noChangeAspect="1"/>
+          </p:cNvGraphicFramePr>
+          <p:nvPr>
+            <p:extLst>
+              <p:ext uri="{D42A27DB-BD31-4B8C-83A1-F6EECF244321}">
+                <p14:modId xmlns:p14="http://schemas.microsoft.com/office/powerpoint/2010/main" val="4127039629"/>
+              </p:ext>
+            </p:extLst>
+          </p:nvPr>
+        </p:nvGraphicFramePr>
+        <p:xfrm>
+          <a:off x="49213" y="332656"/>
+          <a:ext cx="9047162" cy="4359275"/>
+        </p:xfrm>
+        <a:graphic>
+          <a:graphicData uri="http://schemas.openxmlformats.org/presentationml/2006/ole">
+            <mc:AlternateContent xmlns:mc="http://schemas.openxmlformats.org/markup-compatibility/2006">
+              <mc:Choice xmlns:v="urn:schemas-microsoft-com:vml" Requires="v">
+                <p:oleObj spid="_x0000_s1029" name="Document" r:id="rId3" imgW="9047594" imgH="4359646" progId="Word.Document.12">
+                  <p:embed/>
+                </p:oleObj>
+              </mc:Choice>
+              <mc:Fallback>
+                <p:oleObj name="Document" r:id="rId3" imgW="9047594" imgH="4359646" progId="Word.Document.12">
+                  <p:embed/>
+                  <p:pic>
+                    <p:nvPicPr>
+                      <p:cNvPr id="0" name=""/>
+                      <p:cNvPicPr/>
+                      <p:nvPr/>
+                    </p:nvPicPr>
+                    <p:blipFill>
+                      <a:blip r:embed="rId4"/>
+                      <a:stretch>
+                        <a:fillRect/>
+                      </a:stretch>
+                    </p:blipFill>
+                    <p:spPr>
+                      <a:xfrm>
+                        <a:off x="49213" y="332656"/>
+                        <a:ext cx="9047162" cy="4359275"/>
+                      </a:xfrm>
+                      <a:prstGeom prst="rect">
+                        <a:avLst/>
+                      </a:prstGeom>
+                    </p:spPr>
+                  </p:pic>
+                </p:oleObj>
+              </mc:Fallback>
+            </mc:AlternateContent>
+          </a:graphicData>
+        </a:graphic>
+      </p:graphicFrame>
+      <p:graphicFrame>
+        <p:nvGraphicFramePr>
+          <p:cNvPr id="3" name="Object 2"/>
+          <p:cNvGraphicFramePr>
+            <a:graphicFrameLocks noChangeAspect="1"/>
+          </p:cNvGraphicFramePr>
+          <p:nvPr>
+            <p:extLst>
+              <p:ext uri="{D42A27DB-BD31-4B8C-83A1-F6EECF244321}">
+                <p14:modId xmlns:p14="http://schemas.microsoft.com/office/powerpoint/2010/main" val="947882080"/>
+              </p:ext>
+            </p:extLst>
+          </p:nvPr>
+        </p:nvGraphicFramePr>
+        <p:xfrm>
+          <a:off x="49213" y="4373066"/>
+          <a:ext cx="9047162" cy="2800350"/>
+        </p:xfrm>
+        <a:graphic>
+          <a:graphicData uri="http://schemas.openxmlformats.org/presentationml/2006/ole">
+            <mc:AlternateContent xmlns:mc="http://schemas.openxmlformats.org/markup-compatibility/2006">
+              <mc:Choice xmlns:v="urn:schemas-microsoft-com:vml" Requires="v">
+                <p:oleObj spid="_x0000_s1030" name="Document" r:id="rId5" imgW="9047594" imgH="2799720" progId="Word.Document.12">
+                  <p:embed/>
+                </p:oleObj>
+              </mc:Choice>
+              <mc:Fallback>
+                <p:oleObj name="Document" r:id="rId5" imgW="9047594" imgH="2799720" progId="Word.Document.12">
+                  <p:embed/>
+                  <p:pic>
+                    <p:nvPicPr>
+                      <p:cNvPr id="0" name=""/>
+                      <p:cNvPicPr/>
+                      <p:nvPr/>
+                    </p:nvPicPr>
+                    <p:blipFill>
+                      <a:blip r:embed="rId6"/>
+                      <a:stretch>
+                        <a:fillRect/>
+                      </a:stretch>
+                    </p:blipFill>
+                    <p:spPr>
+                      <a:xfrm>
+                        <a:off x="49213" y="4373066"/>
+                        <a:ext cx="9047162" cy="2800350"/>
+                      </a:xfrm>
+                      <a:prstGeom prst="rect">
+                        <a:avLst/>
+                      </a:prstGeom>
+                    </p:spPr>
+                  </p:pic>
+                </p:oleObj>
+              </mc:Fallback>
+            </mc:AlternateContent>
+          </a:graphicData>
+        </a:graphic>
+      </p:graphicFrame>
+      <p:sp>
+        <p:nvSpPr>
+          <p:cNvPr id="5" name="Rectangle 4"/>
+          <p:cNvSpPr/>
+          <p:nvPr/>
+        </p:nvSpPr>
+        <p:spPr>
+          <a:xfrm>
+            <a:off x="2304256" y="188640"/>
+            <a:ext cx="4572000" cy="369332"/>
+          </a:xfrm>
+          <a:prstGeom prst="rect">
+            <a:avLst/>
+          </a:prstGeom>
+        </p:spPr>
+        <p:txBody>
+          <a:bodyPr>
+            <a:spAutoFit/>
+          </a:bodyPr>
+          <a:lstStyle/>
+          <a:p>
+            <a:pPr algn="ctr"/>
+            <a:r>
+              <a:rPr lang="en-US" dirty="0" smtClean="0">
+                <a:latin typeface="Arial" panose="020B0604020202020204" pitchFamily="34" charset="0"/>
+                <a:cs typeface="Arial" panose="020B0604020202020204" pitchFamily="34" charset="0"/>
+              </a:rPr>
+              <a:t>Existing Features</a:t>
+            </a:r>
+            <a:endParaRPr lang="en-US" dirty="0">
+              <a:latin typeface="Arial" panose="020B0604020202020204" pitchFamily="34" charset="0"/>
+              <a:cs typeface="Arial" panose="020B0604020202020204" pitchFamily="34" charset="0"/>
+            </a:endParaRPr>
+          </a:p>
+        </p:txBody>
+      </p:sp>
+      <p:sp>
+        <p:nvSpPr>
+          <p:cNvPr id="6" name="Rectangle 5"/>
+          <p:cNvSpPr/>
+          <p:nvPr/>
+        </p:nvSpPr>
+        <p:spPr>
+          <a:xfrm>
+            <a:off x="2304256" y="4211796"/>
+            <a:ext cx="4572000" cy="369332"/>
+          </a:xfrm>
+          <a:prstGeom prst="rect">
+            <a:avLst/>
+          </a:prstGeom>
+        </p:spPr>
+        <p:txBody>
+          <a:bodyPr>
+            <a:spAutoFit/>
+          </a:bodyPr>
+          <a:lstStyle/>
+          <a:p>
+            <a:pPr algn="ctr"/>
+            <a:r>
+              <a:rPr lang="en-US" dirty="0" smtClean="0">
+                <a:latin typeface="Arial" panose="020B0604020202020204" pitchFamily="34" charset="0"/>
+                <a:cs typeface="Arial" panose="020B0604020202020204" pitchFamily="34" charset="0"/>
+              </a:rPr>
+              <a:t>Planned Features</a:t>
+            </a:r>
+            <a:endParaRPr lang="en-US" dirty="0">
+              <a:latin typeface="Arial" panose="020B0604020202020204" pitchFamily="34" charset="0"/>
+              <a:cs typeface="Arial" panose="020B0604020202020204" pitchFamily="34" charset="0"/>
+            </a:endParaRPr>
+          </a:p>
+        </p:txBody>
+      </p:sp>
+    </p:spTree>
+    <p:extLst>
+      <p:ext uri="{BB962C8B-B14F-4D97-AF65-F5344CB8AC3E}">
+        <p14:creationId xmlns:p14="http://schemas.microsoft.com/office/powerpoint/2010/main" val="1008576292"/>
+      </p:ext>
+    </p:extLst>
+  </p:cSld>
+  <p:clrMapOvr>
+    <a:masterClrMapping/>
+  </p:clrMapOvr>
 </p:sld>
 </file>
 

--- a/saturn/epi(presumed)-vs-saturn.pptx
+++ b/saturn/epi(presumed)-vs-saturn.pptx
@@ -105,6 +105,22 @@
       </a:defRPr>
     </a:lvl9pPr>
   </p:defaultTextStyle>
+  <p:extLst>
+    <p:ext uri="{EFAFB233-063F-42B5-8137-9DF3F51BA10A}">
+      <p15:sldGuideLst xmlns:p15="http://schemas.microsoft.com/office/powerpoint/2012/main">
+        <p15:guide id="1" orient="horz" pos="2160">
+          <p15:clr>
+            <a:srgbClr val="A4A3A4"/>
+          </p15:clr>
+        </p15:guide>
+        <p15:guide id="2" pos="2880">
+          <p15:clr>
+            <a:srgbClr val="A4A3A4"/>
+          </p15:clr>
+        </p15:guide>
+      </p15:sldGuideLst>
+    </p:ext>
+  </p:extLst>
 </p:presentation>
 </file>
 
@@ -149,10 +165,9 @@
           <a:lstStyle/>
           <a:p>
             <a:r>
-              <a:rPr lang="en-US" smtClean="0"/>
+              <a:rPr lang="en-US"/>
               <a:t>Click to edit Master title style</a:t>
             </a:r>
-            <a:endParaRPr lang="en-US"/>
           </a:p>
         </p:txBody>
       </p:sp>
@@ -271,10 +286,9 @@
           </a:lstStyle>
           <a:p>
             <a:r>
-              <a:rPr lang="en-US" smtClean="0"/>
+              <a:rPr lang="en-US"/>
               <a:t>Click to edit Master subtitle style</a:t>
             </a:r>
-            <a:endParaRPr lang="en-US"/>
           </a:p>
         </p:txBody>
       </p:sp>
@@ -303,7 +317,7 @@
           <a:p>
             <a:fld id="{FC080E38-6FF2-48B3-BDAB-4FA23B840E92}" type="datetimeFigureOut">
               <a:rPr lang="en-US" smtClean="0"/>
-              <a:t>2021-01-06</a:t>
+              <a:t>2021-07-02</a:t>
             </a:fld>
             <a:endParaRPr lang="en-US"/>
           </a:p>
@@ -434,16 +448,12 @@
               <a:t>‹#›</a:t>
             </a:fld>
             <a:r>
-              <a:rPr lang="en-US" sz="800" dirty="0" smtClean="0">
+              <a:rPr lang="en-US" sz="800" dirty="0">
                 <a:latin typeface="Arial" panose="020B0604020202020204" pitchFamily="34" charset="0"/>
                 <a:cs typeface="Arial" panose="020B0604020202020204" pitchFamily="34" charset="0"/>
               </a:rPr>
               <a:t>/2</a:t>
             </a:r>
-            <a:endParaRPr lang="en-US" sz="800" dirty="0">
-              <a:latin typeface="Arial" panose="020B0604020202020204" pitchFamily="34" charset="0"/>
-              <a:cs typeface="Arial" panose="020B0604020202020204" pitchFamily="34" charset="0"/>
-            </a:endParaRPr>
           </a:p>
         </p:txBody>
       </p:sp>
@@ -470,23 +480,12 @@
           <a:lstStyle/>
           <a:p>
             <a:r>
-              <a:rPr lang="en-US" sz="800" dirty="0" smtClean="0">
+              <a:rPr lang="en-US" sz="800" dirty="0">
                 <a:latin typeface="Arial" panose="020B0604020202020204" pitchFamily="34" charset="0"/>
                 <a:cs typeface="Arial" panose="020B0604020202020204" pitchFamily="34" charset="0"/>
               </a:rPr>
-              <a:t>Presumed EPI architecture versus Saturn in a C2B scenario, </a:t>
+              <a:t>Presumed EPI architecture versus Saturn in a C2B scenario, A.Rundgren-2021-01-06:1</a:t>
             </a:r>
-            <a:r>
-              <a:rPr lang="en-US" sz="800" dirty="0" smtClean="0">
-                <a:latin typeface="Arial" panose="020B0604020202020204" pitchFamily="34" charset="0"/>
-                <a:cs typeface="Arial" panose="020B0604020202020204" pitchFamily="34" charset="0"/>
-              </a:rPr>
-              <a:t>A.Rundgren-2021-01-06:1</a:t>
-            </a:r>
-            <a:endParaRPr lang="en-US" sz="800" dirty="0">
-              <a:latin typeface="Arial" panose="020B0604020202020204" pitchFamily="34" charset="0"/>
-              <a:cs typeface="Arial" panose="020B0604020202020204" pitchFamily="34" charset="0"/>
-            </a:endParaRPr>
           </a:p>
         </p:txBody>
       </p:sp>
@@ -866,7 +865,7 @@
             <a:p>
               <a:pPr algn="ctr"/>
               <a:r>
-                <a:rPr lang="en-US" sz="1200" dirty="0" smtClean="0">
+                <a:rPr lang="en-US" sz="1200" dirty="0">
                   <a:solidFill>
                     <a:schemeClr val="tx1"/>
                   </a:solidFill>
@@ -875,13 +874,6 @@
                 </a:rPr>
                 <a:t>Acquirer</a:t>
               </a:r>
-              <a:endParaRPr lang="en-US" sz="1200" dirty="0">
-                <a:solidFill>
-                  <a:schemeClr val="tx1"/>
-                </a:solidFill>
-                <a:latin typeface="Arial" panose="020B0604020202020204" pitchFamily="34" charset="0"/>
-                <a:cs typeface="Arial" panose="020B0604020202020204" pitchFamily="34" charset="0"/>
-              </a:endParaRPr>
             </a:p>
           </p:txBody>
         </p:sp>
@@ -2349,8 +2341,8 @@
         </p:blipFill>
         <p:spPr>
           <a:xfrm>
-            <a:off x="6300192" y="195235"/>
-            <a:ext cx="1027250" cy="353445"/>
+            <a:off x="6465018" y="257251"/>
+            <a:ext cx="864096" cy="297309"/>
           </a:xfrm>
           <a:prstGeom prst="rect">
             <a:avLst/>
@@ -7656,37 +7648,33 @@
           <a:lstStyle/>
           <a:p>
             <a:r>
-              <a:rPr lang="en-US" i="1" dirty="0" smtClean="0">
+              <a:rPr lang="en-US" i="1" dirty="0">
                 <a:latin typeface="Arial" panose="020B0604020202020204" pitchFamily="34" charset="0"/>
                 <a:cs typeface="Arial" panose="020B0604020202020204" pitchFamily="34" charset="0"/>
               </a:rPr>
               <a:t>Presumed</a:t>
             </a:r>
             <a:r>
-              <a:rPr lang="en-US" dirty="0" smtClean="0">
+              <a:rPr lang="en-US" dirty="0">
                 <a:latin typeface="Arial" panose="020B0604020202020204" pitchFamily="34" charset="0"/>
                 <a:cs typeface="Arial" panose="020B0604020202020204" pitchFamily="34" charset="0"/>
               </a:rPr>
               <a:t> EPI Front-end</a:t>
             </a:r>
             <a:r>
-              <a:rPr lang="en-US" sz="1000" dirty="0" smtClean="0">
+              <a:rPr lang="en-US" sz="1000" dirty="0">
                 <a:latin typeface="Arial" panose="020B0604020202020204" pitchFamily="34" charset="0"/>
                 <a:cs typeface="Arial" panose="020B0604020202020204" pitchFamily="34" charset="0"/>
               </a:rPr>
               <a:t> </a:t>
             </a:r>
             <a:r>
-              <a:rPr lang="en-US" dirty="0" smtClean="0">
+              <a:rPr lang="en-US" dirty="0">
                 <a:latin typeface="Arial" panose="020B0604020202020204" pitchFamily="34" charset="0"/>
                 <a:cs typeface="Arial" panose="020B0604020202020204" pitchFamily="34" charset="0"/>
               </a:rPr>
               <a:t>* Architecture</a:t>
             </a:r>
-            <a:endParaRPr lang="en-US" dirty="0">
-              <a:latin typeface="Arial" panose="020B0604020202020204" pitchFamily="34" charset="0"/>
-              <a:cs typeface="Arial" panose="020B0604020202020204" pitchFamily="34" charset="0"/>
-            </a:endParaRPr>
           </a:p>
         </p:txBody>
       </p:sp>
@@ -7714,16 +7702,12 @@
           <a:p>
             <a:pPr algn="ctr"/>
             <a:r>
-              <a:rPr lang="en-US" sz="1200" dirty="0" smtClean="0">
+              <a:rPr lang="en-US" sz="1200" dirty="0">
                 <a:latin typeface="Arial" panose="020B0604020202020204" pitchFamily="34" charset="0"/>
                 <a:cs typeface="Arial" panose="020B0604020202020204" pitchFamily="34" charset="0"/>
               </a:rPr>
               <a:t>Merchant</a:t>
             </a:r>
-            <a:endParaRPr lang="en-US" sz="1200" dirty="0">
-              <a:latin typeface="Arial" panose="020B0604020202020204" pitchFamily="34" charset="0"/>
-              <a:cs typeface="Arial" panose="020B0604020202020204" pitchFamily="34" charset="0"/>
-            </a:endParaRPr>
           </a:p>
         </p:txBody>
       </p:sp>
@@ -7751,16 +7735,12 @@
           <a:p>
             <a:pPr algn="ctr"/>
             <a:r>
-              <a:rPr lang="en-US" sz="1200" dirty="0" smtClean="0">
+              <a:rPr lang="en-US" sz="1200" dirty="0">
                 <a:latin typeface="Arial" panose="020B0604020202020204" pitchFamily="34" charset="0"/>
                 <a:cs typeface="Arial" panose="020B0604020202020204" pitchFamily="34" charset="0"/>
               </a:rPr>
               <a:t>Merchant</a:t>
             </a:r>
-            <a:endParaRPr lang="en-US" sz="1200" dirty="0">
-              <a:latin typeface="Arial" panose="020B0604020202020204" pitchFamily="34" charset="0"/>
-              <a:cs typeface="Arial" panose="020B0604020202020204" pitchFamily="34" charset="0"/>
-            </a:endParaRPr>
           </a:p>
         </p:txBody>
       </p:sp>
@@ -7788,16 +7768,12 @@
           <a:p>
             <a:pPr algn="ctr"/>
             <a:r>
-              <a:rPr lang="en-US" sz="1200" dirty="0" smtClean="0">
+              <a:rPr lang="en-US" sz="1200" dirty="0">
                 <a:latin typeface="Arial" panose="020B0604020202020204" pitchFamily="34" charset="0"/>
                 <a:cs typeface="Arial" panose="020B0604020202020204" pitchFamily="34" charset="0"/>
               </a:rPr>
               <a:t>Issuer Banks</a:t>
             </a:r>
-            <a:endParaRPr lang="en-US" sz="1200" dirty="0">
-              <a:latin typeface="Arial" panose="020B0604020202020204" pitchFamily="34" charset="0"/>
-              <a:cs typeface="Arial" panose="020B0604020202020204" pitchFamily="34" charset="0"/>
-            </a:endParaRPr>
           </a:p>
         </p:txBody>
       </p:sp>
@@ -7825,16 +7801,12 @@
           <a:p>
             <a:pPr algn="ctr"/>
             <a:r>
-              <a:rPr lang="en-US" sz="1200" dirty="0" smtClean="0">
+              <a:rPr lang="en-US" sz="1200" dirty="0">
                 <a:latin typeface="Arial" panose="020B0604020202020204" pitchFamily="34" charset="0"/>
                 <a:cs typeface="Arial" panose="020B0604020202020204" pitchFamily="34" charset="0"/>
               </a:rPr>
               <a:t>Issuer Banks</a:t>
             </a:r>
-            <a:endParaRPr lang="en-US" sz="1200" dirty="0">
-              <a:latin typeface="Arial" panose="020B0604020202020204" pitchFamily="34" charset="0"/>
-              <a:cs typeface="Arial" panose="020B0604020202020204" pitchFamily="34" charset="0"/>
-            </a:endParaRPr>
           </a:p>
         </p:txBody>
       </p:sp>
@@ -7862,16 +7834,12 @@
           <a:p>
             <a:pPr algn="ctr"/>
             <a:r>
-              <a:rPr lang="en-US" sz="1200" dirty="0" smtClean="0">
+              <a:rPr lang="en-US" sz="1200" dirty="0">
                 <a:latin typeface="Arial" panose="020B0604020202020204" pitchFamily="34" charset="0"/>
                 <a:cs typeface="Arial" panose="020B0604020202020204" pitchFamily="34" charset="0"/>
               </a:rPr>
               <a:t>Acceptance Network</a:t>
             </a:r>
-            <a:endParaRPr lang="en-US" sz="1200" dirty="0">
-              <a:latin typeface="Arial" panose="020B0604020202020204" pitchFamily="34" charset="0"/>
-              <a:cs typeface="Arial" panose="020B0604020202020204" pitchFamily="34" charset="0"/>
-            </a:endParaRPr>
           </a:p>
         </p:txBody>
       </p:sp>
@@ -7914,7 +7882,7 @@
           <a:lstStyle/>
           <a:p>
             <a:r>
-              <a:rPr lang="en-US" sz="1000" dirty="0" smtClean="0">
+              <a:rPr lang="en-US" sz="1000" dirty="0">
                 <a:latin typeface="Arial" panose="020B0604020202020204" pitchFamily="34" charset="0"/>
                 <a:cs typeface="Arial" panose="020B0604020202020204" pitchFamily="34" charset="0"/>
               </a:rPr>
@@ -7928,21 +7896,21 @@
               </a:spcBef>
             </a:pPr>
             <a:r>
-              <a:rPr lang="en-US" sz="1000" dirty="0" smtClean="0">
+              <a:rPr lang="en-US" sz="1000" dirty="0">
                 <a:latin typeface="Arial" panose="020B0604020202020204" pitchFamily="34" charset="0"/>
                 <a:cs typeface="Arial" panose="020B0604020202020204" pitchFamily="34" charset="0"/>
               </a:rPr>
               <a:t>The infrastructure needed to support card transactions depends on a </a:t>
             </a:r>
             <a:r>
-              <a:rPr lang="en-US" sz="1000" i="1" dirty="0" smtClean="0">
+              <a:rPr lang="en-US" sz="1000" i="1" dirty="0">
                 <a:latin typeface="Arial" panose="020B0604020202020204" pitchFamily="34" charset="0"/>
                 <a:cs typeface="Arial" panose="020B0604020202020204" pitchFamily="34" charset="0"/>
               </a:rPr>
               <a:t>huge number of statically configured security parameters and paths</a:t>
             </a:r>
             <a:r>
-              <a:rPr lang="en-US" sz="1000" dirty="0" smtClean="0">
+              <a:rPr lang="en-US" sz="1000" dirty="0">
                 <a:latin typeface="Arial" panose="020B0604020202020204" pitchFamily="34" charset="0"/>
                 <a:cs typeface="Arial" panose="020B0604020202020204" pitchFamily="34" charset="0"/>
               </a:rPr>
@@ -7956,35 +7924,21 @@
               </a:spcBef>
             </a:pPr>
             <a:r>
-              <a:rPr lang="en-US" sz="1000" dirty="0" smtClean="0">
-                <a:latin typeface="Arial" panose="020B0604020202020204" pitchFamily="34" charset="0"/>
-                <a:cs typeface="Arial" panose="020B0604020202020204" pitchFamily="34" charset="0"/>
-              </a:rPr>
-              <a:t>This</a:t>
-            </a:r>
-            <a:r>
               <a:rPr lang="en-US" sz="1000" dirty="0">
                 <a:latin typeface="Arial" panose="020B0604020202020204" pitchFamily="34" charset="0"/>
                 <a:cs typeface="Arial" panose="020B0604020202020204" pitchFamily="34" charset="0"/>
               </a:rPr>
-              <a:t> </a:t>
+              <a:t>This model also relies on </a:t>
             </a:r>
             <a:r>
-              <a:rPr lang="en-US" sz="1000" dirty="0" smtClean="0">
-                <a:latin typeface="Arial" panose="020B0604020202020204" pitchFamily="34" charset="0"/>
-                <a:cs typeface="Arial" panose="020B0604020202020204" pitchFamily="34" charset="0"/>
-              </a:rPr>
-              <a:t>model also relies on </a:t>
-            </a:r>
-            <a:r>
-              <a:rPr lang="en-US" sz="1000" i="1" dirty="0" smtClean="0">
+              <a:rPr lang="en-US" sz="1000" i="1" dirty="0">
                 <a:latin typeface="Arial" panose="020B0604020202020204" pitchFamily="34" charset="0"/>
                 <a:cs typeface="Arial" panose="020B0604020202020204" pitchFamily="34" charset="0"/>
               </a:rPr>
               <a:t>databases</a:t>
             </a:r>
             <a:r>
-              <a:rPr lang="en-US" sz="1000" dirty="0" smtClean="0">
+              <a:rPr lang="en-US" sz="1000" dirty="0">
                 <a:latin typeface="Arial" panose="020B0604020202020204" pitchFamily="34" charset="0"/>
                 <a:cs typeface="Arial" panose="020B0604020202020204" pitchFamily="34" charset="0"/>
               </a:rPr>
@@ -7997,7 +7951,7 @@
                 <a:spcPts val="600"/>
               </a:spcBef>
             </a:pPr>
-            <a:endParaRPr lang="en-US" sz="1000" dirty="0" smtClean="0">
+            <a:endParaRPr lang="en-US" sz="1000" dirty="0">
               <a:latin typeface="Arial" panose="020B0604020202020204" pitchFamily="34" charset="0"/>
               <a:cs typeface="Arial" panose="020B0604020202020204" pitchFamily="34" charset="0"/>
             </a:endParaRPr>
@@ -8009,7 +7963,7 @@
               </a:spcBef>
             </a:pPr>
             <a:r>
-              <a:rPr lang="en-US" sz="1000" dirty="0" smtClean="0">
+              <a:rPr lang="en-US" sz="1000" dirty="0">
                 <a:solidFill>
                   <a:schemeClr val="accent5">
                     <a:lumMod val="75000"/>
@@ -8020,15 +7974,6 @@
               </a:rPr>
               <a:t>.</a:t>
             </a:r>
-            <a:endParaRPr lang="en-US" sz="1000" dirty="0">
-              <a:solidFill>
-                <a:schemeClr val="accent5">
-                  <a:lumMod val="75000"/>
-                </a:schemeClr>
-              </a:solidFill>
-              <a:latin typeface="Arial" panose="020B0604020202020204" pitchFamily="34" charset="0"/>
-              <a:cs typeface="Arial" panose="020B0604020202020204" pitchFamily="34" charset="0"/>
-            </a:endParaRPr>
           </a:p>
         </p:txBody>
       </p:sp>
@@ -8071,14 +8016,14 @@
           <a:lstStyle/>
           <a:p>
             <a:r>
-              <a:rPr lang="en-US" sz="1000" dirty="0" smtClean="0">
+              <a:rPr lang="en-US" sz="1000" dirty="0">
                 <a:latin typeface="Arial" panose="020B0604020202020204" pitchFamily="34" charset="0"/>
                 <a:cs typeface="Arial" panose="020B0604020202020204" pitchFamily="34" charset="0"/>
               </a:rPr>
               <a:t>In the </a:t>
             </a:r>
             <a:r>
-              <a:rPr lang="en-US" sz="1000" dirty="0" smtClean="0">
+              <a:rPr lang="en-US" sz="1000" dirty="0">
                 <a:latin typeface="Arial" panose="020B0604020202020204" pitchFamily="34" charset="0"/>
                 <a:cs typeface="Arial" panose="020B0604020202020204" pitchFamily="34" charset="0"/>
                 <a:hlinkClick r:id="rId2"/>
@@ -8086,21 +8031,21 @@
               <a:t>Saturn</a:t>
             </a:r>
             <a:r>
-              <a:rPr lang="en-US" sz="1000" dirty="0" smtClean="0">
+              <a:rPr lang="en-US" sz="1000" dirty="0">
                 <a:latin typeface="Arial" panose="020B0604020202020204" pitchFamily="34" charset="0"/>
                 <a:cs typeface="Arial" panose="020B0604020202020204" pitchFamily="34" charset="0"/>
               </a:rPr>
               <a:t> architecture a Merchant has a business agreement with their account-holding Bank which also provides a simple </a:t>
             </a:r>
             <a:r>
-              <a:rPr lang="en-US" sz="1000" i="1" dirty="0" smtClean="0">
+              <a:rPr lang="en-US" sz="1000" i="1" dirty="0">
                 <a:latin typeface="Arial" panose="020B0604020202020204" pitchFamily="34" charset="0"/>
                 <a:cs typeface="Arial" panose="020B0604020202020204" pitchFamily="34" charset="0"/>
               </a:rPr>
               <a:t>public trust service</a:t>
             </a:r>
             <a:r>
-              <a:rPr lang="en-US" sz="1000" dirty="0" smtClean="0">
+              <a:rPr lang="en-US" sz="1000" dirty="0">
                 <a:latin typeface="Arial" panose="020B0604020202020204" pitchFamily="34" charset="0"/>
                 <a:cs typeface="Arial" panose="020B0604020202020204" pitchFamily="34" charset="0"/>
               </a:rPr>
@@ -8114,21 +8059,21 @@
               </a:spcBef>
             </a:pPr>
             <a:r>
-              <a:rPr lang="en-US" sz="1000" dirty="0" smtClean="0">
+              <a:rPr lang="en-US" sz="1000" dirty="0">
                 <a:latin typeface="Arial" panose="020B0604020202020204" pitchFamily="34" charset="0"/>
                 <a:cs typeface="Arial" panose="020B0604020202020204" pitchFamily="34" charset="0"/>
               </a:rPr>
               <a:t>The data provided by a TS is </a:t>
             </a:r>
             <a:r>
-              <a:rPr lang="en-US" sz="1000" i="1" dirty="0" smtClean="0">
+              <a:rPr lang="en-US" sz="1000" i="1" dirty="0">
                 <a:latin typeface="Arial" panose="020B0604020202020204" pitchFamily="34" charset="0"/>
                 <a:cs typeface="Arial" panose="020B0604020202020204" pitchFamily="34" charset="0"/>
               </a:rPr>
               <a:t>digitally signed</a:t>
             </a:r>
             <a:r>
-              <a:rPr lang="en-US" sz="1000" dirty="0" smtClean="0">
+              <a:rPr lang="en-US" sz="1000" dirty="0">
                 <a:latin typeface="Arial" panose="020B0604020202020204" pitchFamily="34" charset="0"/>
                 <a:cs typeface="Arial" panose="020B0604020202020204" pitchFamily="34" charset="0"/>
               </a:rPr>
@@ -8146,112 +8091,21 @@
                 <a:latin typeface="Arial" panose="020B0604020202020204" pitchFamily="34" charset="0"/>
                 <a:cs typeface="Arial" panose="020B0604020202020204" pitchFamily="34" charset="0"/>
               </a:rPr>
-              <a:t>Security with respect to </a:t>
+              <a:t>Security with respect to payment requests [2] is maintained through </a:t>
             </a:r>
             <a:r>
-              <a:rPr lang="en-US" sz="1000" dirty="0" smtClean="0">
+              <a:rPr lang="en-US" sz="1000" i="1" dirty="0">
                 <a:latin typeface="Arial" panose="020B0604020202020204" pitchFamily="34" charset="0"/>
                 <a:cs typeface="Arial" panose="020B0604020202020204" pitchFamily="34" charset="0"/>
               </a:rPr>
-              <a:t>payment requests [</a:t>
+              <a:t>mutually signed digital contracts</a:t>
             </a:r>
             <a:r>
               <a:rPr lang="en-US" sz="1000" dirty="0">
                 <a:latin typeface="Arial" panose="020B0604020202020204" pitchFamily="34" charset="0"/>
                 <a:cs typeface="Arial" panose="020B0604020202020204" pitchFamily="34" charset="0"/>
               </a:rPr>
-              <a:t>2</a:t>
-            </a:r>
-            <a:r>
-              <a:rPr lang="en-US" sz="1000" dirty="0" smtClean="0">
-                <a:latin typeface="Arial" panose="020B0604020202020204" pitchFamily="34" charset="0"/>
-                <a:cs typeface="Arial" panose="020B0604020202020204" pitchFamily="34" charset="0"/>
-              </a:rPr>
-              <a:t>] is </a:t>
-            </a:r>
-            <a:r>
-              <a:rPr lang="en-US" sz="1000" dirty="0">
-                <a:latin typeface="Arial" panose="020B0604020202020204" pitchFamily="34" charset="0"/>
-                <a:cs typeface="Arial" panose="020B0604020202020204" pitchFamily="34" charset="0"/>
-              </a:rPr>
-              <a:t>maintained </a:t>
-            </a:r>
-            <a:r>
-              <a:rPr lang="en-US" sz="1000" dirty="0" smtClean="0">
-                <a:latin typeface="Arial" panose="020B0604020202020204" pitchFamily="34" charset="0"/>
-                <a:cs typeface="Arial" panose="020B0604020202020204" pitchFamily="34" charset="0"/>
-              </a:rPr>
-              <a:t>through </a:t>
-            </a:r>
-            <a:r>
-              <a:rPr lang="en-US" sz="1000" i="1" dirty="0" smtClean="0">
-                <a:latin typeface="Arial" panose="020B0604020202020204" pitchFamily="34" charset="0"/>
-                <a:cs typeface="Arial" panose="020B0604020202020204" pitchFamily="34" charset="0"/>
-              </a:rPr>
-              <a:t>mutually </a:t>
-            </a:r>
-            <a:r>
-              <a:rPr lang="en-US" sz="1000" i="1" dirty="0">
-                <a:latin typeface="Arial" panose="020B0604020202020204" pitchFamily="34" charset="0"/>
-                <a:cs typeface="Arial" panose="020B0604020202020204" pitchFamily="34" charset="0"/>
-              </a:rPr>
-              <a:t>signed digital contracts</a:t>
-            </a:r>
-            <a:r>
-              <a:rPr lang="en-US" sz="1000" dirty="0">
-                <a:latin typeface="Arial" panose="020B0604020202020204" pitchFamily="34" charset="0"/>
-                <a:cs typeface="Arial" panose="020B0604020202020204" pitchFamily="34" charset="0"/>
-              </a:rPr>
-              <a:t> resulting </a:t>
-            </a:r>
-            <a:r>
-              <a:rPr lang="en-US" sz="1000" dirty="0" smtClean="0">
-                <a:latin typeface="Arial" panose="020B0604020202020204" pitchFamily="34" charset="0"/>
-                <a:cs typeface="Arial" panose="020B0604020202020204" pitchFamily="34" charset="0"/>
-              </a:rPr>
-              <a:t>from the Merchant </a:t>
-            </a:r>
-            <a:r>
-              <a:rPr lang="en-US" sz="1000" dirty="0">
-                <a:latin typeface="Arial" panose="020B0604020202020204" pitchFamily="34" charset="0"/>
-                <a:cs typeface="Arial" panose="020B0604020202020204" pitchFamily="34" charset="0"/>
-              </a:rPr>
-              <a:t>and User authorization </a:t>
-            </a:r>
-            <a:r>
-              <a:rPr lang="en-US" sz="1000" dirty="0" smtClean="0">
-                <a:latin typeface="Arial" panose="020B0604020202020204" pitchFamily="34" charset="0"/>
-                <a:cs typeface="Arial" panose="020B0604020202020204" pitchFamily="34" charset="0"/>
-              </a:rPr>
-              <a:t>step [1], combined </a:t>
-            </a:r>
-            <a:r>
-              <a:rPr lang="en-US" sz="1000" dirty="0">
-                <a:latin typeface="Arial" panose="020B0604020202020204" pitchFamily="34" charset="0"/>
-                <a:cs typeface="Arial" panose="020B0604020202020204" pitchFamily="34" charset="0"/>
-              </a:rPr>
-              <a:t>with TS </a:t>
-            </a:r>
-            <a:r>
-              <a:rPr lang="en-US" sz="1000" dirty="0" smtClean="0">
-                <a:latin typeface="Arial" panose="020B0604020202020204" pitchFamily="34" charset="0"/>
-                <a:cs typeface="Arial" panose="020B0604020202020204" pitchFamily="34" charset="0"/>
-              </a:rPr>
-              <a:t>Merchant lookups [</a:t>
-            </a:r>
-            <a:r>
-              <a:rPr lang="en-US" sz="1000" dirty="0">
-                <a:latin typeface="Arial" panose="020B0604020202020204" pitchFamily="34" charset="0"/>
-                <a:cs typeface="Arial" panose="020B0604020202020204" pitchFamily="34" charset="0"/>
-              </a:rPr>
-              <a:t>3</a:t>
-            </a:r>
-            <a:r>
-              <a:rPr lang="en-US" sz="1000" dirty="0" smtClean="0">
-                <a:latin typeface="Arial" panose="020B0604020202020204" pitchFamily="34" charset="0"/>
-                <a:cs typeface="Arial" panose="020B0604020202020204" pitchFamily="34" charset="0"/>
-              </a:rPr>
-              <a:t>].</a:t>
+              <a:t> resulting from the Merchant and User authorization step [1], combined with TS Merchant lookups [3].</a:t>
             </a:r>
           </a:p>
           <a:p>
@@ -8261,35 +8115,35 @@
               </a:spcBef>
             </a:pPr>
             <a:r>
-              <a:rPr lang="en-US" sz="1000" dirty="0" smtClean="0">
+              <a:rPr lang="en-US" sz="1000" dirty="0">
                 <a:latin typeface="Arial" panose="020B0604020202020204" pitchFamily="34" charset="0"/>
                 <a:cs typeface="Arial" panose="020B0604020202020204" pitchFamily="34" charset="0"/>
               </a:rPr>
               <a:t>The arrows in the diagram are </a:t>
             </a:r>
             <a:r>
-              <a:rPr lang="en-US" sz="1000" i="1" dirty="0" smtClean="0">
+              <a:rPr lang="en-US" sz="1000" i="1" dirty="0">
                 <a:latin typeface="Arial" panose="020B0604020202020204" pitchFamily="34" charset="0"/>
                 <a:cs typeface="Arial" panose="020B0604020202020204" pitchFamily="34" charset="0"/>
               </a:rPr>
               <a:t>transient</a:t>
             </a:r>
             <a:r>
-              <a:rPr lang="en-US" sz="1000" dirty="0" smtClean="0">
+              <a:rPr lang="en-US" sz="1000" dirty="0">
                 <a:latin typeface="Arial" panose="020B0604020202020204" pitchFamily="34" charset="0"/>
                 <a:cs typeface="Arial" panose="020B0604020202020204" pitchFamily="34" charset="0"/>
               </a:rPr>
               <a:t>; </a:t>
             </a:r>
             <a:r>
-              <a:rPr lang="en-US" sz="1000" i="1" dirty="0" smtClean="0">
+              <a:rPr lang="en-US" sz="1000" i="1" dirty="0">
                 <a:latin typeface="Arial" panose="020B0604020202020204" pitchFamily="34" charset="0"/>
                 <a:cs typeface="Arial" panose="020B0604020202020204" pitchFamily="34" charset="0"/>
               </a:rPr>
               <a:t>there is no need for externally configured security, path, or routing information</a:t>
             </a:r>
             <a:r>
-              <a:rPr lang="en-US" sz="1000" dirty="0" smtClean="0">
+              <a:rPr lang="en-US" sz="1000" dirty="0">
                 <a:latin typeface="Arial" panose="020B0604020202020204" pitchFamily="34" charset="0"/>
                 <a:cs typeface="Arial" panose="020B0604020202020204" pitchFamily="34" charset="0"/>
               </a:rPr>
@@ -8952,16 +8806,12 @@
           <a:p>
             <a:pPr algn="ctr"/>
             <a:r>
-              <a:rPr lang="en-US" sz="1200" dirty="0" smtClean="0">
+              <a:rPr lang="en-US" sz="1200" dirty="0">
                 <a:latin typeface="Arial" panose="020B0604020202020204" pitchFamily="34" charset="0"/>
                 <a:cs typeface="Arial" panose="020B0604020202020204" pitchFamily="34" charset="0"/>
               </a:rPr>
               <a:t>Merchant Bank</a:t>
             </a:r>
-            <a:endParaRPr lang="en-US" sz="1200" dirty="0">
-              <a:latin typeface="Arial" panose="020B0604020202020204" pitchFamily="34" charset="0"/>
-              <a:cs typeface="Arial" panose="020B0604020202020204" pitchFamily="34" charset="0"/>
-            </a:endParaRPr>
           </a:p>
         </p:txBody>
       </p:sp>
@@ -9040,7 +8890,7 @@
           <a:p>
             <a:pPr algn="ctr"/>
             <a:r>
-              <a:rPr lang="en-US" sz="1200" dirty="0" smtClean="0">
+              <a:rPr lang="en-US" sz="1200" dirty="0">
                 <a:solidFill>
                   <a:schemeClr val="tx1"/>
                 </a:solidFill>
@@ -9049,13 +8899,6 @@
               </a:rPr>
               <a:t>TS</a:t>
             </a:r>
-            <a:endParaRPr lang="en-US" sz="1200" dirty="0">
-              <a:solidFill>
-                <a:schemeClr val="tx1"/>
-              </a:solidFill>
-              <a:latin typeface="Arial" panose="020B0604020202020204" pitchFamily="34" charset="0"/>
-              <a:cs typeface="Arial" panose="020B0604020202020204" pitchFamily="34" charset="0"/>
-            </a:endParaRPr>
           </a:p>
         </p:txBody>
       </p:sp>
@@ -9099,16 +8942,12 @@
           <a:p>
             <a:pPr algn="ctr"/>
             <a:r>
-              <a:rPr lang="en-US" sz="1000" dirty="0" smtClean="0">
+              <a:rPr lang="en-US" sz="1000" dirty="0">
                 <a:latin typeface="Arial" panose="020B0604020202020204" pitchFamily="34" charset="0"/>
                 <a:cs typeface="Arial" panose="020B0604020202020204" pitchFamily="34" charset="0"/>
               </a:rPr>
               <a:t>Payment Request</a:t>
             </a:r>
-            <a:endParaRPr lang="en-US" sz="1000" dirty="0">
-              <a:latin typeface="Arial" panose="020B0604020202020204" pitchFamily="34" charset="0"/>
-              <a:cs typeface="Arial" panose="020B0604020202020204" pitchFamily="34" charset="0"/>
-            </a:endParaRPr>
           </a:p>
         </p:txBody>
       </p:sp>
@@ -9152,16 +8991,12 @@
           <a:p>
             <a:pPr algn="ctr"/>
             <a:r>
-              <a:rPr lang="en-US" sz="1000" dirty="0" smtClean="0">
+              <a:rPr lang="en-US" sz="1000" dirty="0">
                 <a:latin typeface="Arial" panose="020B0604020202020204" pitchFamily="34" charset="0"/>
                 <a:cs typeface="Arial" panose="020B0604020202020204" pitchFamily="34" charset="0"/>
               </a:rPr>
               <a:t>Merchant Lookup</a:t>
             </a:r>
-            <a:endParaRPr lang="en-US" sz="1000" dirty="0">
-              <a:latin typeface="Arial" panose="020B0604020202020204" pitchFamily="34" charset="0"/>
-              <a:cs typeface="Arial" panose="020B0604020202020204" pitchFamily="34" charset="0"/>
-            </a:endParaRPr>
           </a:p>
         </p:txBody>
       </p:sp>
@@ -9454,16 +9289,12 @@
             <a:lstStyle/>
             <a:p>
               <a:r>
-                <a:rPr lang="en-US" sz="600" dirty="0" smtClean="0">
+                <a:rPr lang="en-US" sz="600" dirty="0">
                   <a:latin typeface="Arial" panose="020B0604020202020204" pitchFamily="34" charset="0"/>
                   <a:cs typeface="Arial" panose="020B0604020202020204" pitchFamily="34" charset="0"/>
                 </a:rPr>
                 <a:t>€100</a:t>
               </a:r>
-              <a:endParaRPr lang="en-US" sz="600" dirty="0">
-                <a:latin typeface="Arial" panose="020B0604020202020204" pitchFamily="34" charset="0"/>
-                <a:cs typeface="Arial" panose="020B0604020202020204" pitchFamily="34" charset="0"/>
-              </a:endParaRPr>
             </a:p>
           </p:txBody>
         </p:sp>
@@ -9719,16 +9550,12 @@
           <a:p>
             <a:pPr algn="ctr"/>
             <a:r>
-              <a:rPr lang="en-US" sz="1200" dirty="0" smtClean="0">
+              <a:rPr lang="en-US" sz="1200" dirty="0">
                 <a:latin typeface="Arial" panose="020B0604020202020204" pitchFamily="34" charset="0"/>
                 <a:cs typeface="Arial" panose="020B0604020202020204" pitchFamily="34" charset="0"/>
               </a:rPr>
               <a:t>Wallet / User</a:t>
             </a:r>
-            <a:endParaRPr lang="en-US" sz="1200" dirty="0">
-              <a:latin typeface="Arial" panose="020B0604020202020204" pitchFamily="34" charset="0"/>
-              <a:cs typeface="Arial" panose="020B0604020202020204" pitchFamily="34" charset="0"/>
-            </a:endParaRPr>
           </a:p>
         </p:txBody>
       </p:sp>
@@ -9911,16 +9738,12 @@
             <a:lstStyle/>
             <a:p>
               <a:r>
-                <a:rPr lang="en-US" sz="600" dirty="0" smtClean="0">
+                <a:rPr lang="en-US" sz="600" dirty="0">
                   <a:latin typeface="Arial" panose="020B0604020202020204" pitchFamily="34" charset="0"/>
                   <a:cs typeface="Arial" panose="020B0604020202020204" pitchFamily="34" charset="0"/>
                 </a:rPr>
                 <a:t>€100</a:t>
               </a:r>
-              <a:endParaRPr lang="en-US" sz="600" dirty="0">
-                <a:latin typeface="Arial" panose="020B0604020202020204" pitchFamily="34" charset="0"/>
-                <a:cs typeface="Arial" panose="020B0604020202020204" pitchFamily="34" charset="0"/>
-              </a:endParaRPr>
             </a:p>
           </p:txBody>
         </p:sp>
@@ -10176,16 +9999,12 @@
           <a:p>
             <a:pPr algn="ctr"/>
             <a:r>
-              <a:rPr lang="en-US" sz="1200" dirty="0" smtClean="0">
+              <a:rPr lang="en-US" sz="1200" dirty="0">
                 <a:latin typeface="Arial" panose="020B0604020202020204" pitchFamily="34" charset="0"/>
                 <a:cs typeface="Arial" panose="020B0604020202020204" pitchFamily="34" charset="0"/>
               </a:rPr>
               <a:t>Wallet / User</a:t>
             </a:r>
-            <a:endParaRPr lang="en-US" sz="1200" dirty="0">
-              <a:latin typeface="Arial" panose="020B0604020202020204" pitchFamily="34" charset="0"/>
-              <a:cs typeface="Arial" panose="020B0604020202020204" pitchFamily="34" charset="0"/>
-            </a:endParaRPr>
           </a:p>
         </p:txBody>
       </p:sp>
@@ -10355,16 +10174,12 @@
           <a:p>
             <a:pPr algn="ctr"/>
             <a:r>
-              <a:rPr lang="en-US" sz="1200" dirty="0" smtClean="0">
+              <a:rPr lang="en-US" sz="1200" dirty="0">
                 <a:latin typeface="Arial" panose="020B0604020202020204" pitchFamily="34" charset="0"/>
                 <a:cs typeface="Arial" panose="020B0604020202020204" pitchFamily="34" charset="0"/>
               </a:rPr>
               <a:t>SEPA Card</a:t>
             </a:r>
-            <a:endParaRPr lang="en-US" sz="1200" dirty="0">
-              <a:latin typeface="Arial" panose="020B0604020202020204" pitchFamily="34" charset="0"/>
-              <a:cs typeface="Arial" panose="020B0604020202020204" pitchFamily="34" charset="0"/>
-            </a:endParaRPr>
           </a:p>
         </p:txBody>
       </p:sp>
@@ -10414,14 +10229,7 @@
                 <a:latin typeface="Arial" panose="020B0604020202020204" pitchFamily="34" charset="0"/>
                 <a:cs typeface="Arial" panose="020B0604020202020204" pitchFamily="34" charset="0"/>
               </a:rPr>
-              <a:t> on top of the fees required by the Banks running the payment scheme like SEPA </a:t>
-            </a:r>
-            <a:r>
-              <a:rPr lang="en-US" sz="1000" dirty="0" smtClean="0">
-                <a:latin typeface="Arial" panose="020B0604020202020204" pitchFamily="34" charset="0"/>
-                <a:cs typeface="Arial" panose="020B0604020202020204" pitchFamily="34" charset="0"/>
-              </a:rPr>
-              <a:t>Inst.</a:t>
+              <a:t> on top of the fees required by the Banks running the payment scheme like SEPA Inst.</a:t>
             </a:r>
           </a:p>
           <a:p>
@@ -10431,44 +10239,40 @@
               </a:spcBef>
             </a:pPr>
             <a:r>
-              <a:rPr lang="en-US" sz="1000" dirty="0" smtClean="0">
+              <a:rPr lang="en-US" sz="1000" dirty="0">
                 <a:latin typeface="Arial" panose="020B0604020202020204" pitchFamily="34" charset="0"/>
                 <a:cs typeface="Arial" panose="020B0604020202020204" pitchFamily="34" charset="0"/>
               </a:rPr>
               <a:t>Due to </a:t>
             </a:r>
             <a:r>
-              <a:rPr lang="en-US" sz="1000" i="1" dirty="0" smtClean="0">
+              <a:rPr lang="en-US" sz="1000" i="1" dirty="0">
                 <a:latin typeface="Arial" panose="020B0604020202020204" pitchFamily="34" charset="0"/>
                 <a:cs typeface="Arial" panose="020B0604020202020204" pitchFamily="34" charset="0"/>
               </a:rPr>
               <a:t>technical and commercial challenges</a:t>
             </a:r>
             <a:r>
-              <a:rPr lang="en-US" sz="1000" dirty="0" smtClean="0">
+              <a:rPr lang="en-US" sz="1000" dirty="0">
                 <a:latin typeface="Arial" panose="020B0604020202020204" pitchFamily="34" charset="0"/>
                 <a:cs typeface="Arial" panose="020B0604020202020204" pitchFamily="34" charset="0"/>
               </a:rPr>
               <a:t>, the EPI acceptance network would most likely result in </a:t>
             </a:r>
             <a:r>
-              <a:rPr lang="en-US" sz="1000" i="1" dirty="0" smtClean="0">
+              <a:rPr lang="en-US" sz="1000" i="1" dirty="0">
                 <a:latin typeface="Arial" panose="020B0604020202020204" pitchFamily="34" charset="0"/>
                 <a:cs typeface="Arial" panose="020B0604020202020204" pitchFamily="34" charset="0"/>
               </a:rPr>
               <a:t>a copy of the VISA/MC duopoly</a:t>
             </a:r>
             <a:r>
-              <a:rPr lang="en-US" sz="1000" dirty="0" smtClean="0">
+              <a:rPr lang="en-US" sz="1000" dirty="0">
                 <a:latin typeface="Arial" panose="020B0604020202020204" pitchFamily="34" charset="0"/>
                 <a:cs typeface="Arial" panose="020B0604020202020204" pitchFamily="34" charset="0"/>
               </a:rPr>
               <a:t>. </a:t>
             </a:r>
-            <a:endParaRPr lang="en-US" sz="1000" dirty="0">
-              <a:latin typeface="Arial" panose="020B0604020202020204" pitchFamily="34" charset="0"/>
-              <a:cs typeface="Arial" panose="020B0604020202020204" pitchFamily="34" charset="0"/>
-            </a:endParaRPr>
           </a:p>
         </p:txBody>
       </p:sp>
@@ -10500,81 +10304,53 @@
           <a:lstStyle/>
           <a:p>
             <a:r>
-              <a:rPr lang="en-US" sz="1000" dirty="0" smtClean="0">
+              <a:rPr lang="en-US" sz="1000" dirty="0">
                 <a:latin typeface="Arial" panose="020B0604020202020204" pitchFamily="34" charset="0"/>
                 <a:cs typeface="Arial" panose="020B0604020202020204" pitchFamily="34" charset="0"/>
               </a:rPr>
               <a:t>By </a:t>
             </a:r>
             <a:r>
-              <a:rPr lang="en-US" sz="1000" i="1" dirty="0" smtClean="0">
+              <a:rPr lang="en-US" sz="1000" i="1" dirty="0">
                 <a:latin typeface="Arial" panose="020B0604020202020204" pitchFamily="34" charset="0"/>
                 <a:cs typeface="Arial" panose="020B0604020202020204" pitchFamily="34" charset="0"/>
               </a:rPr>
               <a:t>eliminating front-end</a:t>
             </a:r>
             <a:r>
-              <a:rPr lang="en-US" sz="500" i="1" dirty="0" smtClean="0">
+              <a:rPr lang="en-US" sz="500" i="1" dirty="0">
                 <a:latin typeface="Arial" panose="020B0604020202020204" pitchFamily="34" charset="0"/>
                 <a:cs typeface="Arial" panose="020B0604020202020204" pitchFamily="34" charset="0"/>
               </a:rPr>
               <a:t> </a:t>
             </a:r>
             <a:r>
-              <a:rPr lang="en-US" sz="1000" i="1" dirty="0" smtClean="0">
+              <a:rPr lang="en-US" sz="1000" i="1" dirty="0">
                 <a:latin typeface="Arial" panose="020B0604020202020204" pitchFamily="34" charset="0"/>
                 <a:cs typeface="Arial" panose="020B0604020202020204" pitchFamily="34" charset="0"/>
               </a:rPr>
               <a:t>* intermediaries</a:t>
             </a:r>
             <a:r>
-              <a:rPr lang="en-US" sz="1000" dirty="0" smtClean="0">
+              <a:rPr lang="en-US" sz="1000" dirty="0">
                 <a:latin typeface="Arial" panose="020B0604020202020204" pitchFamily="34" charset="0"/>
                 <a:cs typeface="Arial" panose="020B0604020202020204" pitchFamily="34" charset="0"/>
               </a:rPr>
-              <a:t>, the payment business remains in </a:t>
+              <a:t>, the payment business remains in the hands of the </a:t>
+            </a:r>
+            <a:r>
+              <a:rPr lang="en-US" sz="1000" i="1" dirty="0">
+                <a:latin typeface="Arial" panose="020B0604020202020204" pitchFamily="34" charset="0"/>
+                <a:cs typeface="Arial" panose="020B0604020202020204" pitchFamily="34" charset="0"/>
+              </a:rPr>
+              <a:t>fully decentralized network of Banks </a:t>
             </a:r>
             <a:r>
               <a:rPr lang="en-US" sz="1000" dirty="0">
                 <a:latin typeface="Arial" panose="020B0604020202020204" pitchFamily="34" charset="0"/>
                 <a:cs typeface="Arial" panose="020B0604020202020204" pitchFamily="34" charset="0"/>
               </a:rPr>
-              <a:t>the hands of </a:t>
-            </a:r>
-            <a:r>
-              <a:rPr lang="en-US" sz="1000" dirty="0" smtClean="0">
-                <a:latin typeface="Arial" panose="020B0604020202020204" pitchFamily="34" charset="0"/>
-                <a:cs typeface="Arial" panose="020B0604020202020204" pitchFamily="34" charset="0"/>
-              </a:rPr>
-              <a:t>the </a:t>
-            </a:r>
-            <a:r>
-              <a:rPr lang="en-US" sz="1000" i="1" dirty="0" smtClean="0">
-                <a:latin typeface="Arial" panose="020B0604020202020204" pitchFamily="34" charset="0"/>
-                <a:cs typeface="Arial" panose="020B0604020202020204" pitchFamily="34" charset="0"/>
-              </a:rPr>
-              <a:t>fully </a:t>
-            </a:r>
-            <a:r>
-              <a:rPr lang="en-US" sz="1000" i="1" dirty="0">
-                <a:latin typeface="Arial" panose="020B0604020202020204" pitchFamily="34" charset="0"/>
-                <a:cs typeface="Arial" panose="020B0604020202020204" pitchFamily="34" charset="0"/>
-              </a:rPr>
-              <a:t>decentralized network of Banks </a:t>
-            </a:r>
-            <a:r>
-              <a:rPr lang="en-US" sz="1000" dirty="0" smtClean="0">
-                <a:latin typeface="Arial" panose="020B0604020202020204" pitchFamily="34" charset="0"/>
-                <a:cs typeface="Arial" panose="020B0604020202020204" pitchFamily="34" charset="0"/>
-              </a:rPr>
-              <a:t>running a </a:t>
-            </a:r>
-            <a:r>
-              <a:rPr lang="en-US" sz="1000" dirty="0">
-                <a:latin typeface="Arial" panose="020B0604020202020204" pitchFamily="34" charset="0"/>
-                <a:cs typeface="Arial" panose="020B0604020202020204" pitchFamily="34" charset="0"/>
-              </a:rPr>
-              <a:t>specific payment scheme.</a:t>
+              <a:t>running a specific payment scheme.</a:t>
             </a:r>
           </a:p>
         </p:txBody>
@@ -10750,7 +10526,7 @@
           <a:p>
             <a:pPr algn="ctr"/>
             <a:r>
-              <a:rPr lang="en-US" sz="1000" dirty="0" smtClean="0">
+              <a:rPr lang="en-US" sz="1000" dirty="0">
                 <a:solidFill>
                   <a:schemeClr val="tx1"/>
                 </a:solidFill>
@@ -10759,13 +10535,6 @@
               </a:rPr>
               <a:t>1</a:t>
             </a:r>
-            <a:endParaRPr lang="en-US" sz="1000" dirty="0">
-              <a:solidFill>
-                <a:schemeClr val="tx1"/>
-              </a:solidFill>
-              <a:latin typeface="Arial" panose="020B0604020202020204" pitchFamily="34" charset="0"/>
-              <a:cs typeface="Arial" panose="020B0604020202020204" pitchFamily="34" charset="0"/>
-            </a:endParaRPr>
           </a:p>
         </p:txBody>
       </p:sp>
@@ -10864,7 +10633,7 @@
             <a:p>
               <a:pPr algn="ctr"/>
               <a:r>
-                <a:rPr lang="en-US" sz="1200" dirty="0" smtClean="0">
+                <a:rPr lang="en-US" sz="1200" dirty="0">
                   <a:solidFill>
                     <a:schemeClr val="tx1"/>
                   </a:solidFill>
@@ -10873,13 +10642,6 @@
                 </a:rPr>
                 <a:t>Acquirer</a:t>
               </a:r>
-              <a:endParaRPr lang="en-US" sz="1200" dirty="0">
-                <a:solidFill>
-                  <a:schemeClr val="tx1"/>
-                </a:solidFill>
-                <a:latin typeface="Arial" panose="020B0604020202020204" pitchFamily="34" charset="0"/>
-                <a:cs typeface="Arial" panose="020B0604020202020204" pitchFamily="34" charset="0"/>
-              </a:endParaRPr>
             </a:p>
           </p:txBody>
         </p:sp>
@@ -10983,21 +10745,21 @@
           <a:lstStyle/>
           <a:p>
             <a:r>
-              <a:rPr lang="en-US" sz="1000" b="1" dirty="0" smtClean="0">
+              <a:rPr lang="en-US" sz="1000" b="1" dirty="0">
                 <a:latin typeface="Arial" panose="020B0604020202020204" pitchFamily="34" charset="0"/>
                 <a:cs typeface="Arial" panose="020B0604020202020204" pitchFamily="34" charset="0"/>
               </a:rPr>
               <a:t>*</a:t>
             </a:r>
             <a:r>
-              <a:rPr lang="en-US" sz="1000" dirty="0" smtClean="0">
+              <a:rPr lang="en-US" sz="1000" dirty="0">
                 <a:latin typeface="Arial" panose="020B0604020202020204" pitchFamily="34" charset="0"/>
                 <a:cs typeface="Arial" panose="020B0604020202020204" pitchFamily="34" charset="0"/>
               </a:rPr>
               <a:t> Payee and payer </a:t>
             </a:r>
             <a:r>
-              <a:rPr lang="en-US" sz="1000" i="1" dirty="0" smtClean="0">
+              <a:rPr lang="en-US" sz="1000" i="1" dirty="0">
                 <a:latin typeface="Arial" panose="020B0604020202020204" pitchFamily="34" charset="0"/>
                 <a:cs typeface="Arial" panose="020B0604020202020204" pitchFamily="34" charset="0"/>
               </a:rPr>
@@ -11010,6 +10772,45 @@
           </a:p>
         </p:txBody>
       </p:sp>
+      <p:pic>
+        <p:nvPicPr>
+          <p:cNvPr id="8" name="Graphic 7">
+            <a:extLst>
+              <a:ext uri="{FF2B5EF4-FFF2-40B4-BE49-F238E27FC236}">
+                <a16:creationId xmlns:a16="http://schemas.microsoft.com/office/drawing/2014/main" id="{7DE0EC43-A153-40E4-9735-DF39D703A8BC}"/>
+              </a:ext>
+            </a:extLst>
+          </p:cNvPr>
+          <p:cNvPicPr>
+            <a:picLocks noChangeAspect="1"/>
+          </p:cNvPicPr>
+          <p:nvPr/>
+        </p:nvPicPr>
+        <p:blipFill>
+          <a:blip r:embed="rId8">
+            <a:extLst>
+              <a:ext uri="{28A0092B-C50C-407E-A947-70E740481C1C}">
+                <a14:useLocalDpi xmlns:a14="http://schemas.microsoft.com/office/drawing/2010/main" val="0"/>
+              </a:ext>
+              <a:ext uri="{96DAC541-7B7A-43D3-8B79-37D633B846F1}">
+                <asvg:svgBlip xmlns:asvg="http://schemas.microsoft.com/office/drawing/2016/SVG/main" r:embed="rId9"/>
+              </a:ext>
+            </a:extLst>
+          </a:blip>
+          <a:stretch>
+            <a:fillRect/>
+          </a:stretch>
+        </p:blipFill>
+        <p:spPr>
+          <a:xfrm>
+            <a:off x="7971542" y="93395"/>
+            <a:ext cx="1087985" cy="425733"/>
+          </a:xfrm>
+          <a:prstGeom prst="rect">
+            <a:avLst/>
+          </a:prstGeom>
+        </p:spPr>
+      </p:pic>
     </p:spTree>
     <p:extLst>
       <p:ext uri="{BB962C8B-B14F-4D97-AF65-F5344CB8AC3E}">
@@ -11028,13 +10829,6 @@
       <p:transition/>
     </mc:Fallback>
   </mc:AlternateContent>
-  <p:timing>
-    <p:tnLst>
-      <p:par>
-        <p:cTn id="1" dur="indefinite" restart="never" nodeType="tmRoot"/>
-      </p:par>
-    </p:tnLst>
-  </p:timing>
 </p:sld>
 </file>
 
@@ -11077,12 +10871,12 @@
           <a:graphicData uri="http://schemas.openxmlformats.org/presentationml/2006/ole">
             <mc:AlternateContent xmlns:mc="http://schemas.openxmlformats.org/markup-compatibility/2006">
               <mc:Choice xmlns:v="urn:schemas-microsoft-com:vml" Requires="v">
-                <p:oleObj spid="_x0000_s1029" name="Document" r:id="rId3" imgW="9047594" imgH="4359646" progId="Word.Document.12">
+                <p:oleObj name="Document" r:id="rId2" imgW="9047594" imgH="4359646" progId="Word.Document.12">
                   <p:embed/>
                 </p:oleObj>
               </mc:Choice>
               <mc:Fallback>
-                <p:oleObj name="Document" r:id="rId3" imgW="9047594" imgH="4359646" progId="Word.Document.12">
+                <p:oleObj name="Document" r:id="rId2" imgW="9047594" imgH="4359646" progId="Word.Document.12">
                   <p:embed/>
                   <p:pic>
                     <p:nvPicPr>
@@ -11091,7 +10885,7 @@
                       <p:nvPr/>
                     </p:nvPicPr>
                     <p:blipFill>
-                      <a:blip r:embed="rId4"/>
+                      <a:blip r:embed="rId3"/>
                       <a:stretch>
                         <a:fillRect/>
                       </a:stretch>
@@ -11134,12 +10928,12 @@
           <a:graphicData uri="http://schemas.openxmlformats.org/presentationml/2006/ole">
             <mc:AlternateContent xmlns:mc="http://schemas.openxmlformats.org/markup-compatibility/2006">
               <mc:Choice xmlns:v="urn:schemas-microsoft-com:vml" Requires="v">
-                <p:oleObj spid="_x0000_s1030" name="Document" r:id="rId5" imgW="9047594" imgH="2799720" progId="Word.Document.12">
+                <p:oleObj name="Document" r:id="rId4" imgW="9047594" imgH="2799720" progId="Word.Document.12">
                   <p:embed/>
                 </p:oleObj>
               </mc:Choice>
               <mc:Fallback>
-                <p:oleObj name="Document" r:id="rId5" imgW="9047594" imgH="2799720" progId="Word.Document.12">
+                <p:oleObj name="Document" r:id="rId4" imgW="9047594" imgH="2799720" progId="Word.Document.12">
                   <p:embed/>
                   <p:pic>
                     <p:nvPicPr>
@@ -11148,7 +10942,7 @@
                       <p:nvPr/>
                     </p:nvPicPr>
                     <p:blipFill>
-                      <a:blip r:embed="rId6"/>
+                      <a:blip r:embed="rId5"/>
                       <a:stretch>
                         <a:fillRect/>
                       </a:stretch>
@@ -11192,16 +10986,12 @@
           <a:p>
             <a:pPr algn="ctr"/>
             <a:r>
-              <a:rPr lang="en-US" dirty="0" smtClean="0">
+              <a:rPr lang="en-US" dirty="0">
                 <a:latin typeface="Arial" panose="020B0604020202020204" pitchFamily="34" charset="0"/>
                 <a:cs typeface="Arial" panose="020B0604020202020204" pitchFamily="34" charset="0"/>
               </a:rPr>
               <a:t>Existing Features</a:t>
             </a:r>
-            <a:endParaRPr lang="en-US" dirty="0">
-              <a:latin typeface="Arial" panose="020B0604020202020204" pitchFamily="34" charset="0"/>
-              <a:cs typeface="Arial" panose="020B0604020202020204" pitchFamily="34" charset="0"/>
-            </a:endParaRPr>
           </a:p>
         </p:txBody>
       </p:sp>
@@ -11228,16 +11018,12 @@
           <a:p>
             <a:pPr algn="ctr"/>
             <a:r>
-              <a:rPr lang="en-US" dirty="0" smtClean="0">
+              <a:rPr lang="en-US" dirty="0">
                 <a:latin typeface="Arial" panose="020B0604020202020204" pitchFamily="34" charset="0"/>
                 <a:cs typeface="Arial" panose="020B0604020202020204" pitchFamily="34" charset="0"/>
               </a:rPr>
               <a:t>Planned Features</a:t>
             </a:r>
-            <a:endParaRPr lang="en-US" dirty="0">
-              <a:latin typeface="Arial" panose="020B0604020202020204" pitchFamily="34" charset="0"/>
-              <a:cs typeface="Arial" panose="020B0604020202020204" pitchFamily="34" charset="0"/>
-            </a:endParaRPr>
           </a:p>
         </p:txBody>
       </p:sp>

--- a/saturn/epi(presumed)-vs-saturn.pptx
+++ b/saturn/epi(presumed)-vs-saturn.pptx
@@ -317,7 +317,7 @@
           <a:p>
             <a:fld id="{FC080E38-6FF2-48B3-BDAB-4FA23B840E92}" type="datetimeFigureOut">
               <a:rPr lang="en-US" smtClean="0"/>
-              <a:t>2021-07-02</a:t>
+              <a:t>2022-11-26</a:t>
             </a:fld>
             <a:endParaRPr lang="en-US"/>
           </a:p>
@@ -8035,22 +8035,19 @@
                 <a:latin typeface="Arial" panose="020B0604020202020204" pitchFamily="34" charset="0"/>
                 <a:cs typeface="Arial" panose="020B0604020202020204" pitchFamily="34" charset="0"/>
               </a:rPr>
-              <a:t> architecture a Merchant has a business agreement with their account-holding Bank which also provides a simple </a:t>
+              <a:t> architecture, Merchants are bound by business agreements with their </a:t>
             </a:r>
             <a:r>
-              <a:rPr lang="en-US" sz="1000" i="1" dirty="0">
+              <a:rPr lang="en-US" sz="1000">
                 <a:latin typeface="Arial" panose="020B0604020202020204" pitchFamily="34" charset="0"/>
                 <a:cs typeface="Arial" panose="020B0604020202020204" pitchFamily="34" charset="0"/>
               </a:rPr>
-              <a:t>public trust service</a:t>
+              <a:t>account-holding Bank, who also provides a simple public trust service (TS), that vouches for the Merchant’s legitimacy including its claimed account number and signature key. </a:t>
             </a:r>
-            <a:r>
-              <a:rPr lang="en-US" sz="1000" dirty="0">
-                <a:latin typeface="Arial" panose="020B0604020202020204" pitchFamily="34" charset="0"/>
-                <a:cs typeface="Arial" panose="020B0604020202020204" pitchFamily="34" charset="0"/>
-              </a:rPr>
-              <a:t> (TS), that vouches for the Merchant’s validity including its claimed account number. </a:t>
-            </a:r>
+            <a:endParaRPr lang="en-US" sz="1000" dirty="0">
+              <a:latin typeface="Arial" panose="020B0604020202020204" pitchFamily="34" charset="0"/>
+              <a:cs typeface="Arial" panose="020B0604020202020204" pitchFamily="34" charset="0"/>
+            </a:endParaRPr>
           </a:p>
           <a:p>
             <a:pPr>
